--- a/Airbnb PPT.pptx
+++ b/Airbnb PPT.pptx
@@ -6,15 +6,16 @@
     <p:sldMasterId id="2147483660" r:id="rId2"/>
   </p:sldMasterIdLst>
   <p:notesMasterIdLst>
-    <p:notesMasterId r:id="rId9"/>
+    <p:notesMasterId r:id="rId10"/>
   </p:notesMasterIdLst>
   <p:sldIdLst>
     <p:sldId id="256" r:id="rId3"/>
     <p:sldId id="259" r:id="rId4"/>
-    <p:sldId id="266" r:id="rId5"/>
-    <p:sldId id="268" r:id="rId6"/>
-    <p:sldId id="267" r:id="rId7"/>
-    <p:sldId id="265" r:id="rId8"/>
+    <p:sldId id="269" r:id="rId5"/>
+    <p:sldId id="266" r:id="rId6"/>
+    <p:sldId id="268" r:id="rId7"/>
+    <p:sldId id="267" r:id="rId8"/>
+    <p:sldId id="265" r:id="rId9"/>
   </p:sldIdLst>
   <p:sldSz cx="12192000" cy="6858000"/>
   <p:notesSz cx="6858000" cy="9144000"/>
@@ -5122,6 +5123,673 @@
 <file path=ppt/slides/slide3.xml><?xml version="1.0" encoding="utf-8"?>
 <p:sld xmlns:a="http://schemas.openxmlformats.org/drawingml/2006/main" xmlns:r="http://schemas.openxmlformats.org/officeDocument/2006/relationships" xmlns:p="http://schemas.openxmlformats.org/presentationml/2006/main">
   <p:cSld>
+    <p:spTree>
+      <p:nvGrpSpPr>
+        <p:cNvPr id="1" name=""/>
+        <p:cNvGrpSpPr/>
+        <p:nvPr/>
+      </p:nvGrpSpPr>
+      <p:grpSpPr>
+        <a:xfrm>
+          <a:off x="0" y="0"/>
+          <a:ext cx="0" cy="0"/>
+          <a:chOff x="0" y="0"/>
+          <a:chExt cx="0" cy="0"/>
+        </a:xfrm>
+      </p:grpSpPr>
+      <p:sp>
+        <p:nvSpPr>
+          <p:cNvPr id="2" name="Title 1">
+            <a:extLst>
+              <a:ext uri="{FF2B5EF4-FFF2-40B4-BE49-F238E27FC236}">
+                <a16:creationId xmlns:a16="http://schemas.microsoft.com/office/drawing/2014/main" id="{EED7304C-32A6-4300-A098-F4D645B1709A}"/>
+              </a:ext>
+            </a:extLst>
+          </p:cNvPr>
+          <p:cNvSpPr>
+            <a:spLocks noGrp="1"/>
+          </p:cNvSpPr>
+          <p:nvPr>
+            <p:ph type="title"/>
+          </p:nvPr>
+        </p:nvSpPr>
+        <p:spPr/>
+        <p:txBody>
+          <a:bodyPr/>
+          <a:lstStyle/>
+          <a:p>
+            <a:r>
+              <a:rPr lang="en-US" dirty="0"/>
+              <a:t>The data exploration and cleanup process</a:t>
+            </a:r>
+          </a:p>
+        </p:txBody>
+      </p:sp>
+      <p:sp>
+        <p:nvSpPr>
+          <p:cNvPr id="8" name="Rectangle 4">
+            <a:extLst>
+              <a:ext uri="{FF2B5EF4-FFF2-40B4-BE49-F238E27FC236}">
+                <a16:creationId xmlns:a16="http://schemas.microsoft.com/office/drawing/2014/main" id="{F6176723-6D2A-480C-884E-03F461503797}"/>
+              </a:ext>
+            </a:extLst>
+          </p:cNvPr>
+          <p:cNvSpPr>
+            <a:spLocks noChangeArrowheads="1"/>
+          </p:cNvSpPr>
+          <p:nvPr/>
+        </p:nvSpPr>
+        <p:spPr bwMode="auto">
+          <a:xfrm>
+            <a:off x="689811" y="3904033"/>
+            <a:ext cx="3252602" cy="123111"/>
+          </a:xfrm>
+          <a:prstGeom prst="rect">
+            <a:avLst/>
+          </a:prstGeom>
+          <a:solidFill>
+            <a:srgbClr val="FFFFFF"/>
+          </a:solidFill>
+          <a:ln>
+            <a:noFill/>
+          </a:ln>
+          <a:effectLst/>
+          <a:extLst>
+            <a:ext uri="{91240B29-F687-4F45-9708-019B960494DF}">
+              <a14:hiddenLine xmlns:a14="http://schemas.microsoft.com/office/drawing/2010/main" w="9525">
+                <a:solidFill>
+                  <a:schemeClr val="tx1"/>
+                </a:solidFill>
+                <a:miter lim="800000"/>
+                <a:headEnd/>
+                <a:tailEnd/>
+              </a14:hiddenLine>
+            </a:ext>
+            <a:ext uri="{AF507438-7753-43E0-B8FC-AC1667EBCBE1}">
+              <a14:hiddenEffects xmlns:a14="http://schemas.microsoft.com/office/drawing/2010/main">
+                <a:effectLst>
+                  <a:outerShdw dist="35921" dir="2700000" algn="ctr" rotWithShape="0">
+                    <a:schemeClr val="bg2"/>
+                  </a:outerShdw>
+                </a:effectLst>
+              </a14:hiddenEffects>
+            </a:ext>
+          </a:extLst>
+        </p:spPr>
+        <p:txBody>
+          <a:bodyPr vert="horz" wrap="square" lIns="0" tIns="0" rIns="0" bIns="0" numCol="1" anchor="ctr" anchorCtr="0" compatLnSpc="1">
+            <a:prstTxWarp prst="textNoShape">
+              <a:avLst/>
+            </a:prstTxWarp>
+            <a:spAutoFit/>
+          </a:bodyPr>
+          <a:lstStyle/>
+          <a:p>
+            <a:pPr marL="0" marR="0" lvl="0" indent="0" algn="l" defTabSz="914400" rtl="0" eaLnBrk="0" fontAlgn="base" latinLnBrk="0" hangingPunct="0">
+              <a:lnSpc>
+                <a:spcPct val="100000"/>
+              </a:lnSpc>
+              <a:spcBef>
+                <a:spcPct val="0"/>
+              </a:spcBef>
+              <a:spcAft>
+                <a:spcPct val="0"/>
+              </a:spcAft>
+              <a:buClrTx/>
+              <a:buSzTx/>
+              <a:buFontTx/>
+              <a:buNone/>
+              <a:tabLst/>
+            </a:pPr>
+            <a:r>
+              <a:rPr kumimoji="0" lang="en-US" altLang="en-US" sz="800" b="0" i="0" u="none" strike="noStrike" cap="none" normalizeH="0" baseline="0" dirty="0">
+                <a:ln>
+                  <a:noFill/>
+                </a:ln>
+                <a:solidFill>
+                  <a:schemeClr val="tx1"/>
+                </a:solidFill>
+                <a:effectLst/>
+              </a:rPr>
+              <a:t> </a:t>
+            </a:r>
+            <a:endParaRPr kumimoji="0" lang="en-US" altLang="en-US" sz="1800" b="0" i="0" u="none" strike="noStrike" cap="none" normalizeH="0" baseline="0" dirty="0">
+              <a:ln>
+                <a:noFill/>
+              </a:ln>
+              <a:solidFill>
+                <a:schemeClr val="tx1"/>
+              </a:solidFill>
+              <a:effectLst/>
+              <a:latin typeface="Arial" panose="020B0604020202020204" pitchFamily="34" charset="0"/>
+            </a:endParaRPr>
+          </a:p>
+        </p:txBody>
+      </p:sp>
+      <p:graphicFrame>
+        <p:nvGraphicFramePr>
+          <p:cNvPr id="9" name="Table 9">
+            <a:extLst>
+              <a:ext uri="{FF2B5EF4-FFF2-40B4-BE49-F238E27FC236}">
+                <a16:creationId xmlns:a16="http://schemas.microsoft.com/office/drawing/2014/main" id="{45A39195-72E9-4BDC-8028-EC34A265B217}"/>
+              </a:ext>
+            </a:extLst>
+          </p:cNvPr>
+          <p:cNvGraphicFramePr>
+            <a:graphicFrameLocks noGrp="1"/>
+          </p:cNvGraphicFramePr>
+          <p:nvPr>
+            <p:extLst>
+              <p:ext uri="{D42A27DB-BD31-4B8C-83A1-F6EECF244321}">
+                <p14:modId xmlns:p14="http://schemas.microsoft.com/office/powerpoint/2010/main" val="398603514"/>
+              </p:ext>
+            </p:extLst>
+          </p:nvPr>
+        </p:nvGraphicFramePr>
+        <p:xfrm>
+          <a:off x="689810" y="5010260"/>
+          <a:ext cx="8127999" cy="1828800"/>
+        </p:xfrm>
+        <a:graphic>
+          <a:graphicData uri="http://schemas.openxmlformats.org/drawingml/2006/table">
+            <a:tbl>
+              <a:tblPr firstRow="1" bandRow="1">
+                <a:tableStyleId>{5C22544A-7EE6-4342-B048-85BDC9FD1C3A}</a:tableStyleId>
+              </a:tblPr>
+              <a:tblGrid>
+                <a:gridCol w="8127999">
+                  <a:extLst>
+                    <a:ext uri="{9D8B030D-6E8A-4147-A177-3AD203B41FA5}">
+                      <a16:colId xmlns:a16="http://schemas.microsoft.com/office/drawing/2014/main" val="3767221043"/>
+                    </a:ext>
+                  </a:extLst>
+                </a:gridCol>
+              </a:tblGrid>
+              <a:tr h="1261689">
+                <a:tc>
+                  <a:txBody>
+                    <a:bodyPr/>
+                    <a:lstStyle/>
+                    <a:p>
+                      <a:r>
+                        <a:rPr lang="en-US" dirty="0"/>
+                        <a:t>#Drop Airbnb's with no availability for 2019</a:t>
+                      </a:r>
+                    </a:p>
+                    <a:p>
+                      <a:r>
+                        <a:rPr lang="en-US" dirty="0" err="1"/>
+                        <a:t>unavail_abb_df</a:t>
+                      </a:r>
+                      <a:r>
+                        <a:rPr lang="en-US" dirty="0"/>
+                        <a:t> = </a:t>
+                      </a:r>
+                      <a:r>
+                        <a:rPr lang="en-US" dirty="0" err="1"/>
+                        <a:t>abb_df</a:t>
+                      </a:r>
+                      <a:r>
+                        <a:rPr lang="en-US" dirty="0"/>
+                        <a:t>[</a:t>
+                      </a:r>
+                      <a:r>
+                        <a:rPr lang="en-US" dirty="0" err="1"/>
+                        <a:t>abb_df</a:t>
+                      </a:r>
+                      <a:r>
+                        <a:rPr lang="en-US" dirty="0"/>
+                        <a:t>['availability_365']==0]</a:t>
+                      </a:r>
+                    </a:p>
+                    <a:p>
+                      <a:r>
+                        <a:rPr lang="en-US" dirty="0" err="1"/>
+                        <a:t>clean_abb_df</a:t>
+                      </a:r>
+                      <a:r>
+                        <a:rPr lang="en-US" dirty="0"/>
+                        <a:t> = </a:t>
+                      </a:r>
+                      <a:r>
+                        <a:rPr lang="en-US" dirty="0" err="1"/>
+                        <a:t>abb_df</a:t>
+                      </a:r>
+                      <a:r>
+                        <a:rPr lang="en-US" dirty="0"/>
+                        <a:t>[</a:t>
+                      </a:r>
+                      <a:r>
+                        <a:rPr lang="en-US" dirty="0" err="1"/>
+                        <a:t>abb_d</a:t>
+                      </a:r>
+                      <a:endParaRPr lang="en-US" dirty="0"/>
+                    </a:p>
+                    <a:p>
+                      <a:r>
+                        <a:rPr lang="en-US" dirty="0"/>
+                        <a:t>f['availability_365']&gt;0]</a:t>
+                      </a:r>
+                    </a:p>
+                    <a:p>
+                      <a:r>
+                        <a:rPr lang="en-US" dirty="0" err="1"/>
+                        <a:t>len</a:t>
+                      </a:r>
+                      <a:r>
+                        <a:rPr lang="en-US" dirty="0"/>
+                        <a:t>(</a:t>
+                      </a:r>
+                      <a:r>
+                        <a:rPr lang="en-US" dirty="0" err="1"/>
+                        <a:t>clean_abb_df</a:t>
+                      </a:r>
+                      <a:r>
+                        <a:rPr lang="en-US" dirty="0"/>
+                        <a:t>)</a:t>
+                      </a:r>
+                    </a:p>
+                  </a:txBody>
+                  <a:tcPr/>
+                </a:tc>
+                <a:extLst>
+                  <a:ext uri="{0D108BD9-81ED-4DB2-BD59-A6C34878D82A}">
+                    <a16:rowId xmlns:a16="http://schemas.microsoft.com/office/drawing/2014/main" val="2716658265"/>
+                  </a:ext>
+                </a:extLst>
+              </a:tr>
+              <a:tr h="315422">
+                <a:tc>
+                  <a:txBody>
+                    <a:bodyPr/>
+                    <a:lstStyle/>
+                    <a:p>
+                      <a:r>
+                        <a:rPr lang="en-US" dirty="0"/>
+                        <a:t>31362</a:t>
+                      </a:r>
+                    </a:p>
+                  </a:txBody>
+                  <a:tcPr/>
+                </a:tc>
+                <a:extLst>
+                  <a:ext uri="{0D108BD9-81ED-4DB2-BD59-A6C34878D82A}">
+                    <a16:rowId xmlns:a16="http://schemas.microsoft.com/office/drawing/2014/main" val="3874591547"/>
+                  </a:ext>
+                </a:extLst>
+              </a:tr>
+            </a:tbl>
+          </a:graphicData>
+        </a:graphic>
+      </p:graphicFrame>
+      <p:graphicFrame>
+        <p:nvGraphicFramePr>
+          <p:cNvPr id="12" name="Table 12">
+            <a:extLst>
+              <a:ext uri="{FF2B5EF4-FFF2-40B4-BE49-F238E27FC236}">
+                <a16:creationId xmlns:a16="http://schemas.microsoft.com/office/drawing/2014/main" id="{CAF4F9C4-0502-4AE7-B1B3-A80F706FBF79}"/>
+              </a:ext>
+            </a:extLst>
+          </p:cNvPr>
+          <p:cNvGraphicFramePr>
+            <a:graphicFrameLocks noGrp="1"/>
+          </p:cNvGraphicFramePr>
+          <p:nvPr>
+            <p:extLst>
+              <p:ext uri="{D42A27DB-BD31-4B8C-83A1-F6EECF244321}">
+                <p14:modId xmlns:p14="http://schemas.microsoft.com/office/powerpoint/2010/main" val="1515525826"/>
+              </p:ext>
+            </p:extLst>
+          </p:nvPr>
+        </p:nvGraphicFramePr>
+        <p:xfrm>
+          <a:off x="689811" y="2738604"/>
+          <a:ext cx="8127999" cy="2138481"/>
+        </p:xfrm>
+        <a:graphic>
+          <a:graphicData uri="http://schemas.openxmlformats.org/drawingml/2006/table">
+            <a:tbl>
+              <a:tblPr firstRow="1" bandRow="1">
+                <a:tableStyleId>{5C22544A-7EE6-4342-B048-85BDC9FD1C3A}</a:tableStyleId>
+              </a:tblPr>
+              <a:tblGrid>
+                <a:gridCol w="8127999">
+                  <a:extLst>
+                    <a:ext uri="{9D8B030D-6E8A-4147-A177-3AD203B41FA5}">
+                      <a16:colId xmlns:a16="http://schemas.microsoft.com/office/drawing/2014/main" val="1400434500"/>
+                    </a:ext>
+                  </a:extLst>
+                </a:gridCol>
+              </a:tblGrid>
+              <a:tr h="574838">
+                <a:tc>
+                  <a:txBody>
+                    <a:bodyPr/>
+                    <a:lstStyle/>
+                    <a:p>
+                      <a:r>
+                        <a:rPr lang="en-CA" dirty="0"/>
+                        <a:t>#Check for Airbnb's availability for 2019</a:t>
+                      </a:r>
+                    </a:p>
+                    <a:p>
+                      <a:r>
+                        <a:rPr lang="en-CA" dirty="0" err="1"/>
+                        <a:t>abb_df</a:t>
+                      </a:r>
+                      <a:r>
+                        <a:rPr lang="en-CA" dirty="0"/>
+                        <a:t>['availability_365'].</a:t>
+                      </a:r>
+                      <a:r>
+                        <a:rPr lang="en-CA" dirty="0" err="1"/>
+                        <a:t>value_counts</a:t>
+                      </a:r>
+                      <a:r>
+                        <a:rPr lang="en-CA" dirty="0"/>
+                        <a:t>().head()</a:t>
+                      </a:r>
+                    </a:p>
+                  </a:txBody>
+                  <a:tcPr/>
+                </a:tc>
+                <a:extLst>
+                  <a:ext uri="{0D108BD9-81ED-4DB2-BD59-A6C34878D82A}">
+                    <a16:rowId xmlns:a16="http://schemas.microsoft.com/office/drawing/2014/main" val="3263522648"/>
+                  </a:ext>
+                </a:extLst>
+              </a:tr>
+              <a:tr h="1498401">
+                <a:tc>
+                  <a:txBody>
+                    <a:bodyPr/>
+                    <a:lstStyle/>
+                    <a:p>
+                      <a:pPr marL="0" marR="0" lvl="0" indent="0" algn="l" defTabSz="914400" rtl="0" eaLnBrk="0" fontAlgn="base" latinLnBrk="0" hangingPunct="0">
+                        <a:lnSpc>
+                          <a:spcPct val="100000"/>
+                        </a:lnSpc>
+                        <a:spcBef>
+                          <a:spcPct val="0"/>
+                        </a:spcBef>
+                        <a:spcAft>
+                          <a:spcPct val="0"/>
+                        </a:spcAft>
+                        <a:buClrTx/>
+                        <a:buSzTx/>
+                        <a:buFontTx/>
+                        <a:buNone/>
+                        <a:tabLst/>
+                      </a:pPr>
+                      <a:r>
+                        <a:rPr kumimoji="0" lang="en-US" altLang="en-US" sz="1800" b="0" i="0" u="none" strike="noStrike" cap="none" normalizeH="0" baseline="0" dirty="0">
+                          <a:ln>
+                            <a:noFill/>
+                          </a:ln>
+                          <a:solidFill>
+                            <a:srgbClr val="000000"/>
+                          </a:solidFill>
+                          <a:effectLst/>
+                          <a:latin typeface="Arial Unicode MS" panose="020B0604020202020204" pitchFamily="34" charset="-128"/>
+                          <a:ea typeface="Courier New" panose="02070309020205020404" pitchFamily="49" charset="0"/>
+                        </a:rPr>
+                        <a:t>0      17533 </a:t>
+                      </a:r>
+                    </a:p>
+                    <a:p>
+                      <a:pPr marL="0" marR="0" lvl="0" indent="0" algn="l" defTabSz="914400" rtl="0" eaLnBrk="0" fontAlgn="base" latinLnBrk="0" hangingPunct="0">
+                        <a:lnSpc>
+                          <a:spcPct val="100000"/>
+                        </a:lnSpc>
+                        <a:spcBef>
+                          <a:spcPct val="0"/>
+                        </a:spcBef>
+                        <a:spcAft>
+                          <a:spcPct val="0"/>
+                        </a:spcAft>
+                        <a:buClrTx/>
+                        <a:buSzTx/>
+                        <a:buFontTx/>
+                        <a:buNone/>
+                        <a:tabLst/>
+                      </a:pPr>
+                      <a:r>
+                        <a:rPr kumimoji="0" lang="en-US" altLang="en-US" sz="1800" b="0" i="0" u="none" strike="noStrike" cap="none" normalizeH="0" baseline="0" dirty="0">
+                          <a:ln>
+                            <a:noFill/>
+                          </a:ln>
+                          <a:solidFill>
+                            <a:srgbClr val="000000"/>
+                          </a:solidFill>
+                          <a:effectLst/>
+                          <a:latin typeface="Arial Unicode MS" panose="020B0604020202020204" pitchFamily="34" charset="-128"/>
+                          <a:ea typeface="Courier New" panose="02070309020205020404" pitchFamily="49" charset="0"/>
+                        </a:rPr>
+                        <a:t>365  1295</a:t>
+                      </a:r>
+                    </a:p>
+                    <a:p>
+                      <a:pPr marL="0" marR="0" lvl="0" indent="0" algn="l" defTabSz="914400" rtl="0" eaLnBrk="0" fontAlgn="base" latinLnBrk="0" hangingPunct="0">
+                        <a:lnSpc>
+                          <a:spcPct val="100000"/>
+                        </a:lnSpc>
+                        <a:spcBef>
+                          <a:spcPct val="0"/>
+                        </a:spcBef>
+                        <a:spcAft>
+                          <a:spcPct val="0"/>
+                        </a:spcAft>
+                        <a:buClrTx/>
+                        <a:buSzTx/>
+                        <a:buFontTx/>
+                        <a:buNone/>
+                        <a:tabLst/>
+                      </a:pPr>
+                      <a:r>
+                        <a:rPr kumimoji="0" lang="en-US" altLang="en-US" sz="1800" b="0" i="0" u="none" strike="noStrike" cap="none" normalizeH="0" baseline="0" dirty="0">
+                          <a:ln>
+                            <a:noFill/>
+                          </a:ln>
+                          <a:solidFill>
+                            <a:srgbClr val="000000"/>
+                          </a:solidFill>
+                          <a:effectLst/>
+                          <a:latin typeface="Arial Unicode MS" panose="020B0604020202020204" pitchFamily="34" charset="-128"/>
+                          <a:ea typeface="Courier New" panose="02070309020205020404" pitchFamily="49" charset="0"/>
+                        </a:rPr>
+                        <a:t>364  491 </a:t>
+                      </a:r>
+                    </a:p>
+                    <a:p>
+                      <a:pPr marL="0" marR="0" lvl="0" indent="0" algn="l" defTabSz="914400" rtl="0" eaLnBrk="0" fontAlgn="base" latinLnBrk="0" hangingPunct="0">
+                        <a:lnSpc>
+                          <a:spcPct val="100000"/>
+                        </a:lnSpc>
+                        <a:spcBef>
+                          <a:spcPct val="0"/>
+                        </a:spcBef>
+                        <a:spcAft>
+                          <a:spcPct val="0"/>
+                        </a:spcAft>
+                        <a:buClrTx/>
+                        <a:buSzTx/>
+                        <a:buFontTx/>
+                        <a:buNone/>
+                        <a:tabLst/>
+                      </a:pPr>
+                      <a:r>
+                        <a:rPr kumimoji="0" lang="en-US" altLang="en-US" sz="1800" b="0" i="0" u="none" strike="noStrike" cap="none" normalizeH="0" baseline="0" dirty="0">
+                          <a:ln>
+                            <a:noFill/>
+                          </a:ln>
+                          <a:solidFill>
+                            <a:srgbClr val="000000"/>
+                          </a:solidFill>
+                          <a:effectLst/>
+                          <a:latin typeface="Arial Unicode MS" panose="020B0604020202020204" pitchFamily="34" charset="-128"/>
+                          <a:ea typeface="Courier New" panose="02070309020205020404" pitchFamily="49" charset="0"/>
+                        </a:rPr>
+                        <a:t>1      408</a:t>
+                      </a:r>
+                    </a:p>
+                    <a:p>
+                      <a:pPr marL="342900" marR="0" lvl="0" indent="-342900" algn="l" defTabSz="914400" rtl="0" eaLnBrk="0" fontAlgn="base" latinLnBrk="0" hangingPunct="0">
+                        <a:lnSpc>
+                          <a:spcPct val="100000"/>
+                        </a:lnSpc>
+                        <a:spcBef>
+                          <a:spcPct val="0"/>
+                        </a:spcBef>
+                        <a:spcAft>
+                          <a:spcPct val="0"/>
+                        </a:spcAft>
+                        <a:buClrTx/>
+                        <a:buSzTx/>
+                        <a:buFontTx/>
+                        <a:buAutoNum type="arabicPlain" startAt="89"/>
+                        <a:tabLst/>
+                      </a:pPr>
+                      <a:r>
+                        <a:rPr kumimoji="0" lang="en-US" altLang="en-US" sz="1800" b="0" i="0" u="none" strike="noStrike" cap="none" normalizeH="0" baseline="0" dirty="0">
+                          <a:ln>
+                            <a:noFill/>
+                          </a:ln>
+                          <a:solidFill>
+                            <a:srgbClr val="000000"/>
+                          </a:solidFill>
+                          <a:effectLst/>
+                          <a:latin typeface="Arial Unicode MS" panose="020B0604020202020204" pitchFamily="34" charset="-128"/>
+                          <a:ea typeface="Courier New" panose="02070309020205020404" pitchFamily="49" charset="0"/>
+                        </a:rPr>
+                        <a:t>  361</a:t>
+                      </a:r>
+                      <a:endParaRPr lang="en-US" dirty="0"/>
+                    </a:p>
+                  </a:txBody>
+                  <a:tcPr/>
+                </a:tc>
+                <a:extLst>
+                  <a:ext uri="{0D108BD9-81ED-4DB2-BD59-A6C34878D82A}">
+                    <a16:rowId xmlns:a16="http://schemas.microsoft.com/office/drawing/2014/main" val="3309506855"/>
+                  </a:ext>
+                </a:extLst>
+              </a:tr>
+            </a:tbl>
+          </a:graphicData>
+        </a:graphic>
+      </p:graphicFrame>
+      <p:graphicFrame>
+        <p:nvGraphicFramePr>
+          <p:cNvPr id="16" name="Table 16">
+            <a:extLst>
+              <a:ext uri="{FF2B5EF4-FFF2-40B4-BE49-F238E27FC236}">
+                <a16:creationId xmlns:a16="http://schemas.microsoft.com/office/drawing/2014/main" id="{090F0ECA-9718-4F9B-9E03-F6C6207463A2}"/>
+              </a:ext>
+            </a:extLst>
+          </p:cNvPr>
+          <p:cNvGraphicFramePr>
+            <a:graphicFrameLocks noGrp="1"/>
+          </p:cNvGraphicFramePr>
+          <p:nvPr>
+            <p:extLst>
+              <p:ext uri="{D42A27DB-BD31-4B8C-83A1-F6EECF244321}">
+                <p14:modId xmlns:p14="http://schemas.microsoft.com/office/powerpoint/2010/main" val="222879373"/>
+              </p:ext>
+            </p:extLst>
+          </p:nvPr>
+        </p:nvGraphicFramePr>
+        <p:xfrm>
+          <a:off x="689811" y="1284718"/>
+          <a:ext cx="8128000" cy="1285240"/>
+        </p:xfrm>
+        <a:graphic>
+          <a:graphicData uri="http://schemas.openxmlformats.org/drawingml/2006/table">
+            <a:tbl>
+              <a:tblPr firstRow="1" bandRow="1">
+                <a:tableStyleId>{5C22544A-7EE6-4342-B048-85BDC9FD1C3A}</a:tableStyleId>
+              </a:tblPr>
+              <a:tblGrid>
+                <a:gridCol w="8128000">
+                  <a:extLst>
+                    <a:ext uri="{9D8B030D-6E8A-4147-A177-3AD203B41FA5}">
+                      <a16:colId xmlns:a16="http://schemas.microsoft.com/office/drawing/2014/main" val="2105484639"/>
+                    </a:ext>
+                  </a:extLst>
+                </a:gridCol>
+              </a:tblGrid>
+              <a:tr h="370840">
+                <a:tc>
+                  <a:txBody>
+                    <a:bodyPr/>
+                    <a:lstStyle/>
+                    <a:p>
+                      <a:r>
+                        <a:rPr lang="en-CA" dirty="0"/>
+                        <a:t>#Check for duplicates</a:t>
+                      </a:r>
+                    </a:p>
+                    <a:p>
+                      <a:r>
+                        <a:rPr lang="en-CA" dirty="0" err="1"/>
+                        <a:t>abb_df.duplicated</a:t>
+                      </a:r>
+                      <a:r>
+                        <a:rPr lang="en-CA" dirty="0"/>
+                        <a:t>().sum()</a:t>
+                      </a:r>
+                    </a:p>
+                    <a:p>
+                      <a:endParaRPr lang="en-US" dirty="0"/>
+                    </a:p>
+                  </a:txBody>
+                  <a:tcPr/>
+                </a:tc>
+                <a:extLst>
+                  <a:ext uri="{0D108BD9-81ED-4DB2-BD59-A6C34878D82A}">
+                    <a16:rowId xmlns:a16="http://schemas.microsoft.com/office/drawing/2014/main" val="2454061902"/>
+                  </a:ext>
+                </a:extLst>
+              </a:tr>
+              <a:tr h="370840">
+                <a:tc>
+                  <a:txBody>
+                    <a:bodyPr/>
+                    <a:lstStyle/>
+                    <a:p>
+                      <a:r>
+                        <a:rPr lang="en-US" dirty="0"/>
+                        <a:t>0</a:t>
+                      </a:r>
+                    </a:p>
+                  </a:txBody>
+                  <a:tcPr/>
+                </a:tc>
+                <a:extLst>
+                  <a:ext uri="{0D108BD9-81ED-4DB2-BD59-A6C34878D82A}">
+                    <a16:rowId xmlns:a16="http://schemas.microsoft.com/office/drawing/2014/main" val="835231213"/>
+                  </a:ext>
+                </a:extLst>
+              </a:tr>
+            </a:tbl>
+          </a:graphicData>
+        </a:graphic>
+      </p:graphicFrame>
+    </p:spTree>
+    <p:extLst>
+      <p:ext uri="{BB962C8B-B14F-4D97-AF65-F5344CB8AC3E}">
+        <p14:creationId xmlns:p14="http://schemas.microsoft.com/office/powerpoint/2010/main" val="3441555643"/>
+      </p:ext>
+    </p:extLst>
+  </p:cSld>
+  <p:clrMapOvr>
+    <a:masterClrMapping/>
+  </p:clrMapOvr>
+</p:sld>
+</file>
+
+<file path=ppt/slides/slide4.xml><?xml version="1.0" encoding="utf-8"?>
+<p:sld xmlns:a="http://schemas.openxmlformats.org/drawingml/2006/main" xmlns:r="http://schemas.openxmlformats.org/officeDocument/2006/relationships" xmlns:p="http://schemas.openxmlformats.org/presentationml/2006/main">
+  <p:cSld>
     <p:bg>
       <p:bgPr>
         <a:solidFill>
@@ -5473,7 +6141,7 @@
 </p:sld>
 </file>
 
-<file path=ppt/slides/slide4.xml><?xml version="1.0" encoding="utf-8"?>
+<file path=ppt/slides/slide5.xml><?xml version="1.0" encoding="utf-8"?>
 <p:sld xmlns:a="http://schemas.openxmlformats.org/drawingml/2006/main" xmlns:r="http://schemas.openxmlformats.org/officeDocument/2006/relationships" xmlns:p="http://schemas.openxmlformats.org/presentationml/2006/main">
   <p:cSld>
     <p:spTree>
@@ -5563,7 +6231,7 @@
 </p:sld>
 </file>
 
-<file path=ppt/slides/slide5.xml><?xml version="1.0" encoding="utf-8"?>
+<file path=ppt/slides/slide6.xml><?xml version="1.0" encoding="utf-8"?>
 <p:sld xmlns:a="http://schemas.openxmlformats.org/drawingml/2006/main" xmlns:r="http://schemas.openxmlformats.org/officeDocument/2006/relationships" xmlns:p="http://schemas.openxmlformats.org/presentationml/2006/main">
   <p:cSld>
     <p:bg>
@@ -5638,7 +6306,7 @@
 </p:sld>
 </file>
 
-<file path=ppt/slides/slide6.xml><?xml version="1.0" encoding="utf-8"?>
+<file path=ppt/slides/slide7.xml><?xml version="1.0" encoding="utf-8"?>
 <p:sld xmlns:a="http://schemas.openxmlformats.org/drawingml/2006/main" xmlns:r="http://schemas.openxmlformats.org/officeDocument/2006/relationships" xmlns:p="http://schemas.openxmlformats.org/presentationml/2006/main">
   <p:cSld>
     <p:bg>

--- a/Airbnb PPT.pptx
+++ b/Airbnb PPT.pptx
@@ -6,16 +6,27 @@
     <p:sldMasterId id="2147483660" r:id="rId2"/>
   </p:sldMasterIdLst>
   <p:notesMasterIdLst>
-    <p:notesMasterId r:id="rId10"/>
+    <p:notesMasterId r:id="rId21"/>
   </p:notesMasterIdLst>
   <p:sldIdLst>
-    <p:sldId id="256" r:id="rId3"/>
-    <p:sldId id="259" r:id="rId4"/>
-    <p:sldId id="269" r:id="rId5"/>
-    <p:sldId id="266" r:id="rId6"/>
-    <p:sldId id="268" r:id="rId7"/>
-    <p:sldId id="267" r:id="rId8"/>
-    <p:sldId id="265" r:id="rId9"/>
+    <p:sldId id="280" r:id="rId3"/>
+    <p:sldId id="256" r:id="rId4"/>
+    <p:sldId id="259" r:id="rId5"/>
+    <p:sldId id="269" r:id="rId6"/>
+    <p:sldId id="277" r:id="rId7"/>
+    <p:sldId id="266" r:id="rId8"/>
+    <p:sldId id="268" r:id="rId9"/>
+    <p:sldId id="267" r:id="rId10"/>
+    <p:sldId id="270" r:id="rId11"/>
+    <p:sldId id="271" r:id="rId12"/>
+    <p:sldId id="272" r:id="rId13"/>
+    <p:sldId id="273" r:id="rId14"/>
+    <p:sldId id="274" r:id="rId15"/>
+    <p:sldId id="275" r:id="rId16"/>
+    <p:sldId id="276" r:id="rId17"/>
+    <p:sldId id="278" r:id="rId18"/>
+    <p:sldId id="279" r:id="rId19"/>
+    <p:sldId id="265" r:id="rId20"/>
   </p:sldIdLst>
   <p:sldSz cx="12192000" cy="6858000"/>
   <p:notesSz cx="6858000" cy="9144000"/>
@@ -204,7 +215,7 @@
           <a:p>
             <a:fld id="{A5C20BB3-3CCB-4FE5-991B-82F6BCB48AF3}" type="datetimeFigureOut">
               <a:rPr lang="en-US" smtClean="0"/>
-              <a:t>11/12/2019</a:t>
+              <a:t>11/12/19</a:t>
             </a:fld>
             <a:endParaRPr lang="en-US"/>
           </a:p>
@@ -542,7 +553,7 @@
           <a:p>
             <a:fld id="{E0746DE6-3336-457D-A091-FA20AC1C536E}" type="slidenum">
               <a:rPr lang="en-US" smtClean="0"/>
-              <a:t>1</a:t>
+              <a:t>2</a:t>
             </a:fld>
             <a:endParaRPr lang="en-US"/>
           </a:p>
@@ -552,6 +563,90 @@
     <p:extLst>
       <p:ext uri="{BB962C8B-B14F-4D97-AF65-F5344CB8AC3E}">
         <p14:creationId xmlns:p14="http://schemas.microsoft.com/office/powerpoint/2010/main" val="1781059585"/>
+      </p:ext>
+    </p:extLst>
+  </p:cSld>
+  <p:clrMapOvr>
+    <a:masterClrMapping/>
+  </p:clrMapOvr>
+</p:notes>
+</file>
+
+<file path=ppt/notesSlides/notesSlide2.xml><?xml version="1.0" encoding="utf-8"?>
+<p:notes xmlns:a="http://schemas.openxmlformats.org/drawingml/2006/main" xmlns:r="http://schemas.openxmlformats.org/officeDocument/2006/relationships" xmlns:p="http://schemas.openxmlformats.org/presentationml/2006/main">
+  <p:cSld>
+    <p:spTree>
+      <p:nvGrpSpPr>
+        <p:cNvPr id="1" name=""/>
+        <p:cNvGrpSpPr/>
+        <p:nvPr/>
+      </p:nvGrpSpPr>
+      <p:grpSpPr>
+        <a:xfrm>
+          <a:off x="0" y="0"/>
+          <a:ext cx="0" cy="0"/>
+          <a:chOff x="0" y="0"/>
+          <a:chExt cx="0" cy="0"/>
+        </a:xfrm>
+      </p:grpSpPr>
+      <p:sp>
+        <p:nvSpPr>
+          <p:cNvPr id="2" name="Slide Image Placeholder 1"/>
+          <p:cNvSpPr>
+            <a:spLocks noGrp="1" noRot="1" noChangeAspect="1"/>
+          </p:cNvSpPr>
+          <p:nvPr>
+            <p:ph type="sldImg"/>
+          </p:nvPr>
+        </p:nvSpPr>
+        <p:spPr/>
+      </p:sp>
+      <p:sp>
+        <p:nvSpPr>
+          <p:cNvPr id="3" name="Notes Placeholder 2"/>
+          <p:cNvSpPr>
+            <a:spLocks noGrp="1"/>
+          </p:cNvSpPr>
+          <p:nvPr>
+            <p:ph type="body" idx="1"/>
+          </p:nvPr>
+        </p:nvSpPr>
+        <p:spPr/>
+        <p:txBody>
+          <a:bodyPr/>
+          <a:lstStyle/>
+          <a:p>
+            <a:endParaRPr lang="en-US" dirty="0"/>
+          </a:p>
+        </p:txBody>
+      </p:sp>
+      <p:sp>
+        <p:nvSpPr>
+          <p:cNvPr id="4" name="Slide Number Placeholder 3"/>
+          <p:cNvSpPr>
+            <a:spLocks noGrp="1"/>
+          </p:cNvSpPr>
+          <p:nvPr>
+            <p:ph type="sldNum" sz="quarter" idx="5"/>
+          </p:nvPr>
+        </p:nvSpPr>
+        <p:spPr/>
+        <p:txBody>
+          <a:bodyPr/>
+          <a:lstStyle/>
+          <a:p>
+            <a:fld id="{E0746DE6-3336-457D-A091-FA20AC1C536E}" type="slidenum">
+              <a:rPr lang="en-US" smtClean="0"/>
+              <a:t>7</a:t>
+            </a:fld>
+            <a:endParaRPr lang="en-US"/>
+          </a:p>
+        </p:txBody>
+      </p:sp>
+    </p:spTree>
+    <p:extLst>
+      <p:ext uri="{BB962C8B-B14F-4D97-AF65-F5344CB8AC3E}">
+        <p14:creationId xmlns:p14="http://schemas.microsoft.com/office/powerpoint/2010/main" val="2554283428"/>
       </p:ext>
     </p:extLst>
   </p:cSld>
@@ -708,7 +803,7 @@
           <a:p>
             <a:fld id="{5D6495F3-B757-4FAF-98AA-EDA7D1485485}" type="datetimeFigureOut">
               <a:rPr lang="en-US" smtClean="0"/>
-              <a:t>11/12/2019</a:t>
+              <a:t>11/12/19</a:t>
             </a:fld>
             <a:endParaRPr lang="en-US"/>
           </a:p>
@@ -906,7 +1001,7 @@
           <a:p>
             <a:fld id="{5D6495F3-B757-4FAF-98AA-EDA7D1485485}" type="datetimeFigureOut">
               <a:rPr lang="en-US" smtClean="0"/>
-              <a:t>11/12/2019</a:t>
+              <a:t>11/12/19</a:t>
             </a:fld>
             <a:endParaRPr lang="en-US"/>
           </a:p>
@@ -1114,7 +1209,7 @@
           <a:p>
             <a:fld id="{5D6495F3-B757-4FAF-98AA-EDA7D1485485}" type="datetimeFigureOut">
               <a:rPr lang="en-US" smtClean="0"/>
-              <a:t>11/12/2019</a:t>
+              <a:t>11/12/19</a:t>
             </a:fld>
             <a:endParaRPr lang="en-US"/>
           </a:p>
@@ -1362,7 +1457,7 @@
           <a:p>
             <a:fld id="{3652CD92-9D15-43B4-8516-073FCDAC90D4}" type="datetimeFigureOut">
               <a:rPr lang="en-US" smtClean="0"/>
-              <a:t>11/12/2019</a:t>
+              <a:t>11/12/19</a:t>
             </a:fld>
             <a:endParaRPr lang="en-US"/>
           </a:p>
@@ -1585,7 +1680,7 @@
           <a:p>
             <a:fld id="{5D6495F3-B757-4FAF-98AA-EDA7D1485485}" type="datetimeFigureOut">
               <a:rPr lang="en-US" smtClean="0"/>
-              <a:t>11/12/2019</a:t>
+              <a:t>11/12/19</a:t>
             </a:fld>
             <a:endParaRPr lang="en-US"/>
           </a:p>
@@ -1860,7 +1955,7 @@
           <a:p>
             <a:fld id="{5D6495F3-B757-4FAF-98AA-EDA7D1485485}" type="datetimeFigureOut">
               <a:rPr lang="en-US" smtClean="0"/>
-              <a:t>11/12/2019</a:t>
+              <a:t>11/12/19</a:t>
             </a:fld>
             <a:endParaRPr lang="en-US"/>
           </a:p>
@@ -2125,7 +2220,7 @@
           <a:p>
             <a:fld id="{5D6495F3-B757-4FAF-98AA-EDA7D1485485}" type="datetimeFigureOut">
               <a:rPr lang="en-US" smtClean="0"/>
-              <a:t>11/12/2019</a:t>
+              <a:t>11/12/19</a:t>
             </a:fld>
             <a:endParaRPr lang="en-US"/>
           </a:p>
@@ -2537,7 +2632,7 @@
           <a:p>
             <a:fld id="{5D6495F3-B757-4FAF-98AA-EDA7D1485485}" type="datetimeFigureOut">
               <a:rPr lang="en-US" smtClean="0"/>
-              <a:t>11/12/2019</a:t>
+              <a:t>11/12/19</a:t>
             </a:fld>
             <a:endParaRPr lang="en-US"/>
           </a:p>
@@ -2678,7 +2773,7 @@
           <a:p>
             <a:fld id="{5D6495F3-B757-4FAF-98AA-EDA7D1485485}" type="datetimeFigureOut">
               <a:rPr lang="en-US" smtClean="0"/>
-              <a:t>11/12/2019</a:t>
+              <a:t>11/12/19</a:t>
             </a:fld>
             <a:endParaRPr lang="en-US"/>
           </a:p>
@@ -2791,7 +2886,7 @@
           <a:p>
             <a:fld id="{5D6495F3-B757-4FAF-98AA-EDA7D1485485}" type="datetimeFigureOut">
               <a:rPr lang="en-US" smtClean="0"/>
-              <a:t>11/12/2019</a:t>
+              <a:t>11/12/19</a:t>
             </a:fld>
             <a:endParaRPr lang="en-US"/>
           </a:p>
@@ -3102,7 +3197,7 @@
           <a:p>
             <a:fld id="{5D6495F3-B757-4FAF-98AA-EDA7D1485485}" type="datetimeFigureOut">
               <a:rPr lang="en-US" smtClean="0"/>
-              <a:t>11/12/2019</a:t>
+              <a:t>11/12/19</a:t>
             </a:fld>
             <a:endParaRPr lang="en-US"/>
           </a:p>
@@ -3393,7 +3488,7 @@
           <a:p>
             <a:fld id="{5D6495F3-B757-4FAF-98AA-EDA7D1485485}" type="datetimeFigureOut">
               <a:rPr lang="en-US" smtClean="0"/>
-              <a:t>11/12/2019</a:t>
+              <a:t>11/12/19</a:t>
             </a:fld>
             <a:endParaRPr lang="en-US"/>
           </a:p>
@@ -3634,7 +3729,7 @@
           <a:p>
             <a:fld id="{5D6495F3-B757-4FAF-98AA-EDA7D1485485}" type="datetimeFigureOut">
               <a:rPr lang="en-US" smtClean="0"/>
-              <a:t>11/12/2019</a:t>
+              <a:t>11/12/19</a:t>
             </a:fld>
             <a:endParaRPr lang="en-US"/>
           </a:p>
@@ -4184,7 +4279,7 @@
           <a:p>
             <a:fld id="{3652CD92-9D15-43B4-8516-073FCDAC90D4}" type="datetimeFigureOut">
               <a:rPr lang="en-US" smtClean="0"/>
-              <a:t>11/12/2019</a:t>
+              <a:t>11/12/19</a:t>
             </a:fld>
             <a:endParaRPr lang="en-US"/>
           </a:p>
@@ -4563,6 +4658,1264 @@
 </file>
 
 <file path=ppt/slides/slide1.xml><?xml version="1.0" encoding="utf-8"?>
+<p:sld xmlns:a="http://schemas.openxmlformats.org/drawingml/2006/main" xmlns:r="http://schemas.openxmlformats.org/officeDocument/2006/relationships" xmlns:p="http://schemas.openxmlformats.org/presentationml/2006/main">
+  <p:cSld>
+    <p:spTree>
+      <p:nvGrpSpPr>
+        <p:cNvPr id="1" name=""/>
+        <p:cNvGrpSpPr/>
+        <p:nvPr/>
+      </p:nvGrpSpPr>
+      <p:grpSpPr>
+        <a:xfrm>
+          <a:off x="0" y="0"/>
+          <a:ext cx="0" cy="0"/>
+          <a:chOff x="0" y="0"/>
+          <a:chExt cx="0" cy="0"/>
+        </a:xfrm>
+      </p:grpSpPr>
+      <p:sp>
+        <p:nvSpPr>
+          <p:cNvPr id="2" name="Title 1">
+            <a:extLst>
+              <a:ext uri="{FF2B5EF4-FFF2-40B4-BE49-F238E27FC236}">
+                <a16:creationId xmlns:a16="http://schemas.microsoft.com/office/drawing/2014/main" id="{1E8331CF-A702-1F49-B106-019A5A843B57}"/>
+              </a:ext>
+            </a:extLst>
+          </p:cNvPr>
+          <p:cNvSpPr>
+            <a:spLocks noGrp="1"/>
+          </p:cNvSpPr>
+          <p:nvPr>
+            <p:ph type="ctrTitle"/>
+          </p:nvPr>
+        </p:nvSpPr>
+        <p:spPr/>
+        <p:txBody>
+          <a:bodyPr/>
+          <a:lstStyle/>
+          <a:p>
+            <a:r>
+              <a:rPr lang="en-CA" dirty="0"/>
+              <a:t>Effects on the Popularity of Airbnb by NYC Borough</a:t>
+            </a:r>
+            <a:endParaRPr lang="en-US" dirty="0"/>
+          </a:p>
+        </p:txBody>
+      </p:sp>
+      <p:sp>
+        <p:nvSpPr>
+          <p:cNvPr id="3" name="Subtitle 2">
+            <a:extLst>
+              <a:ext uri="{FF2B5EF4-FFF2-40B4-BE49-F238E27FC236}">
+                <a16:creationId xmlns:a16="http://schemas.microsoft.com/office/drawing/2014/main" id="{ED5C8272-589A-CD4C-8EDC-0F16FB00CBC7}"/>
+              </a:ext>
+            </a:extLst>
+          </p:cNvPr>
+          <p:cNvSpPr>
+            <a:spLocks noGrp="1"/>
+          </p:cNvSpPr>
+          <p:nvPr>
+            <p:ph type="subTitle" idx="1"/>
+          </p:nvPr>
+        </p:nvSpPr>
+        <p:spPr/>
+        <p:txBody>
+          <a:bodyPr/>
+          <a:lstStyle/>
+          <a:p>
+            <a:r>
+              <a:rPr lang="en-CA" dirty="0"/>
+              <a:t>Arnold, </a:t>
+            </a:r>
+            <a:r>
+              <a:rPr lang="en-CA" dirty="0" err="1"/>
+              <a:t>Shifaa</a:t>
+            </a:r>
+            <a:r>
+              <a:rPr lang="en-CA" dirty="0"/>
+              <a:t>, Hayden, Shao</a:t>
+            </a:r>
+            <a:endParaRPr lang="en-US" dirty="0"/>
+          </a:p>
+        </p:txBody>
+      </p:sp>
+    </p:spTree>
+    <p:extLst>
+      <p:ext uri="{BB962C8B-B14F-4D97-AF65-F5344CB8AC3E}">
+        <p14:creationId xmlns:p14="http://schemas.microsoft.com/office/powerpoint/2010/main" val="420239305"/>
+      </p:ext>
+    </p:extLst>
+  </p:cSld>
+  <p:clrMapOvr>
+    <a:masterClrMapping/>
+  </p:clrMapOvr>
+</p:sld>
+</file>
+
+<file path=ppt/slides/slide10.xml><?xml version="1.0" encoding="utf-8"?>
+<p:sld xmlns:a="http://schemas.openxmlformats.org/drawingml/2006/main" xmlns:r="http://schemas.openxmlformats.org/officeDocument/2006/relationships" xmlns:p="http://schemas.openxmlformats.org/presentationml/2006/main">
+  <p:cSld>
+    <p:spTree>
+      <p:nvGrpSpPr>
+        <p:cNvPr id="1" name=""/>
+        <p:cNvGrpSpPr/>
+        <p:nvPr/>
+      </p:nvGrpSpPr>
+      <p:grpSpPr>
+        <a:xfrm>
+          <a:off x="0" y="0"/>
+          <a:ext cx="0" cy="0"/>
+          <a:chOff x="0" y="0"/>
+          <a:chExt cx="0" cy="0"/>
+        </a:xfrm>
+      </p:grpSpPr>
+      <p:sp>
+        <p:nvSpPr>
+          <p:cNvPr id="2" name="Title 1">
+            <a:extLst>
+              <a:ext uri="{FF2B5EF4-FFF2-40B4-BE49-F238E27FC236}">
+                <a16:creationId xmlns:a16="http://schemas.microsoft.com/office/drawing/2014/main" id="{474C4E2D-B66B-3148-BFC3-BB355524B2F1}"/>
+              </a:ext>
+            </a:extLst>
+          </p:cNvPr>
+          <p:cNvSpPr>
+            <a:spLocks noGrp="1"/>
+          </p:cNvSpPr>
+          <p:nvPr>
+            <p:ph type="title"/>
+          </p:nvPr>
+        </p:nvSpPr>
+        <p:spPr/>
+        <p:txBody>
+          <a:bodyPr/>
+          <a:lstStyle/>
+          <a:p>
+            <a:endParaRPr lang="en-US"/>
+          </a:p>
+        </p:txBody>
+      </p:sp>
+      <p:pic>
+        <p:nvPicPr>
+          <p:cNvPr id="4" name="Content Placeholder 3">
+            <a:extLst>
+              <a:ext uri="{FF2B5EF4-FFF2-40B4-BE49-F238E27FC236}">
+                <a16:creationId xmlns:a16="http://schemas.microsoft.com/office/drawing/2014/main" id="{9E3B74AA-30C2-1E4B-B424-402708503716}"/>
+              </a:ext>
+            </a:extLst>
+          </p:cNvPr>
+          <p:cNvPicPr>
+            <a:picLocks noGrp="1" noChangeAspect="1"/>
+          </p:cNvPicPr>
+          <p:nvPr>
+            <p:ph idx="1"/>
+          </p:nvPr>
+        </p:nvPicPr>
+        <p:blipFill>
+          <a:blip r:embed="rId2"/>
+          <a:stretch>
+            <a:fillRect/>
+          </a:stretch>
+        </p:blipFill>
+        <p:spPr>
+          <a:xfrm>
+            <a:off x="2457450" y="1284718"/>
+            <a:ext cx="7861282" cy="5307364"/>
+          </a:xfrm>
+          <a:prstGeom prst="rect">
+            <a:avLst/>
+          </a:prstGeom>
+        </p:spPr>
+      </p:pic>
+    </p:spTree>
+    <p:extLst>
+      <p:ext uri="{BB962C8B-B14F-4D97-AF65-F5344CB8AC3E}">
+        <p14:creationId xmlns:p14="http://schemas.microsoft.com/office/powerpoint/2010/main" val="2037378837"/>
+      </p:ext>
+    </p:extLst>
+  </p:cSld>
+  <p:clrMapOvr>
+    <a:masterClrMapping/>
+  </p:clrMapOvr>
+</p:sld>
+</file>
+
+<file path=ppt/slides/slide11.xml><?xml version="1.0" encoding="utf-8"?>
+<p:sld xmlns:a="http://schemas.openxmlformats.org/drawingml/2006/main" xmlns:r="http://schemas.openxmlformats.org/officeDocument/2006/relationships" xmlns:p="http://schemas.openxmlformats.org/presentationml/2006/main">
+  <p:cSld>
+    <p:spTree>
+      <p:nvGrpSpPr>
+        <p:cNvPr id="1" name=""/>
+        <p:cNvGrpSpPr/>
+        <p:nvPr/>
+      </p:nvGrpSpPr>
+      <p:grpSpPr>
+        <a:xfrm>
+          <a:off x="0" y="0"/>
+          <a:ext cx="0" cy="0"/>
+          <a:chOff x="0" y="0"/>
+          <a:chExt cx="0" cy="0"/>
+        </a:xfrm>
+      </p:grpSpPr>
+      <p:sp>
+        <p:nvSpPr>
+          <p:cNvPr id="2" name="Title 1">
+            <a:extLst>
+              <a:ext uri="{FF2B5EF4-FFF2-40B4-BE49-F238E27FC236}">
+                <a16:creationId xmlns:a16="http://schemas.microsoft.com/office/drawing/2014/main" id="{4907DF5E-C2E2-1946-9859-0CA9930A5478}"/>
+              </a:ext>
+            </a:extLst>
+          </p:cNvPr>
+          <p:cNvSpPr>
+            <a:spLocks noGrp="1"/>
+          </p:cNvSpPr>
+          <p:nvPr>
+            <p:ph type="title"/>
+          </p:nvPr>
+        </p:nvSpPr>
+        <p:spPr/>
+        <p:txBody>
+          <a:bodyPr>
+            <a:normAutofit fontScale="90000"/>
+          </a:bodyPr>
+          <a:lstStyle/>
+          <a:p>
+            <a:r>
+              <a:rPr lang="en-CA" b="1" dirty="0"/>
+              <a:t>How do house building projects affect Airbnb listings?</a:t>
+            </a:r>
+            <a:br>
+              <a:rPr lang="en-CA" b="1" dirty="0"/>
+            </a:br>
+            <a:endParaRPr lang="en-US" dirty="0"/>
+          </a:p>
+        </p:txBody>
+      </p:sp>
+      <p:pic>
+        <p:nvPicPr>
+          <p:cNvPr id="4" name="Content Placeholder 3">
+            <a:extLst>
+              <a:ext uri="{FF2B5EF4-FFF2-40B4-BE49-F238E27FC236}">
+                <a16:creationId xmlns:a16="http://schemas.microsoft.com/office/drawing/2014/main" id="{8622D935-F5C9-A040-A6D8-C5967BFDE6AE}"/>
+              </a:ext>
+            </a:extLst>
+          </p:cNvPr>
+          <p:cNvPicPr>
+            <a:picLocks noGrp="1" noChangeAspect="1"/>
+          </p:cNvPicPr>
+          <p:nvPr>
+            <p:ph idx="1"/>
+          </p:nvPr>
+        </p:nvPicPr>
+        <p:blipFill>
+          <a:blip r:embed="rId2"/>
+          <a:stretch>
+            <a:fillRect/>
+          </a:stretch>
+        </p:blipFill>
+        <p:spPr>
+          <a:xfrm>
+            <a:off x="2731322" y="1284718"/>
+            <a:ext cx="6721475" cy="4698711"/>
+          </a:xfrm>
+          <a:prstGeom prst="rect">
+            <a:avLst/>
+          </a:prstGeom>
+        </p:spPr>
+      </p:pic>
+    </p:spTree>
+    <p:extLst>
+      <p:ext uri="{BB962C8B-B14F-4D97-AF65-F5344CB8AC3E}">
+        <p14:creationId xmlns:p14="http://schemas.microsoft.com/office/powerpoint/2010/main" val="2677622153"/>
+      </p:ext>
+    </p:extLst>
+  </p:cSld>
+  <p:clrMapOvr>
+    <a:masterClrMapping/>
+  </p:clrMapOvr>
+</p:sld>
+</file>
+
+<file path=ppt/slides/slide12.xml><?xml version="1.0" encoding="utf-8"?>
+<p:sld xmlns:a="http://schemas.openxmlformats.org/drawingml/2006/main" xmlns:r="http://schemas.openxmlformats.org/officeDocument/2006/relationships" xmlns:p="http://schemas.openxmlformats.org/presentationml/2006/main">
+  <p:cSld>
+    <p:spTree>
+      <p:nvGrpSpPr>
+        <p:cNvPr id="1" name=""/>
+        <p:cNvGrpSpPr/>
+        <p:nvPr/>
+      </p:nvGrpSpPr>
+      <p:grpSpPr>
+        <a:xfrm>
+          <a:off x="0" y="0"/>
+          <a:ext cx="0" cy="0"/>
+          <a:chOff x="0" y="0"/>
+          <a:chExt cx="0" cy="0"/>
+        </a:xfrm>
+      </p:grpSpPr>
+      <p:sp>
+        <p:nvSpPr>
+          <p:cNvPr id="2" name="Title 1">
+            <a:extLst>
+              <a:ext uri="{FF2B5EF4-FFF2-40B4-BE49-F238E27FC236}">
+                <a16:creationId xmlns:a16="http://schemas.microsoft.com/office/drawing/2014/main" id="{9FBC7683-7C15-7142-BC92-51FCC5EE54D7}"/>
+              </a:ext>
+            </a:extLst>
+          </p:cNvPr>
+          <p:cNvSpPr>
+            <a:spLocks noGrp="1"/>
+          </p:cNvSpPr>
+          <p:nvPr>
+            <p:ph type="title"/>
+          </p:nvPr>
+        </p:nvSpPr>
+        <p:spPr/>
+        <p:txBody>
+          <a:bodyPr/>
+          <a:lstStyle/>
+          <a:p>
+            <a:endParaRPr lang="en-US"/>
+          </a:p>
+        </p:txBody>
+      </p:sp>
+      <p:pic>
+        <p:nvPicPr>
+          <p:cNvPr id="4" name="Content Placeholder 3">
+            <a:extLst>
+              <a:ext uri="{FF2B5EF4-FFF2-40B4-BE49-F238E27FC236}">
+                <a16:creationId xmlns:a16="http://schemas.microsoft.com/office/drawing/2014/main" id="{9939E0F4-17DE-1348-9E9E-C7A474E67709}"/>
+              </a:ext>
+            </a:extLst>
+          </p:cNvPr>
+          <p:cNvPicPr>
+            <a:picLocks noGrp="1" noChangeAspect="1"/>
+          </p:cNvPicPr>
+          <p:nvPr>
+            <p:ph idx="1"/>
+          </p:nvPr>
+        </p:nvPicPr>
+        <p:blipFill>
+          <a:blip r:embed="rId2"/>
+          <a:stretch>
+            <a:fillRect/>
+          </a:stretch>
+        </p:blipFill>
+        <p:spPr>
+          <a:xfrm>
+            <a:off x="2739372" y="1284718"/>
+            <a:ext cx="6705375" cy="4687457"/>
+          </a:xfrm>
+          <a:prstGeom prst="rect">
+            <a:avLst/>
+          </a:prstGeom>
+        </p:spPr>
+      </p:pic>
+    </p:spTree>
+    <p:extLst>
+      <p:ext uri="{BB962C8B-B14F-4D97-AF65-F5344CB8AC3E}">
+        <p14:creationId xmlns:p14="http://schemas.microsoft.com/office/powerpoint/2010/main" val="4191533407"/>
+      </p:ext>
+    </p:extLst>
+  </p:cSld>
+  <p:clrMapOvr>
+    <a:masterClrMapping/>
+  </p:clrMapOvr>
+</p:sld>
+</file>
+
+<file path=ppt/slides/slide13.xml><?xml version="1.0" encoding="utf-8"?>
+<p:sld xmlns:a="http://schemas.openxmlformats.org/drawingml/2006/main" xmlns:r="http://schemas.openxmlformats.org/officeDocument/2006/relationships" xmlns:p="http://schemas.openxmlformats.org/presentationml/2006/main">
+  <p:cSld>
+    <p:spTree>
+      <p:nvGrpSpPr>
+        <p:cNvPr id="1" name=""/>
+        <p:cNvGrpSpPr/>
+        <p:nvPr/>
+      </p:nvGrpSpPr>
+      <p:grpSpPr>
+        <a:xfrm>
+          <a:off x="0" y="0"/>
+          <a:ext cx="0" cy="0"/>
+          <a:chOff x="0" y="0"/>
+          <a:chExt cx="0" cy="0"/>
+        </a:xfrm>
+      </p:grpSpPr>
+      <p:sp>
+        <p:nvSpPr>
+          <p:cNvPr id="2" name="Title 1">
+            <a:extLst>
+              <a:ext uri="{FF2B5EF4-FFF2-40B4-BE49-F238E27FC236}">
+                <a16:creationId xmlns:a16="http://schemas.microsoft.com/office/drawing/2014/main" id="{56B7C358-3098-6948-9006-C68B7F7210F9}"/>
+              </a:ext>
+            </a:extLst>
+          </p:cNvPr>
+          <p:cNvSpPr>
+            <a:spLocks noGrp="1"/>
+          </p:cNvSpPr>
+          <p:nvPr>
+            <p:ph type="title"/>
+          </p:nvPr>
+        </p:nvSpPr>
+        <p:spPr/>
+        <p:txBody>
+          <a:bodyPr/>
+          <a:lstStyle/>
+          <a:p>
+            <a:endParaRPr lang="en-US"/>
+          </a:p>
+        </p:txBody>
+      </p:sp>
+      <p:pic>
+        <p:nvPicPr>
+          <p:cNvPr id="4" name="Content Placeholder 3">
+            <a:extLst>
+              <a:ext uri="{FF2B5EF4-FFF2-40B4-BE49-F238E27FC236}">
+                <a16:creationId xmlns:a16="http://schemas.microsoft.com/office/drawing/2014/main" id="{FED86B5C-AD04-3741-AF22-E3112E034492}"/>
+              </a:ext>
+            </a:extLst>
+          </p:cNvPr>
+          <p:cNvPicPr>
+            <a:picLocks noGrp="1" noChangeAspect="1"/>
+          </p:cNvPicPr>
+          <p:nvPr>
+            <p:ph idx="1"/>
+          </p:nvPr>
+        </p:nvPicPr>
+        <p:blipFill>
+          <a:blip r:embed="rId2"/>
+          <a:stretch>
+            <a:fillRect/>
+          </a:stretch>
+        </p:blipFill>
+        <p:spPr>
+          <a:xfrm>
+            <a:off x="2729043" y="1384876"/>
+            <a:ext cx="6733914" cy="5010669"/>
+          </a:xfrm>
+          <a:prstGeom prst="rect">
+            <a:avLst/>
+          </a:prstGeom>
+        </p:spPr>
+      </p:pic>
+    </p:spTree>
+    <p:extLst>
+      <p:ext uri="{BB962C8B-B14F-4D97-AF65-F5344CB8AC3E}">
+        <p14:creationId xmlns:p14="http://schemas.microsoft.com/office/powerpoint/2010/main" val="2036727979"/>
+      </p:ext>
+    </p:extLst>
+  </p:cSld>
+  <p:clrMapOvr>
+    <a:masterClrMapping/>
+  </p:clrMapOvr>
+</p:sld>
+</file>
+
+<file path=ppt/slides/slide14.xml><?xml version="1.0" encoding="utf-8"?>
+<p:sld xmlns:a="http://schemas.openxmlformats.org/drawingml/2006/main" xmlns:r="http://schemas.openxmlformats.org/officeDocument/2006/relationships" xmlns:p="http://schemas.openxmlformats.org/presentationml/2006/main">
+  <p:cSld>
+    <p:spTree>
+      <p:nvGrpSpPr>
+        <p:cNvPr id="1" name=""/>
+        <p:cNvGrpSpPr/>
+        <p:nvPr/>
+      </p:nvGrpSpPr>
+      <p:grpSpPr>
+        <a:xfrm>
+          <a:off x="0" y="0"/>
+          <a:ext cx="0" cy="0"/>
+          <a:chOff x="0" y="0"/>
+          <a:chExt cx="0" cy="0"/>
+        </a:xfrm>
+      </p:grpSpPr>
+      <p:sp>
+        <p:nvSpPr>
+          <p:cNvPr id="2" name="Title 1">
+            <a:extLst>
+              <a:ext uri="{FF2B5EF4-FFF2-40B4-BE49-F238E27FC236}">
+                <a16:creationId xmlns:a16="http://schemas.microsoft.com/office/drawing/2014/main" id="{A503DD64-6F5B-FA4C-AFFD-49B6D9BD97DB}"/>
+              </a:ext>
+            </a:extLst>
+          </p:cNvPr>
+          <p:cNvSpPr>
+            <a:spLocks noGrp="1"/>
+          </p:cNvSpPr>
+          <p:nvPr>
+            <p:ph type="title"/>
+          </p:nvPr>
+        </p:nvSpPr>
+        <p:spPr/>
+        <p:txBody>
+          <a:bodyPr>
+            <a:normAutofit fontScale="90000"/>
+          </a:bodyPr>
+          <a:lstStyle/>
+          <a:p>
+            <a:r>
+              <a:rPr lang="en-CA" b="1" dirty="0"/>
+              <a:t>Does crime have an impact on the Airbnb's use in different boroughs?</a:t>
+            </a:r>
+            <a:br>
+              <a:rPr lang="en-CA" b="1" dirty="0"/>
+            </a:br>
+            <a:endParaRPr lang="en-US" dirty="0"/>
+          </a:p>
+        </p:txBody>
+      </p:sp>
+      <p:pic>
+        <p:nvPicPr>
+          <p:cNvPr id="4" name="Content Placeholder 3">
+            <a:extLst>
+              <a:ext uri="{FF2B5EF4-FFF2-40B4-BE49-F238E27FC236}">
+                <a16:creationId xmlns:a16="http://schemas.microsoft.com/office/drawing/2014/main" id="{85E5E5F4-1817-5042-B340-9B46D724D95C}"/>
+              </a:ext>
+            </a:extLst>
+          </p:cNvPr>
+          <p:cNvPicPr>
+            <a:picLocks noGrp="1" noChangeAspect="1"/>
+          </p:cNvPicPr>
+          <p:nvPr>
+            <p:ph idx="1"/>
+          </p:nvPr>
+        </p:nvPicPr>
+        <p:blipFill>
+          <a:blip r:embed="rId2"/>
+          <a:stretch>
+            <a:fillRect/>
+          </a:stretch>
+        </p:blipFill>
+        <p:spPr>
+          <a:xfrm>
+            <a:off x="2461291" y="1284718"/>
+            <a:ext cx="7261537" cy="5110827"/>
+          </a:xfrm>
+          <a:prstGeom prst="rect">
+            <a:avLst/>
+          </a:prstGeom>
+        </p:spPr>
+      </p:pic>
+    </p:spTree>
+    <p:extLst>
+      <p:ext uri="{BB962C8B-B14F-4D97-AF65-F5344CB8AC3E}">
+        <p14:creationId xmlns:p14="http://schemas.microsoft.com/office/powerpoint/2010/main" val="3093540282"/>
+      </p:ext>
+    </p:extLst>
+  </p:cSld>
+  <p:clrMapOvr>
+    <a:masterClrMapping/>
+  </p:clrMapOvr>
+</p:sld>
+</file>
+
+<file path=ppt/slides/slide15.xml><?xml version="1.0" encoding="utf-8"?>
+<p:sld xmlns:a="http://schemas.openxmlformats.org/drawingml/2006/main" xmlns:r="http://schemas.openxmlformats.org/officeDocument/2006/relationships" xmlns:p="http://schemas.openxmlformats.org/presentationml/2006/main">
+  <p:cSld>
+    <p:spTree>
+      <p:nvGrpSpPr>
+        <p:cNvPr id="1" name=""/>
+        <p:cNvGrpSpPr/>
+        <p:nvPr/>
+      </p:nvGrpSpPr>
+      <p:grpSpPr>
+        <a:xfrm>
+          <a:off x="0" y="0"/>
+          <a:ext cx="0" cy="0"/>
+          <a:chOff x="0" y="0"/>
+          <a:chExt cx="0" cy="0"/>
+        </a:xfrm>
+      </p:grpSpPr>
+      <p:sp>
+        <p:nvSpPr>
+          <p:cNvPr id="2" name="Title 1">
+            <a:extLst>
+              <a:ext uri="{FF2B5EF4-FFF2-40B4-BE49-F238E27FC236}">
+                <a16:creationId xmlns:a16="http://schemas.microsoft.com/office/drawing/2014/main" id="{4BF3F75E-2C41-194D-A250-90B422171440}"/>
+              </a:ext>
+            </a:extLst>
+          </p:cNvPr>
+          <p:cNvSpPr>
+            <a:spLocks noGrp="1"/>
+          </p:cNvSpPr>
+          <p:nvPr>
+            <p:ph type="title"/>
+          </p:nvPr>
+        </p:nvSpPr>
+        <p:spPr/>
+        <p:txBody>
+          <a:bodyPr>
+            <a:normAutofit fontScale="90000"/>
+          </a:bodyPr>
+          <a:lstStyle/>
+          <a:p>
+            <a:r>
+              <a:rPr lang="en-CA" b="1" dirty="0"/>
+              <a:t>Is there a relation between </a:t>
+            </a:r>
+            <a:r>
+              <a:rPr lang="en-CA" b="1" dirty="0" err="1"/>
+              <a:t>hashtagged</a:t>
+            </a:r>
+            <a:r>
+              <a:rPr lang="en-CA" b="1" dirty="0"/>
+              <a:t> twitter data and the popularity of Airbnb in those areas?</a:t>
+            </a:r>
+            <a:br>
+              <a:rPr lang="en-CA" b="1" dirty="0"/>
+            </a:br>
+            <a:endParaRPr lang="en-US" dirty="0"/>
+          </a:p>
+        </p:txBody>
+      </p:sp>
+      <p:pic>
+        <p:nvPicPr>
+          <p:cNvPr id="4" name="Content Placeholder 3">
+            <a:extLst>
+              <a:ext uri="{FF2B5EF4-FFF2-40B4-BE49-F238E27FC236}">
+                <a16:creationId xmlns:a16="http://schemas.microsoft.com/office/drawing/2014/main" id="{24B79534-CCE3-5849-8F4B-D04586DF82CB}"/>
+              </a:ext>
+            </a:extLst>
+          </p:cNvPr>
+          <p:cNvPicPr>
+            <a:picLocks noGrp="1" noChangeAspect="1"/>
+          </p:cNvPicPr>
+          <p:nvPr>
+            <p:ph idx="1"/>
+          </p:nvPr>
+        </p:nvPicPr>
+        <p:blipFill>
+          <a:blip r:embed="rId2"/>
+          <a:stretch>
+            <a:fillRect/>
+          </a:stretch>
+        </p:blipFill>
+        <p:spPr>
+          <a:xfrm>
+            <a:off x="2244741" y="1434620"/>
+            <a:ext cx="7369940" cy="4484120"/>
+          </a:xfrm>
+          <a:prstGeom prst="rect">
+            <a:avLst/>
+          </a:prstGeom>
+        </p:spPr>
+      </p:pic>
+    </p:spTree>
+    <p:extLst>
+      <p:ext uri="{BB962C8B-B14F-4D97-AF65-F5344CB8AC3E}">
+        <p14:creationId xmlns:p14="http://schemas.microsoft.com/office/powerpoint/2010/main" val="4102648183"/>
+      </p:ext>
+    </p:extLst>
+  </p:cSld>
+  <p:clrMapOvr>
+    <a:masterClrMapping/>
+  </p:clrMapOvr>
+</p:sld>
+</file>
+
+<file path=ppt/slides/slide16.xml><?xml version="1.0" encoding="utf-8"?>
+<p:sld xmlns:a="http://schemas.openxmlformats.org/drawingml/2006/main" xmlns:r="http://schemas.openxmlformats.org/officeDocument/2006/relationships" xmlns:p="http://schemas.openxmlformats.org/presentationml/2006/main">
+  <p:cSld>
+    <p:spTree>
+      <p:nvGrpSpPr>
+        <p:cNvPr id="1" name=""/>
+        <p:cNvGrpSpPr/>
+        <p:nvPr/>
+      </p:nvGrpSpPr>
+      <p:grpSpPr>
+        <a:xfrm>
+          <a:off x="0" y="0"/>
+          <a:ext cx="0" cy="0"/>
+          <a:chOff x="0" y="0"/>
+          <a:chExt cx="0" cy="0"/>
+        </a:xfrm>
+      </p:grpSpPr>
+      <p:sp>
+        <p:nvSpPr>
+          <p:cNvPr id="2" name="Title 1">
+            <a:extLst>
+              <a:ext uri="{FF2B5EF4-FFF2-40B4-BE49-F238E27FC236}">
+                <a16:creationId xmlns:a16="http://schemas.microsoft.com/office/drawing/2014/main" id="{F1909219-57DD-B246-9BF4-7CE2E29D103B}"/>
+              </a:ext>
+            </a:extLst>
+          </p:cNvPr>
+          <p:cNvSpPr>
+            <a:spLocks noGrp="1"/>
+          </p:cNvSpPr>
+          <p:nvPr>
+            <p:ph type="title"/>
+          </p:nvPr>
+        </p:nvSpPr>
+        <p:spPr/>
+        <p:txBody>
+          <a:bodyPr/>
+          <a:lstStyle/>
+          <a:p>
+            <a:r>
+              <a:rPr lang="en-US" dirty="0"/>
+              <a:t>Discussion</a:t>
+            </a:r>
+          </a:p>
+        </p:txBody>
+      </p:sp>
+      <p:sp>
+        <p:nvSpPr>
+          <p:cNvPr id="3" name="Content Placeholder 2">
+            <a:extLst>
+              <a:ext uri="{FF2B5EF4-FFF2-40B4-BE49-F238E27FC236}">
+                <a16:creationId xmlns:a16="http://schemas.microsoft.com/office/drawing/2014/main" id="{06BE88EE-1F2B-0E47-ABB9-592F8D81F114}"/>
+              </a:ext>
+            </a:extLst>
+          </p:cNvPr>
+          <p:cNvSpPr>
+            <a:spLocks noGrp="1"/>
+          </p:cNvSpPr>
+          <p:nvPr>
+            <p:ph idx="1"/>
+          </p:nvPr>
+        </p:nvSpPr>
+        <p:spPr/>
+        <p:txBody>
+          <a:bodyPr/>
+          <a:lstStyle/>
+          <a:p>
+            <a:r>
+              <a:rPr lang="en-CA" dirty="0"/>
+              <a:t>There is a correlation of the high number of new home units with the high number of </a:t>
+            </a:r>
+            <a:r>
+              <a:rPr lang="en-CA" dirty="0" err="1"/>
+              <a:t>AirBnb</a:t>
+            </a:r>
+            <a:r>
+              <a:rPr lang="en-CA" dirty="0"/>
+              <a:t> listings in Manhattan, Brooklyn and Queens.</a:t>
+            </a:r>
+          </a:p>
+          <a:p>
+            <a:r>
+              <a:rPr lang="en-CA" dirty="0"/>
+              <a:t>As the arrest rate decreases, the frequency of Airbnb listings also seems to decrease.  This held true for four of five boroughs</a:t>
+            </a:r>
+          </a:p>
+          <a:p>
+            <a:r>
+              <a:rPr lang="en-CA" dirty="0"/>
+              <a:t>Manhattan and Brooklyn had far more Airbnb listings, but their borough names did not get used as a hashtags any significant amount more.  </a:t>
+            </a:r>
+          </a:p>
+          <a:p>
+            <a:endParaRPr lang="en-US" dirty="0"/>
+          </a:p>
+        </p:txBody>
+      </p:sp>
+    </p:spTree>
+    <p:extLst>
+      <p:ext uri="{BB962C8B-B14F-4D97-AF65-F5344CB8AC3E}">
+        <p14:creationId xmlns:p14="http://schemas.microsoft.com/office/powerpoint/2010/main" val="599405923"/>
+      </p:ext>
+    </p:extLst>
+  </p:cSld>
+  <p:clrMapOvr>
+    <a:masterClrMapping/>
+  </p:clrMapOvr>
+</p:sld>
+</file>
+
+<file path=ppt/slides/slide17.xml><?xml version="1.0" encoding="utf-8"?>
+<p:sld xmlns:a="http://schemas.openxmlformats.org/drawingml/2006/main" xmlns:r="http://schemas.openxmlformats.org/officeDocument/2006/relationships" xmlns:p="http://schemas.openxmlformats.org/presentationml/2006/main">
+  <p:cSld>
+    <p:spTree>
+      <p:nvGrpSpPr>
+        <p:cNvPr id="1" name=""/>
+        <p:cNvGrpSpPr/>
+        <p:nvPr/>
+      </p:nvGrpSpPr>
+      <p:grpSpPr>
+        <a:xfrm>
+          <a:off x="0" y="0"/>
+          <a:ext cx="0" cy="0"/>
+          <a:chOff x="0" y="0"/>
+          <a:chExt cx="0" cy="0"/>
+        </a:xfrm>
+      </p:grpSpPr>
+      <p:sp>
+        <p:nvSpPr>
+          <p:cNvPr id="2" name="Title 1">
+            <a:extLst>
+              <a:ext uri="{FF2B5EF4-FFF2-40B4-BE49-F238E27FC236}">
+                <a16:creationId xmlns:a16="http://schemas.microsoft.com/office/drawing/2014/main" id="{48F030B6-EEA7-3C49-BF43-51E8AA730A3A}"/>
+              </a:ext>
+            </a:extLst>
+          </p:cNvPr>
+          <p:cNvSpPr>
+            <a:spLocks noGrp="1"/>
+          </p:cNvSpPr>
+          <p:nvPr>
+            <p:ph type="title"/>
+          </p:nvPr>
+        </p:nvSpPr>
+        <p:spPr/>
+        <p:txBody>
+          <a:bodyPr/>
+          <a:lstStyle/>
+          <a:p>
+            <a:r>
+              <a:rPr lang="en-US" dirty="0"/>
+              <a:t>Post Mortem</a:t>
+            </a:r>
+          </a:p>
+        </p:txBody>
+      </p:sp>
+      <p:sp>
+        <p:nvSpPr>
+          <p:cNvPr id="3" name="Content Placeholder 2">
+            <a:extLst>
+              <a:ext uri="{FF2B5EF4-FFF2-40B4-BE49-F238E27FC236}">
+                <a16:creationId xmlns:a16="http://schemas.microsoft.com/office/drawing/2014/main" id="{51B5C627-E342-B24E-9EA1-5AF831727332}"/>
+              </a:ext>
+            </a:extLst>
+          </p:cNvPr>
+          <p:cNvSpPr>
+            <a:spLocks noGrp="1"/>
+          </p:cNvSpPr>
+          <p:nvPr>
+            <p:ph idx="1"/>
+          </p:nvPr>
+        </p:nvSpPr>
+        <p:spPr/>
+        <p:txBody>
+          <a:bodyPr>
+            <a:normAutofit/>
+          </a:bodyPr>
+          <a:lstStyle/>
+          <a:p>
+            <a:r>
+              <a:rPr lang="en-US" sz="1800" dirty="0"/>
+              <a:t>We wanted to see if points of interest or tourist landmarks would have an impact on Airbnb popularity but we did not have enough time and could not find any data for this</a:t>
+            </a:r>
+          </a:p>
+          <a:p>
+            <a:r>
+              <a:rPr lang="en-US" sz="1800" dirty="0"/>
+              <a:t>We could not find a trend in our data or link it to a cause. </a:t>
+            </a:r>
+          </a:p>
+          <a:p>
+            <a:r>
+              <a:rPr lang="en-US" sz="1800" dirty="0"/>
+              <a:t>We struggled with the repository and merging our work through </a:t>
+            </a:r>
+            <a:r>
+              <a:rPr lang="en-US" sz="1800" dirty="0" err="1"/>
+              <a:t>github</a:t>
+            </a:r>
+            <a:endParaRPr lang="en-US" sz="1800" dirty="0"/>
+          </a:p>
+        </p:txBody>
+      </p:sp>
+    </p:spTree>
+    <p:extLst>
+      <p:ext uri="{BB962C8B-B14F-4D97-AF65-F5344CB8AC3E}">
+        <p14:creationId xmlns:p14="http://schemas.microsoft.com/office/powerpoint/2010/main" val="39325366"/>
+      </p:ext>
+    </p:extLst>
+  </p:cSld>
+  <p:clrMapOvr>
+    <a:masterClrMapping/>
+  </p:clrMapOvr>
+</p:sld>
+</file>
+
+<file path=ppt/slides/slide18.xml><?xml version="1.0" encoding="utf-8"?>
+<p:sld xmlns:a="http://schemas.openxmlformats.org/drawingml/2006/main" xmlns:r="http://schemas.openxmlformats.org/officeDocument/2006/relationships" xmlns:p="http://schemas.openxmlformats.org/presentationml/2006/main">
+  <p:cSld>
+    <p:bg>
+      <p:bgPr>
+        <a:solidFill>
+          <a:schemeClr val="bg1"/>
+        </a:solidFill>
+        <a:effectLst/>
+      </p:bgPr>
+    </p:bg>
+    <p:spTree>
+      <p:nvGrpSpPr>
+        <p:cNvPr id="1" name=""/>
+        <p:cNvGrpSpPr/>
+        <p:nvPr/>
+      </p:nvGrpSpPr>
+      <p:grpSpPr>
+        <a:xfrm>
+          <a:off x="0" y="0"/>
+          <a:ext cx="0" cy="0"/>
+          <a:chOff x="0" y="0"/>
+          <a:chExt cx="0" cy="0"/>
+        </a:xfrm>
+      </p:grpSpPr>
+      <p:sp useBgFill="1">
+        <p:nvSpPr>
+          <p:cNvPr id="9" name="Rectangle 8">
+            <a:extLst>
+              <a:ext uri="{FF2B5EF4-FFF2-40B4-BE49-F238E27FC236}">
+                <a16:creationId xmlns:a16="http://schemas.microsoft.com/office/drawing/2014/main" id="{3B854194-185D-494D-905C-7C7CB2E30F6E}"/>
+              </a:ext>
+              <a:ext uri="{C183D7F6-B498-43B3-948B-1728B52AA6E4}">
+                <adec:decorative xmlns:adec="http://schemas.microsoft.com/office/drawing/2017/decorative" val="1"/>
+              </a:ext>
+            </a:extLst>
+          </p:cNvPr>
+          <p:cNvSpPr>
+            <a:spLocks noGrp="1" noRot="1" noChangeAspect="1" noMove="1" noResize="1" noEditPoints="1" noAdjustHandles="1" noChangeArrowheads="1" noChangeShapeType="1" noTextEdit="1"/>
+          </p:cNvSpPr>
+          <p:nvPr>
+            <p:extLst>
+              <p:ext uri="{386F3935-93C4-4BCD-93E2-E3B085C9AB24}">
+                <p16:designElem xmlns:p16="http://schemas.microsoft.com/office/powerpoint/2015/main" val="1"/>
+              </p:ext>
+            </p:extLst>
+          </p:nvPr>
+        </p:nvSpPr>
+        <p:spPr>
+          <a:xfrm>
+            <a:off x="1" y="0"/>
+            <a:ext cx="6082110" cy="6858000"/>
+          </a:xfrm>
+          <a:prstGeom prst="rect">
+            <a:avLst/>
+          </a:prstGeom>
+          <a:ln>
+            <a:noFill/>
+          </a:ln>
+        </p:spPr>
+        <p:style>
+          <a:lnRef idx="2">
+            <a:schemeClr val="accent1">
+              <a:shade val="50000"/>
+            </a:schemeClr>
+          </a:lnRef>
+          <a:fillRef idx="1">
+            <a:schemeClr val="accent1"/>
+          </a:fillRef>
+          <a:effectRef idx="0">
+            <a:schemeClr val="accent1"/>
+          </a:effectRef>
+          <a:fontRef idx="minor">
+            <a:schemeClr val="lt1"/>
+          </a:fontRef>
+        </p:style>
+        <p:txBody>
+          <a:bodyPr rtlCol="0" anchor="ctr"/>
+          <a:lstStyle/>
+          <a:p>
+            <a:pPr algn="ctr"/>
+            <a:endParaRPr lang="en-US"/>
+          </a:p>
+        </p:txBody>
+      </p:sp>
+      <p:sp>
+        <p:nvSpPr>
+          <p:cNvPr id="11" name="Rectangle 10">
+            <a:extLst>
+              <a:ext uri="{FF2B5EF4-FFF2-40B4-BE49-F238E27FC236}">
+                <a16:creationId xmlns:a16="http://schemas.microsoft.com/office/drawing/2014/main" id="{B4F5FA0D-0104-4987-8241-EFF7C85B88DE}"/>
+              </a:ext>
+              <a:ext uri="{C183D7F6-B498-43B3-948B-1728B52AA6E4}">
+                <adec:decorative xmlns:adec="http://schemas.microsoft.com/office/drawing/2017/decorative" val="1"/>
+              </a:ext>
+            </a:extLst>
+          </p:cNvPr>
+          <p:cNvSpPr>
+            <a:spLocks noGrp="1" noRot="1" noChangeAspect="1" noMove="1" noResize="1" noEditPoints="1" noAdjustHandles="1" noChangeArrowheads="1" noChangeShapeType="1" noTextEdit="1"/>
+          </p:cNvSpPr>
+          <p:nvPr>
+            <p:extLst>
+              <p:ext uri="{386F3935-93C4-4BCD-93E2-E3B085C9AB24}">
+                <p16:designElem xmlns:p16="http://schemas.microsoft.com/office/powerpoint/2015/main" val="1"/>
+              </p:ext>
+            </p:extLst>
+          </p:nvPr>
+        </p:nvSpPr>
+        <p:spPr>
+          <a:xfrm>
+            <a:off x="1" y="0"/>
+            <a:ext cx="12191998" cy="6858000"/>
+          </a:xfrm>
+          <a:prstGeom prst="rect">
+            <a:avLst/>
+          </a:prstGeom>
+          <a:gradFill>
+            <a:gsLst>
+              <a:gs pos="0">
+                <a:schemeClr val="accent1">
+                  <a:lumMod val="90000"/>
+                </a:schemeClr>
+              </a:gs>
+              <a:gs pos="25000">
+                <a:schemeClr val="accent1">
+                  <a:lumMod val="90000"/>
+                </a:schemeClr>
+              </a:gs>
+              <a:gs pos="94000">
+                <a:schemeClr val="bg2">
+                  <a:lumMod val="25000"/>
+                </a:schemeClr>
+              </a:gs>
+              <a:gs pos="100000">
+                <a:schemeClr val="bg2">
+                  <a:lumMod val="25000"/>
+                </a:schemeClr>
+              </a:gs>
+            </a:gsLst>
+            <a:lin ang="4200000" scaled="0"/>
+          </a:gradFill>
+          <a:ln>
+            <a:noFill/>
+          </a:ln>
+        </p:spPr>
+        <p:style>
+          <a:lnRef idx="2">
+            <a:schemeClr val="accent1">
+              <a:shade val="50000"/>
+            </a:schemeClr>
+          </a:lnRef>
+          <a:fillRef idx="1">
+            <a:schemeClr val="accent1"/>
+          </a:fillRef>
+          <a:effectRef idx="0">
+            <a:schemeClr val="accent1"/>
+          </a:effectRef>
+          <a:fontRef idx="minor">
+            <a:schemeClr val="lt1"/>
+          </a:fontRef>
+        </p:style>
+        <p:txBody>
+          <a:bodyPr rtlCol="0" anchor="ctr"/>
+          <a:lstStyle/>
+          <a:p>
+            <a:pPr algn="ctr"/>
+            <a:endParaRPr lang="en-US"/>
+          </a:p>
+        </p:txBody>
+      </p:sp>
+      <p:pic>
+        <p:nvPicPr>
+          <p:cNvPr id="13" name="Picture 12">
+            <a:extLst>
+              <a:ext uri="{FF2B5EF4-FFF2-40B4-BE49-F238E27FC236}">
+                <a16:creationId xmlns:a16="http://schemas.microsoft.com/office/drawing/2014/main" id="{2897127E-6CEF-446C-BE87-93B7C46E49D1}"/>
+              </a:ext>
+              <a:ext uri="{C183D7F6-B498-43B3-948B-1728B52AA6E4}">
+                <adec:decorative xmlns:adec="http://schemas.microsoft.com/office/drawing/2017/decorative" val="1"/>
+              </a:ext>
+            </a:extLst>
+          </p:cNvPr>
+          <p:cNvPicPr>
+            <a:picLocks noGrp="1" noRot="1" noChangeAspect="1" noMove="1" noResize="1" noEditPoints="1" noAdjustHandles="1" noChangeArrowheads="1" noChangeShapeType="1" noCrop="1"/>
+          </p:cNvPicPr>
+          <p:nvPr>
+            <p:extLst>
+              <p:ext uri="{386F3935-93C4-4BCD-93E2-E3B085C9AB24}">
+                <p16:designElem xmlns:p16="http://schemas.microsoft.com/office/powerpoint/2015/main" val="1"/>
+              </p:ext>
+            </p:extLst>
+          </p:nvPr>
+        </p:nvPicPr>
+        <p:blipFill>
+          <a:blip r:embed="rId2">
+            <a:extLst>
+              <a:ext uri="{28A0092B-C50C-407E-A947-70E740481C1C}">
+                <a14:useLocalDpi xmlns:a14="http://schemas.microsoft.com/office/drawing/2010/main" val="0"/>
+              </a:ext>
+            </a:extLst>
+          </a:blip>
+          <a:stretch>
+            <a:fillRect/>
+          </a:stretch>
+        </p:blipFill>
+        <p:spPr>
+          <a:xfrm>
+            <a:off x="0" y="0"/>
+            <a:ext cx="12192000" cy="6858000"/>
+          </a:xfrm>
+          <a:prstGeom prst="rect">
+            <a:avLst/>
+          </a:prstGeom>
+        </p:spPr>
+      </p:pic>
+      <p:sp>
+        <p:nvSpPr>
+          <p:cNvPr id="2" name="Title 1"/>
+          <p:cNvSpPr>
+            <a:spLocks noGrp="1"/>
+          </p:cNvSpPr>
+          <p:nvPr>
+            <p:ph type="title"/>
+          </p:nvPr>
+        </p:nvSpPr>
+        <p:spPr>
+          <a:xfrm>
+            <a:off x="640079" y="2053641"/>
+            <a:ext cx="3669161" cy="2760098"/>
+          </a:xfrm>
+        </p:spPr>
+        <p:txBody>
+          <a:bodyPr>
+            <a:normAutofit/>
+          </a:bodyPr>
+          <a:lstStyle/>
+          <a:p>
+            <a:r>
+              <a:rPr lang="en-US" dirty="0">
+                <a:solidFill>
+                  <a:srgbClr val="FFFFFF"/>
+                </a:solidFill>
+              </a:rPr>
+              <a:t>Works cited</a:t>
+            </a:r>
+          </a:p>
+        </p:txBody>
+      </p:sp>
+      <p:sp>
+        <p:nvSpPr>
+          <p:cNvPr id="3" name="Content Placeholder 2"/>
+          <p:cNvSpPr>
+            <a:spLocks noGrp="1"/>
+          </p:cNvSpPr>
+          <p:nvPr>
+            <p:ph type="body" idx="1"/>
+          </p:nvPr>
+        </p:nvSpPr>
+        <p:spPr>
+          <a:xfrm>
+            <a:off x="6090574" y="801866"/>
+            <a:ext cx="5306084" cy="5230634"/>
+          </a:xfrm>
+        </p:spPr>
+        <p:txBody>
+          <a:bodyPr anchor="ctr">
+            <a:normAutofit fontScale="62500" lnSpcReduction="20000"/>
+          </a:bodyPr>
+          <a:lstStyle/>
+          <a:p>
+            <a:r>
+              <a:rPr lang="en-CA" dirty="0"/>
+              <a:t>2019 New York Airbnb Open Data (CSV) - </a:t>
+            </a:r>
+          </a:p>
+          <a:p>
+            <a:r>
+              <a:rPr lang="en-CA" dirty="0"/>
+              <a:t>https://www.kaggle.com/dgomonov/new-</a:t>
+            </a:r>
+          </a:p>
+          <a:p>
+            <a:r>
+              <a:rPr lang="en-CA" dirty="0" err="1"/>
+              <a:t>york</a:t>
+            </a:r>
+            <a:r>
+              <a:rPr lang="en-CA" dirty="0"/>
+              <a:t>-city-</a:t>
+            </a:r>
+            <a:r>
+              <a:rPr lang="en-CA" dirty="0" err="1"/>
+              <a:t>airbnb</a:t>
+            </a:r>
+            <a:r>
+              <a:rPr lang="en-CA" dirty="0"/>
+              <a:t>-open-data</a:t>
+            </a:r>
+          </a:p>
+          <a:p>
+            <a:r>
+              <a:rPr lang="en-CA" dirty="0"/>
+              <a:t>NYC Population by Neighbourhood (CSV)- </a:t>
+            </a:r>
+          </a:p>
+          <a:p>
+            <a:r>
+              <a:rPr lang="en-CA" dirty="0"/>
+              <a:t>https://data.cityofnewyork.us/City-</a:t>
+            </a:r>
+          </a:p>
+          <a:p>
+            <a:r>
+              <a:rPr lang="en-CA" dirty="0"/>
+              <a:t>Government/New-York-City-Population-By-Neighborhood-</a:t>
+            </a:r>
+            <a:r>
+              <a:rPr lang="en-CA" dirty="0" err="1"/>
+              <a:t>Tabulatio</a:t>
+            </a:r>
+            <a:r>
+              <a:rPr lang="en-CA" dirty="0"/>
+              <a:t>/</a:t>
+            </a:r>
+            <a:r>
+              <a:rPr lang="en-CA" dirty="0" err="1"/>
+              <a:t>swpk-hqdp</a:t>
+            </a:r>
+            <a:endParaRPr lang="en-CA" dirty="0"/>
+          </a:p>
+          <a:p>
+            <a:r>
+              <a:rPr lang="en-CA" dirty="0"/>
+              <a:t>Demographic and Housing Profiles by Borough (CSV) - </a:t>
+            </a:r>
+          </a:p>
+          <a:p>
+            <a:r>
+              <a:rPr lang="en-CA" dirty="0"/>
+              <a:t>https://data.cityofnewyork.us/City-Government/Demographic-and-Housing-Profiles-</a:t>
+            </a:r>
+          </a:p>
+          <a:p>
+            <a:r>
+              <a:rPr lang="en-CA" dirty="0"/>
+              <a:t>by-Borough/cu9u-3r5e</a:t>
+            </a:r>
+          </a:p>
+          <a:p>
+            <a:r>
+              <a:rPr lang="en-CA" dirty="0"/>
+              <a:t>NYPD Arrest Data (Year-to-Date) (CSV) - </a:t>
+            </a:r>
+          </a:p>
+          <a:p>
+            <a:r>
+              <a:rPr lang="en-CA" dirty="0"/>
+              <a:t>https://data.cityofnewyork.us/Public-</a:t>
+            </a:r>
+          </a:p>
+          <a:p>
+            <a:r>
+              <a:rPr lang="en-CA" dirty="0"/>
+              <a:t>Safety/NYPD-Arrest-Data-Year-to-Date-/uip8-fykc</a:t>
+            </a:r>
+          </a:p>
+          <a:p>
+            <a:r>
+              <a:rPr lang="en-CA" dirty="0" err="1"/>
+              <a:t>Tweepy</a:t>
+            </a:r>
+            <a:r>
+              <a:rPr lang="en-CA" dirty="0"/>
+              <a:t> (API)</a:t>
+            </a:r>
+          </a:p>
+        </p:txBody>
+      </p:sp>
+    </p:spTree>
+    <p:extLst>
+      <p:ext uri="{BB962C8B-B14F-4D97-AF65-F5344CB8AC3E}">
+        <p14:creationId xmlns:p14="http://schemas.microsoft.com/office/powerpoint/2010/main" val="1539249855"/>
+      </p:ext>
+    </p:extLst>
+  </p:cSld>
+  <p:clrMapOvr>
+    <a:masterClrMapping/>
+  </p:clrMapOvr>
+</p:sld>
+</file>
+
+<file path=ppt/slides/slide2.xml><?xml version="1.0" encoding="utf-8"?>
 <p:sld xmlns:a="http://schemas.openxmlformats.org/drawingml/2006/main" xmlns:r="http://schemas.openxmlformats.org/officeDocument/2006/relationships" xmlns:p="http://schemas.openxmlformats.org/presentationml/2006/main" show="0">
   <p:cSld>
     <p:spTree>
@@ -4953,7 +6306,7 @@
 </p:sld>
 </file>
 
-<file path=ppt/slides/slide2.xml><?xml version="1.0" encoding="utf-8"?>
+<file path=ppt/slides/slide3.xml><?xml version="1.0" encoding="utf-8"?>
 <p:sld xmlns:a="http://schemas.openxmlformats.org/drawingml/2006/main" xmlns:r="http://schemas.openxmlformats.org/officeDocument/2006/relationships" xmlns:p="http://schemas.openxmlformats.org/presentationml/2006/main">
   <p:cSld>
     <p:bg>
@@ -5094,6 +6447,20 @@
             </a:r>
           </a:p>
           <a:p>
+            <a:r>
+              <a:rPr lang="en-CA" sz="2400" b="1" dirty="0"/>
+              <a:t>Is there a relation between </a:t>
+            </a:r>
+            <a:r>
+              <a:rPr lang="en-CA" sz="2400" b="1" dirty="0" err="1"/>
+              <a:t>hashtagged</a:t>
+            </a:r>
+            <a:r>
+              <a:rPr lang="en-CA" sz="2400" b="1" dirty="0"/>
+              <a:t> twitter data and the popularity of Airbnb in those areas?</a:t>
+            </a:r>
+          </a:p>
+          <a:p>
             <a:endParaRPr lang="en-CA" sz="2400" b="1" dirty="0"/>
           </a:p>
           <a:p>
@@ -5120,7 +6487,7 @@
 </p:sld>
 </file>
 
-<file path=ppt/slides/slide3.xml><?xml version="1.0" encoding="utf-8"?>
+<file path=ppt/slides/slide4.xml><?xml version="1.0" encoding="utf-8"?>
 <p:sld xmlns:a="http://schemas.openxmlformats.org/drawingml/2006/main" xmlns:r="http://schemas.openxmlformats.org/officeDocument/2006/relationships" xmlns:p="http://schemas.openxmlformats.org/presentationml/2006/main">
   <p:cSld>
     <p:spTree>
@@ -5693,7 +7060,7 @@
           <p:nvPr>
             <p:extLst>
               <p:ext uri="{D42A27DB-BD31-4B8C-83A1-F6EECF244321}">
-                <p14:modId xmlns:p14="http://schemas.microsoft.com/office/powerpoint/2010/main" val="222879373"/>
+                <p14:modId xmlns:p14="http://schemas.microsoft.com/office/powerpoint/2010/main" val="2769772259"/>
               </p:ext>
             </p:extLst>
           </p:nvPr>
@@ -5787,7 +7154,129 @@
 </p:sld>
 </file>
 
-<file path=ppt/slides/slide4.xml><?xml version="1.0" encoding="utf-8"?>
+<file path=ppt/slides/slide5.xml><?xml version="1.0" encoding="utf-8"?>
+<p:sld xmlns:a="http://schemas.openxmlformats.org/drawingml/2006/main" xmlns:r="http://schemas.openxmlformats.org/officeDocument/2006/relationships" xmlns:p="http://schemas.openxmlformats.org/presentationml/2006/main">
+  <p:cSld>
+    <p:spTree>
+      <p:nvGrpSpPr>
+        <p:cNvPr id="1" name=""/>
+        <p:cNvGrpSpPr/>
+        <p:nvPr/>
+      </p:nvGrpSpPr>
+      <p:grpSpPr>
+        <a:xfrm>
+          <a:off x="0" y="0"/>
+          <a:ext cx="0" cy="0"/>
+          <a:chOff x="0" y="0"/>
+          <a:chExt cx="0" cy="0"/>
+        </a:xfrm>
+      </p:grpSpPr>
+      <p:sp>
+        <p:nvSpPr>
+          <p:cNvPr id="2" name="Title 1">
+            <a:extLst>
+              <a:ext uri="{FF2B5EF4-FFF2-40B4-BE49-F238E27FC236}">
+                <a16:creationId xmlns:a16="http://schemas.microsoft.com/office/drawing/2014/main" id="{2B094F30-B93E-5B4D-950F-549B2C88CBCF}"/>
+              </a:ext>
+            </a:extLst>
+          </p:cNvPr>
+          <p:cNvSpPr>
+            <a:spLocks noGrp="1"/>
+          </p:cNvSpPr>
+          <p:nvPr>
+            <p:ph type="title"/>
+          </p:nvPr>
+        </p:nvSpPr>
+        <p:spPr/>
+        <p:txBody>
+          <a:bodyPr/>
+          <a:lstStyle/>
+          <a:p>
+            <a:r>
+              <a:rPr lang="en-US" dirty="0"/>
+              <a:t>Data Cleanup </a:t>
+            </a:r>
+          </a:p>
+        </p:txBody>
+      </p:sp>
+      <p:sp>
+        <p:nvSpPr>
+          <p:cNvPr id="3" name="Content Placeholder 2">
+            <a:extLst>
+              <a:ext uri="{FF2B5EF4-FFF2-40B4-BE49-F238E27FC236}">
+                <a16:creationId xmlns:a16="http://schemas.microsoft.com/office/drawing/2014/main" id="{EEFF8631-9FA3-684E-A6FE-2D13D4432039}"/>
+              </a:ext>
+            </a:extLst>
+          </p:cNvPr>
+          <p:cNvSpPr>
+            <a:spLocks noGrp="1"/>
+          </p:cNvSpPr>
+          <p:nvPr>
+            <p:ph idx="1"/>
+          </p:nvPr>
+        </p:nvSpPr>
+        <p:spPr/>
+        <p:txBody>
+          <a:bodyPr>
+            <a:normAutofit/>
+          </a:bodyPr>
+          <a:lstStyle/>
+          <a:p>
+            <a:r>
+              <a:rPr lang="en-US" sz="1800" dirty="0"/>
+              <a:t>Checked for duplicates</a:t>
+            </a:r>
+          </a:p>
+          <a:p>
+            <a:r>
+              <a:rPr lang="en-US" sz="1800" dirty="0"/>
+              <a:t>Removed Airbnb’s with 0 availability </a:t>
+            </a:r>
+          </a:p>
+          <a:p>
+            <a:r>
+              <a:rPr lang="en-US" sz="1800" dirty="0"/>
+              <a:t>Checked for null values</a:t>
+            </a:r>
+          </a:p>
+          <a:p>
+            <a:pPr lvl="1"/>
+            <a:r>
+              <a:rPr lang="en-US" sz="1600" dirty="0"/>
+              <a:t>No null values in columns we deemed as significant</a:t>
+            </a:r>
+          </a:p>
+          <a:p>
+            <a:r>
+              <a:rPr lang="en-US" sz="1800" dirty="0"/>
+              <a:t>Checked data types for each column</a:t>
+            </a:r>
+          </a:p>
+          <a:p>
+            <a:r>
+              <a:rPr lang="en-US" sz="1800" dirty="0"/>
+              <a:t>Renamed all the columns</a:t>
+            </a:r>
+          </a:p>
+          <a:p>
+            <a:endParaRPr lang="en-US" sz="1800" dirty="0"/>
+          </a:p>
+        </p:txBody>
+      </p:sp>
+    </p:spTree>
+    <p:extLst>
+      <p:ext uri="{BB962C8B-B14F-4D97-AF65-F5344CB8AC3E}">
+        <p14:creationId xmlns:p14="http://schemas.microsoft.com/office/powerpoint/2010/main" val="3438228944"/>
+      </p:ext>
+    </p:extLst>
+  </p:cSld>
+  <p:clrMapOvr>
+    <a:masterClrMapping/>
+  </p:clrMapOvr>
+</p:sld>
+</file>
+
+<file path=ppt/slides/slide6.xml><?xml version="1.0" encoding="utf-8"?>
 <p:sld xmlns:a="http://schemas.openxmlformats.org/drawingml/2006/main" xmlns:r="http://schemas.openxmlformats.org/officeDocument/2006/relationships" xmlns:p="http://schemas.openxmlformats.org/presentationml/2006/main">
   <p:cSld>
     <p:bg>
@@ -5905,7 +7394,7 @@
           <a:p>
             <a:pPr algn="ctr"/>
             <a:r>
-              <a:rPr lang="en-US" sz="2200" b="1" kern="1200">
+              <a:rPr lang="en-US" sz="2200" b="1" kern="1200" dirty="0">
                 <a:solidFill>
                   <a:schemeClr val="bg1"/>
                 </a:solidFill>
@@ -5916,7 +7405,7 @@
               <a:t>Who is using Airbnb in NYC  ?</a:t>
             </a:r>
             <a:br>
-              <a:rPr lang="en-US" sz="2200" b="1" kern="1200">
+              <a:rPr lang="en-US" sz="2200" b="1" kern="1200" dirty="0">
                 <a:solidFill>
                   <a:schemeClr val="bg1"/>
                 </a:solidFill>
@@ -5925,7 +7414,7 @@
                 <a:cs typeface="+mj-cs"/>
               </a:rPr>
             </a:br>
-            <a:endParaRPr lang="en-US" sz="2200" kern="1200">
+            <a:endParaRPr lang="en-US" sz="2200" kern="1200" dirty="0">
               <a:solidFill>
                 <a:schemeClr val="bg1"/>
               </a:solidFill>
@@ -5989,7 +7478,7 @@
           <p:nvPr>
             <p:extLst>
               <p:ext uri="{D42A27DB-BD31-4B8C-83A1-F6EECF244321}">
-                <p14:modId xmlns:p14="http://schemas.microsoft.com/office/powerpoint/2010/main" val="1603080549"/>
+                <p14:modId xmlns:p14="http://schemas.microsoft.com/office/powerpoint/2010/main" val="1111770056"/>
               </p:ext>
             </p:extLst>
           </p:nvPr>
@@ -6048,13 +7537,8 @@
                     <a:p>
                       <a:r>
                         <a:rPr lang="en-US" dirty="0"/>
-                        <a:t>Maximum </a:t>
+                        <a:t>Maximum Price</a:t>
                       </a:r>
-                      <a:r>
-                        <a:rPr lang="en-US" dirty="0" err="1"/>
-                        <a:t>Pirce</a:t>
-                      </a:r>
-                      <a:endParaRPr lang="en-US" dirty="0"/>
                     </a:p>
                   </a:txBody>
                   <a:tcPr/>
@@ -6141,7 +7625,7 @@
 </p:sld>
 </file>
 
-<file path=ppt/slides/slide5.xml><?xml version="1.0" encoding="utf-8"?>
+<file path=ppt/slides/slide7.xml><?xml version="1.0" encoding="utf-8"?>
 <p:sld xmlns:a="http://schemas.openxmlformats.org/drawingml/2006/main" xmlns:r="http://schemas.openxmlformats.org/officeDocument/2006/relationships" xmlns:p="http://schemas.openxmlformats.org/presentationml/2006/main">
   <p:cSld>
     <p:spTree>
@@ -6199,22 +7683,21 @@
             <p:ph idx="1"/>
           </p:nvPr>
         </p:nvPicPr>
-        <p:blipFill>
-          <a:blip r:embed="rId2">
+        <p:blipFill rotWithShape="1">
+          <a:blip r:embed="rId3">
             <a:extLst>
               <a:ext uri="{28A0092B-C50C-407E-A947-70E740481C1C}">
                 <a14:useLocalDpi xmlns:a14="http://schemas.microsoft.com/office/drawing/2010/main" val="0"/>
               </a:ext>
             </a:extLst>
           </a:blip>
-          <a:stretch>
-            <a:fillRect/>
-          </a:stretch>
+          <a:srcRect l="5327" t="10646" r="8372" b="6643"/>
+          <a:stretch/>
         </p:blipFill>
         <p:spPr>
           <a:xfrm>
-            <a:off x="645459" y="1284719"/>
-            <a:ext cx="11107269" cy="5110826"/>
+            <a:off x="388297" y="462455"/>
+            <a:ext cx="10819542" cy="5933090"/>
           </a:xfrm>
         </p:spPr>
       </p:pic>
@@ -6231,7 +7714,7 @@
 </p:sld>
 </file>
 
-<file path=ppt/slides/slide6.xml><?xml version="1.0" encoding="utf-8"?>
+<file path=ppt/slides/slide8.xml><?xml version="1.0" encoding="utf-8"?>
 <p:sld xmlns:a="http://schemas.openxmlformats.org/drawingml/2006/main" xmlns:r="http://schemas.openxmlformats.org/officeDocument/2006/relationships" xmlns:p="http://schemas.openxmlformats.org/presentationml/2006/main">
   <p:cSld>
     <p:bg>
@@ -6285,7 +7768,7 @@
         </p:blipFill>
         <p:spPr>
           <a:xfrm>
-            <a:off x="20" y="10"/>
+            <a:off x="20" y="253398"/>
             <a:ext cx="12191980" cy="6857990"/>
           </a:xfrm>
           <a:prstGeom prst="rect">
@@ -6306,17 +7789,9 @@
 </p:sld>
 </file>
 
-<file path=ppt/slides/slide7.xml><?xml version="1.0" encoding="utf-8"?>
+<file path=ppt/slides/slide9.xml><?xml version="1.0" encoding="utf-8"?>
 <p:sld xmlns:a="http://schemas.openxmlformats.org/drawingml/2006/main" xmlns:r="http://schemas.openxmlformats.org/officeDocument/2006/relationships" xmlns:p="http://schemas.openxmlformats.org/presentationml/2006/main">
   <p:cSld>
-    <p:bg>
-      <p:bgPr>
-        <a:solidFill>
-          <a:schemeClr val="bg1"/>
-        </a:solidFill>
-        <a:effectLst/>
-      </p:bgPr>
-    </p:bg>
     <p:spTree>
       <p:nvGrpSpPr>
         <p:cNvPr id="1" name=""/>
@@ -6331,363 +7806,76 @@
           <a:chExt cx="0" cy="0"/>
         </a:xfrm>
       </p:grpSpPr>
-      <p:sp useBgFill="1">
-        <p:nvSpPr>
-          <p:cNvPr id="9" name="Rectangle 8">
-            <a:extLst>
-              <a:ext uri="{FF2B5EF4-FFF2-40B4-BE49-F238E27FC236}">
-                <a16:creationId xmlns:a16="http://schemas.microsoft.com/office/drawing/2014/main" id="{3B854194-185D-494D-905C-7C7CB2E30F6E}"/>
-              </a:ext>
-              <a:ext uri="{C183D7F6-B498-43B3-948B-1728B52AA6E4}">
-                <adec:decorative xmlns:adec="http://schemas.microsoft.com/office/drawing/2017/decorative" val="1"/>
-              </a:ext>
-            </a:extLst>
-          </p:cNvPr>
-          <p:cNvSpPr>
-            <a:spLocks noGrp="1" noRot="1" noChangeAspect="1" noMove="1" noResize="1" noEditPoints="1" noAdjustHandles="1" noChangeArrowheads="1" noChangeShapeType="1" noTextEdit="1"/>
-          </p:cNvSpPr>
-          <p:nvPr>
-            <p:extLst>
-              <p:ext uri="{386F3935-93C4-4BCD-93E2-E3B085C9AB24}">
-                <p16:designElem xmlns:p16="http://schemas.microsoft.com/office/powerpoint/2015/main" val="1"/>
-              </p:ext>
-            </p:extLst>
-          </p:nvPr>
-        </p:nvSpPr>
-        <p:spPr>
-          <a:xfrm>
-            <a:off x="1" y="0"/>
-            <a:ext cx="6082110" cy="6858000"/>
-          </a:xfrm>
-          <a:prstGeom prst="rect">
-            <a:avLst/>
-          </a:prstGeom>
-          <a:ln>
-            <a:noFill/>
-          </a:ln>
-        </p:spPr>
-        <p:style>
-          <a:lnRef idx="2">
-            <a:schemeClr val="accent1">
-              <a:shade val="50000"/>
-            </a:schemeClr>
-          </a:lnRef>
-          <a:fillRef idx="1">
-            <a:schemeClr val="accent1"/>
-          </a:fillRef>
-          <a:effectRef idx="0">
-            <a:schemeClr val="accent1"/>
-          </a:effectRef>
-          <a:fontRef idx="minor">
-            <a:schemeClr val="lt1"/>
-          </a:fontRef>
-        </p:style>
-        <p:txBody>
-          <a:bodyPr rtlCol="0" anchor="ctr"/>
-          <a:lstStyle/>
-          <a:p>
-            <a:pPr algn="ctr"/>
-            <a:endParaRPr lang="en-US"/>
-          </a:p>
-        </p:txBody>
-      </p:sp>
-      <p:sp>
-        <p:nvSpPr>
-          <p:cNvPr id="11" name="Rectangle 10">
-            <a:extLst>
-              <a:ext uri="{FF2B5EF4-FFF2-40B4-BE49-F238E27FC236}">
-                <a16:creationId xmlns:a16="http://schemas.microsoft.com/office/drawing/2014/main" id="{B4F5FA0D-0104-4987-8241-EFF7C85B88DE}"/>
-              </a:ext>
-              <a:ext uri="{C183D7F6-B498-43B3-948B-1728B52AA6E4}">
-                <adec:decorative xmlns:adec="http://schemas.microsoft.com/office/drawing/2017/decorative" val="1"/>
-              </a:ext>
-            </a:extLst>
-          </p:cNvPr>
-          <p:cNvSpPr>
-            <a:spLocks noGrp="1" noRot="1" noChangeAspect="1" noMove="1" noResize="1" noEditPoints="1" noAdjustHandles="1" noChangeArrowheads="1" noChangeShapeType="1" noTextEdit="1"/>
-          </p:cNvSpPr>
-          <p:nvPr>
-            <p:extLst>
-              <p:ext uri="{386F3935-93C4-4BCD-93E2-E3B085C9AB24}">
-                <p16:designElem xmlns:p16="http://schemas.microsoft.com/office/powerpoint/2015/main" val="1"/>
-              </p:ext>
-            </p:extLst>
-          </p:nvPr>
-        </p:nvSpPr>
-        <p:spPr>
-          <a:xfrm>
-            <a:off x="1" y="0"/>
-            <a:ext cx="12191998" cy="6858000"/>
-          </a:xfrm>
-          <a:prstGeom prst="rect">
-            <a:avLst/>
-          </a:prstGeom>
-          <a:gradFill>
-            <a:gsLst>
-              <a:gs pos="0">
-                <a:schemeClr val="accent1">
-                  <a:lumMod val="90000"/>
-                </a:schemeClr>
-              </a:gs>
-              <a:gs pos="25000">
-                <a:schemeClr val="accent1">
-                  <a:lumMod val="90000"/>
-                </a:schemeClr>
-              </a:gs>
-              <a:gs pos="94000">
-                <a:schemeClr val="bg2">
-                  <a:lumMod val="25000"/>
-                </a:schemeClr>
-              </a:gs>
-              <a:gs pos="100000">
-                <a:schemeClr val="bg2">
-                  <a:lumMod val="25000"/>
-                </a:schemeClr>
-              </a:gs>
-            </a:gsLst>
-            <a:lin ang="4200000" scaled="0"/>
-          </a:gradFill>
-          <a:ln>
-            <a:noFill/>
-          </a:ln>
-        </p:spPr>
-        <p:style>
-          <a:lnRef idx="2">
-            <a:schemeClr val="accent1">
-              <a:shade val="50000"/>
-            </a:schemeClr>
-          </a:lnRef>
-          <a:fillRef idx="1">
-            <a:schemeClr val="accent1"/>
-          </a:fillRef>
-          <a:effectRef idx="0">
-            <a:schemeClr val="accent1"/>
-          </a:effectRef>
-          <a:fontRef idx="minor">
-            <a:schemeClr val="lt1"/>
-          </a:fontRef>
-        </p:style>
-        <p:txBody>
-          <a:bodyPr rtlCol="0" anchor="ctr"/>
-          <a:lstStyle/>
-          <a:p>
-            <a:pPr algn="ctr"/>
-            <a:endParaRPr lang="en-US"/>
+      <p:sp>
+        <p:nvSpPr>
+          <p:cNvPr id="2" name="Title 1">
+            <a:extLst>
+              <a:ext uri="{FF2B5EF4-FFF2-40B4-BE49-F238E27FC236}">
+                <a16:creationId xmlns:a16="http://schemas.microsoft.com/office/drawing/2014/main" id="{1A8BA5BB-7968-7A42-B814-EFF2C71380E9}"/>
+              </a:ext>
+            </a:extLst>
+          </p:cNvPr>
+          <p:cNvSpPr>
+            <a:spLocks noGrp="1"/>
+          </p:cNvSpPr>
+          <p:nvPr>
+            <p:ph type="title"/>
+          </p:nvPr>
+        </p:nvSpPr>
+        <p:spPr/>
+        <p:txBody>
+          <a:bodyPr>
+            <a:normAutofit fontScale="90000"/>
+          </a:bodyPr>
+          <a:lstStyle/>
+          <a:p>
+            <a:r>
+              <a:rPr lang="en-CA" b="1" dirty="0"/>
+              <a:t>How is Airbnb used in the different boroughs?</a:t>
+            </a:r>
+            <a:br>
+              <a:rPr lang="en-CA" b="1" dirty="0"/>
+            </a:br>
+            <a:endParaRPr lang="en-US" dirty="0"/>
           </a:p>
         </p:txBody>
       </p:sp>
       <p:pic>
         <p:nvPicPr>
-          <p:cNvPr id="13" name="Picture 12">
-            <a:extLst>
-              <a:ext uri="{FF2B5EF4-FFF2-40B4-BE49-F238E27FC236}">
-                <a16:creationId xmlns:a16="http://schemas.microsoft.com/office/drawing/2014/main" id="{2897127E-6CEF-446C-BE87-93B7C46E49D1}"/>
-              </a:ext>
-              <a:ext uri="{C183D7F6-B498-43B3-948B-1728B52AA6E4}">
-                <adec:decorative xmlns:adec="http://schemas.microsoft.com/office/drawing/2017/decorative" val="1"/>
+          <p:cNvPr id="4" name="Content Placeholder 3">
+            <a:extLst>
+              <a:ext uri="{FF2B5EF4-FFF2-40B4-BE49-F238E27FC236}">
+                <a16:creationId xmlns:a16="http://schemas.microsoft.com/office/drawing/2014/main" id="{2EFF13E1-7B04-E54F-826A-BEB482ECE0A5}"/>
               </a:ext>
             </a:extLst>
           </p:cNvPr>
           <p:cNvPicPr>
-            <a:picLocks noGrp="1" noRot="1" noChangeAspect="1" noMove="1" noResize="1" noEditPoints="1" noAdjustHandles="1" noChangeArrowheads="1" noChangeShapeType="1" noCrop="1"/>
+            <a:picLocks noGrp="1" noChangeAspect="1"/>
           </p:cNvPicPr>
           <p:nvPr>
-            <p:extLst>
-              <p:ext uri="{386F3935-93C4-4BCD-93E2-E3B085C9AB24}">
-                <p16:designElem xmlns:p16="http://schemas.microsoft.com/office/powerpoint/2015/main" val="1"/>
-              </p:ext>
-            </p:extLst>
+            <p:ph idx="1"/>
           </p:nvPr>
         </p:nvPicPr>
         <p:blipFill>
-          <a:blip r:embed="rId2">
-            <a:extLst>
-              <a:ext uri="{28A0092B-C50C-407E-A947-70E740481C1C}">
-                <a14:useLocalDpi xmlns:a14="http://schemas.microsoft.com/office/drawing/2010/main" val="0"/>
-              </a:ext>
-            </a:extLst>
-          </a:blip>
+          <a:blip r:embed="rId2"/>
           <a:stretch>
             <a:fillRect/>
           </a:stretch>
         </p:blipFill>
         <p:spPr>
           <a:xfrm>
-            <a:off x="0" y="0"/>
-            <a:ext cx="12192000" cy="6858000"/>
+            <a:off x="3400941" y="1625600"/>
+            <a:ext cx="5390118" cy="4351338"/>
           </a:xfrm>
           <a:prstGeom prst="rect">
             <a:avLst/>
           </a:prstGeom>
         </p:spPr>
       </p:pic>
-      <p:sp>
-        <p:nvSpPr>
-          <p:cNvPr id="2" name="Title 1"/>
-          <p:cNvSpPr>
-            <a:spLocks noGrp="1"/>
-          </p:cNvSpPr>
-          <p:nvPr>
-            <p:ph type="title"/>
-          </p:nvPr>
-        </p:nvSpPr>
-        <p:spPr>
-          <a:xfrm>
-            <a:off x="640079" y="2053641"/>
-            <a:ext cx="3669161" cy="2760098"/>
-          </a:xfrm>
-        </p:spPr>
-        <p:txBody>
-          <a:bodyPr>
-            <a:normAutofit/>
-          </a:bodyPr>
-          <a:lstStyle/>
-          <a:p>
-            <a:r>
-              <a:rPr lang="en-US" dirty="0">
-                <a:solidFill>
-                  <a:srgbClr val="FFFFFF"/>
-                </a:solidFill>
-              </a:rPr>
-              <a:t>Works cited</a:t>
-            </a:r>
-          </a:p>
-        </p:txBody>
-      </p:sp>
-      <p:sp>
-        <p:nvSpPr>
-          <p:cNvPr id="3" name="Content Placeholder 2"/>
-          <p:cNvSpPr>
-            <a:spLocks noGrp="1"/>
-          </p:cNvSpPr>
-          <p:nvPr>
-            <p:ph type="body" idx="1"/>
-          </p:nvPr>
-        </p:nvSpPr>
-        <p:spPr>
-          <a:xfrm>
-            <a:off x="6090574" y="801866"/>
-            <a:ext cx="5306084" cy="5230634"/>
-          </a:xfrm>
-        </p:spPr>
-        <p:txBody>
-          <a:bodyPr anchor="ctr">
-            <a:normAutofit fontScale="62500" lnSpcReduction="20000"/>
-          </a:bodyPr>
-          <a:lstStyle/>
-          <a:p>
-            <a:r>
-              <a:rPr lang="en-CA" dirty="0"/>
-              <a:t>2019 New York Airbnb Open Data (CSV) - </a:t>
-            </a:r>
-          </a:p>
-          <a:p>
-            <a:r>
-              <a:rPr lang="en-CA" dirty="0"/>
-              <a:t>https://www.kaggle.com/dgomonov/new-</a:t>
-            </a:r>
-          </a:p>
-          <a:p>
-            <a:r>
-              <a:rPr lang="en-CA" dirty="0" err="1"/>
-              <a:t>york</a:t>
-            </a:r>
-            <a:r>
-              <a:rPr lang="en-CA" dirty="0"/>
-              <a:t>-city-</a:t>
-            </a:r>
-            <a:r>
-              <a:rPr lang="en-CA" dirty="0" err="1"/>
-              <a:t>airbnb</a:t>
-            </a:r>
-            <a:r>
-              <a:rPr lang="en-CA" dirty="0"/>
-              <a:t>-open-data</a:t>
-            </a:r>
-          </a:p>
-          <a:p>
-            <a:r>
-              <a:rPr lang="en-CA" dirty="0"/>
-              <a:t>NYC Population by Neighbourhood (CSV)- </a:t>
-            </a:r>
-          </a:p>
-          <a:p>
-            <a:r>
-              <a:rPr lang="en-CA" dirty="0"/>
-              <a:t>https://data.cityofnewyork.us/City-</a:t>
-            </a:r>
-          </a:p>
-          <a:p>
-            <a:r>
-              <a:rPr lang="en-CA" dirty="0"/>
-              <a:t>Government/New-York-City-Population-By-Neighborhood-</a:t>
-            </a:r>
-            <a:r>
-              <a:rPr lang="en-CA" dirty="0" err="1"/>
-              <a:t>Tabulatio</a:t>
-            </a:r>
-            <a:r>
-              <a:rPr lang="en-CA" dirty="0"/>
-              <a:t>/</a:t>
-            </a:r>
-            <a:r>
-              <a:rPr lang="en-CA" dirty="0" err="1"/>
-              <a:t>swpk-hqdp</a:t>
-            </a:r>
-            <a:endParaRPr lang="en-CA" dirty="0"/>
-          </a:p>
-          <a:p>
-            <a:r>
-              <a:rPr lang="en-CA" dirty="0"/>
-              <a:t>Demographic and Housing Profiles by Borough (CSV) - </a:t>
-            </a:r>
-          </a:p>
-          <a:p>
-            <a:r>
-              <a:rPr lang="en-CA" dirty="0"/>
-              <a:t>https://data.cityofnewyork.us/City-Government/Demographic-and-Housing-Profiles-</a:t>
-            </a:r>
-          </a:p>
-          <a:p>
-            <a:r>
-              <a:rPr lang="en-CA" dirty="0"/>
-              <a:t>by-Borough/cu9u-3r5e</a:t>
-            </a:r>
-          </a:p>
-          <a:p>
-            <a:r>
-              <a:rPr lang="en-CA" dirty="0"/>
-              <a:t>NYPD Arrest Data (Year-to-Date) (CSV) - </a:t>
-            </a:r>
-          </a:p>
-          <a:p>
-            <a:r>
-              <a:rPr lang="en-CA" dirty="0"/>
-              <a:t>https://data.cityofnewyork.us/Public-</a:t>
-            </a:r>
-          </a:p>
-          <a:p>
-            <a:r>
-              <a:rPr lang="en-CA" dirty="0"/>
-              <a:t>Safety/NYPD-Arrest-Data-Year-to-Date-/uip8-fykc</a:t>
-            </a:r>
-          </a:p>
-          <a:p>
-            <a:r>
-              <a:rPr lang="en-CA" dirty="0" err="1"/>
-              <a:t>Tweepy</a:t>
-            </a:r>
-            <a:r>
-              <a:rPr lang="en-CA" dirty="0"/>
-              <a:t> (API)</a:t>
-            </a:r>
-          </a:p>
-        </p:txBody>
-      </p:sp>
     </p:spTree>
     <p:extLst>
       <p:ext uri="{BB962C8B-B14F-4D97-AF65-F5344CB8AC3E}">
-        <p14:creationId xmlns:p14="http://schemas.microsoft.com/office/powerpoint/2010/main" val="1539249855"/>
+        <p14:creationId xmlns:p14="http://schemas.microsoft.com/office/powerpoint/2010/main" val="832180755"/>
       </p:ext>
     </p:extLst>
   </p:cSld>

--- a/Airbnb PPT.pptx
+++ b/Airbnb PPT.pptx
@@ -5265,21 +5265,44 @@
           </a:p>
         </p:txBody>
       </p:sp>
+      <p:sp>
+        <p:nvSpPr>
+          <p:cNvPr id="5" name="Content Placeholder 4">
+            <a:extLst>
+              <a:ext uri="{FF2B5EF4-FFF2-40B4-BE49-F238E27FC236}">
+                <a16:creationId xmlns:a16="http://schemas.microsoft.com/office/drawing/2014/main" id="{3E1EB06D-5828-7D4C-A500-2D6A0E60A1C6}"/>
+              </a:ext>
+            </a:extLst>
+          </p:cNvPr>
+          <p:cNvSpPr>
+            <a:spLocks noGrp="1"/>
+          </p:cNvSpPr>
+          <p:nvPr>
+            <p:ph idx="1"/>
+          </p:nvPr>
+        </p:nvSpPr>
+        <p:spPr/>
+        <p:txBody>
+          <a:bodyPr/>
+          <a:lstStyle/>
+          <a:p>
+            <a:endParaRPr lang="en-US"/>
+          </a:p>
+        </p:txBody>
+      </p:sp>
       <p:pic>
         <p:nvPicPr>
-          <p:cNvPr id="4" name="Content Placeholder 3">
-            <a:extLst>
-              <a:ext uri="{FF2B5EF4-FFF2-40B4-BE49-F238E27FC236}">
-                <a16:creationId xmlns:a16="http://schemas.microsoft.com/office/drawing/2014/main" id="{24B79534-CCE3-5849-8F4B-D04586DF82CB}"/>
+          <p:cNvPr id="6" name="Picture 5">
+            <a:extLst>
+              <a:ext uri="{FF2B5EF4-FFF2-40B4-BE49-F238E27FC236}">
+                <a16:creationId xmlns:a16="http://schemas.microsoft.com/office/drawing/2014/main" id="{9CB2FF21-760B-A140-A42D-1C8695DE7651}"/>
               </a:ext>
             </a:extLst>
           </p:cNvPr>
           <p:cNvPicPr>
-            <a:picLocks noGrp="1" noChangeAspect="1"/>
+            <a:picLocks noChangeAspect="1"/>
           </p:cNvPicPr>
-          <p:nvPr>
-            <p:ph idx="1"/>
-          </p:nvPr>
+          <p:nvPr/>
         </p:nvPicPr>
         <p:blipFill>
           <a:blip r:embed="rId2"/>
@@ -5289,8 +5312,8 @@
         </p:blipFill>
         <p:spPr>
           <a:xfrm>
-            <a:off x="2244741" y="1434620"/>
-            <a:ext cx="7369940" cy="4484120"/>
+            <a:off x="1805587" y="1284718"/>
+            <a:ext cx="8572946" cy="5216070"/>
           </a:xfrm>
           <a:prstGeom prst="rect">
             <a:avLst/>

--- a/Airbnb PPT.pptx
+++ b/Airbnb PPT.pptx
@@ -16,7 +16,7 @@
     <p:sldId id="277" r:id="rId7"/>
     <p:sldId id="266" r:id="rId8"/>
     <p:sldId id="268" r:id="rId9"/>
-    <p:sldId id="267" r:id="rId10"/>
+    <p:sldId id="281" r:id="rId10"/>
     <p:sldId id="270" r:id="rId11"/>
     <p:sldId id="271" r:id="rId12"/>
     <p:sldId id="272" r:id="rId13"/>
@@ -133,6 +133,7065 @@
 </p:presentation>
 </file>
 
+<file path=ppt/diagrams/colors1.xml><?xml version="1.0" encoding="utf-8"?>
+<dgm:colorsDef xmlns:dgm="http://schemas.openxmlformats.org/drawingml/2006/diagram" xmlns:a="http://schemas.openxmlformats.org/drawingml/2006/main" uniqueId="urn:microsoft.com/office/officeart/2018/5/colors/Iconchunking_neutralicontext_colorful1">
+  <dgm:title val=""/>
+  <dgm:desc val=""/>
+  <dgm:catLst>
+    <dgm:cat type="colorful" pri="10100"/>
+  </dgm:catLst>
+  <dgm:styleLbl name="node0">
+    <dgm:fillClrLst meth="repeat">
+      <a:schemeClr val="accent1"/>
+    </dgm:fillClrLst>
+    <dgm:linClrLst meth="repeat">
+      <a:schemeClr val="lt1"/>
+    </dgm:linClrLst>
+    <dgm:effectClrLst/>
+    <dgm:txLinClrLst/>
+    <dgm:txFillClrLst/>
+    <dgm:txEffectClrLst/>
+  </dgm:styleLbl>
+  <dgm:styleLbl name="node1">
+    <dgm:fillClrLst meth="repeat">
+      <a:schemeClr val="bg1"/>
+    </dgm:fillClrLst>
+    <dgm:linClrLst meth="repeat">
+      <a:schemeClr val="lt1">
+        <a:alpha val="0"/>
+      </a:schemeClr>
+    </dgm:linClrLst>
+    <dgm:effectClrLst/>
+    <dgm:txLinClrLst/>
+    <dgm:txFillClrLst meth="repeat">
+      <a:schemeClr val="dk1"/>
+    </dgm:txFillClrLst>
+    <dgm:txEffectClrLst/>
+  </dgm:styleLbl>
+  <dgm:styleLbl name="alignNode1">
+    <dgm:fillClrLst meth="repeat">
+      <a:schemeClr val="accent2"/>
+      <a:schemeClr val="accent3"/>
+      <a:schemeClr val="accent4"/>
+      <a:schemeClr val="accent5"/>
+      <a:schemeClr val="accent6"/>
+    </dgm:fillClrLst>
+    <dgm:linClrLst meth="repeat">
+      <a:schemeClr val="accent2"/>
+      <a:schemeClr val="accent3"/>
+      <a:schemeClr val="accent4"/>
+      <a:schemeClr val="accent5"/>
+      <a:schemeClr val="accent6"/>
+    </dgm:linClrLst>
+    <dgm:effectClrLst/>
+    <dgm:txLinClrLst/>
+    <dgm:txFillClrLst/>
+    <dgm:txEffectClrLst/>
+  </dgm:styleLbl>
+  <dgm:styleLbl name="lnNode1">
+    <dgm:fillClrLst meth="repeat">
+      <a:schemeClr val="accent2"/>
+      <a:schemeClr val="accent3"/>
+      <a:schemeClr val="accent4"/>
+      <a:schemeClr val="accent5"/>
+      <a:schemeClr val="accent6"/>
+    </dgm:fillClrLst>
+    <dgm:linClrLst meth="repeat">
+      <a:schemeClr val="lt1"/>
+    </dgm:linClrLst>
+    <dgm:effectClrLst/>
+    <dgm:txLinClrLst/>
+    <dgm:txFillClrLst/>
+    <dgm:txEffectClrLst/>
+  </dgm:styleLbl>
+  <dgm:styleLbl name="vennNode1">
+    <dgm:fillClrLst meth="repeat">
+      <a:schemeClr val="accent2">
+        <a:alpha val="50000"/>
+      </a:schemeClr>
+      <a:schemeClr val="accent3">
+        <a:alpha val="50000"/>
+      </a:schemeClr>
+      <a:schemeClr val="accent4">
+        <a:alpha val="50000"/>
+      </a:schemeClr>
+      <a:schemeClr val="accent5">
+        <a:alpha val="50000"/>
+      </a:schemeClr>
+      <a:schemeClr val="accent6">
+        <a:alpha val="50000"/>
+      </a:schemeClr>
+    </dgm:fillClrLst>
+    <dgm:linClrLst meth="repeat">
+      <a:schemeClr val="lt1"/>
+    </dgm:linClrLst>
+    <dgm:effectClrLst/>
+    <dgm:txLinClrLst/>
+    <dgm:txFillClrLst/>
+    <dgm:txEffectClrLst/>
+  </dgm:styleLbl>
+  <dgm:styleLbl name="node2">
+    <dgm:fillClrLst>
+      <a:schemeClr val="accent2"/>
+    </dgm:fillClrLst>
+    <dgm:linClrLst meth="repeat">
+      <a:schemeClr val="lt1"/>
+    </dgm:linClrLst>
+    <dgm:effectClrLst/>
+    <dgm:txLinClrLst/>
+    <dgm:txFillClrLst/>
+    <dgm:txEffectClrLst/>
+  </dgm:styleLbl>
+  <dgm:styleLbl name="node3">
+    <dgm:fillClrLst>
+      <a:schemeClr val="accent3"/>
+    </dgm:fillClrLst>
+    <dgm:linClrLst meth="repeat">
+      <a:schemeClr val="lt1"/>
+    </dgm:linClrLst>
+    <dgm:effectClrLst/>
+    <dgm:txLinClrLst/>
+    <dgm:txFillClrLst/>
+    <dgm:txEffectClrLst/>
+  </dgm:styleLbl>
+  <dgm:styleLbl name="node4">
+    <dgm:fillClrLst>
+      <a:schemeClr val="accent4"/>
+    </dgm:fillClrLst>
+    <dgm:linClrLst meth="repeat">
+      <a:schemeClr val="lt1"/>
+    </dgm:linClrLst>
+    <dgm:effectClrLst/>
+    <dgm:txLinClrLst/>
+    <dgm:txFillClrLst/>
+    <dgm:txEffectClrLst/>
+  </dgm:styleLbl>
+  <dgm:styleLbl name="fgImgPlace1">
+    <dgm:fillClrLst meth="repeat">
+      <a:schemeClr val="accent2">
+        <a:tint val="50000"/>
+      </a:schemeClr>
+      <a:schemeClr val="accent3">
+        <a:tint val="50000"/>
+      </a:schemeClr>
+      <a:schemeClr val="accent4">
+        <a:tint val="50000"/>
+      </a:schemeClr>
+      <a:schemeClr val="accent5">
+        <a:tint val="50000"/>
+      </a:schemeClr>
+      <a:schemeClr val="accent6">
+        <a:tint val="50000"/>
+      </a:schemeClr>
+    </dgm:fillClrLst>
+    <dgm:linClrLst meth="repeat">
+      <a:schemeClr val="lt1"/>
+    </dgm:linClrLst>
+    <dgm:effectClrLst/>
+    <dgm:txLinClrLst/>
+    <dgm:txFillClrLst meth="repeat">
+      <a:schemeClr val="lt1"/>
+    </dgm:txFillClrLst>
+    <dgm:txEffectClrLst/>
+  </dgm:styleLbl>
+  <dgm:styleLbl name="alignImgPlace1">
+    <dgm:fillClrLst>
+      <a:schemeClr val="accent1">
+        <a:tint val="50000"/>
+      </a:schemeClr>
+      <a:schemeClr val="accent2">
+        <a:tint val="20000"/>
+      </a:schemeClr>
+    </dgm:fillClrLst>
+    <dgm:linClrLst meth="repeat">
+      <a:schemeClr val="lt1"/>
+    </dgm:linClrLst>
+    <dgm:effectClrLst/>
+    <dgm:txLinClrLst/>
+    <dgm:txFillClrLst meth="repeat">
+      <a:schemeClr val="lt1"/>
+    </dgm:txFillClrLst>
+    <dgm:txEffectClrLst/>
+  </dgm:styleLbl>
+  <dgm:styleLbl name="bgImgPlace1">
+    <dgm:fillClrLst>
+      <a:schemeClr val="accent1">
+        <a:tint val="50000"/>
+      </a:schemeClr>
+      <a:schemeClr val="accent2">
+        <a:tint val="20000"/>
+      </a:schemeClr>
+    </dgm:fillClrLst>
+    <dgm:linClrLst meth="repeat">
+      <a:schemeClr val="lt1"/>
+    </dgm:linClrLst>
+    <dgm:effectClrLst/>
+    <dgm:txLinClrLst/>
+    <dgm:txFillClrLst meth="repeat">
+      <a:schemeClr val="lt1"/>
+    </dgm:txFillClrLst>
+    <dgm:txEffectClrLst/>
+  </dgm:styleLbl>
+  <dgm:styleLbl name="sibTrans2D1">
+    <dgm:fillClrLst meth="repeat">
+      <a:schemeClr val="accent2"/>
+      <a:schemeClr val="accent3"/>
+      <a:schemeClr val="accent4"/>
+      <a:schemeClr val="accent5"/>
+      <a:schemeClr val="accent6"/>
+    </dgm:fillClrLst>
+    <dgm:linClrLst meth="cycle">
+      <a:schemeClr val="lt1"/>
+    </dgm:linClrLst>
+    <dgm:effectClrLst/>
+    <dgm:txLinClrLst/>
+    <dgm:txFillClrLst/>
+    <dgm:txEffectClrLst/>
+  </dgm:styleLbl>
+  <dgm:styleLbl name="fgSibTrans2D1">
+    <dgm:fillClrLst meth="repeat">
+      <a:schemeClr val="accent2"/>
+      <a:schemeClr val="accent3"/>
+      <a:schemeClr val="accent4"/>
+      <a:schemeClr val="accent5"/>
+      <a:schemeClr val="accent6"/>
+    </dgm:fillClrLst>
+    <dgm:linClrLst meth="cycle">
+      <a:schemeClr val="lt1"/>
+    </dgm:linClrLst>
+    <dgm:effectClrLst/>
+    <dgm:txLinClrLst/>
+    <dgm:txFillClrLst meth="repeat">
+      <a:schemeClr val="lt1"/>
+    </dgm:txFillClrLst>
+    <dgm:txEffectClrLst/>
+  </dgm:styleLbl>
+  <dgm:styleLbl name="bgSibTrans2D1">
+    <dgm:fillClrLst meth="repeat">
+      <a:schemeClr val="accent2"/>
+      <a:schemeClr val="accent3"/>
+      <a:schemeClr val="accent4"/>
+      <a:schemeClr val="accent5"/>
+      <a:schemeClr val="accent6"/>
+    </dgm:fillClrLst>
+    <dgm:linClrLst meth="cycle">
+      <a:schemeClr val="lt1"/>
+    </dgm:linClrLst>
+    <dgm:effectClrLst/>
+    <dgm:txLinClrLst/>
+    <dgm:txFillClrLst meth="repeat">
+      <a:schemeClr val="lt1"/>
+    </dgm:txFillClrLst>
+    <dgm:txEffectClrLst/>
+  </dgm:styleLbl>
+  <dgm:styleLbl name="sibTrans1D1">
+    <dgm:fillClrLst meth="repeat">
+      <a:schemeClr val="accent2"/>
+      <a:schemeClr val="accent3"/>
+      <a:schemeClr val="accent4"/>
+      <a:schemeClr val="accent5"/>
+      <a:schemeClr val="accent6"/>
+    </dgm:fillClrLst>
+    <dgm:linClrLst meth="repeat">
+      <a:schemeClr val="accent2"/>
+      <a:schemeClr val="accent3"/>
+      <a:schemeClr val="accent4"/>
+      <a:schemeClr val="accent5"/>
+      <a:schemeClr val="accent6"/>
+    </dgm:linClrLst>
+    <dgm:effectClrLst/>
+    <dgm:txLinClrLst/>
+    <dgm:txFillClrLst meth="repeat">
+      <a:schemeClr val="tx1"/>
+    </dgm:txFillClrLst>
+    <dgm:txEffectClrLst/>
+  </dgm:styleLbl>
+  <dgm:styleLbl name="callout">
+    <dgm:fillClrLst meth="repeat">
+      <a:schemeClr val="accent2"/>
+    </dgm:fillClrLst>
+    <dgm:linClrLst meth="repeat">
+      <a:schemeClr val="accent2">
+        <a:tint val="50000"/>
+      </a:schemeClr>
+    </dgm:linClrLst>
+    <dgm:effectClrLst/>
+    <dgm:txLinClrLst/>
+    <dgm:txFillClrLst meth="repeat">
+      <a:schemeClr val="tx1"/>
+    </dgm:txFillClrLst>
+    <dgm:txEffectClrLst/>
+  </dgm:styleLbl>
+  <dgm:styleLbl name="asst0">
+    <dgm:fillClrLst meth="repeat">
+      <a:schemeClr val="accent1"/>
+    </dgm:fillClrLst>
+    <dgm:linClrLst meth="repeat">
+      <a:schemeClr val="lt1"/>
+    </dgm:linClrLst>
+    <dgm:effectClrLst/>
+    <dgm:txLinClrLst/>
+    <dgm:txFillClrLst/>
+    <dgm:txEffectClrLst/>
+  </dgm:styleLbl>
+  <dgm:styleLbl name="asst1">
+    <dgm:fillClrLst meth="repeat">
+      <a:schemeClr val="accent2"/>
+    </dgm:fillClrLst>
+    <dgm:linClrLst meth="repeat">
+      <a:schemeClr val="lt1"/>
+    </dgm:linClrLst>
+    <dgm:effectClrLst/>
+    <dgm:txLinClrLst/>
+    <dgm:txFillClrLst/>
+    <dgm:txEffectClrLst/>
+  </dgm:styleLbl>
+  <dgm:styleLbl name="asst2">
+    <dgm:fillClrLst>
+      <a:schemeClr val="accent3"/>
+    </dgm:fillClrLst>
+    <dgm:linClrLst meth="repeat">
+      <a:schemeClr val="lt1"/>
+    </dgm:linClrLst>
+    <dgm:effectClrLst/>
+    <dgm:txLinClrLst/>
+    <dgm:txFillClrLst/>
+    <dgm:txEffectClrLst/>
+  </dgm:styleLbl>
+  <dgm:styleLbl name="asst3">
+    <dgm:fillClrLst>
+      <a:schemeClr val="accent4"/>
+    </dgm:fillClrLst>
+    <dgm:linClrLst meth="repeat">
+      <a:schemeClr val="lt1"/>
+    </dgm:linClrLst>
+    <dgm:effectClrLst/>
+    <dgm:txLinClrLst/>
+    <dgm:txFillClrLst/>
+    <dgm:txEffectClrLst/>
+  </dgm:styleLbl>
+  <dgm:styleLbl name="asst4">
+    <dgm:fillClrLst>
+      <a:schemeClr val="accent5"/>
+    </dgm:fillClrLst>
+    <dgm:linClrLst meth="repeat">
+      <a:schemeClr val="lt1"/>
+    </dgm:linClrLst>
+    <dgm:effectClrLst/>
+    <dgm:txLinClrLst/>
+    <dgm:txFillClrLst/>
+    <dgm:txEffectClrLst/>
+  </dgm:styleLbl>
+  <dgm:styleLbl name="parChTrans2D1">
+    <dgm:fillClrLst meth="repeat">
+      <a:schemeClr val="accent2"/>
+    </dgm:fillClrLst>
+    <dgm:linClrLst meth="repeat">
+      <a:schemeClr val="lt1"/>
+    </dgm:linClrLst>
+    <dgm:effectClrLst/>
+    <dgm:txLinClrLst/>
+    <dgm:txFillClrLst meth="repeat">
+      <a:schemeClr val="lt1"/>
+    </dgm:txFillClrLst>
+    <dgm:txEffectClrLst/>
+  </dgm:styleLbl>
+  <dgm:styleLbl name="parChTrans2D2">
+    <dgm:fillClrLst meth="repeat">
+      <a:schemeClr val="accent3"/>
+    </dgm:fillClrLst>
+    <dgm:linClrLst meth="repeat">
+      <a:schemeClr val="lt1"/>
+    </dgm:linClrLst>
+    <dgm:effectClrLst/>
+    <dgm:txLinClrLst/>
+    <dgm:txFillClrLst/>
+    <dgm:txEffectClrLst/>
+  </dgm:styleLbl>
+  <dgm:styleLbl name="parChTrans2D3">
+    <dgm:fillClrLst meth="repeat">
+      <a:schemeClr val="accent4"/>
+    </dgm:fillClrLst>
+    <dgm:linClrLst meth="repeat">
+      <a:schemeClr val="lt1"/>
+    </dgm:linClrLst>
+    <dgm:effectClrLst/>
+    <dgm:txLinClrLst/>
+    <dgm:txFillClrLst/>
+    <dgm:txEffectClrLst/>
+  </dgm:styleLbl>
+  <dgm:styleLbl name="parChTrans2D4">
+    <dgm:fillClrLst meth="repeat">
+      <a:schemeClr val="accent5"/>
+    </dgm:fillClrLst>
+    <dgm:linClrLst meth="repeat">
+      <a:schemeClr val="lt1"/>
+    </dgm:linClrLst>
+    <dgm:effectClrLst/>
+    <dgm:txLinClrLst/>
+    <dgm:txFillClrLst meth="repeat">
+      <a:schemeClr val="lt1"/>
+    </dgm:txFillClrLst>
+    <dgm:txEffectClrLst/>
+  </dgm:styleLbl>
+  <dgm:styleLbl name="parChTrans1D1">
+    <dgm:fillClrLst meth="repeat">
+      <a:schemeClr val="accent2"/>
+    </dgm:fillClrLst>
+    <dgm:linClrLst meth="repeat">
+      <a:schemeClr val="accent1"/>
+    </dgm:linClrLst>
+    <dgm:effectClrLst/>
+    <dgm:txLinClrLst/>
+    <dgm:txFillClrLst meth="repeat">
+      <a:schemeClr val="tx1"/>
+    </dgm:txFillClrLst>
+    <dgm:txEffectClrLst/>
+  </dgm:styleLbl>
+  <dgm:styleLbl name="parChTrans1D2">
+    <dgm:fillClrLst meth="repeat">
+      <a:schemeClr val="accent3">
+        <a:tint val="90000"/>
+      </a:schemeClr>
+    </dgm:fillClrLst>
+    <dgm:linClrLst meth="repeat">
+      <a:schemeClr val="accent2"/>
+    </dgm:linClrLst>
+    <dgm:effectClrLst/>
+    <dgm:txLinClrLst/>
+    <dgm:txFillClrLst meth="repeat">
+      <a:schemeClr val="tx1"/>
+    </dgm:txFillClrLst>
+    <dgm:txEffectClrLst/>
+  </dgm:styleLbl>
+  <dgm:styleLbl name="parChTrans1D3">
+    <dgm:fillClrLst meth="repeat">
+      <a:schemeClr val="accent4">
+        <a:tint val="70000"/>
+      </a:schemeClr>
+    </dgm:fillClrLst>
+    <dgm:linClrLst meth="repeat">
+      <a:schemeClr val="accent3"/>
+    </dgm:linClrLst>
+    <dgm:effectClrLst/>
+    <dgm:txLinClrLst/>
+    <dgm:txFillClrLst meth="repeat">
+      <a:schemeClr val="tx1"/>
+    </dgm:txFillClrLst>
+    <dgm:txEffectClrLst/>
+  </dgm:styleLbl>
+  <dgm:styleLbl name="parChTrans1D4">
+    <dgm:fillClrLst meth="repeat">
+      <a:schemeClr val="accent5">
+        <a:tint val="50000"/>
+      </a:schemeClr>
+    </dgm:fillClrLst>
+    <dgm:linClrLst meth="repeat">
+      <a:schemeClr val="accent4"/>
+    </dgm:linClrLst>
+    <dgm:effectClrLst/>
+    <dgm:txLinClrLst/>
+    <dgm:txFillClrLst meth="repeat">
+      <a:schemeClr val="tx1"/>
+    </dgm:txFillClrLst>
+    <dgm:txEffectClrLst/>
+  </dgm:styleLbl>
+  <dgm:styleLbl name="fgAcc1">
+    <dgm:fillClrLst meth="repeat">
+      <a:schemeClr val="lt1">
+        <a:alpha val="90000"/>
+      </a:schemeClr>
+    </dgm:fillClrLst>
+    <dgm:linClrLst meth="repeat">
+      <a:schemeClr val="accent2"/>
+      <a:schemeClr val="accent3"/>
+      <a:schemeClr val="accent4"/>
+      <a:schemeClr val="accent5"/>
+      <a:schemeClr val="accent6"/>
+    </dgm:linClrLst>
+    <dgm:effectClrLst/>
+    <dgm:txLinClrLst/>
+    <dgm:txFillClrLst meth="repeat">
+      <a:schemeClr val="dk1"/>
+    </dgm:txFillClrLst>
+    <dgm:txEffectClrLst/>
+  </dgm:styleLbl>
+  <dgm:styleLbl name="conFgAcc1">
+    <dgm:fillClrLst meth="repeat">
+      <a:schemeClr val="lt1">
+        <a:alpha val="90000"/>
+      </a:schemeClr>
+    </dgm:fillClrLst>
+    <dgm:linClrLst meth="repeat">
+      <a:schemeClr val="accent2"/>
+      <a:schemeClr val="accent3"/>
+      <a:schemeClr val="accent4"/>
+      <a:schemeClr val="accent5"/>
+      <a:schemeClr val="accent6"/>
+    </dgm:linClrLst>
+    <dgm:effectClrLst/>
+    <dgm:txLinClrLst/>
+    <dgm:txFillClrLst meth="repeat">
+      <a:schemeClr val="dk1"/>
+    </dgm:txFillClrLst>
+    <dgm:txEffectClrLst/>
+  </dgm:styleLbl>
+  <dgm:styleLbl name="alignAcc1">
+    <dgm:fillClrLst meth="repeat">
+      <a:schemeClr val="lt1">
+        <a:alpha val="90000"/>
+      </a:schemeClr>
+    </dgm:fillClrLst>
+    <dgm:linClrLst meth="repeat">
+      <a:schemeClr val="accent2"/>
+      <a:schemeClr val="accent3"/>
+      <a:schemeClr val="accent4"/>
+      <a:schemeClr val="accent5"/>
+      <a:schemeClr val="accent6"/>
+    </dgm:linClrLst>
+    <dgm:effectClrLst/>
+    <dgm:txLinClrLst/>
+    <dgm:txFillClrLst meth="repeat">
+      <a:schemeClr val="dk1"/>
+    </dgm:txFillClrLst>
+    <dgm:txEffectClrLst/>
+  </dgm:styleLbl>
+  <dgm:styleLbl name="trAlignAcc1">
+    <dgm:fillClrLst meth="repeat">
+      <a:schemeClr val="lt1">
+        <a:alpha val="40000"/>
+      </a:schemeClr>
+    </dgm:fillClrLst>
+    <dgm:linClrLst meth="repeat">
+      <a:schemeClr val="accent1"/>
+    </dgm:linClrLst>
+    <dgm:effectClrLst/>
+    <dgm:txLinClrLst/>
+    <dgm:txFillClrLst meth="repeat">
+      <a:schemeClr val="dk1"/>
+    </dgm:txFillClrLst>
+    <dgm:txEffectClrLst/>
+  </dgm:styleLbl>
+  <dgm:styleLbl name="bgAcc1">
+    <dgm:fillClrLst meth="repeat">
+      <a:schemeClr val="lt1">
+        <a:alpha val="90000"/>
+      </a:schemeClr>
+    </dgm:fillClrLst>
+    <dgm:linClrLst meth="repeat">
+      <a:schemeClr val="accent2"/>
+      <a:schemeClr val="accent3"/>
+      <a:schemeClr val="accent4"/>
+      <a:schemeClr val="accent5"/>
+      <a:schemeClr val="accent6"/>
+    </dgm:linClrLst>
+    <dgm:effectClrLst/>
+    <dgm:txLinClrLst/>
+    <dgm:txFillClrLst meth="repeat">
+      <a:schemeClr val="dk1"/>
+    </dgm:txFillClrLst>
+    <dgm:txEffectClrLst/>
+  </dgm:styleLbl>
+  <dgm:styleLbl name="solidFgAcc1">
+    <dgm:fillClrLst meth="repeat">
+      <a:schemeClr val="lt1"/>
+    </dgm:fillClrLst>
+    <dgm:linClrLst meth="repeat">
+      <a:schemeClr val="accent2"/>
+      <a:schemeClr val="accent3"/>
+      <a:schemeClr val="accent4"/>
+      <a:schemeClr val="accent5"/>
+      <a:schemeClr val="accent6"/>
+    </dgm:linClrLst>
+    <dgm:effectClrLst/>
+    <dgm:txLinClrLst/>
+    <dgm:txFillClrLst meth="repeat">
+      <a:schemeClr val="dk1"/>
+    </dgm:txFillClrLst>
+    <dgm:txEffectClrLst/>
+  </dgm:styleLbl>
+  <dgm:styleLbl name="solidAlignAcc1">
+    <dgm:fillClrLst meth="repeat">
+      <a:schemeClr val="lt1"/>
+    </dgm:fillClrLst>
+    <dgm:linClrLst meth="repeat">
+      <a:schemeClr val="accent2"/>
+      <a:schemeClr val="accent3"/>
+      <a:schemeClr val="accent4"/>
+      <a:schemeClr val="accent5"/>
+      <a:schemeClr val="accent6"/>
+    </dgm:linClrLst>
+    <dgm:effectClrLst/>
+    <dgm:txLinClrLst/>
+    <dgm:txFillClrLst meth="repeat">
+      <a:schemeClr val="dk1"/>
+    </dgm:txFillClrLst>
+    <dgm:txEffectClrLst/>
+  </dgm:styleLbl>
+  <dgm:styleLbl name="solidBgAcc1">
+    <dgm:fillClrLst meth="repeat">
+      <a:schemeClr val="lt1"/>
+    </dgm:fillClrLst>
+    <dgm:linClrLst meth="repeat">
+      <a:schemeClr val="accent2"/>
+      <a:schemeClr val="accent3"/>
+      <a:schemeClr val="accent4"/>
+      <a:schemeClr val="accent5"/>
+      <a:schemeClr val="accent6"/>
+    </dgm:linClrLst>
+    <dgm:effectClrLst/>
+    <dgm:txLinClrLst/>
+    <dgm:txFillClrLst meth="repeat">
+      <a:schemeClr val="dk1"/>
+    </dgm:txFillClrLst>
+    <dgm:txEffectClrLst/>
+  </dgm:styleLbl>
+  <dgm:styleLbl name="fgAccFollowNode1">
+    <dgm:fillClrLst meth="repeat">
+      <a:schemeClr val="accent2">
+        <a:tint val="40000"/>
+        <a:alpha val="90000"/>
+      </a:schemeClr>
+      <a:schemeClr val="accent3">
+        <a:tint val="40000"/>
+        <a:alpha val="90000"/>
+      </a:schemeClr>
+      <a:schemeClr val="accent4">
+        <a:tint val="40000"/>
+        <a:alpha val="90000"/>
+      </a:schemeClr>
+      <a:schemeClr val="accent5">
+        <a:tint val="40000"/>
+        <a:alpha val="90000"/>
+      </a:schemeClr>
+      <a:schemeClr val="accent6">
+        <a:tint val="40000"/>
+        <a:alpha val="90000"/>
+      </a:schemeClr>
+    </dgm:fillClrLst>
+    <dgm:linClrLst meth="repeat">
+      <a:schemeClr val="accent2">
+        <a:tint val="40000"/>
+        <a:alpha val="90000"/>
+      </a:schemeClr>
+      <a:schemeClr val="accent3">
+        <a:tint val="40000"/>
+        <a:alpha val="90000"/>
+      </a:schemeClr>
+      <a:schemeClr val="accent4">
+        <a:tint val="40000"/>
+        <a:alpha val="90000"/>
+      </a:schemeClr>
+      <a:schemeClr val="accent5">
+        <a:tint val="40000"/>
+        <a:alpha val="90000"/>
+      </a:schemeClr>
+      <a:schemeClr val="accent6">
+        <a:tint val="40000"/>
+        <a:alpha val="90000"/>
+      </a:schemeClr>
+    </dgm:linClrLst>
+    <dgm:effectClrLst/>
+    <dgm:txLinClrLst/>
+    <dgm:txFillClrLst meth="repeat">
+      <a:schemeClr val="dk1"/>
+    </dgm:txFillClrLst>
+    <dgm:txEffectClrLst/>
+  </dgm:styleLbl>
+  <dgm:styleLbl name="alignAccFollowNode1">
+    <dgm:fillClrLst meth="repeat">
+      <a:schemeClr val="accent2">
+        <a:tint val="40000"/>
+        <a:alpha val="90000"/>
+      </a:schemeClr>
+      <a:schemeClr val="accent3">
+        <a:tint val="40000"/>
+        <a:alpha val="90000"/>
+      </a:schemeClr>
+      <a:schemeClr val="accent4">
+        <a:tint val="40000"/>
+        <a:alpha val="90000"/>
+      </a:schemeClr>
+      <a:schemeClr val="accent5">
+        <a:tint val="40000"/>
+        <a:alpha val="90000"/>
+      </a:schemeClr>
+      <a:schemeClr val="accent6">
+        <a:tint val="40000"/>
+        <a:alpha val="90000"/>
+      </a:schemeClr>
+    </dgm:fillClrLst>
+    <dgm:linClrLst meth="repeat">
+      <a:schemeClr val="accent2">
+        <a:tint val="40000"/>
+        <a:alpha val="90000"/>
+      </a:schemeClr>
+      <a:schemeClr val="accent3">
+        <a:tint val="40000"/>
+        <a:alpha val="90000"/>
+      </a:schemeClr>
+      <a:schemeClr val="accent4">
+        <a:tint val="40000"/>
+        <a:alpha val="90000"/>
+      </a:schemeClr>
+      <a:schemeClr val="accent5">
+        <a:tint val="40000"/>
+        <a:alpha val="90000"/>
+      </a:schemeClr>
+      <a:schemeClr val="accent6">
+        <a:tint val="40000"/>
+        <a:alpha val="90000"/>
+      </a:schemeClr>
+    </dgm:linClrLst>
+    <dgm:effectClrLst/>
+    <dgm:txLinClrLst/>
+    <dgm:txFillClrLst meth="repeat">
+      <a:schemeClr val="dk1"/>
+    </dgm:txFillClrLst>
+    <dgm:txEffectClrLst/>
+  </dgm:styleLbl>
+  <dgm:styleLbl name="bgAccFollowNode1">
+    <dgm:fillClrLst meth="repeat">
+      <a:schemeClr val="accent2">
+        <a:tint val="40000"/>
+        <a:alpha val="90000"/>
+      </a:schemeClr>
+      <a:schemeClr val="accent3">
+        <a:tint val="40000"/>
+        <a:alpha val="90000"/>
+      </a:schemeClr>
+      <a:schemeClr val="accent4">
+        <a:tint val="40000"/>
+        <a:alpha val="90000"/>
+      </a:schemeClr>
+      <a:schemeClr val="accent5">
+        <a:tint val="40000"/>
+        <a:alpha val="90000"/>
+      </a:schemeClr>
+      <a:schemeClr val="accent6">
+        <a:tint val="40000"/>
+        <a:alpha val="90000"/>
+      </a:schemeClr>
+    </dgm:fillClrLst>
+    <dgm:linClrLst meth="repeat">
+      <a:schemeClr val="accent2">
+        <a:tint val="40000"/>
+        <a:alpha val="90000"/>
+      </a:schemeClr>
+      <a:schemeClr val="accent3">
+        <a:tint val="40000"/>
+        <a:alpha val="90000"/>
+      </a:schemeClr>
+      <a:schemeClr val="accent4">
+        <a:tint val="40000"/>
+        <a:alpha val="90000"/>
+      </a:schemeClr>
+      <a:schemeClr val="accent5">
+        <a:tint val="40000"/>
+        <a:alpha val="90000"/>
+      </a:schemeClr>
+      <a:schemeClr val="accent6">
+        <a:tint val="40000"/>
+        <a:alpha val="90000"/>
+      </a:schemeClr>
+    </dgm:linClrLst>
+    <dgm:effectClrLst/>
+    <dgm:txLinClrLst/>
+    <dgm:txFillClrLst meth="repeat">
+      <a:schemeClr val="dk1"/>
+    </dgm:txFillClrLst>
+    <dgm:txEffectClrLst/>
+  </dgm:styleLbl>
+  <dgm:styleLbl name="fgAcc0">
+    <dgm:fillClrLst meth="repeat">
+      <a:schemeClr val="lt1">
+        <a:alpha val="90000"/>
+      </a:schemeClr>
+    </dgm:fillClrLst>
+    <dgm:linClrLst>
+      <a:schemeClr val="accent1"/>
+    </dgm:linClrLst>
+    <dgm:effectClrLst/>
+    <dgm:txLinClrLst/>
+    <dgm:txFillClrLst meth="repeat">
+      <a:schemeClr val="dk1"/>
+    </dgm:txFillClrLst>
+    <dgm:txEffectClrLst/>
+  </dgm:styleLbl>
+  <dgm:styleLbl name="fgAcc2">
+    <dgm:fillClrLst meth="repeat">
+      <a:schemeClr val="lt1">
+        <a:alpha val="90000"/>
+      </a:schemeClr>
+    </dgm:fillClrLst>
+    <dgm:linClrLst>
+      <a:schemeClr val="accent2"/>
+    </dgm:linClrLst>
+    <dgm:effectClrLst/>
+    <dgm:txLinClrLst/>
+    <dgm:txFillClrLst meth="repeat">
+      <a:schemeClr val="dk1"/>
+    </dgm:txFillClrLst>
+    <dgm:txEffectClrLst/>
+  </dgm:styleLbl>
+  <dgm:styleLbl name="fgAcc3">
+    <dgm:fillClrLst meth="repeat">
+      <a:schemeClr val="lt1">
+        <a:alpha val="90000"/>
+      </a:schemeClr>
+    </dgm:fillClrLst>
+    <dgm:linClrLst>
+      <a:schemeClr val="accent3"/>
+    </dgm:linClrLst>
+    <dgm:effectClrLst/>
+    <dgm:txLinClrLst/>
+    <dgm:txFillClrLst meth="repeat">
+      <a:schemeClr val="dk1"/>
+    </dgm:txFillClrLst>
+    <dgm:txEffectClrLst/>
+  </dgm:styleLbl>
+  <dgm:styleLbl name="fgAcc4">
+    <dgm:fillClrLst meth="repeat">
+      <a:schemeClr val="lt1">
+        <a:alpha val="90000"/>
+      </a:schemeClr>
+    </dgm:fillClrLst>
+    <dgm:linClrLst>
+      <a:schemeClr val="accent4"/>
+    </dgm:linClrLst>
+    <dgm:effectClrLst/>
+    <dgm:txLinClrLst/>
+    <dgm:txFillClrLst meth="repeat">
+      <a:schemeClr val="dk1"/>
+    </dgm:txFillClrLst>
+    <dgm:txEffectClrLst/>
+  </dgm:styleLbl>
+  <dgm:styleLbl name="bgShp">
+    <dgm:fillClrLst meth="repeat">
+      <a:schemeClr val="accent2"/>
+      <a:schemeClr val="accent3"/>
+      <a:schemeClr val="accent4"/>
+      <a:schemeClr val="accent5"/>
+      <a:schemeClr val="accent6"/>
+    </dgm:fillClrLst>
+    <dgm:linClrLst meth="repeat">
+      <a:schemeClr val="lt1">
+        <a:alpha val="0"/>
+      </a:schemeClr>
+    </dgm:linClrLst>
+    <dgm:effectClrLst/>
+    <dgm:txLinClrLst/>
+    <dgm:txFillClrLst/>
+    <dgm:txEffectClrLst/>
+  </dgm:styleLbl>
+  <dgm:styleLbl name="dkBgShp">
+    <dgm:fillClrLst meth="repeat">
+      <a:schemeClr val="accent2">
+        <a:shade val="90000"/>
+      </a:schemeClr>
+    </dgm:fillClrLst>
+    <dgm:linClrLst meth="repeat">
+      <a:schemeClr val="dk1"/>
+    </dgm:linClrLst>
+    <dgm:effectClrLst/>
+    <dgm:txLinClrLst/>
+    <dgm:txFillClrLst meth="repeat">
+      <a:schemeClr val="lt1"/>
+    </dgm:txFillClrLst>
+    <dgm:txEffectClrLst/>
+  </dgm:styleLbl>
+  <dgm:styleLbl name="trBgShp">
+    <dgm:fillClrLst meth="repeat">
+      <a:schemeClr val="accent1">
+        <a:tint val="50000"/>
+        <a:alpha val="40000"/>
+      </a:schemeClr>
+    </dgm:fillClrLst>
+    <dgm:linClrLst meth="repeat">
+      <a:schemeClr val="accent2"/>
+    </dgm:linClrLst>
+    <dgm:effectClrLst/>
+    <dgm:txLinClrLst/>
+    <dgm:txFillClrLst meth="repeat">
+      <a:schemeClr val="lt1"/>
+    </dgm:txFillClrLst>
+    <dgm:txEffectClrLst/>
+  </dgm:styleLbl>
+  <dgm:styleLbl name="fgShp">
+    <dgm:fillClrLst meth="repeat">
+      <a:schemeClr val="accent2">
+        <a:tint val="40000"/>
+      </a:schemeClr>
+    </dgm:fillClrLst>
+    <dgm:linClrLst meth="repeat">
+      <a:schemeClr val="lt1"/>
+    </dgm:linClrLst>
+    <dgm:effectClrLst/>
+    <dgm:txLinClrLst/>
+    <dgm:txFillClrLst meth="repeat">
+      <a:schemeClr val="dk1"/>
+    </dgm:txFillClrLst>
+    <dgm:txEffectClrLst/>
+  </dgm:styleLbl>
+  <dgm:styleLbl name="revTx">
+    <dgm:fillClrLst meth="repeat">
+      <a:schemeClr val="lt1">
+        <a:alpha val="0"/>
+      </a:schemeClr>
+    </dgm:fillClrLst>
+    <dgm:linClrLst meth="repeat">
+      <a:schemeClr val="dk1">
+        <a:alpha val="0"/>
+      </a:schemeClr>
+    </dgm:linClrLst>
+    <dgm:effectClrLst/>
+    <dgm:txLinClrLst/>
+    <dgm:txFillClrLst meth="repeat">
+      <a:schemeClr val="bg1"/>
+    </dgm:txFillClrLst>
+    <dgm:txEffectClrLst/>
+  </dgm:styleLbl>
+</dgm:colorsDef>
+</file>
+
+<file path=ppt/diagrams/colors2.xml><?xml version="1.0" encoding="utf-8"?>
+<dgm:colorsDef xmlns:dgm="http://schemas.openxmlformats.org/drawingml/2006/diagram" xmlns:a="http://schemas.openxmlformats.org/drawingml/2006/main" uniqueId="urn:microsoft.com/office/officeart/2018/5/colors/Iconchunking_neutralbg_colorful1">
+  <dgm:title val=""/>
+  <dgm:desc val=""/>
+  <dgm:catLst>
+    <dgm:cat type="colorful" pri="10100"/>
+  </dgm:catLst>
+  <dgm:styleLbl name="node0">
+    <dgm:fillClrLst meth="repeat">
+      <a:schemeClr val="accent1"/>
+    </dgm:fillClrLst>
+    <dgm:linClrLst meth="repeat">
+      <a:schemeClr val="lt1"/>
+    </dgm:linClrLst>
+    <dgm:effectClrLst/>
+    <dgm:txLinClrLst/>
+    <dgm:txFillClrLst/>
+    <dgm:txEffectClrLst/>
+  </dgm:styleLbl>
+  <dgm:styleLbl name="node1">
+    <dgm:fillClrLst meth="repeat">
+      <a:schemeClr val="accent2"/>
+      <a:schemeClr val="accent3"/>
+      <a:schemeClr val="accent4"/>
+      <a:schemeClr val="accent5"/>
+      <a:schemeClr val="accent6"/>
+    </dgm:fillClrLst>
+    <dgm:linClrLst meth="repeat">
+      <a:schemeClr val="lt1">
+        <a:alpha val="0"/>
+      </a:schemeClr>
+    </dgm:linClrLst>
+    <dgm:effectClrLst/>
+    <dgm:txLinClrLst/>
+    <dgm:txFillClrLst/>
+    <dgm:txEffectClrLst/>
+  </dgm:styleLbl>
+  <dgm:styleLbl name="alignNode1">
+    <dgm:fillClrLst meth="repeat">
+      <a:schemeClr val="accent2"/>
+      <a:schemeClr val="accent3"/>
+      <a:schemeClr val="accent4"/>
+      <a:schemeClr val="accent5"/>
+      <a:schemeClr val="accent6"/>
+    </dgm:fillClrLst>
+    <dgm:linClrLst meth="repeat">
+      <a:schemeClr val="accent2"/>
+      <a:schemeClr val="accent3"/>
+      <a:schemeClr val="accent4"/>
+      <a:schemeClr val="accent5"/>
+      <a:schemeClr val="accent6"/>
+    </dgm:linClrLst>
+    <dgm:effectClrLst/>
+    <dgm:txLinClrLst/>
+    <dgm:txFillClrLst/>
+    <dgm:txEffectClrLst/>
+  </dgm:styleLbl>
+  <dgm:styleLbl name="lnNode1">
+    <dgm:fillClrLst meth="repeat">
+      <a:schemeClr val="accent2"/>
+      <a:schemeClr val="accent3"/>
+      <a:schemeClr val="accent4"/>
+      <a:schemeClr val="accent5"/>
+      <a:schemeClr val="accent6"/>
+    </dgm:fillClrLst>
+    <dgm:linClrLst meth="repeat">
+      <a:schemeClr val="lt1"/>
+    </dgm:linClrLst>
+    <dgm:effectClrLst/>
+    <dgm:txLinClrLst/>
+    <dgm:txFillClrLst/>
+    <dgm:txEffectClrLst/>
+  </dgm:styleLbl>
+  <dgm:styleLbl name="vennNode1">
+    <dgm:fillClrLst meth="repeat">
+      <a:schemeClr val="accent2">
+        <a:alpha val="50000"/>
+      </a:schemeClr>
+      <a:schemeClr val="accent3">
+        <a:alpha val="50000"/>
+      </a:schemeClr>
+      <a:schemeClr val="accent4">
+        <a:alpha val="50000"/>
+      </a:schemeClr>
+      <a:schemeClr val="accent5">
+        <a:alpha val="50000"/>
+      </a:schemeClr>
+      <a:schemeClr val="accent6">
+        <a:alpha val="50000"/>
+      </a:schemeClr>
+    </dgm:fillClrLst>
+    <dgm:linClrLst meth="repeat">
+      <a:schemeClr val="lt1"/>
+    </dgm:linClrLst>
+    <dgm:effectClrLst/>
+    <dgm:txLinClrLst/>
+    <dgm:txFillClrLst/>
+    <dgm:txEffectClrLst/>
+  </dgm:styleLbl>
+  <dgm:styleLbl name="node2">
+    <dgm:fillClrLst>
+      <a:schemeClr val="accent2"/>
+    </dgm:fillClrLst>
+    <dgm:linClrLst meth="repeat">
+      <a:schemeClr val="lt1"/>
+    </dgm:linClrLst>
+    <dgm:effectClrLst/>
+    <dgm:txLinClrLst/>
+    <dgm:txFillClrLst/>
+    <dgm:txEffectClrLst/>
+  </dgm:styleLbl>
+  <dgm:styleLbl name="node3">
+    <dgm:fillClrLst>
+      <a:schemeClr val="accent3"/>
+    </dgm:fillClrLst>
+    <dgm:linClrLst meth="repeat">
+      <a:schemeClr val="lt1"/>
+    </dgm:linClrLst>
+    <dgm:effectClrLst/>
+    <dgm:txLinClrLst/>
+    <dgm:txFillClrLst/>
+    <dgm:txEffectClrLst/>
+  </dgm:styleLbl>
+  <dgm:styleLbl name="node4">
+    <dgm:fillClrLst>
+      <a:schemeClr val="accent4"/>
+    </dgm:fillClrLst>
+    <dgm:linClrLst meth="repeat">
+      <a:schemeClr val="lt1"/>
+    </dgm:linClrLst>
+    <dgm:effectClrLst/>
+    <dgm:txLinClrLst/>
+    <dgm:txFillClrLst/>
+    <dgm:txEffectClrLst/>
+  </dgm:styleLbl>
+  <dgm:styleLbl name="fgImgPlace1">
+    <dgm:fillClrLst meth="repeat">
+      <a:schemeClr val="accent2">
+        <a:tint val="50000"/>
+      </a:schemeClr>
+      <a:schemeClr val="accent3">
+        <a:tint val="50000"/>
+      </a:schemeClr>
+      <a:schemeClr val="accent4">
+        <a:tint val="50000"/>
+      </a:schemeClr>
+      <a:schemeClr val="accent5">
+        <a:tint val="50000"/>
+      </a:schemeClr>
+      <a:schemeClr val="accent6">
+        <a:tint val="50000"/>
+      </a:schemeClr>
+    </dgm:fillClrLst>
+    <dgm:linClrLst meth="repeat">
+      <a:schemeClr val="lt1"/>
+    </dgm:linClrLst>
+    <dgm:effectClrLst/>
+    <dgm:txLinClrLst/>
+    <dgm:txFillClrLst meth="repeat">
+      <a:schemeClr val="lt1"/>
+    </dgm:txFillClrLst>
+    <dgm:txEffectClrLst/>
+  </dgm:styleLbl>
+  <dgm:styleLbl name="alignImgPlace1">
+    <dgm:fillClrLst>
+      <a:schemeClr val="accent1">
+        <a:tint val="50000"/>
+      </a:schemeClr>
+      <a:schemeClr val="accent2">
+        <a:tint val="20000"/>
+      </a:schemeClr>
+    </dgm:fillClrLst>
+    <dgm:linClrLst meth="repeat">
+      <a:schemeClr val="lt1"/>
+    </dgm:linClrLst>
+    <dgm:effectClrLst/>
+    <dgm:txLinClrLst/>
+    <dgm:txFillClrLst meth="repeat">
+      <a:schemeClr val="lt1"/>
+    </dgm:txFillClrLst>
+    <dgm:txEffectClrLst/>
+  </dgm:styleLbl>
+  <dgm:styleLbl name="bgImgPlace1">
+    <dgm:fillClrLst>
+      <a:schemeClr val="accent1">
+        <a:tint val="50000"/>
+      </a:schemeClr>
+      <a:schemeClr val="accent2">
+        <a:tint val="20000"/>
+      </a:schemeClr>
+    </dgm:fillClrLst>
+    <dgm:linClrLst meth="repeat">
+      <a:schemeClr val="lt1"/>
+    </dgm:linClrLst>
+    <dgm:effectClrLst/>
+    <dgm:txLinClrLst/>
+    <dgm:txFillClrLst meth="repeat">
+      <a:schemeClr val="lt1"/>
+    </dgm:txFillClrLst>
+    <dgm:txEffectClrLst/>
+  </dgm:styleLbl>
+  <dgm:styleLbl name="sibTrans2D1">
+    <dgm:fillClrLst meth="repeat">
+      <a:schemeClr val="accent2"/>
+      <a:schemeClr val="accent3"/>
+      <a:schemeClr val="accent4"/>
+      <a:schemeClr val="accent5"/>
+      <a:schemeClr val="accent6"/>
+    </dgm:fillClrLst>
+    <dgm:linClrLst meth="cycle">
+      <a:schemeClr val="lt1"/>
+    </dgm:linClrLst>
+    <dgm:effectClrLst/>
+    <dgm:txLinClrLst/>
+    <dgm:txFillClrLst/>
+    <dgm:txEffectClrLst/>
+  </dgm:styleLbl>
+  <dgm:styleLbl name="fgSibTrans2D1">
+    <dgm:fillClrLst meth="repeat">
+      <a:schemeClr val="accent2"/>
+      <a:schemeClr val="accent3"/>
+      <a:schemeClr val="accent4"/>
+      <a:schemeClr val="accent5"/>
+      <a:schemeClr val="accent6"/>
+    </dgm:fillClrLst>
+    <dgm:linClrLst meth="cycle">
+      <a:schemeClr val="lt1"/>
+    </dgm:linClrLst>
+    <dgm:effectClrLst/>
+    <dgm:txLinClrLst/>
+    <dgm:txFillClrLst meth="repeat">
+      <a:schemeClr val="lt1"/>
+    </dgm:txFillClrLst>
+    <dgm:txEffectClrLst/>
+  </dgm:styleLbl>
+  <dgm:styleLbl name="bgSibTrans2D1">
+    <dgm:fillClrLst meth="repeat">
+      <a:schemeClr val="accent2"/>
+      <a:schemeClr val="accent3"/>
+      <a:schemeClr val="accent4"/>
+      <a:schemeClr val="accent5"/>
+      <a:schemeClr val="accent6"/>
+    </dgm:fillClrLst>
+    <dgm:linClrLst meth="cycle">
+      <a:schemeClr val="lt1"/>
+    </dgm:linClrLst>
+    <dgm:effectClrLst/>
+    <dgm:txLinClrLst/>
+    <dgm:txFillClrLst meth="repeat">
+      <a:schemeClr val="lt1"/>
+    </dgm:txFillClrLst>
+    <dgm:txEffectClrLst/>
+  </dgm:styleLbl>
+  <dgm:styleLbl name="sibTrans1D1">
+    <dgm:fillClrLst meth="repeat">
+      <a:schemeClr val="accent2"/>
+      <a:schemeClr val="accent3"/>
+      <a:schemeClr val="accent4"/>
+      <a:schemeClr val="accent5"/>
+      <a:schemeClr val="accent6"/>
+    </dgm:fillClrLst>
+    <dgm:linClrLst meth="repeat">
+      <a:schemeClr val="accent2"/>
+      <a:schemeClr val="accent3"/>
+      <a:schemeClr val="accent4"/>
+      <a:schemeClr val="accent5"/>
+      <a:schemeClr val="accent6"/>
+    </dgm:linClrLst>
+    <dgm:effectClrLst/>
+    <dgm:txLinClrLst/>
+    <dgm:txFillClrLst meth="repeat">
+      <a:schemeClr val="tx1"/>
+    </dgm:txFillClrLst>
+    <dgm:txEffectClrLst/>
+  </dgm:styleLbl>
+  <dgm:styleLbl name="callout">
+    <dgm:fillClrLst meth="repeat">
+      <a:schemeClr val="accent2"/>
+    </dgm:fillClrLst>
+    <dgm:linClrLst meth="repeat">
+      <a:schemeClr val="accent2">
+        <a:tint val="50000"/>
+      </a:schemeClr>
+    </dgm:linClrLst>
+    <dgm:effectClrLst/>
+    <dgm:txLinClrLst/>
+    <dgm:txFillClrLst meth="repeat">
+      <a:schemeClr val="tx1"/>
+    </dgm:txFillClrLst>
+    <dgm:txEffectClrLst/>
+  </dgm:styleLbl>
+  <dgm:styleLbl name="asst0">
+    <dgm:fillClrLst meth="repeat">
+      <a:schemeClr val="accent1"/>
+    </dgm:fillClrLst>
+    <dgm:linClrLst meth="repeat">
+      <a:schemeClr val="lt1"/>
+    </dgm:linClrLst>
+    <dgm:effectClrLst/>
+    <dgm:txLinClrLst/>
+    <dgm:txFillClrLst/>
+    <dgm:txEffectClrLst/>
+  </dgm:styleLbl>
+  <dgm:styleLbl name="asst1">
+    <dgm:fillClrLst meth="repeat">
+      <a:schemeClr val="accent2"/>
+    </dgm:fillClrLst>
+    <dgm:linClrLst meth="repeat">
+      <a:schemeClr val="lt1"/>
+    </dgm:linClrLst>
+    <dgm:effectClrLst/>
+    <dgm:txLinClrLst/>
+    <dgm:txFillClrLst/>
+    <dgm:txEffectClrLst/>
+  </dgm:styleLbl>
+  <dgm:styleLbl name="asst2">
+    <dgm:fillClrLst>
+      <a:schemeClr val="accent3"/>
+    </dgm:fillClrLst>
+    <dgm:linClrLst meth="repeat">
+      <a:schemeClr val="lt1"/>
+    </dgm:linClrLst>
+    <dgm:effectClrLst/>
+    <dgm:txLinClrLst/>
+    <dgm:txFillClrLst/>
+    <dgm:txEffectClrLst/>
+  </dgm:styleLbl>
+  <dgm:styleLbl name="asst3">
+    <dgm:fillClrLst>
+      <a:schemeClr val="accent4"/>
+    </dgm:fillClrLst>
+    <dgm:linClrLst meth="repeat">
+      <a:schemeClr val="lt1"/>
+    </dgm:linClrLst>
+    <dgm:effectClrLst/>
+    <dgm:txLinClrLst/>
+    <dgm:txFillClrLst/>
+    <dgm:txEffectClrLst/>
+  </dgm:styleLbl>
+  <dgm:styleLbl name="asst4">
+    <dgm:fillClrLst>
+      <a:schemeClr val="accent5"/>
+    </dgm:fillClrLst>
+    <dgm:linClrLst meth="repeat">
+      <a:schemeClr val="lt1"/>
+    </dgm:linClrLst>
+    <dgm:effectClrLst/>
+    <dgm:txLinClrLst/>
+    <dgm:txFillClrLst/>
+    <dgm:txEffectClrLst/>
+  </dgm:styleLbl>
+  <dgm:styleLbl name="parChTrans2D1">
+    <dgm:fillClrLst meth="repeat">
+      <a:schemeClr val="accent2"/>
+    </dgm:fillClrLst>
+    <dgm:linClrLst meth="repeat">
+      <a:schemeClr val="lt1"/>
+    </dgm:linClrLst>
+    <dgm:effectClrLst/>
+    <dgm:txLinClrLst/>
+    <dgm:txFillClrLst meth="repeat">
+      <a:schemeClr val="lt1"/>
+    </dgm:txFillClrLst>
+    <dgm:txEffectClrLst/>
+  </dgm:styleLbl>
+  <dgm:styleLbl name="parChTrans2D2">
+    <dgm:fillClrLst meth="repeat">
+      <a:schemeClr val="accent3"/>
+    </dgm:fillClrLst>
+    <dgm:linClrLst meth="repeat">
+      <a:schemeClr val="lt1"/>
+    </dgm:linClrLst>
+    <dgm:effectClrLst/>
+    <dgm:txLinClrLst/>
+    <dgm:txFillClrLst/>
+    <dgm:txEffectClrLst/>
+  </dgm:styleLbl>
+  <dgm:styleLbl name="parChTrans2D3">
+    <dgm:fillClrLst meth="repeat">
+      <a:schemeClr val="accent4"/>
+    </dgm:fillClrLst>
+    <dgm:linClrLst meth="repeat">
+      <a:schemeClr val="lt1"/>
+    </dgm:linClrLst>
+    <dgm:effectClrLst/>
+    <dgm:txLinClrLst/>
+    <dgm:txFillClrLst/>
+    <dgm:txEffectClrLst/>
+  </dgm:styleLbl>
+  <dgm:styleLbl name="parChTrans2D4">
+    <dgm:fillClrLst meth="repeat">
+      <a:schemeClr val="accent5"/>
+    </dgm:fillClrLst>
+    <dgm:linClrLst meth="repeat">
+      <a:schemeClr val="lt1"/>
+    </dgm:linClrLst>
+    <dgm:effectClrLst/>
+    <dgm:txLinClrLst/>
+    <dgm:txFillClrLst meth="repeat">
+      <a:schemeClr val="lt1"/>
+    </dgm:txFillClrLst>
+    <dgm:txEffectClrLst/>
+  </dgm:styleLbl>
+  <dgm:styleLbl name="parChTrans1D1">
+    <dgm:fillClrLst meth="repeat">
+      <a:schemeClr val="accent2"/>
+    </dgm:fillClrLst>
+    <dgm:linClrLst meth="repeat">
+      <a:schemeClr val="accent1"/>
+    </dgm:linClrLst>
+    <dgm:effectClrLst/>
+    <dgm:txLinClrLst/>
+    <dgm:txFillClrLst meth="repeat">
+      <a:schemeClr val="tx1"/>
+    </dgm:txFillClrLst>
+    <dgm:txEffectClrLst/>
+  </dgm:styleLbl>
+  <dgm:styleLbl name="parChTrans1D2">
+    <dgm:fillClrLst meth="repeat">
+      <a:schemeClr val="accent3">
+        <a:tint val="90000"/>
+      </a:schemeClr>
+    </dgm:fillClrLst>
+    <dgm:linClrLst meth="repeat">
+      <a:schemeClr val="accent2"/>
+    </dgm:linClrLst>
+    <dgm:effectClrLst/>
+    <dgm:txLinClrLst/>
+    <dgm:txFillClrLst meth="repeat">
+      <a:schemeClr val="tx1"/>
+    </dgm:txFillClrLst>
+    <dgm:txEffectClrLst/>
+  </dgm:styleLbl>
+  <dgm:styleLbl name="parChTrans1D3">
+    <dgm:fillClrLst meth="repeat">
+      <a:schemeClr val="accent4">
+        <a:tint val="70000"/>
+      </a:schemeClr>
+    </dgm:fillClrLst>
+    <dgm:linClrLst meth="repeat">
+      <a:schemeClr val="accent3"/>
+    </dgm:linClrLst>
+    <dgm:effectClrLst/>
+    <dgm:txLinClrLst/>
+    <dgm:txFillClrLst meth="repeat">
+      <a:schemeClr val="tx1"/>
+    </dgm:txFillClrLst>
+    <dgm:txEffectClrLst/>
+  </dgm:styleLbl>
+  <dgm:styleLbl name="parChTrans1D4">
+    <dgm:fillClrLst meth="repeat">
+      <a:schemeClr val="accent5">
+        <a:tint val="50000"/>
+      </a:schemeClr>
+    </dgm:fillClrLst>
+    <dgm:linClrLst meth="repeat">
+      <a:schemeClr val="accent4"/>
+    </dgm:linClrLst>
+    <dgm:effectClrLst/>
+    <dgm:txLinClrLst/>
+    <dgm:txFillClrLst meth="repeat">
+      <a:schemeClr val="tx1"/>
+    </dgm:txFillClrLst>
+    <dgm:txEffectClrLst/>
+  </dgm:styleLbl>
+  <dgm:styleLbl name="fgAcc1">
+    <dgm:fillClrLst meth="repeat">
+      <a:schemeClr val="lt1">
+        <a:alpha val="90000"/>
+      </a:schemeClr>
+    </dgm:fillClrLst>
+    <dgm:linClrLst meth="repeat">
+      <a:schemeClr val="accent2"/>
+      <a:schemeClr val="accent3"/>
+      <a:schemeClr val="accent4"/>
+      <a:schemeClr val="accent5"/>
+      <a:schemeClr val="accent6"/>
+    </dgm:linClrLst>
+    <dgm:effectClrLst/>
+    <dgm:txLinClrLst/>
+    <dgm:txFillClrLst meth="repeat">
+      <a:schemeClr val="dk1"/>
+    </dgm:txFillClrLst>
+    <dgm:txEffectClrLst/>
+  </dgm:styleLbl>
+  <dgm:styleLbl name="conFgAcc1">
+    <dgm:fillClrLst meth="repeat">
+      <a:schemeClr val="lt1">
+        <a:alpha val="90000"/>
+      </a:schemeClr>
+    </dgm:fillClrLst>
+    <dgm:linClrLst meth="repeat">
+      <a:schemeClr val="accent2"/>
+      <a:schemeClr val="accent3"/>
+      <a:schemeClr val="accent4"/>
+      <a:schemeClr val="accent5"/>
+      <a:schemeClr val="accent6"/>
+    </dgm:linClrLst>
+    <dgm:effectClrLst/>
+    <dgm:txLinClrLst/>
+    <dgm:txFillClrLst meth="repeat">
+      <a:schemeClr val="dk1"/>
+    </dgm:txFillClrLst>
+    <dgm:txEffectClrLst/>
+  </dgm:styleLbl>
+  <dgm:styleLbl name="alignAcc1">
+    <dgm:fillClrLst meth="repeat">
+      <a:schemeClr val="lt1">
+        <a:alpha val="90000"/>
+      </a:schemeClr>
+    </dgm:fillClrLst>
+    <dgm:linClrLst meth="repeat">
+      <a:schemeClr val="accent2"/>
+      <a:schemeClr val="accent3"/>
+      <a:schemeClr val="accent4"/>
+      <a:schemeClr val="accent5"/>
+      <a:schemeClr val="accent6"/>
+    </dgm:linClrLst>
+    <dgm:effectClrLst/>
+    <dgm:txLinClrLst/>
+    <dgm:txFillClrLst meth="repeat">
+      <a:schemeClr val="dk1"/>
+    </dgm:txFillClrLst>
+    <dgm:txEffectClrLst/>
+  </dgm:styleLbl>
+  <dgm:styleLbl name="trAlignAcc1">
+    <dgm:fillClrLst meth="repeat">
+      <a:schemeClr val="lt1">
+        <a:alpha val="40000"/>
+      </a:schemeClr>
+    </dgm:fillClrLst>
+    <dgm:linClrLst meth="repeat">
+      <a:schemeClr val="accent1"/>
+    </dgm:linClrLst>
+    <dgm:effectClrLst/>
+    <dgm:txLinClrLst/>
+    <dgm:txFillClrLst meth="repeat">
+      <a:schemeClr val="dk1"/>
+    </dgm:txFillClrLst>
+    <dgm:txEffectClrLst/>
+  </dgm:styleLbl>
+  <dgm:styleLbl name="bgAcc1">
+    <dgm:fillClrLst meth="repeat">
+      <a:schemeClr val="lt1">
+        <a:alpha val="90000"/>
+      </a:schemeClr>
+    </dgm:fillClrLst>
+    <dgm:linClrLst meth="repeat">
+      <a:schemeClr val="accent2"/>
+      <a:schemeClr val="accent3"/>
+      <a:schemeClr val="accent4"/>
+      <a:schemeClr val="accent5"/>
+      <a:schemeClr val="accent6"/>
+    </dgm:linClrLst>
+    <dgm:effectClrLst/>
+    <dgm:txLinClrLst/>
+    <dgm:txFillClrLst meth="repeat">
+      <a:schemeClr val="dk1"/>
+    </dgm:txFillClrLst>
+    <dgm:txEffectClrLst/>
+  </dgm:styleLbl>
+  <dgm:styleLbl name="solidFgAcc1">
+    <dgm:fillClrLst meth="repeat">
+      <a:schemeClr val="lt1"/>
+    </dgm:fillClrLst>
+    <dgm:linClrLst meth="repeat">
+      <a:schemeClr val="accent2"/>
+      <a:schemeClr val="accent3"/>
+      <a:schemeClr val="accent4"/>
+      <a:schemeClr val="accent5"/>
+      <a:schemeClr val="accent6"/>
+    </dgm:linClrLst>
+    <dgm:effectClrLst/>
+    <dgm:txLinClrLst/>
+    <dgm:txFillClrLst meth="repeat">
+      <a:schemeClr val="dk1"/>
+    </dgm:txFillClrLst>
+    <dgm:txEffectClrLst/>
+  </dgm:styleLbl>
+  <dgm:styleLbl name="solidAlignAcc1">
+    <dgm:fillClrLst meth="repeat">
+      <a:schemeClr val="lt1"/>
+    </dgm:fillClrLst>
+    <dgm:linClrLst meth="repeat">
+      <a:schemeClr val="accent2"/>
+      <a:schemeClr val="accent3"/>
+      <a:schemeClr val="accent4"/>
+      <a:schemeClr val="accent5"/>
+      <a:schemeClr val="accent6"/>
+    </dgm:linClrLst>
+    <dgm:effectClrLst/>
+    <dgm:txLinClrLst/>
+    <dgm:txFillClrLst meth="repeat">
+      <a:schemeClr val="dk1"/>
+    </dgm:txFillClrLst>
+    <dgm:txEffectClrLst/>
+  </dgm:styleLbl>
+  <dgm:styleLbl name="solidBgAcc1">
+    <dgm:fillClrLst meth="repeat">
+      <a:schemeClr val="lt1"/>
+    </dgm:fillClrLst>
+    <dgm:linClrLst meth="repeat">
+      <a:schemeClr val="accent2"/>
+      <a:schemeClr val="accent3"/>
+      <a:schemeClr val="accent4"/>
+      <a:schemeClr val="accent5"/>
+      <a:schemeClr val="accent6"/>
+    </dgm:linClrLst>
+    <dgm:effectClrLst/>
+    <dgm:txLinClrLst/>
+    <dgm:txFillClrLst meth="repeat">
+      <a:schemeClr val="dk1"/>
+    </dgm:txFillClrLst>
+    <dgm:txEffectClrLst/>
+  </dgm:styleLbl>
+  <dgm:styleLbl name="fgAccFollowNode1">
+    <dgm:fillClrLst meth="repeat">
+      <a:schemeClr val="accent2">
+        <a:tint val="40000"/>
+        <a:alpha val="90000"/>
+      </a:schemeClr>
+      <a:schemeClr val="accent3">
+        <a:tint val="40000"/>
+        <a:alpha val="90000"/>
+      </a:schemeClr>
+      <a:schemeClr val="accent4">
+        <a:tint val="40000"/>
+        <a:alpha val="90000"/>
+      </a:schemeClr>
+      <a:schemeClr val="accent5">
+        <a:tint val="40000"/>
+        <a:alpha val="90000"/>
+      </a:schemeClr>
+      <a:schemeClr val="accent6">
+        <a:tint val="40000"/>
+        <a:alpha val="90000"/>
+      </a:schemeClr>
+    </dgm:fillClrLst>
+    <dgm:linClrLst meth="repeat">
+      <a:schemeClr val="accent2">
+        <a:tint val="40000"/>
+        <a:alpha val="90000"/>
+      </a:schemeClr>
+      <a:schemeClr val="accent3">
+        <a:tint val="40000"/>
+        <a:alpha val="90000"/>
+      </a:schemeClr>
+      <a:schemeClr val="accent4">
+        <a:tint val="40000"/>
+        <a:alpha val="90000"/>
+      </a:schemeClr>
+      <a:schemeClr val="accent5">
+        <a:tint val="40000"/>
+        <a:alpha val="90000"/>
+      </a:schemeClr>
+      <a:schemeClr val="accent6">
+        <a:tint val="40000"/>
+        <a:alpha val="90000"/>
+      </a:schemeClr>
+    </dgm:linClrLst>
+    <dgm:effectClrLst/>
+    <dgm:txLinClrLst/>
+    <dgm:txFillClrLst meth="repeat">
+      <a:schemeClr val="dk1"/>
+    </dgm:txFillClrLst>
+    <dgm:txEffectClrLst/>
+  </dgm:styleLbl>
+  <dgm:styleLbl name="alignAccFollowNode1">
+    <dgm:fillClrLst meth="repeat">
+      <a:schemeClr val="accent2">
+        <a:tint val="40000"/>
+        <a:alpha val="90000"/>
+      </a:schemeClr>
+      <a:schemeClr val="accent3">
+        <a:tint val="40000"/>
+        <a:alpha val="90000"/>
+      </a:schemeClr>
+      <a:schemeClr val="accent4">
+        <a:tint val="40000"/>
+        <a:alpha val="90000"/>
+      </a:schemeClr>
+      <a:schemeClr val="accent5">
+        <a:tint val="40000"/>
+        <a:alpha val="90000"/>
+      </a:schemeClr>
+      <a:schemeClr val="accent6">
+        <a:tint val="40000"/>
+        <a:alpha val="90000"/>
+      </a:schemeClr>
+    </dgm:fillClrLst>
+    <dgm:linClrLst meth="repeat">
+      <a:schemeClr val="accent2">
+        <a:tint val="40000"/>
+        <a:alpha val="90000"/>
+      </a:schemeClr>
+      <a:schemeClr val="accent3">
+        <a:tint val="40000"/>
+        <a:alpha val="90000"/>
+      </a:schemeClr>
+      <a:schemeClr val="accent4">
+        <a:tint val="40000"/>
+        <a:alpha val="90000"/>
+      </a:schemeClr>
+      <a:schemeClr val="accent5">
+        <a:tint val="40000"/>
+        <a:alpha val="90000"/>
+      </a:schemeClr>
+      <a:schemeClr val="accent6">
+        <a:tint val="40000"/>
+        <a:alpha val="90000"/>
+      </a:schemeClr>
+    </dgm:linClrLst>
+    <dgm:effectClrLst/>
+    <dgm:txLinClrLst/>
+    <dgm:txFillClrLst meth="repeat">
+      <a:schemeClr val="dk1"/>
+    </dgm:txFillClrLst>
+    <dgm:txEffectClrLst/>
+  </dgm:styleLbl>
+  <dgm:styleLbl name="bgAccFollowNode1">
+    <dgm:fillClrLst meth="repeat">
+      <a:schemeClr val="accent2">
+        <a:tint val="40000"/>
+        <a:alpha val="90000"/>
+      </a:schemeClr>
+      <a:schemeClr val="accent3">
+        <a:tint val="40000"/>
+        <a:alpha val="90000"/>
+      </a:schemeClr>
+      <a:schemeClr val="accent4">
+        <a:tint val="40000"/>
+        <a:alpha val="90000"/>
+      </a:schemeClr>
+      <a:schemeClr val="accent5">
+        <a:tint val="40000"/>
+        <a:alpha val="90000"/>
+      </a:schemeClr>
+      <a:schemeClr val="accent6">
+        <a:tint val="40000"/>
+        <a:alpha val="90000"/>
+      </a:schemeClr>
+    </dgm:fillClrLst>
+    <dgm:linClrLst meth="repeat">
+      <a:schemeClr val="accent2">
+        <a:tint val="40000"/>
+        <a:alpha val="90000"/>
+      </a:schemeClr>
+      <a:schemeClr val="accent3">
+        <a:tint val="40000"/>
+        <a:alpha val="90000"/>
+      </a:schemeClr>
+      <a:schemeClr val="accent4">
+        <a:tint val="40000"/>
+        <a:alpha val="90000"/>
+      </a:schemeClr>
+      <a:schemeClr val="accent5">
+        <a:tint val="40000"/>
+        <a:alpha val="90000"/>
+      </a:schemeClr>
+      <a:schemeClr val="accent6">
+        <a:tint val="40000"/>
+        <a:alpha val="90000"/>
+      </a:schemeClr>
+    </dgm:linClrLst>
+    <dgm:effectClrLst/>
+    <dgm:txLinClrLst/>
+    <dgm:txFillClrLst meth="repeat">
+      <a:schemeClr val="dk1"/>
+    </dgm:txFillClrLst>
+    <dgm:txEffectClrLst/>
+  </dgm:styleLbl>
+  <dgm:styleLbl name="fgAcc0">
+    <dgm:fillClrLst meth="repeat">
+      <a:schemeClr val="lt1">
+        <a:alpha val="90000"/>
+      </a:schemeClr>
+    </dgm:fillClrLst>
+    <dgm:linClrLst>
+      <a:schemeClr val="accent1"/>
+    </dgm:linClrLst>
+    <dgm:effectClrLst/>
+    <dgm:txLinClrLst/>
+    <dgm:txFillClrLst meth="repeat">
+      <a:schemeClr val="dk1"/>
+    </dgm:txFillClrLst>
+    <dgm:txEffectClrLst/>
+  </dgm:styleLbl>
+  <dgm:styleLbl name="fgAcc2">
+    <dgm:fillClrLst meth="repeat">
+      <a:schemeClr val="lt1">
+        <a:alpha val="90000"/>
+      </a:schemeClr>
+    </dgm:fillClrLst>
+    <dgm:linClrLst>
+      <a:schemeClr val="accent2"/>
+    </dgm:linClrLst>
+    <dgm:effectClrLst/>
+    <dgm:txLinClrLst/>
+    <dgm:txFillClrLst meth="repeat">
+      <a:schemeClr val="dk1"/>
+    </dgm:txFillClrLst>
+    <dgm:txEffectClrLst/>
+  </dgm:styleLbl>
+  <dgm:styleLbl name="fgAcc3">
+    <dgm:fillClrLst meth="repeat">
+      <a:schemeClr val="lt1">
+        <a:alpha val="90000"/>
+      </a:schemeClr>
+    </dgm:fillClrLst>
+    <dgm:linClrLst>
+      <a:schemeClr val="accent3"/>
+    </dgm:linClrLst>
+    <dgm:effectClrLst/>
+    <dgm:txLinClrLst/>
+    <dgm:txFillClrLst meth="repeat">
+      <a:schemeClr val="dk1"/>
+    </dgm:txFillClrLst>
+    <dgm:txEffectClrLst/>
+  </dgm:styleLbl>
+  <dgm:styleLbl name="fgAcc4">
+    <dgm:fillClrLst meth="repeat">
+      <a:schemeClr val="lt1">
+        <a:alpha val="90000"/>
+      </a:schemeClr>
+    </dgm:fillClrLst>
+    <dgm:linClrLst>
+      <a:schemeClr val="accent4"/>
+    </dgm:linClrLst>
+    <dgm:effectClrLst/>
+    <dgm:txLinClrLst/>
+    <dgm:txFillClrLst meth="repeat">
+      <a:schemeClr val="dk1"/>
+    </dgm:txFillClrLst>
+    <dgm:txEffectClrLst/>
+  </dgm:styleLbl>
+  <dgm:styleLbl name="bgShp">
+    <dgm:fillClrLst meth="repeat">
+      <a:schemeClr val="bg1">
+        <a:lumMod val="95000"/>
+      </a:schemeClr>
+    </dgm:fillClrLst>
+    <dgm:linClrLst meth="repeat">
+      <a:schemeClr val="dk1"/>
+    </dgm:linClrLst>
+    <dgm:effectClrLst/>
+    <dgm:txLinClrLst/>
+    <dgm:txFillClrLst meth="repeat">
+      <a:schemeClr val="dk1"/>
+    </dgm:txFillClrLst>
+    <dgm:txEffectClrLst/>
+  </dgm:styleLbl>
+  <dgm:styleLbl name="dkBgShp">
+    <dgm:fillClrLst meth="repeat">
+      <a:schemeClr val="accent2">
+        <a:shade val="90000"/>
+      </a:schemeClr>
+    </dgm:fillClrLst>
+    <dgm:linClrLst meth="repeat">
+      <a:schemeClr val="dk1"/>
+    </dgm:linClrLst>
+    <dgm:effectClrLst/>
+    <dgm:txLinClrLst/>
+    <dgm:txFillClrLst meth="repeat">
+      <a:schemeClr val="lt1"/>
+    </dgm:txFillClrLst>
+    <dgm:txEffectClrLst/>
+  </dgm:styleLbl>
+  <dgm:styleLbl name="trBgShp">
+    <dgm:fillClrLst meth="repeat">
+      <a:schemeClr val="accent1">
+        <a:tint val="50000"/>
+        <a:alpha val="40000"/>
+      </a:schemeClr>
+    </dgm:fillClrLst>
+    <dgm:linClrLst meth="repeat">
+      <a:schemeClr val="accent2"/>
+    </dgm:linClrLst>
+    <dgm:effectClrLst/>
+    <dgm:txLinClrLst/>
+    <dgm:txFillClrLst meth="repeat">
+      <a:schemeClr val="lt1"/>
+    </dgm:txFillClrLst>
+    <dgm:txEffectClrLst/>
+  </dgm:styleLbl>
+  <dgm:styleLbl name="fgShp">
+    <dgm:fillClrLst meth="repeat">
+      <a:schemeClr val="accent2">
+        <a:tint val="40000"/>
+      </a:schemeClr>
+    </dgm:fillClrLst>
+    <dgm:linClrLst meth="repeat">
+      <a:schemeClr val="lt1"/>
+    </dgm:linClrLst>
+    <dgm:effectClrLst/>
+    <dgm:txLinClrLst/>
+    <dgm:txFillClrLst meth="repeat">
+      <a:schemeClr val="dk1"/>
+    </dgm:txFillClrLst>
+    <dgm:txEffectClrLst/>
+  </dgm:styleLbl>
+  <dgm:styleLbl name="revTx">
+    <dgm:fillClrLst meth="repeat">
+      <a:schemeClr val="lt1">
+        <a:alpha val="0"/>
+      </a:schemeClr>
+    </dgm:fillClrLst>
+    <dgm:linClrLst meth="repeat">
+      <a:schemeClr val="dk1">
+        <a:alpha val="0"/>
+      </a:schemeClr>
+    </dgm:linClrLst>
+    <dgm:effectClrLst/>
+    <dgm:txLinClrLst/>
+    <dgm:txFillClrLst meth="repeat">
+      <a:schemeClr val="tx1"/>
+    </dgm:txFillClrLst>
+    <dgm:txEffectClrLst/>
+  </dgm:styleLbl>
+</dgm:colorsDef>
+</file>
+
+<file path=ppt/diagrams/data1.xml><?xml version="1.0" encoding="utf-8"?>
+<dgm:dataModel xmlns:dgm="http://schemas.openxmlformats.org/drawingml/2006/diagram" xmlns:a="http://schemas.openxmlformats.org/drawingml/2006/main">
+  <dgm:ptLst>
+    <dgm:pt modelId="{1B9CB742-962D-4A7A-963C-408B0413EF63}" type="doc">
+      <dgm:prSet loTypeId="urn:microsoft.com/office/officeart/2018/2/layout/IconVerticalSolidList" loCatId="icon" qsTypeId="urn:microsoft.com/office/officeart/2005/8/quickstyle/simple1" qsCatId="simple" csTypeId="urn:microsoft.com/office/officeart/2018/5/colors/Iconchunking_neutralicontext_colorful1" csCatId="colorful" phldr="1"/>
+      <dgm:spPr/>
+      <dgm:t>
+        <a:bodyPr/>
+        <a:lstStyle/>
+        <a:p>
+          <a:endParaRPr lang="en-US"/>
+        </a:p>
+      </dgm:t>
+    </dgm:pt>
+    <dgm:pt modelId="{83FFA16C-05C1-4413-B857-56E56CDF22F2}">
+      <dgm:prSet/>
+      <dgm:spPr/>
+      <dgm:t>
+        <a:bodyPr/>
+        <a:lstStyle/>
+        <a:p>
+          <a:r>
+            <a:rPr lang="en-CA" b="1"/>
+            <a:t>Who is using Airbnb in NYC?</a:t>
+          </a:r>
+          <a:endParaRPr lang="en-US"/>
+        </a:p>
+      </dgm:t>
+    </dgm:pt>
+    <dgm:pt modelId="{0158BDF9-1827-4914-911C-E414D020646A}" type="parTrans" cxnId="{6649899B-7170-4799-B8AA-D632F667E821}">
+      <dgm:prSet/>
+      <dgm:spPr/>
+      <dgm:t>
+        <a:bodyPr/>
+        <a:lstStyle/>
+        <a:p>
+          <a:endParaRPr lang="en-US"/>
+        </a:p>
+      </dgm:t>
+    </dgm:pt>
+    <dgm:pt modelId="{37BD7F3D-33D6-4CC0-84F3-11C83DB125D9}" type="sibTrans" cxnId="{6649899B-7170-4799-B8AA-D632F667E821}">
+      <dgm:prSet/>
+      <dgm:spPr/>
+      <dgm:t>
+        <a:bodyPr/>
+        <a:lstStyle/>
+        <a:p>
+          <a:endParaRPr lang="en-US"/>
+        </a:p>
+      </dgm:t>
+    </dgm:pt>
+    <dgm:pt modelId="{EFEBD619-A4B1-4C37-96C8-8A440E3DF98D}">
+      <dgm:prSet/>
+      <dgm:spPr/>
+      <dgm:t>
+        <a:bodyPr/>
+        <a:lstStyle/>
+        <a:p>
+          <a:r>
+            <a:rPr lang="en-CA" b="1"/>
+            <a:t>How is Airbnb used in the different boroughs?</a:t>
+          </a:r>
+          <a:endParaRPr lang="en-US"/>
+        </a:p>
+      </dgm:t>
+    </dgm:pt>
+    <dgm:pt modelId="{B7031C28-DF1B-4571-8010-17E8F43F0670}" type="parTrans" cxnId="{F33070B9-25C6-4B31-BFC9-5AFB7C7D70F3}">
+      <dgm:prSet/>
+      <dgm:spPr/>
+      <dgm:t>
+        <a:bodyPr/>
+        <a:lstStyle/>
+        <a:p>
+          <a:endParaRPr lang="en-US"/>
+        </a:p>
+      </dgm:t>
+    </dgm:pt>
+    <dgm:pt modelId="{DC94208C-CA6D-41B2-9E9A-2F8545305E01}" type="sibTrans" cxnId="{F33070B9-25C6-4B31-BFC9-5AFB7C7D70F3}">
+      <dgm:prSet/>
+      <dgm:spPr/>
+      <dgm:t>
+        <a:bodyPr/>
+        <a:lstStyle/>
+        <a:p>
+          <a:endParaRPr lang="en-US"/>
+        </a:p>
+      </dgm:t>
+    </dgm:pt>
+    <dgm:pt modelId="{804FD729-5943-4831-9227-25AF2AB7EE64}">
+      <dgm:prSet/>
+      <dgm:spPr/>
+      <dgm:t>
+        <a:bodyPr/>
+        <a:lstStyle/>
+        <a:p>
+          <a:r>
+            <a:rPr lang="en-CA" b="1"/>
+            <a:t>How do house building projects affect their Airbnb use?</a:t>
+          </a:r>
+          <a:endParaRPr lang="en-US"/>
+        </a:p>
+      </dgm:t>
+    </dgm:pt>
+    <dgm:pt modelId="{496D9BB6-2E43-45B1-AE7D-DF63CA3A04B5}" type="parTrans" cxnId="{35A992B9-E1A8-4E38-B5E8-0B0B49E79E92}">
+      <dgm:prSet/>
+      <dgm:spPr/>
+      <dgm:t>
+        <a:bodyPr/>
+        <a:lstStyle/>
+        <a:p>
+          <a:endParaRPr lang="en-US"/>
+        </a:p>
+      </dgm:t>
+    </dgm:pt>
+    <dgm:pt modelId="{124DA2ED-32CC-4A3D-99DF-47D1B0C442D0}" type="sibTrans" cxnId="{35A992B9-E1A8-4E38-B5E8-0B0B49E79E92}">
+      <dgm:prSet/>
+      <dgm:spPr/>
+      <dgm:t>
+        <a:bodyPr/>
+        <a:lstStyle/>
+        <a:p>
+          <a:endParaRPr lang="en-US"/>
+        </a:p>
+      </dgm:t>
+    </dgm:pt>
+    <dgm:pt modelId="{2963F0AE-5078-466E-ACA3-222433B81CBF}">
+      <dgm:prSet/>
+      <dgm:spPr/>
+      <dgm:t>
+        <a:bodyPr/>
+        <a:lstStyle/>
+        <a:p>
+          <a:r>
+            <a:rPr lang="en-CA" b="1"/>
+            <a:t>Does crime have an impact on the Airbnb's use in different boroughs?</a:t>
+          </a:r>
+          <a:endParaRPr lang="en-US"/>
+        </a:p>
+      </dgm:t>
+    </dgm:pt>
+    <dgm:pt modelId="{190A299C-BABD-4E93-94B7-0685C64720AD}" type="parTrans" cxnId="{2A9D574F-8AE8-4198-8489-859171B62020}">
+      <dgm:prSet/>
+      <dgm:spPr/>
+      <dgm:t>
+        <a:bodyPr/>
+        <a:lstStyle/>
+        <a:p>
+          <a:endParaRPr lang="en-US"/>
+        </a:p>
+      </dgm:t>
+    </dgm:pt>
+    <dgm:pt modelId="{A67B70B0-1BD4-4F94-BC44-B244D084E2BE}" type="sibTrans" cxnId="{2A9D574F-8AE8-4198-8489-859171B62020}">
+      <dgm:prSet/>
+      <dgm:spPr/>
+      <dgm:t>
+        <a:bodyPr/>
+        <a:lstStyle/>
+        <a:p>
+          <a:endParaRPr lang="en-US"/>
+        </a:p>
+      </dgm:t>
+    </dgm:pt>
+    <dgm:pt modelId="{6034DB45-FE30-41FE-8DFB-15E6D8072253}">
+      <dgm:prSet/>
+      <dgm:spPr/>
+      <dgm:t>
+        <a:bodyPr/>
+        <a:lstStyle/>
+        <a:p>
+          <a:r>
+            <a:rPr lang="en-CA" b="1"/>
+            <a:t>Is there a relation between hashtagged twitter data and the popularity of Airbnb in those areas?</a:t>
+          </a:r>
+          <a:endParaRPr lang="en-US"/>
+        </a:p>
+      </dgm:t>
+    </dgm:pt>
+    <dgm:pt modelId="{8F04557A-A4F5-4F50-B86A-CC3190A0813F}" type="parTrans" cxnId="{D9725EB1-70D1-43AF-A325-06676C99957C}">
+      <dgm:prSet/>
+      <dgm:spPr/>
+      <dgm:t>
+        <a:bodyPr/>
+        <a:lstStyle/>
+        <a:p>
+          <a:endParaRPr lang="en-US"/>
+        </a:p>
+      </dgm:t>
+    </dgm:pt>
+    <dgm:pt modelId="{5D38B801-FBCB-4794-9CAF-AF5E39A6CDF5}" type="sibTrans" cxnId="{D9725EB1-70D1-43AF-A325-06676C99957C}">
+      <dgm:prSet/>
+      <dgm:spPr/>
+      <dgm:t>
+        <a:bodyPr/>
+        <a:lstStyle/>
+        <a:p>
+          <a:endParaRPr lang="en-US"/>
+        </a:p>
+      </dgm:t>
+    </dgm:pt>
+    <dgm:pt modelId="{0BE01AF6-9AEE-42F6-9BF1-49F91A6D48FB}" type="pres">
+      <dgm:prSet presAssocID="{1B9CB742-962D-4A7A-963C-408B0413EF63}" presName="root" presStyleCnt="0">
+        <dgm:presLayoutVars>
+          <dgm:dir/>
+          <dgm:resizeHandles val="exact"/>
+        </dgm:presLayoutVars>
+      </dgm:prSet>
+      <dgm:spPr/>
+    </dgm:pt>
+    <dgm:pt modelId="{32E76669-290E-415B-973D-829249341799}" type="pres">
+      <dgm:prSet presAssocID="{83FFA16C-05C1-4413-B857-56E56CDF22F2}" presName="compNode" presStyleCnt="0"/>
+      <dgm:spPr/>
+    </dgm:pt>
+    <dgm:pt modelId="{B0AAE24D-F6FB-485E-8630-29AB32D13D57}" type="pres">
+      <dgm:prSet presAssocID="{83FFA16C-05C1-4413-B857-56E56CDF22F2}" presName="bgRect" presStyleLbl="bgShp" presStyleIdx="0" presStyleCnt="5"/>
+      <dgm:spPr/>
+    </dgm:pt>
+    <dgm:pt modelId="{4E67DD3F-967A-46F3-8F37-6733F4D6E60A}" type="pres">
+      <dgm:prSet presAssocID="{83FFA16C-05C1-4413-B857-56E56CDF22F2}" presName="iconRect" presStyleLbl="node1" presStyleIdx="0" presStyleCnt="5"/>
+      <dgm:spPr>
+        <a:blipFill>
+          <a:blip xmlns:r="http://schemas.openxmlformats.org/officeDocument/2006/relationships" r:embed="rId1">
+            <a:extLst>
+              <a:ext uri="{28A0092B-C50C-407E-A947-70E740481C1C}">
+                <a14:useLocalDpi xmlns:a14="http://schemas.microsoft.com/office/drawing/2010/main" val="0"/>
+              </a:ext>
+              <a:ext uri="{96DAC541-7B7A-43D3-8B79-37D633B846F1}">
+                <asvg:svgBlip xmlns:asvg="http://schemas.microsoft.com/office/drawing/2016/SVG/main" r:embed="rId2"/>
+              </a:ext>
+            </a:extLst>
+          </a:blip>
+          <a:stretch>
+            <a:fillRect/>
+          </a:stretch>
+        </a:blipFill>
+        <a:ln>
+          <a:noFill/>
+        </a:ln>
+      </dgm:spPr>
+      <dgm:extLst>
+        <a:ext uri="{E40237B7-FDA0-4F09-8148-C483321AD2D9}">
+          <dgm14:cNvPr xmlns:dgm14="http://schemas.microsoft.com/office/drawing/2010/diagram" id="0" name="" descr="Moustache Face with Solid Fill"/>
+        </a:ext>
+      </dgm:extLst>
+    </dgm:pt>
+    <dgm:pt modelId="{3A424093-ED0B-45C0-8682-883727F9B585}" type="pres">
+      <dgm:prSet presAssocID="{83FFA16C-05C1-4413-B857-56E56CDF22F2}" presName="spaceRect" presStyleCnt="0"/>
+      <dgm:spPr/>
+    </dgm:pt>
+    <dgm:pt modelId="{CF2C88BC-3C56-40E5-8120-02CFA6DD0915}" type="pres">
+      <dgm:prSet presAssocID="{83FFA16C-05C1-4413-B857-56E56CDF22F2}" presName="parTx" presStyleLbl="revTx" presStyleIdx="0" presStyleCnt="5">
+        <dgm:presLayoutVars>
+          <dgm:chMax val="0"/>
+          <dgm:chPref val="0"/>
+        </dgm:presLayoutVars>
+      </dgm:prSet>
+      <dgm:spPr/>
+    </dgm:pt>
+    <dgm:pt modelId="{DDE38447-1482-46BB-9EAC-BEC1AF32C1DB}" type="pres">
+      <dgm:prSet presAssocID="{37BD7F3D-33D6-4CC0-84F3-11C83DB125D9}" presName="sibTrans" presStyleCnt="0"/>
+      <dgm:spPr/>
+    </dgm:pt>
+    <dgm:pt modelId="{8FF78F2E-B35B-4908-8EB6-8C051335D034}" type="pres">
+      <dgm:prSet presAssocID="{EFEBD619-A4B1-4C37-96C8-8A440E3DF98D}" presName="compNode" presStyleCnt="0"/>
+      <dgm:spPr/>
+    </dgm:pt>
+    <dgm:pt modelId="{70D53867-F97B-47F4-95E4-9A8BD591C1F6}" type="pres">
+      <dgm:prSet presAssocID="{EFEBD619-A4B1-4C37-96C8-8A440E3DF98D}" presName="bgRect" presStyleLbl="bgShp" presStyleIdx="1" presStyleCnt="5"/>
+      <dgm:spPr/>
+    </dgm:pt>
+    <dgm:pt modelId="{AE4AE921-2A23-47B9-AB63-20D9D1F050CF}" type="pres">
+      <dgm:prSet presAssocID="{EFEBD619-A4B1-4C37-96C8-8A440E3DF98D}" presName="iconRect" presStyleLbl="node1" presStyleIdx="1" presStyleCnt="5"/>
+      <dgm:spPr>
+        <a:blipFill>
+          <a:blip xmlns:r="http://schemas.openxmlformats.org/officeDocument/2006/relationships" r:embed="rId3">
+            <a:extLst>
+              <a:ext uri="{28A0092B-C50C-407E-A947-70E740481C1C}">
+                <a14:useLocalDpi xmlns:a14="http://schemas.microsoft.com/office/drawing/2010/main" val="0"/>
+              </a:ext>
+              <a:ext uri="{96DAC541-7B7A-43D3-8B79-37D633B846F1}">
+                <asvg:svgBlip xmlns:asvg="http://schemas.microsoft.com/office/drawing/2016/SVG/main" r:embed="rId4"/>
+              </a:ext>
+            </a:extLst>
+          </a:blip>
+          <a:stretch>
+            <a:fillRect/>
+          </a:stretch>
+        </a:blipFill>
+        <a:ln>
+          <a:noFill/>
+        </a:ln>
+      </dgm:spPr>
+      <dgm:extLst>
+        <a:ext uri="{E40237B7-FDA0-4F09-8148-C483321AD2D9}">
+          <dgm14:cNvPr xmlns:dgm14="http://schemas.microsoft.com/office/drawing/2010/diagram" id="0" name="" descr="Skeleton"/>
+        </a:ext>
+      </dgm:extLst>
+    </dgm:pt>
+    <dgm:pt modelId="{6E6E2620-9886-4600-87A9-DD09E503AC20}" type="pres">
+      <dgm:prSet presAssocID="{EFEBD619-A4B1-4C37-96C8-8A440E3DF98D}" presName="spaceRect" presStyleCnt="0"/>
+      <dgm:spPr/>
+    </dgm:pt>
+    <dgm:pt modelId="{B2DABB9A-9B3E-40EA-BED1-A62889B09E46}" type="pres">
+      <dgm:prSet presAssocID="{EFEBD619-A4B1-4C37-96C8-8A440E3DF98D}" presName="parTx" presStyleLbl="revTx" presStyleIdx="1" presStyleCnt="5">
+        <dgm:presLayoutVars>
+          <dgm:chMax val="0"/>
+          <dgm:chPref val="0"/>
+        </dgm:presLayoutVars>
+      </dgm:prSet>
+      <dgm:spPr/>
+    </dgm:pt>
+    <dgm:pt modelId="{207BB4AE-37ED-40F7-B93D-7E5391EDA16B}" type="pres">
+      <dgm:prSet presAssocID="{DC94208C-CA6D-41B2-9E9A-2F8545305E01}" presName="sibTrans" presStyleCnt="0"/>
+      <dgm:spPr/>
+    </dgm:pt>
+    <dgm:pt modelId="{9AF885CB-8EA6-4962-9964-9E6DB8986805}" type="pres">
+      <dgm:prSet presAssocID="{804FD729-5943-4831-9227-25AF2AB7EE64}" presName="compNode" presStyleCnt="0"/>
+      <dgm:spPr/>
+    </dgm:pt>
+    <dgm:pt modelId="{2537767D-3E9C-4E73-B34B-B87E59686644}" type="pres">
+      <dgm:prSet presAssocID="{804FD729-5943-4831-9227-25AF2AB7EE64}" presName="bgRect" presStyleLbl="bgShp" presStyleIdx="2" presStyleCnt="5"/>
+      <dgm:spPr/>
+    </dgm:pt>
+    <dgm:pt modelId="{8D0A8EE6-9EFE-4D39-B1D4-641620EE8E60}" type="pres">
+      <dgm:prSet presAssocID="{804FD729-5943-4831-9227-25AF2AB7EE64}" presName="iconRect" presStyleLbl="node1" presStyleIdx="2" presStyleCnt="5"/>
+      <dgm:spPr>
+        <a:blipFill>
+          <a:blip xmlns:r="http://schemas.openxmlformats.org/officeDocument/2006/relationships" r:embed="rId5">
+            <a:extLst>
+              <a:ext uri="{28A0092B-C50C-407E-A947-70E740481C1C}">
+                <a14:useLocalDpi xmlns:a14="http://schemas.microsoft.com/office/drawing/2010/main" val="0"/>
+              </a:ext>
+              <a:ext uri="{96DAC541-7B7A-43D3-8B79-37D633B846F1}">
+                <asvg:svgBlip xmlns:asvg="http://schemas.microsoft.com/office/drawing/2016/SVG/main" r:embed="rId6"/>
+              </a:ext>
+            </a:extLst>
+          </a:blip>
+          <a:stretch>
+            <a:fillRect/>
+          </a:stretch>
+        </a:blipFill>
+        <a:ln>
+          <a:noFill/>
+        </a:ln>
+      </dgm:spPr>
+      <dgm:extLst>
+        <a:ext uri="{E40237B7-FDA0-4F09-8148-C483321AD2D9}">
+          <dgm14:cNvPr xmlns:dgm14="http://schemas.microsoft.com/office/drawing/2010/diagram" id="0" name="" descr="House"/>
+        </a:ext>
+      </dgm:extLst>
+    </dgm:pt>
+    <dgm:pt modelId="{3BDD6438-9614-4854-91EA-07C862973DC9}" type="pres">
+      <dgm:prSet presAssocID="{804FD729-5943-4831-9227-25AF2AB7EE64}" presName="spaceRect" presStyleCnt="0"/>
+      <dgm:spPr/>
+    </dgm:pt>
+    <dgm:pt modelId="{47054420-70B0-416A-A239-DA6D64569778}" type="pres">
+      <dgm:prSet presAssocID="{804FD729-5943-4831-9227-25AF2AB7EE64}" presName="parTx" presStyleLbl="revTx" presStyleIdx="2" presStyleCnt="5">
+        <dgm:presLayoutVars>
+          <dgm:chMax val="0"/>
+          <dgm:chPref val="0"/>
+        </dgm:presLayoutVars>
+      </dgm:prSet>
+      <dgm:spPr/>
+    </dgm:pt>
+    <dgm:pt modelId="{6AAA09F6-7177-4800-87A0-ECFAE0276F6A}" type="pres">
+      <dgm:prSet presAssocID="{124DA2ED-32CC-4A3D-99DF-47D1B0C442D0}" presName="sibTrans" presStyleCnt="0"/>
+      <dgm:spPr/>
+    </dgm:pt>
+    <dgm:pt modelId="{F8283CE8-FD73-4FF0-AFA3-DB75D52346F9}" type="pres">
+      <dgm:prSet presAssocID="{2963F0AE-5078-466E-ACA3-222433B81CBF}" presName="compNode" presStyleCnt="0"/>
+      <dgm:spPr/>
+    </dgm:pt>
+    <dgm:pt modelId="{9A816BA9-795A-4685-87B5-C807B7BD0AE4}" type="pres">
+      <dgm:prSet presAssocID="{2963F0AE-5078-466E-ACA3-222433B81CBF}" presName="bgRect" presStyleLbl="bgShp" presStyleIdx="3" presStyleCnt="5"/>
+      <dgm:spPr/>
+    </dgm:pt>
+    <dgm:pt modelId="{6CBF382D-A8E0-4BCA-9D47-04B6BDD8BC50}" type="pres">
+      <dgm:prSet presAssocID="{2963F0AE-5078-466E-ACA3-222433B81CBF}" presName="iconRect" presStyleLbl="node1" presStyleIdx="3" presStyleCnt="5"/>
+      <dgm:spPr>
+        <a:blipFill>
+          <a:blip xmlns:r="http://schemas.openxmlformats.org/officeDocument/2006/relationships" r:embed="rId7">
+            <a:extLst>
+              <a:ext uri="{28A0092B-C50C-407E-A947-70E740481C1C}">
+                <a14:useLocalDpi xmlns:a14="http://schemas.microsoft.com/office/drawing/2010/main" val="0"/>
+              </a:ext>
+              <a:ext uri="{96DAC541-7B7A-43D3-8B79-37D633B846F1}">
+                <asvg:svgBlip xmlns:asvg="http://schemas.microsoft.com/office/drawing/2016/SVG/main" r:embed="rId8"/>
+              </a:ext>
+            </a:extLst>
+          </a:blip>
+          <a:stretch>
+            <a:fillRect/>
+          </a:stretch>
+        </a:blipFill>
+        <a:ln>
+          <a:noFill/>
+        </a:ln>
+      </dgm:spPr>
+      <dgm:extLst>
+        <a:ext uri="{E40237B7-FDA0-4F09-8148-C483321AD2D9}">
+          <dgm14:cNvPr xmlns:dgm14="http://schemas.microsoft.com/office/drawing/2010/diagram" id="0" name="" descr="Jail"/>
+        </a:ext>
+      </dgm:extLst>
+    </dgm:pt>
+    <dgm:pt modelId="{AB8C02F2-25D4-4A36-ACE1-89D376C842F9}" type="pres">
+      <dgm:prSet presAssocID="{2963F0AE-5078-466E-ACA3-222433B81CBF}" presName="spaceRect" presStyleCnt="0"/>
+      <dgm:spPr/>
+    </dgm:pt>
+    <dgm:pt modelId="{32650844-5F4F-4CE7-810C-07A28AFB2320}" type="pres">
+      <dgm:prSet presAssocID="{2963F0AE-5078-466E-ACA3-222433B81CBF}" presName="parTx" presStyleLbl="revTx" presStyleIdx="3" presStyleCnt="5">
+        <dgm:presLayoutVars>
+          <dgm:chMax val="0"/>
+          <dgm:chPref val="0"/>
+        </dgm:presLayoutVars>
+      </dgm:prSet>
+      <dgm:spPr/>
+    </dgm:pt>
+    <dgm:pt modelId="{14A6F828-1B9B-4712-91B3-8F4AF863DC36}" type="pres">
+      <dgm:prSet presAssocID="{A67B70B0-1BD4-4F94-BC44-B244D084E2BE}" presName="sibTrans" presStyleCnt="0"/>
+      <dgm:spPr/>
+    </dgm:pt>
+    <dgm:pt modelId="{53E85D5B-DD62-4FDD-964B-BD1B3F364543}" type="pres">
+      <dgm:prSet presAssocID="{6034DB45-FE30-41FE-8DFB-15E6D8072253}" presName="compNode" presStyleCnt="0"/>
+      <dgm:spPr/>
+    </dgm:pt>
+    <dgm:pt modelId="{65C4E153-527B-43E4-B148-A32D78F38B9C}" type="pres">
+      <dgm:prSet presAssocID="{6034DB45-FE30-41FE-8DFB-15E6D8072253}" presName="bgRect" presStyleLbl="bgShp" presStyleIdx="4" presStyleCnt="5"/>
+      <dgm:spPr/>
+    </dgm:pt>
+    <dgm:pt modelId="{4E17832A-EF32-4AE4-B87C-6AFAC056ACAD}" type="pres">
+      <dgm:prSet presAssocID="{6034DB45-FE30-41FE-8DFB-15E6D8072253}" presName="iconRect" presStyleLbl="node1" presStyleIdx="4" presStyleCnt="5"/>
+      <dgm:spPr>
+        <a:blipFill>
+          <a:blip xmlns:r="http://schemas.openxmlformats.org/officeDocument/2006/relationships" r:embed="rId9">
+            <a:extLst>
+              <a:ext uri="{28A0092B-C50C-407E-A947-70E740481C1C}">
+                <a14:useLocalDpi xmlns:a14="http://schemas.microsoft.com/office/drawing/2010/main" val="0"/>
+              </a:ext>
+              <a:ext uri="{96DAC541-7B7A-43D3-8B79-37D633B846F1}">
+                <asvg:svgBlip xmlns:asvg="http://schemas.microsoft.com/office/drawing/2016/SVG/main" r:embed="rId10"/>
+              </a:ext>
+            </a:extLst>
+          </a:blip>
+          <a:stretch>
+            <a:fillRect/>
+          </a:stretch>
+        </a:blipFill>
+        <a:ln>
+          <a:noFill/>
+        </a:ln>
+      </dgm:spPr>
+      <dgm:extLst>
+        <a:ext uri="{E40237B7-FDA0-4F09-8148-C483321AD2D9}">
+          <dgm14:cNvPr xmlns:dgm14="http://schemas.microsoft.com/office/drawing/2010/diagram" id="0" name="" descr="Maximize"/>
+        </a:ext>
+      </dgm:extLst>
+    </dgm:pt>
+    <dgm:pt modelId="{006BEBBB-5E63-4FC3-93FC-C1787905C721}" type="pres">
+      <dgm:prSet presAssocID="{6034DB45-FE30-41FE-8DFB-15E6D8072253}" presName="spaceRect" presStyleCnt="0"/>
+      <dgm:spPr/>
+    </dgm:pt>
+    <dgm:pt modelId="{F5FCA87A-A0BC-46B9-8B39-6F7AE7F6D86C}" type="pres">
+      <dgm:prSet presAssocID="{6034DB45-FE30-41FE-8DFB-15E6D8072253}" presName="parTx" presStyleLbl="revTx" presStyleIdx="4" presStyleCnt="5">
+        <dgm:presLayoutVars>
+          <dgm:chMax val="0"/>
+          <dgm:chPref val="0"/>
+        </dgm:presLayoutVars>
+      </dgm:prSet>
+      <dgm:spPr/>
+    </dgm:pt>
+  </dgm:ptLst>
+  <dgm:cxnLst>
+    <dgm:cxn modelId="{3261F404-0593-4256-9EA6-8598080E2478}" type="presOf" srcId="{6034DB45-FE30-41FE-8DFB-15E6D8072253}" destId="{F5FCA87A-A0BC-46B9-8B39-6F7AE7F6D86C}" srcOrd="0" destOrd="0" presId="urn:microsoft.com/office/officeart/2018/2/layout/IconVerticalSolidList"/>
+    <dgm:cxn modelId="{98C0790B-86FE-4F7A-9EC9-64C930468149}" type="presOf" srcId="{804FD729-5943-4831-9227-25AF2AB7EE64}" destId="{47054420-70B0-416A-A239-DA6D64569778}" srcOrd="0" destOrd="0" presId="urn:microsoft.com/office/officeart/2018/2/layout/IconVerticalSolidList"/>
+    <dgm:cxn modelId="{1B497428-1454-4E4E-A47C-88F8966CD6C3}" type="presOf" srcId="{83FFA16C-05C1-4413-B857-56E56CDF22F2}" destId="{CF2C88BC-3C56-40E5-8120-02CFA6DD0915}" srcOrd="0" destOrd="0" presId="urn:microsoft.com/office/officeart/2018/2/layout/IconVerticalSolidList"/>
+    <dgm:cxn modelId="{2A9D574F-8AE8-4198-8489-859171B62020}" srcId="{1B9CB742-962D-4A7A-963C-408B0413EF63}" destId="{2963F0AE-5078-466E-ACA3-222433B81CBF}" srcOrd="3" destOrd="0" parTransId="{190A299C-BABD-4E93-94B7-0685C64720AD}" sibTransId="{A67B70B0-1BD4-4F94-BC44-B244D084E2BE}"/>
+    <dgm:cxn modelId="{B8F77574-7280-4DF3-80B6-278290D585E2}" type="presOf" srcId="{EFEBD619-A4B1-4C37-96C8-8A440E3DF98D}" destId="{B2DABB9A-9B3E-40EA-BED1-A62889B09E46}" srcOrd="0" destOrd="0" presId="urn:microsoft.com/office/officeart/2018/2/layout/IconVerticalSolidList"/>
+    <dgm:cxn modelId="{6649899B-7170-4799-B8AA-D632F667E821}" srcId="{1B9CB742-962D-4A7A-963C-408B0413EF63}" destId="{83FFA16C-05C1-4413-B857-56E56CDF22F2}" srcOrd="0" destOrd="0" parTransId="{0158BDF9-1827-4914-911C-E414D020646A}" sibTransId="{37BD7F3D-33D6-4CC0-84F3-11C83DB125D9}"/>
+    <dgm:cxn modelId="{D9725EB1-70D1-43AF-A325-06676C99957C}" srcId="{1B9CB742-962D-4A7A-963C-408B0413EF63}" destId="{6034DB45-FE30-41FE-8DFB-15E6D8072253}" srcOrd="4" destOrd="0" parTransId="{8F04557A-A4F5-4F50-B86A-CC3190A0813F}" sibTransId="{5D38B801-FBCB-4794-9CAF-AF5E39A6CDF5}"/>
+    <dgm:cxn modelId="{F33070B9-25C6-4B31-BFC9-5AFB7C7D70F3}" srcId="{1B9CB742-962D-4A7A-963C-408B0413EF63}" destId="{EFEBD619-A4B1-4C37-96C8-8A440E3DF98D}" srcOrd="1" destOrd="0" parTransId="{B7031C28-DF1B-4571-8010-17E8F43F0670}" sibTransId="{DC94208C-CA6D-41B2-9E9A-2F8545305E01}"/>
+    <dgm:cxn modelId="{35A992B9-E1A8-4E38-B5E8-0B0B49E79E92}" srcId="{1B9CB742-962D-4A7A-963C-408B0413EF63}" destId="{804FD729-5943-4831-9227-25AF2AB7EE64}" srcOrd="2" destOrd="0" parTransId="{496D9BB6-2E43-45B1-AE7D-DF63CA3A04B5}" sibTransId="{124DA2ED-32CC-4A3D-99DF-47D1B0C442D0}"/>
+    <dgm:cxn modelId="{EBDC92C9-0331-4FD0-A358-C04A78BF0A9B}" type="presOf" srcId="{2963F0AE-5078-466E-ACA3-222433B81CBF}" destId="{32650844-5F4F-4CE7-810C-07A28AFB2320}" srcOrd="0" destOrd="0" presId="urn:microsoft.com/office/officeart/2018/2/layout/IconVerticalSolidList"/>
+    <dgm:cxn modelId="{9E6D1BF3-8BE1-406F-9EA9-88227BA0326A}" type="presOf" srcId="{1B9CB742-962D-4A7A-963C-408B0413EF63}" destId="{0BE01AF6-9AEE-42F6-9BF1-49F91A6D48FB}" srcOrd="0" destOrd="0" presId="urn:microsoft.com/office/officeart/2018/2/layout/IconVerticalSolidList"/>
+    <dgm:cxn modelId="{666CD340-8CEF-440C-8C5F-311243F65201}" type="presParOf" srcId="{0BE01AF6-9AEE-42F6-9BF1-49F91A6D48FB}" destId="{32E76669-290E-415B-973D-829249341799}" srcOrd="0" destOrd="0" presId="urn:microsoft.com/office/officeart/2018/2/layout/IconVerticalSolidList"/>
+    <dgm:cxn modelId="{7C662F24-41F4-4B94-9FEA-45E54FA21EEE}" type="presParOf" srcId="{32E76669-290E-415B-973D-829249341799}" destId="{B0AAE24D-F6FB-485E-8630-29AB32D13D57}" srcOrd="0" destOrd="0" presId="urn:microsoft.com/office/officeart/2018/2/layout/IconVerticalSolidList"/>
+    <dgm:cxn modelId="{4D471F5C-BF66-49BE-B755-8784F85253DE}" type="presParOf" srcId="{32E76669-290E-415B-973D-829249341799}" destId="{4E67DD3F-967A-46F3-8F37-6733F4D6E60A}" srcOrd="1" destOrd="0" presId="urn:microsoft.com/office/officeart/2018/2/layout/IconVerticalSolidList"/>
+    <dgm:cxn modelId="{DBE8C42E-C85C-4E04-8ED6-03EBA318B429}" type="presParOf" srcId="{32E76669-290E-415B-973D-829249341799}" destId="{3A424093-ED0B-45C0-8682-883727F9B585}" srcOrd="2" destOrd="0" presId="urn:microsoft.com/office/officeart/2018/2/layout/IconVerticalSolidList"/>
+    <dgm:cxn modelId="{E2D66B01-E63B-4D40-8029-BF298DE1B48D}" type="presParOf" srcId="{32E76669-290E-415B-973D-829249341799}" destId="{CF2C88BC-3C56-40E5-8120-02CFA6DD0915}" srcOrd="3" destOrd="0" presId="urn:microsoft.com/office/officeart/2018/2/layout/IconVerticalSolidList"/>
+    <dgm:cxn modelId="{59FDD0E3-6F62-44F0-B520-15B411F49E7A}" type="presParOf" srcId="{0BE01AF6-9AEE-42F6-9BF1-49F91A6D48FB}" destId="{DDE38447-1482-46BB-9EAC-BEC1AF32C1DB}" srcOrd="1" destOrd="0" presId="urn:microsoft.com/office/officeart/2018/2/layout/IconVerticalSolidList"/>
+    <dgm:cxn modelId="{2029C93F-C33C-46D6-8946-6BAEB9E98A77}" type="presParOf" srcId="{0BE01AF6-9AEE-42F6-9BF1-49F91A6D48FB}" destId="{8FF78F2E-B35B-4908-8EB6-8C051335D034}" srcOrd="2" destOrd="0" presId="urn:microsoft.com/office/officeart/2018/2/layout/IconVerticalSolidList"/>
+    <dgm:cxn modelId="{1BC96E96-6305-4104-BF4C-A3660DE3C8FB}" type="presParOf" srcId="{8FF78F2E-B35B-4908-8EB6-8C051335D034}" destId="{70D53867-F97B-47F4-95E4-9A8BD591C1F6}" srcOrd="0" destOrd="0" presId="urn:microsoft.com/office/officeart/2018/2/layout/IconVerticalSolidList"/>
+    <dgm:cxn modelId="{CE8448CE-2F3D-4792-87EF-DD7107AC0B20}" type="presParOf" srcId="{8FF78F2E-B35B-4908-8EB6-8C051335D034}" destId="{AE4AE921-2A23-47B9-AB63-20D9D1F050CF}" srcOrd="1" destOrd="0" presId="urn:microsoft.com/office/officeart/2018/2/layout/IconVerticalSolidList"/>
+    <dgm:cxn modelId="{1BEC37A6-3F47-47F5-9277-C0FA2409F583}" type="presParOf" srcId="{8FF78F2E-B35B-4908-8EB6-8C051335D034}" destId="{6E6E2620-9886-4600-87A9-DD09E503AC20}" srcOrd="2" destOrd="0" presId="urn:microsoft.com/office/officeart/2018/2/layout/IconVerticalSolidList"/>
+    <dgm:cxn modelId="{3BB8BE9E-3B3C-4E64-B799-0A989C53393F}" type="presParOf" srcId="{8FF78F2E-B35B-4908-8EB6-8C051335D034}" destId="{B2DABB9A-9B3E-40EA-BED1-A62889B09E46}" srcOrd="3" destOrd="0" presId="urn:microsoft.com/office/officeart/2018/2/layout/IconVerticalSolidList"/>
+    <dgm:cxn modelId="{12DC370A-4B28-482B-87AC-588B780FC2A8}" type="presParOf" srcId="{0BE01AF6-9AEE-42F6-9BF1-49F91A6D48FB}" destId="{207BB4AE-37ED-40F7-B93D-7E5391EDA16B}" srcOrd="3" destOrd="0" presId="urn:microsoft.com/office/officeart/2018/2/layout/IconVerticalSolidList"/>
+    <dgm:cxn modelId="{9915CA03-D403-4257-81A1-F302F30347D9}" type="presParOf" srcId="{0BE01AF6-9AEE-42F6-9BF1-49F91A6D48FB}" destId="{9AF885CB-8EA6-4962-9964-9E6DB8986805}" srcOrd="4" destOrd="0" presId="urn:microsoft.com/office/officeart/2018/2/layout/IconVerticalSolidList"/>
+    <dgm:cxn modelId="{06E3FE8B-4F38-45EB-8BD8-575DB2C78AE9}" type="presParOf" srcId="{9AF885CB-8EA6-4962-9964-9E6DB8986805}" destId="{2537767D-3E9C-4E73-B34B-B87E59686644}" srcOrd="0" destOrd="0" presId="urn:microsoft.com/office/officeart/2018/2/layout/IconVerticalSolidList"/>
+    <dgm:cxn modelId="{C7B8113F-C2F5-4270-8667-5D36A351D70C}" type="presParOf" srcId="{9AF885CB-8EA6-4962-9964-9E6DB8986805}" destId="{8D0A8EE6-9EFE-4D39-B1D4-641620EE8E60}" srcOrd="1" destOrd="0" presId="urn:microsoft.com/office/officeart/2018/2/layout/IconVerticalSolidList"/>
+    <dgm:cxn modelId="{21EEE062-EF7E-4AF9-9FE0-8596A0DF7ED4}" type="presParOf" srcId="{9AF885CB-8EA6-4962-9964-9E6DB8986805}" destId="{3BDD6438-9614-4854-91EA-07C862973DC9}" srcOrd="2" destOrd="0" presId="urn:microsoft.com/office/officeart/2018/2/layout/IconVerticalSolidList"/>
+    <dgm:cxn modelId="{97E64F6B-BC9D-46E3-B325-818727F7D256}" type="presParOf" srcId="{9AF885CB-8EA6-4962-9964-9E6DB8986805}" destId="{47054420-70B0-416A-A239-DA6D64569778}" srcOrd="3" destOrd="0" presId="urn:microsoft.com/office/officeart/2018/2/layout/IconVerticalSolidList"/>
+    <dgm:cxn modelId="{1A012AD5-F877-47DA-98D3-0E30986E7FCC}" type="presParOf" srcId="{0BE01AF6-9AEE-42F6-9BF1-49F91A6D48FB}" destId="{6AAA09F6-7177-4800-87A0-ECFAE0276F6A}" srcOrd="5" destOrd="0" presId="urn:microsoft.com/office/officeart/2018/2/layout/IconVerticalSolidList"/>
+    <dgm:cxn modelId="{67700C7E-6371-4783-A641-68D30CC42C66}" type="presParOf" srcId="{0BE01AF6-9AEE-42F6-9BF1-49F91A6D48FB}" destId="{F8283CE8-FD73-4FF0-AFA3-DB75D52346F9}" srcOrd="6" destOrd="0" presId="urn:microsoft.com/office/officeart/2018/2/layout/IconVerticalSolidList"/>
+    <dgm:cxn modelId="{D6E726C1-F782-4775-9225-2BF0BBC1F7A2}" type="presParOf" srcId="{F8283CE8-FD73-4FF0-AFA3-DB75D52346F9}" destId="{9A816BA9-795A-4685-87B5-C807B7BD0AE4}" srcOrd="0" destOrd="0" presId="urn:microsoft.com/office/officeart/2018/2/layout/IconVerticalSolidList"/>
+    <dgm:cxn modelId="{9631CBD1-D694-4853-B620-374D54A5FB44}" type="presParOf" srcId="{F8283CE8-FD73-4FF0-AFA3-DB75D52346F9}" destId="{6CBF382D-A8E0-4BCA-9D47-04B6BDD8BC50}" srcOrd="1" destOrd="0" presId="urn:microsoft.com/office/officeart/2018/2/layout/IconVerticalSolidList"/>
+    <dgm:cxn modelId="{27040175-477A-4C03-9C0C-7503B167C67D}" type="presParOf" srcId="{F8283CE8-FD73-4FF0-AFA3-DB75D52346F9}" destId="{AB8C02F2-25D4-4A36-ACE1-89D376C842F9}" srcOrd="2" destOrd="0" presId="urn:microsoft.com/office/officeart/2018/2/layout/IconVerticalSolidList"/>
+    <dgm:cxn modelId="{7441F188-77B8-4710-8E27-5CA4CCDB3D98}" type="presParOf" srcId="{F8283CE8-FD73-4FF0-AFA3-DB75D52346F9}" destId="{32650844-5F4F-4CE7-810C-07A28AFB2320}" srcOrd="3" destOrd="0" presId="urn:microsoft.com/office/officeart/2018/2/layout/IconVerticalSolidList"/>
+    <dgm:cxn modelId="{AB44AD83-64BD-481E-8B69-3B63C38494AA}" type="presParOf" srcId="{0BE01AF6-9AEE-42F6-9BF1-49F91A6D48FB}" destId="{14A6F828-1B9B-4712-91B3-8F4AF863DC36}" srcOrd="7" destOrd="0" presId="urn:microsoft.com/office/officeart/2018/2/layout/IconVerticalSolidList"/>
+    <dgm:cxn modelId="{9A02272A-FA52-461D-8E03-5D9BF971E687}" type="presParOf" srcId="{0BE01AF6-9AEE-42F6-9BF1-49F91A6D48FB}" destId="{53E85D5B-DD62-4FDD-964B-BD1B3F364543}" srcOrd="8" destOrd="0" presId="urn:microsoft.com/office/officeart/2018/2/layout/IconVerticalSolidList"/>
+    <dgm:cxn modelId="{D6417060-3743-4F9C-B0CA-AE3C14197B05}" type="presParOf" srcId="{53E85D5B-DD62-4FDD-964B-BD1B3F364543}" destId="{65C4E153-527B-43E4-B148-A32D78F38B9C}" srcOrd="0" destOrd="0" presId="urn:microsoft.com/office/officeart/2018/2/layout/IconVerticalSolidList"/>
+    <dgm:cxn modelId="{AC5F8FA2-CD68-4729-9051-B48DBD1EEBC1}" type="presParOf" srcId="{53E85D5B-DD62-4FDD-964B-BD1B3F364543}" destId="{4E17832A-EF32-4AE4-B87C-6AFAC056ACAD}" srcOrd="1" destOrd="0" presId="urn:microsoft.com/office/officeart/2018/2/layout/IconVerticalSolidList"/>
+    <dgm:cxn modelId="{58CA4A12-C74C-46C7-855B-A84C2CF7B522}" type="presParOf" srcId="{53E85D5B-DD62-4FDD-964B-BD1B3F364543}" destId="{006BEBBB-5E63-4FC3-93FC-C1787905C721}" srcOrd="2" destOrd="0" presId="urn:microsoft.com/office/officeart/2018/2/layout/IconVerticalSolidList"/>
+    <dgm:cxn modelId="{53ECA8C5-2F9A-45FE-9481-DA3243A2F329}" type="presParOf" srcId="{53E85D5B-DD62-4FDD-964B-BD1B3F364543}" destId="{F5FCA87A-A0BC-46B9-8B39-6F7AE7F6D86C}" srcOrd="3" destOrd="0" presId="urn:microsoft.com/office/officeart/2018/2/layout/IconVerticalSolidList"/>
+  </dgm:cxnLst>
+  <dgm:bg/>
+  <dgm:whole/>
+  <dgm:extLst>
+    <a:ext uri="http://schemas.microsoft.com/office/drawing/2008/diagram">
+      <dsp:dataModelExt xmlns:dsp="http://schemas.microsoft.com/office/drawing/2008/diagram" relId="rId6" minVer="http://schemas.openxmlformats.org/drawingml/2006/diagram"/>
+    </a:ext>
+  </dgm:extLst>
+</dgm:dataModel>
+</file>
+
+<file path=ppt/diagrams/data2.xml><?xml version="1.0" encoding="utf-8"?>
+<dgm:dataModel xmlns:dgm="http://schemas.openxmlformats.org/drawingml/2006/diagram" xmlns:a="http://schemas.openxmlformats.org/drawingml/2006/main">
+  <dgm:ptLst>
+    <dgm:pt modelId="{D5C95A6F-445C-4398-823E-690003771AC3}" type="doc">
+      <dgm:prSet loTypeId="urn:microsoft.com/office/officeart/2018/5/layout/CenteredIconLabelDescriptionList" loCatId="icon" qsTypeId="urn:microsoft.com/office/officeart/2005/8/quickstyle/simple1" qsCatId="simple" csTypeId="urn:microsoft.com/office/officeart/2018/5/colors/Iconchunking_neutralbg_colorful1" csCatId="colorful" phldr="1"/>
+      <dgm:spPr/>
+      <dgm:t>
+        <a:bodyPr/>
+        <a:lstStyle/>
+        <a:p>
+          <a:endParaRPr lang="en-US"/>
+        </a:p>
+      </dgm:t>
+    </dgm:pt>
+    <dgm:pt modelId="{699C07F9-5DC2-4B50-A41D-1EC7CFF6DDA9}">
+      <dgm:prSet/>
+      <dgm:spPr/>
+      <dgm:t>
+        <a:bodyPr/>
+        <a:lstStyle/>
+        <a:p>
+          <a:pPr>
+            <a:defRPr b="1"/>
+          </a:pPr>
+          <a:r>
+            <a:rPr lang="en-US"/>
+            <a:t>Checked for duplicates</a:t>
+          </a:r>
+        </a:p>
+      </dgm:t>
+    </dgm:pt>
+    <dgm:pt modelId="{96517C08-B2BF-42BF-8D9B-850228F3FDFB}" type="parTrans" cxnId="{264D8AE4-F936-4B68-A2C8-9EFE71913C80}">
+      <dgm:prSet/>
+      <dgm:spPr/>
+      <dgm:t>
+        <a:bodyPr/>
+        <a:lstStyle/>
+        <a:p>
+          <a:endParaRPr lang="en-US"/>
+        </a:p>
+      </dgm:t>
+    </dgm:pt>
+    <dgm:pt modelId="{BE41101D-A8A6-4EC2-A0D9-820F9ACF2D77}" type="sibTrans" cxnId="{264D8AE4-F936-4B68-A2C8-9EFE71913C80}">
+      <dgm:prSet/>
+      <dgm:spPr/>
+      <dgm:t>
+        <a:bodyPr/>
+        <a:lstStyle/>
+        <a:p>
+          <a:endParaRPr lang="en-US"/>
+        </a:p>
+      </dgm:t>
+    </dgm:pt>
+    <dgm:pt modelId="{09D0DA8D-8431-4DC9-955C-304877404A9F}">
+      <dgm:prSet/>
+      <dgm:spPr/>
+      <dgm:t>
+        <a:bodyPr/>
+        <a:lstStyle/>
+        <a:p>
+          <a:pPr>
+            <a:defRPr b="1"/>
+          </a:pPr>
+          <a:r>
+            <a:rPr lang="en-US"/>
+            <a:t>Removed Airbnb’s with 0 availability </a:t>
+          </a:r>
+        </a:p>
+      </dgm:t>
+    </dgm:pt>
+    <dgm:pt modelId="{30781EFC-A30C-49C9-AF47-E1D87DBB788F}" type="parTrans" cxnId="{D70C6D23-448A-465B-B107-37EABA31DDCB}">
+      <dgm:prSet/>
+      <dgm:spPr/>
+      <dgm:t>
+        <a:bodyPr/>
+        <a:lstStyle/>
+        <a:p>
+          <a:endParaRPr lang="en-US"/>
+        </a:p>
+      </dgm:t>
+    </dgm:pt>
+    <dgm:pt modelId="{7D2AB2DF-22CC-4D5B-B4D7-68B9722BFC38}" type="sibTrans" cxnId="{D70C6D23-448A-465B-B107-37EABA31DDCB}">
+      <dgm:prSet/>
+      <dgm:spPr/>
+      <dgm:t>
+        <a:bodyPr/>
+        <a:lstStyle/>
+        <a:p>
+          <a:endParaRPr lang="en-US"/>
+        </a:p>
+      </dgm:t>
+    </dgm:pt>
+    <dgm:pt modelId="{58BD70DE-3F1A-4AFF-9C57-CB5030C3F7C3}">
+      <dgm:prSet/>
+      <dgm:spPr/>
+      <dgm:t>
+        <a:bodyPr/>
+        <a:lstStyle/>
+        <a:p>
+          <a:pPr>
+            <a:defRPr b="1"/>
+          </a:pPr>
+          <a:r>
+            <a:rPr lang="en-US"/>
+            <a:t>Checked for null values</a:t>
+          </a:r>
+        </a:p>
+      </dgm:t>
+    </dgm:pt>
+    <dgm:pt modelId="{117835D4-F981-492C-AEA4-1E25DD0F0876}" type="parTrans" cxnId="{B94EF065-43F1-45E7-8540-CDA4C128F13C}">
+      <dgm:prSet/>
+      <dgm:spPr/>
+      <dgm:t>
+        <a:bodyPr/>
+        <a:lstStyle/>
+        <a:p>
+          <a:endParaRPr lang="en-US"/>
+        </a:p>
+      </dgm:t>
+    </dgm:pt>
+    <dgm:pt modelId="{FF2A8048-0F5C-461D-B08D-4A8A8925EA65}" type="sibTrans" cxnId="{B94EF065-43F1-45E7-8540-CDA4C128F13C}">
+      <dgm:prSet/>
+      <dgm:spPr/>
+      <dgm:t>
+        <a:bodyPr/>
+        <a:lstStyle/>
+        <a:p>
+          <a:endParaRPr lang="en-US"/>
+        </a:p>
+      </dgm:t>
+    </dgm:pt>
+    <dgm:pt modelId="{FB956CAB-6E15-4FF7-B408-CAD31CFC9C6C}">
+      <dgm:prSet/>
+      <dgm:spPr/>
+      <dgm:t>
+        <a:bodyPr/>
+        <a:lstStyle/>
+        <a:p>
+          <a:r>
+            <a:rPr lang="en-US"/>
+            <a:t>No null values in columns we deemed as significant</a:t>
+          </a:r>
+        </a:p>
+      </dgm:t>
+    </dgm:pt>
+    <dgm:pt modelId="{BC8292B2-0FDA-4BC5-BCCD-C93A5D81A2FE}" type="parTrans" cxnId="{4EE53DA2-AF4D-438F-8C76-D37FD1E3F673}">
+      <dgm:prSet/>
+      <dgm:spPr/>
+      <dgm:t>
+        <a:bodyPr/>
+        <a:lstStyle/>
+        <a:p>
+          <a:endParaRPr lang="en-US"/>
+        </a:p>
+      </dgm:t>
+    </dgm:pt>
+    <dgm:pt modelId="{761A6718-758D-43E0-9FA9-D4196AC9F76D}" type="sibTrans" cxnId="{4EE53DA2-AF4D-438F-8C76-D37FD1E3F673}">
+      <dgm:prSet/>
+      <dgm:spPr/>
+      <dgm:t>
+        <a:bodyPr/>
+        <a:lstStyle/>
+        <a:p>
+          <a:endParaRPr lang="en-US"/>
+        </a:p>
+      </dgm:t>
+    </dgm:pt>
+    <dgm:pt modelId="{9CA13BD2-F576-4DB6-BA99-64C19A2F61BD}">
+      <dgm:prSet/>
+      <dgm:spPr/>
+      <dgm:t>
+        <a:bodyPr/>
+        <a:lstStyle/>
+        <a:p>
+          <a:pPr>
+            <a:defRPr b="1"/>
+          </a:pPr>
+          <a:r>
+            <a:rPr lang="en-US"/>
+            <a:t>Checked data types for each column</a:t>
+          </a:r>
+        </a:p>
+      </dgm:t>
+    </dgm:pt>
+    <dgm:pt modelId="{709848CA-DC15-4F99-8734-1D4815F857A9}" type="parTrans" cxnId="{D136E9CB-46D7-42D0-AE1B-D60E87F05FA6}">
+      <dgm:prSet/>
+      <dgm:spPr/>
+      <dgm:t>
+        <a:bodyPr/>
+        <a:lstStyle/>
+        <a:p>
+          <a:endParaRPr lang="en-US"/>
+        </a:p>
+      </dgm:t>
+    </dgm:pt>
+    <dgm:pt modelId="{CCC73349-F1A9-4F19-82A9-C526373BA782}" type="sibTrans" cxnId="{D136E9CB-46D7-42D0-AE1B-D60E87F05FA6}">
+      <dgm:prSet/>
+      <dgm:spPr/>
+      <dgm:t>
+        <a:bodyPr/>
+        <a:lstStyle/>
+        <a:p>
+          <a:endParaRPr lang="en-US"/>
+        </a:p>
+      </dgm:t>
+    </dgm:pt>
+    <dgm:pt modelId="{54835CFE-53F4-474C-A01C-87B75B5DBAC2}">
+      <dgm:prSet/>
+      <dgm:spPr/>
+      <dgm:t>
+        <a:bodyPr/>
+        <a:lstStyle/>
+        <a:p>
+          <a:pPr>
+            <a:defRPr b="1"/>
+          </a:pPr>
+          <a:r>
+            <a:rPr lang="en-US"/>
+            <a:t>Renamed all the columns</a:t>
+          </a:r>
+        </a:p>
+      </dgm:t>
+    </dgm:pt>
+    <dgm:pt modelId="{4E27D50B-448F-415F-8965-7F0F03D95E63}" type="parTrans" cxnId="{3C964DF5-0A4C-449F-B9DD-57A02044F5A1}">
+      <dgm:prSet/>
+      <dgm:spPr/>
+      <dgm:t>
+        <a:bodyPr/>
+        <a:lstStyle/>
+        <a:p>
+          <a:endParaRPr lang="en-US"/>
+        </a:p>
+      </dgm:t>
+    </dgm:pt>
+    <dgm:pt modelId="{C44442AA-26CC-46B4-BBE5-685A1600A256}" type="sibTrans" cxnId="{3C964DF5-0A4C-449F-B9DD-57A02044F5A1}">
+      <dgm:prSet/>
+      <dgm:spPr/>
+      <dgm:t>
+        <a:bodyPr/>
+        <a:lstStyle/>
+        <a:p>
+          <a:endParaRPr lang="en-US"/>
+        </a:p>
+      </dgm:t>
+    </dgm:pt>
+    <dgm:pt modelId="{29A0F1BB-77A9-49EC-AD42-49F3A2648383}" type="pres">
+      <dgm:prSet presAssocID="{D5C95A6F-445C-4398-823E-690003771AC3}" presName="root" presStyleCnt="0">
+        <dgm:presLayoutVars>
+          <dgm:dir/>
+          <dgm:resizeHandles val="exact"/>
+        </dgm:presLayoutVars>
+      </dgm:prSet>
+      <dgm:spPr/>
+    </dgm:pt>
+    <dgm:pt modelId="{33B7DADA-FF96-458B-95F3-2038332DCF64}" type="pres">
+      <dgm:prSet presAssocID="{699C07F9-5DC2-4B50-A41D-1EC7CFF6DDA9}" presName="compNode" presStyleCnt="0"/>
+      <dgm:spPr/>
+    </dgm:pt>
+    <dgm:pt modelId="{520D6757-B2A0-4547-B127-AB46C56C7142}" type="pres">
+      <dgm:prSet presAssocID="{699C07F9-5DC2-4B50-A41D-1EC7CFF6DDA9}" presName="iconRect" presStyleLbl="node1" presStyleIdx="0" presStyleCnt="5"/>
+      <dgm:spPr>
+        <a:blipFill>
+          <a:blip xmlns:r="http://schemas.openxmlformats.org/officeDocument/2006/relationships" r:embed="rId1">
+            <a:extLst>
+              <a:ext uri="{28A0092B-C50C-407E-A947-70E740481C1C}">
+                <a14:useLocalDpi xmlns:a14="http://schemas.microsoft.com/office/drawing/2010/main" val="0"/>
+              </a:ext>
+              <a:ext uri="{96DAC541-7B7A-43D3-8B79-37D633B846F1}">
+                <asvg:svgBlip xmlns:asvg="http://schemas.microsoft.com/office/drawing/2016/SVG/main" r:embed="rId2"/>
+              </a:ext>
+            </a:extLst>
+          </a:blip>
+          <a:stretch>
+            <a:fillRect/>
+          </a:stretch>
+        </a:blipFill>
+        <a:ln>
+          <a:noFill/>
+        </a:ln>
+      </dgm:spPr>
+      <dgm:extLst>
+        <a:ext uri="{E40237B7-FDA0-4F09-8148-C483321AD2D9}">
+          <dgm14:cNvPr xmlns:dgm14="http://schemas.microsoft.com/office/drawing/2010/diagram" id="0" name="" descr="Check List"/>
+        </a:ext>
+      </dgm:extLst>
+    </dgm:pt>
+    <dgm:pt modelId="{0BC97019-D069-4870-A5C6-13F70E8EAF3A}" type="pres">
+      <dgm:prSet presAssocID="{699C07F9-5DC2-4B50-A41D-1EC7CFF6DDA9}" presName="iconSpace" presStyleCnt="0"/>
+      <dgm:spPr/>
+    </dgm:pt>
+    <dgm:pt modelId="{0BB2D30C-D72C-4524-B9C8-42782F0B943D}" type="pres">
+      <dgm:prSet presAssocID="{699C07F9-5DC2-4B50-A41D-1EC7CFF6DDA9}" presName="parTx" presStyleLbl="revTx" presStyleIdx="0" presStyleCnt="10">
+        <dgm:presLayoutVars>
+          <dgm:chMax val="0"/>
+          <dgm:chPref val="0"/>
+        </dgm:presLayoutVars>
+      </dgm:prSet>
+      <dgm:spPr/>
+    </dgm:pt>
+    <dgm:pt modelId="{AB16B0E9-879C-47D7-9127-1B0C050648EB}" type="pres">
+      <dgm:prSet presAssocID="{699C07F9-5DC2-4B50-A41D-1EC7CFF6DDA9}" presName="txSpace" presStyleCnt="0"/>
+      <dgm:spPr/>
+    </dgm:pt>
+    <dgm:pt modelId="{55C3EF36-A51E-4EAE-B2AA-EAFF8D21ADA2}" type="pres">
+      <dgm:prSet presAssocID="{699C07F9-5DC2-4B50-A41D-1EC7CFF6DDA9}" presName="desTx" presStyleLbl="revTx" presStyleIdx="1" presStyleCnt="10">
+        <dgm:presLayoutVars/>
+      </dgm:prSet>
+      <dgm:spPr/>
+    </dgm:pt>
+    <dgm:pt modelId="{B499AF06-803D-415B-9F56-CA84697475F2}" type="pres">
+      <dgm:prSet presAssocID="{BE41101D-A8A6-4EC2-A0D9-820F9ACF2D77}" presName="sibTrans" presStyleCnt="0"/>
+      <dgm:spPr/>
+    </dgm:pt>
+    <dgm:pt modelId="{3C0029AD-A001-4C33-81BE-167CD45DECD8}" type="pres">
+      <dgm:prSet presAssocID="{09D0DA8D-8431-4DC9-955C-304877404A9F}" presName="compNode" presStyleCnt="0"/>
+      <dgm:spPr/>
+    </dgm:pt>
+    <dgm:pt modelId="{06D16BD4-A2CD-441F-93CD-00EF38FBF42B}" type="pres">
+      <dgm:prSet presAssocID="{09D0DA8D-8431-4DC9-955C-304877404A9F}" presName="iconRect" presStyleLbl="node1" presStyleIdx="1" presStyleCnt="5"/>
+      <dgm:spPr>
+        <a:blipFill>
+          <a:blip xmlns:r="http://schemas.openxmlformats.org/officeDocument/2006/relationships" r:embed="rId3">
+            <a:extLst>
+              <a:ext uri="{28A0092B-C50C-407E-A947-70E740481C1C}">
+                <a14:useLocalDpi xmlns:a14="http://schemas.microsoft.com/office/drawing/2010/main" val="0"/>
+              </a:ext>
+              <a:ext uri="{96DAC541-7B7A-43D3-8B79-37D633B846F1}">
+                <asvg:svgBlip xmlns:asvg="http://schemas.microsoft.com/office/drawing/2016/SVG/main" r:embed="rId4"/>
+              </a:ext>
+            </a:extLst>
+          </a:blip>
+          <a:stretch>
+            <a:fillRect/>
+          </a:stretch>
+        </a:blipFill>
+        <a:ln>
+          <a:noFill/>
+        </a:ln>
+      </dgm:spPr>
+      <dgm:extLst>
+        <a:ext uri="{E40237B7-FDA0-4F09-8148-C483321AD2D9}">
+          <dgm14:cNvPr xmlns:dgm14="http://schemas.microsoft.com/office/drawing/2010/diagram" id="0" name="" descr="Close"/>
+        </a:ext>
+      </dgm:extLst>
+    </dgm:pt>
+    <dgm:pt modelId="{148937DF-7235-4483-91FC-C7641E9B548C}" type="pres">
+      <dgm:prSet presAssocID="{09D0DA8D-8431-4DC9-955C-304877404A9F}" presName="iconSpace" presStyleCnt="0"/>
+      <dgm:spPr/>
+    </dgm:pt>
+    <dgm:pt modelId="{D427C63E-F8E3-4FFA-B85D-1F21D295CFF2}" type="pres">
+      <dgm:prSet presAssocID="{09D0DA8D-8431-4DC9-955C-304877404A9F}" presName="parTx" presStyleLbl="revTx" presStyleIdx="2" presStyleCnt="10">
+        <dgm:presLayoutVars>
+          <dgm:chMax val="0"/>
+          <dgm:chPref val="0"/>
+        </dgm:presLayoutVars>
+      </dgm:prSet>
+      <dgm:spPr/>
+    </dgm:pt>
+    <dgm:pt modelId="{74447A87-F2DF-4896-9F52-289EC8236532}" type="pres">
+      <dgm:prSet presAssocID="{09D0DA8D-8431-4DC9-955C-304877404A9F}" presName="txSpace" presStyleCnt="0"/>
+      <dgm:spPr/>
+    </dgm:pt>
+    <dgm:pt modelId="{251FC53B-B486-4A61-AE9D-79F1A7E24E17}" type="pres">
+      <dgm:prSet presAssocID="{09D0DA8D-8431-4DC9-955C-304877404A9F}" presName="desTx" presStyleLbl="revTx" presStyleIdx="3" presStyleCnt="10">
+        <dgm:presLayoutVars/>
+      </dgm:prSet>
+      <dgm:spPr/>
+    </dgm:pt>
+    <dgm:pt modelId="{74A68EC1-6DBF-4E82-9F64-3503C29B9434}" type="pres">
+      <dgm:prSet presAssocID="{7D2AB2DF-22CC-4D5B-B4D7-68B9722BFC38}" presName="sibTrans" presStyleCnt="0"/>
+      <dgm:spPr/>
+    </dgm:pt>
+    <dgm:pt modelId="{4DB3C4BE-E0BA-40D1-AAB3-73DF1F25C62F}" type="pres">
+      <dgm:prSet presAssocID="{58BD70DE-3F1A-4AFF-9C57-CB5030C3F7C3}" presName="compNode" presStyleCnt="0"/>
+      <dgm:spPr/>
+    </dgm:pt>
+    <dgm:pt modelId="{7424AFEC-FD1D-445B-97F3-7A685A1A0D61}" type="pres">
+      <dgm:prSet presAssocID="{58BD70DE-3F1A-4AFF-9C57-CB5030C3F7C3}" presName="iconRect" presStyleLbl="node1" presStyleIdx="2" presStyleCnt="5"/>
+      <dgm:spPr>
+        <a:blipFill>
+          <a:blip xmlns:r="http://schemas.openxmlformats.org/officeDocument/2006/relationships" r:embed="rId5">
+            <a:extLst>
+              <a:ext uri="{28A0092B-C50C-407E-A947-70E740481C1C}">
+                <a14:useLocalDpi xmlns:a14="http://schemas.microsoft.com/office/drawing/2010/main" val="0"/>
+              </a:ext>
+              <a:ext uri="{96DAC541-7B7A-43D3-8B79-37D633B846F1}">
+                <asvg:svgBlip xmlns:asvg="http://schemas.microsoft.com/office/drawing/2016/SVG/main" r:embed="rId6"/>
+              </a:ext>
+            </a:extLst>
+          </a:blip>
+          <a:stretch>
+            <a:fillRect/>
+          </a:stretch>
+        </a:blipFill>
+        <a:ln>
+          <a:noFill/>
+        </a:ln>
+      </dgm:spPr>
+      <dgm:extLst>
+        <a:ext uri="{E40237B7-FDA0-4F09-8148-C483321AD2D9}">
+          <dgm14:cNvPr xmlns:dgm14="http://schemas.microsoft.com/office/drawing/2010/diagram" id="0" name="" descr="Irritant"/>
+        </a:ext>
+      </dgm:extLst>
+    </dgm:pt>
+    <dgm:pt modelId="{CB115E6F-E4C0-44A2-834B-2F8A1871E4E5}" type="pres">
+      <dgm:prSet presAssocID="{58BD70DE-3F1A-4AFF-9C57-CB5030C3F7C3}" presName="iconSpace" presStyleCnt="0"/>
+      <dgm:spPr/>
+    </dgm:pt>
+    <dgm:pt modelId="{DE9D9423-3973-4D9F-9F63-0E3F3481E3FC}" type="pres">
+      <dgm:prSet presAssocID="{58BD70DE-3F1A-4AFF-9C57-CB5030C3F7C3}" presName="parTx" presStyleLbl="revTx" presStyleIdx="4" presStyleCnt="10">
+        <dgm:presLayoutVars>
+          <dgm:chMax val="0"/>
+          <dgm:chPref val="0"/>
+        </dgm:presLayoutVars>
+      </dgm:prSet>
+      <dgm:spPr/>
+    </dgm:pt>
+    <dgm:pt modelId="{0BD15613-4BF7-4EDA-8A1A-5279FE8AFE5B}" type="pres">
+      <dgm:prSet presAssocID="{58BD70DE-3F1A-4AFF-9C57-CB5030C3F7C3}" presName="txSpace" presStyleCnt="0"/>
+      <dgm:spPr/>
+    </dgm:pt>
+    <dgm:pt modelId="{F5DFC217-612A-42D5-B0FB-FD6B39FC646B}" type="pres">
+      <dgm:prSet presAssocID="{58BD70DE-3F1A-4AFF-9C57-CB5030C3F7C3}" presName="desTx" presStyleLbl="revTx" presStyleIdx="5" presStyleCnt="10">
+        <dgm:presLayoutVars/>
+      </dgm:prSet>
+      <dgm:spPr/>
+    </dgm:pt>
+    <dgm:pt modelId="{6E4D9F7F-8440-4B51-AB33-63D36C220435}" type="pres">
+      <dgm:prSet presAssocID="{FF2A8048-0F5C-461D-B08D-4A8A8925EA65}" presName="sibTrans" presStyleCnt="0"/>
+      <dgm:spPr/>
+    </dgm:pt>
+    <dgm:pt modelId="{7928D057-3D6F-4B42-A896-C10C8B68A542}" type="pres">
+      <dgm:prSet presAssocID="{9CA13BD2-F576-4DB6-BA99-64C19A2F61BD}" presName="compNode" presStyleCnt="0"/>
+      <dgm:spPr/>
+    </dgm:pt>
+    <dgm:pt modelId="{2C59B738-4A4E-4BD0-8C42-411A00F1D528}" type="pres">
+      <dgm:prSet presAssocID="{9CA13BD2-F576-4DB6-BA99-64C19A2F61BD}" presName="iconRect" presStyleLbl="node1" presStyleIdx="3" presStyleCnt="5"/>
+      <dgm:spPr>
+        <a:blipFill>
+          <a:blip xmlns:r="http://schemas.openxmlformats.org/officeDocument/2006/relationships" r:embed="rId7">
+            <a:extLst>
+              <a:ext uri="{28A0092B-C50C-407E-A947-70E740481C1C}">
+                <a14:useLocalDpi xmlns:a14="http://schemas.microsoft.com/office/drawing/2010/main" val="0"/>
+              </a:ext>
+              <a:ext uri="{96DAC541-7B7A-43D3-8B79-37D633B846F1}">
+                <asvg:svgBlip xmlns:asvg="http://schemas.microsoft.com/office/drawing/2016/SVG/main" r:embed="rId8"/>
+              </a:ext>
+            </a:extLst>
+          </a:blip>
+          <a:stretch>
+            <a:fillRect/>
+          </a:stretch>
+        </a:blipFill>
+        <a:ln>
+          <a:noFill/>
+        </a:ln>
+      </dgm:spPr>
+      <dgm:extLst>
+        <a:ext uri="{E40237B7-FDA0-4F09-8148-C483321AD2D9}">
+          <dgm14:cNvPr xmlns:dgm14="http://schemas.microsoft.com/office/drawing/2010/diagram" id="0" name="" descr="Checkmark"/>
+        </a:ext>
+      </dgm:extLst>
+    </dgm:pt>
+    <dgm:pt modelId="{355A14B6-2C81-4148-8B5E-83BF2B21B583}" type="pres">
+      <dgm:prSet presAssocID="{9CA13BD2-F576-4DB6-BA99-64C19A2F61BD}" presName="iconSpace" presStyleCnt="0"/>
+      <dgm:spPr/>
+    </dgm:pt>
+    <dgm:pt modelId="{55D45B45-5B34-4A14-837D-08A7F219CFD3}" type="pres">
+      <dgm:prSet presAssocID="{9CA13BD2-F576-4DB6-BA99-64C19A2F61BD}" presName="parTx" presStyleLbl="revTx" presStyleIdx="6" presStyleCnt="10">
+        <dgm:presLayoutVars>
+          <dgm:chMax val="0"/>
+          <dgm:chPref val="0"/>
+        </dgm:presLayoutVars>
+      </dgm:prSet>
+      <dgm:spPr/>
+    </dgm:pt>
+    <dgm:pt modelId="{78C6FECC-FB56-4122-816B-DF163D17AA17}" type="pres">
+      <dgm:prSet presAssocID="{9CA13BD2-F576-4DB6-BA99-64C19A2F61BD}" presName="txSpace" presStyleCnt="0"/>
+      <dgm:spPr/>
+    </dgm:pt>
+    <dgm:pt modelId="{F5BAC500-22C7-4A7F-BE71-A35AAD1DC9DA}" type="pres">
+      <dgm:prSet presAssocID="{9CA13BD2-F576-4DB6-BA99-64C19A2F61BD}" presName="desTx" presStyleLbl="revTx" presStyleIdx="7" presStyleCnt="10">
+        <dgm:presLayoutVars/>
+      </dgm:prSet>
+      <dgm:spPr/>
+    </dgm:pt>
+    <dgm:pt modelId="{D13B8BD7-29C4-4E3E-B76B-A81A8E256C17}" type="pres">
+      <dgm:prSet presAssocID="{CCC73349-F1A9-4F19-82A9-C526373BA782}" presName="sibTrans" presStyleCnt="0"/>
+      <dgm:spPr/>
+    </dgm:pt>
+    <dgm:pt modelId="{4BA3CEF4-2DF4-47CD-9815-104D67B2C040}" type="pres">
+      <dgm:prSet presAssocID="{54835CFE-53F4-474C-A01C-87B75B5DBAC2}" presName="compNode" presStyleCnt="0"/>
+      <dgm:spPr/>
+    </dgm:pt>
+    <dgm:pt modelId="{ED8CE2E9-012A-401B-9F24-63D3547BEC2C}" type="pres">
+      <dgm:prSet presAssocID="{54835CFE-53F4-474C-A01C-87B75B5DBAC2}" presName="iconRect" presStyleLbl="node1" presStyleIdx="4" presStyleCnt="5"/>
+      <dgm:spPr>
+        <a:blipFill>
+          <a:blip xmlns:r="http://schemas.openxmlformats.org/officeDocument/2006/relationships" r:embed="rId9">
+            <a:extLst>
+              <a:ext uri="{28A0092B-C50C-407E-A947-70E740481C1C}">
+                <a14:useLocalDpi xmlns:a14="http://schemas.microsoft.com/office/drawing/2010/main" val="0"/>
+              </a:ext>
+              <a:ext uri="{96DAC541-7B7A-43D3-8B79-37D633B846F1}">
+                <asvg:svgBlip xmlns:asvg="http://schemas.microsoft.com/office/drawing/2016/SVG/main" r:embed="rId10"/>
+              </a:ext>
+            </a:extLst>
+          </a:blip>
+          <a:stretch>
+            <a:fillRect/>
+          </a:stretch>
+        </a:blipFill>
+        <a:ln>
+          <a:noFill/>
+        </a:ln>
+      </dgm:spPr>
+      <dgm:extLst>
+        <a:ext uri="{E40237B7-FDA0-4F09-8148-C483321AD2D9}">
+          <dgm14:cNvPr xmlns:dgm14="http://schemas.microsoft.com/office/drawing/2010/diagram" id="0" name="" descr="Bank"/>
+        </a:ext>
+      </dgm:extLst>
+    </dgm:pt>
+    <dgm:pt modelId="{E1CE62B0-C241-4647-9268-54C8C6C31245}" type="pres">
+      <dgm:prSet presAssocID="{54835CFE-53F4-474C-A01C-87B75B5DBAC2}" presName="iconSpace" presStyleCnt="0"/>
+      <dgm:spPr/>
+    </dgm:pt>
+    <dgm:pt modelId="{16BD8406-4BE5-4245-9A45-A60A4AA38A06}" type="pres">
+      <dgm:prSet presAssocID="{54835CFE-53F4-474C-A01C-87B75B5DBAC2}" presName="parTx" presStyleLbl="revTx" presStyleIdx="8" presStyleCnt="10">
+        <dgm:presLayoutVars>
+          <dgm:chMax val="0"/>
+          <dgm:chPref val="0"/>
+        </dgm:presLayoutVars>
+      </dgm:prSet>
+      <dgm:spPr/>
+    </dgm:pt>
+    <dgm:pt modelId="{C37AF0CC-3B74-448E-82E1-5683EBFEB282}" type="pres">
+      <dgm:prSet presAssocID="{54835CFE-53F4-474C-A01C-87B75B5DBAC2}" presName="txSpace" presStyleCnt="0"/>
+      <dgm:spPr/>
+    </dgm:pt>
+    <dgm:pt modelId="{4D9E27D1-C23C-43C5-8130-B058C1015BEE}" type="pres">
+      <dgm:prSet presAssocID="{54835CFE-53F4-474C-A01C-87B75B5DBAC2}" presName="desTx" presStyleLbl="revTx" presStyleIdx="9" presStyleCnt="10">
+        <dgm:presLayoutVars/>
+      </dgm:prSet>
+      <dgm:spPr/>
+    </dgm:pt>
+  </dgm:ptLst>
+  <dgm:cxnLst>
+    <dgm:cxn modelId="{9A19F408-82DE-442D-B12D-4778946C7E80}" type="presOf" srcId="{FB956CAB-6E15-4FF7-B408-CAD31CFC9C6C}" destId="{F5DFC217-612A-42D5-B0FB-FD6B39FC646B}" srcOrd="0" destOrd="0" presId="urn:microsoft.com/office/officeart/2018/5/layout/CenteredIconLabelDescriptionList"/>
+    <dgm:cxn modelId="{D70C6D23-448A-465B-B107-37EABA31DDCB}" srcId="{D5C95A6F-445C-4398-823E-690003771AC3}" destId="{09D0DA8D-8431-4DC9-955C-304877404A9F}" srcOrd="1" destOrd="0" parTransId="{30781EFC-A30C-49C9-AF47-E1D87DBB788F}" sibTransId="{7D2AB2DF-22CC-4D5B-B4D7-68B9722BFC38}"/>
+    <dgm:cxn modelId="{70DFFC27-1307-41E5-9BDB-51B57AB88B24}" type="presOf" srcId="{D5C95A6F-445C-4398-823E-690003771AC3}" destId="{29A0F1BB-77A9-49EC-AD42-49F3A2648383}" srcOrd="0" destOrd="0" presId="urn:microsoft.com/office/officeart/2018/5/layout/CenteredIconLabelDescriptionList"/>
+    <dgm:cxn modelId="{B94EF065-43F1-45E7-8540-CDA4C128F13C}" srcId="{D5C95A6F-445C-4398-823E-690003771AC3}" destId="{58BD70DE-3F1A-4AFF-9C57-CB5030C3F7C3}" srcOrd="2" destOrd="0" parTransId="{117835D4-F981-492C-AEA4-1E25DD0F0876}" sibTransId="{FF2A8048-0F5C-461D-B08D-4A8A8925EA65}"/>
+    <dgm:cxn modelId="{07137746-9783-49E7-AA62-61EC78331935}" type="presOf" srcId="{09D0DA8D-8431-4DC9-955C-304877404A9F}" destId="{D427C63E-F8E3-4FFA-B85D-1F21D295CFF2}" srcOrd="0" destOrd="0" presId="urn:microsoft.com/office/officeart/2018/5/layout/CenteredIconLabelDescriptionList"/>
+    <dgm:cxn modelId="{A7AB5097-1A39-47BE-AED9-B1F72ABAFFD8}" type="presOf" srcId="{54835CFE-53F4-474C-A01C-87B75B5DBAC2}" destId="{16BD8406-4BE5-4245-9A45-A60A4AA38A06}" srcOrd="0" destOrd="0" presId="urn:microsoft.com/office/officeart/2018/5/layout/CenteredIconLabelDescriptionList"/>
+    <dgm:cxn modelId="{4FAA3E9F-7391-409F-841F-0AF204818B62}" type="presOf" srcId="{58BD70DE-3F1A-4AFF-9C57-CB5030C3F7C3}" destId="{DE9D9423-3973-4D9F-9F63-0E3F3481E3FC}" srcOrd="0" destOrd="0" presId="urn:microsoft.com/office/officeart/2018/5/layout/CenteredIconLabelDescriptionList"/>
+    <dgm:cxn modelId="{4EE53DA2-AF4D-438F-8C76-D37FD1E3F673}" srcId="{58BD70DE-3F1A-4AFF-9C57-CB5030C3F7C3}" destId="{FB956CAB-6E15-4FF7-B408-CAD31CFC9C6C}" srcOrd="0" destOrd="0" parTransId="{BC8292B2-0FDA-4BC5-BCCD-C93A5D81A2FE}" sibTransId="{761A6718-758D-43E0-9FA9-D4196AC9F76D}"/>
+    <dgm:cxn modelId="{32A7C4BA-3EC0-4030-9941-DD9F1566B795}" type="presOf" srcId="{9CA13BD2-F576-4DB6-BA99-64C19A2F61BD}" destId="{55D45B45-5B34-4A14-837D-08A7F219CFD3}" srcOrd="0" destOrd="0" presId="urn:microsoft.com/office/officeart/2018/5/layout/CenteredIconLabelDescriptionList"/>
+    <dgm:cxn modelId="{DA2AAFBD-8C08-486D-9563-7F99A77359A0}" type="presOf" srcId="{699C07F9-5DC2-4B50-A41D-1EC7CFF6DDA9}" destId="{0BB2D30C-D72C-4524-B9C8-42782F0B943D}" srcOrd="0" destOrd="0" presId="urn:microsoft.com/office/officeart/2018/5/layout/CenteredIconLabelDescriptionList"/>
+    <dgm:cxn modelId="{D136E9CB-46D7-42D0-AE1B-D60E87F05FA6}" srcId="{D5C95A6F-445C-4398-823E-690003771AC3}" destId="{9CA13BD2-F576-4DB6-BA99-64C19A2F61BD}" srcOrd="3" destOrd="0" parTransId="{709848CA-DC15-4F99-8734-1D4815F857A9}" sibTransId="{CCC73349-F1A9-4F19-82A9-C526373BA782}"/>
+    <dgm:cxn modelId="{264D8AE4-F936-4B68-A2C8-9EFE71913C80}" srcId="{D5C95A6F-445C-4398-823E-690003771AC3}" destId="{699C07F9-5DC2-4B50-A41D-1EC7CFF6DDA9}" srcOrd="0" destOrd="0" parTransId="{96517C08-B2BF-42BF-8D9B-850228F3FDFB}" sibTransId="{BE41101D-A8A6-4EC2-A0D9-820F9ACF2D77}"/>
+    <dgm:cxn modelId="{3C964DF5-0A4C-449F-B9DD-57A02044F5A1}" srcId="{D5C95A6F-445C-4398-823E-690003771AC3}" destId="{54835CFE-53F4-474C-A01C-87B75B5DBAC2}" srcOrd="4" destOrd="0" parTransId="{4E27D50B-448F-415F-8965-7F0F03D95E63}" sibTransId="{C44442AA-26CC-46B4-BBE5-685A1600A256}"/>
+    <dgm:cxn modelId="{3763CD7A-F95B-4CC8-A8F2-06217FB01B2B}" type="presParOf" srcId="{29A0F1BB-77A9-49EC-AD42-49F3A2648383}" destId="{33B7DADA-FF96-458B-95F3-2038332DCF64}" srcOrd="0" destOrd="0" presId="urn:microsoft.com/office/officeart/2018/5/layout/CenteredIconLabelDescriptionList"/>
+    <dgm:cxn modelId="{A0091E14-1325-44E5-9DF8-2115B572D4CE}" type="presParOf" srcId="{33B7DADA-FF96-458B-95F3-2038332DCF64}" destId="{520D6757-B2A0-4547-B127-AB46C56C7142}" srcOrd="0" destOrd="0" presId="urn:microsoft.com/office/officeart/2018/5/layout/CenteredIconLabelDescriptionList"/>
+    <dgm:cxn modelId="{EF31619E-E0B2-4A08-9EAC-11E5E2E577E3}" type="presParOf" srcId="{33B7DADA-FF96-458B-95F3-2038332DCF64}" destId="{0BC97019-D069-4870-A5C6-13F70E8EAF3A}" srcOrd="1" destOrd="0" presId="urn:microsoft.com/office/officeart/2018/5/layout/CenteredIconLabelDescriptionList"/>
+    <dgm:cxn modelId="{4DDE06E4-264E-4230-81F8-296252630B9A}" type="presParOf" srcId="{33B7DADA-FF96-458B-95F3-2038332DCF64}" destId="{0BB2D30C-D72C-4524-B9C8-42782F0B943D}" srcOrd="2" destOrd="0" presId="urn:microsoft.com/office/officeart/2018/5/layout/CenteredIconLabelDescriptionList"/>
+    <dgm:cxn modelId="{5249C2B0-122A-4650-A206-A2799543CC46}" type="presParOf" srcId="{33B7DADA-FF96-458B-95F3-2038332DCF64}" destId="{AB16B0E9-879C-47D7-9127-1B0C050648EB}" srcOrd="3" destOrd="0" presId="urn:microsoft.com/office/officeart/2018/5/layout/CenteredIconLabelDescriptionList"/>
+    <dgm:cxn modelId="{C7884425-279D-4F67-B9EC-2359B9424749}" type="presParOf" srcId="{33B7DADA-FF96-458B-95F3-2038332DCF64}" destId="{55C3EF36-A51E-4EAE-B2AA-EAFF8D21ADA2}" srcOrd="4" destOrd="0" presId="urn:microsoft.com/office/officeart/2018/5/layout/CenteredIconLabelDescriptionList"/>
+    <dgm:cxn modelId="{C15E852F-D407-45B2-8AAD-C6AAD12BA0A2}" type="presParOf" srcId="{29A0F1BB-77A9-49EC-AD42-49F3A2648383}" destId="{B499AF06-803D-415B-9F56-CA84697475F2}" srcOrd="1" destOrd="0" presId="urn:microsoft.com/office/officeart/2018/5/layout/CenteredIconLabelDescriptionList"/>
+    <dgm:cxn modelId="{FB1E8401-A872-4048-A86E-9332D117A5A1}" type="presParOf" srcId="{29A0F1BB-77A9-49EC-AD42-49F3A2648383}" destId="{3C0029AD-A001-4C33-81BE-167CD45DECD8}" srcOrd="2" destOrd="0" presId="urn:microsoft.com/office/officeart/2018/5/layout/CenteredIconLabelDescriptionList"/>
+    <dgm:cxn modelId="{124CFFE9-8B8A-4AB1-A38A-F1A596192B94}" type="presParOf" srcId="{3C0029AD-A001-4C33-81BE-167CD45DECD8}" destId="{06D16BD4-A2CD-441F-93CD-00EF38FBF42B}" srcOrd="0" destOrd="0" presId="urn:microsoft.com/office/officeart/2018/5/layout/CenteredIconLabelDescriptionList"/>
+    <dgm:cxn modelId="{38FE4D03-B637-4567-92E5-D81C7230272A}" type="presParOf" srcId="{3C0029AD-A001-4C33-81BE-167CD45DECD8}" destId="{148937DF-7235-4483-91FC-C7641E9B548C}" srcOrd="1" destOrd="0" presId="urn:microsoft.com/office/officeart/2018/5/layout/CenteredIconLabelDescriptionList"/>
+    <dgm:cxn modelId="{F90DD71F-3738-409D-9CAD-1BED1A37C318}" type="presParOf" srcId="{3C0029AD-A001-4C33-81BE-167CD45DECD8}" destId="{D427C63E-F8E3-4FFA-B85D-1F21D295CFF2}" srcOrd="2" destOrd="0" presId="urn:microsoft.com/office/officeart/2018/5/layout/CenteredIconLabelDescriptionList"/>
+    <dgm:cxn modelId="{DC32E177-613D-4ED3-812D-B421BD3F366E}" type="presParOf" srcId="{3C0029AD-A001-4C33-81BE-167CD45DECD8}" destId="{74447A87-F2DF-4896-9F52-289EC8236532}" srcOrd="3" destOrd="0" presId="urn:microsoft.com/office/officeart/2018/5/layout/CenteredIconLabelDescriptionList"/>
+    <dgm:cxn modelId="{711C2C6A-4F23-4307-A958-30AD85A28B34}" type="presParOf" srcId="{3C0029AD-A001-4C33-81BE-167CD45DECD8}" destId="{251FC53B-B486-4A61-AE9D-79F1A7E24E17}" srcOrd="4" destOrd="0" presId="urn:microsoft.com/office/officeart/2018/5/layout/CenteredIconLabelDescriptionList"/>
+    <dgm:cxn modelId="{30D3E45C-E19A-49BE-891E-B11C85B86E40}" type="presParOf" srcId="{29A0F1BB-77A9-49EC-AD42-49F3A2648383}" destId="{74A68EC1-6DBF-4E82-9F64-3503C29B9434}" srcOrd="3" destOrd="0" presId="urn:microsoft.com/office/officeart/2018/5/layout/CenteredIconLabelDescriptionList"/>
+    <dgm:cxn modelId="{73BB347A-E453-451B-A49B-F139BEA1812B}" type="presParOf" srcId="{29A0F1BB-77A9-49EC-AD42-49F3A2648383}" destId="{4DB3C4BE-E0BA-40D1-AAB3-73DF1F25C62F}" srcOrd="4" destOrd="0" presId="urn:microsoft.com/office/officeart/2018/5/layout/CenteredIconLabelDescriptionList"/>
+    <dgm:cxn modelId="{835BF78F-BB51-48C6-B83E-855070B7E96E}" type="presParOf" srcId="{4DB3C4BE-E0BA-40D1-AAB3-73DF1F25C62F}" destId="{7424AFEC-FD1D-445B-97F3-7A685A1A0D61}" srcOrd="0" destOrd="0" presId="urn:microsoft.com/office/officeart/2018/5/layout/CenteredIconLabelDescriptionList"/>
+    <dgm:cxn modelId="{611EDE9F-8902-49B0-960A-48FEC2565C69}" type="presParOf" srcId="{4DB3C4BE-E0BA-40D1-AAB3-73DF1F25C62F}" destId="{CB115E6F-E4C0-44A2-834B-2F8A1871E4E5}" srcOrd="1" destOrd="0" presId="urn:microsoft.com/office/officeart/2018/5/layout/CenteredIconLabelDescriptionList"/>
+    <dgm:cxn modelId="{A4DAAD15-CD35-4FAE-94F2-1631EA16FDD8}" type="presParOf" srcId="{4DB3C4BE-E0BA-40D1-AAB3-73DF1F25C62F}" destId="{DE9D9423-3973-4D9F-9F63-0E3F3481E3FC}" srcOrd="2" destOrd="0" presId="urn:microsoft.com/office/officeart/2018/5/layout/CenteredIconLabelDescriptionList"/>
+    <dgm:cxn modelId="{90E14764-100E-457D-9187-7EC5F2021BBE}" type="presParOf" srcId="{4DB3C4BE-E0BA-40D1-AAB3-73DF1F25C62F}" destId="{0BD15613-4BF7-4EDA-8A1A-5279FE8AFE5B}" srcOrd="3" destOrd="0" presId="urn:microsoft.com/office/officeart/2018/5/layout/CenteredIconLabelDescriptionList"/>
+    <dgm:cxn modelId="{2A1A0FA4-2A61-4190-A424-C7AC32ED4624}" type="presParOf" srcId="{4DB3C4BE-E0BA-40D1-AAB3-73DF1F25C62F}" destId="{F5DFC217-612A-42D5-B0FB-FD6B39FC646B}" srcOrd="4" destOrd="0" presId="urn:microsoft.com/office/officeart/2018/5/layout/CenteredIconLabelDescriptionList"/>
+    <dgm:cxn modelId="{96038704-2DB8-470A-820F-6D85D1B8A2A1}" type="presParOf" srcId="{29A0F1BB-77A9-49EC-AD42-49F3A2648383}" destId="{6E4D9F7F-8440-4B51-AB33-63D36C220435}" srcOrd="5" destOrd="0" presId="urn:microsoft.com/office/officeart/2018/5/layout/CenteredIconLabelDescriptionList"/>
+    <dgm:cxn modelId="{03FE2462-83A8-4F23-BC2B-E207019476A0}" type="presParOf" srcId="{29A0F1BB-77A9-49EC-AD42-49F3A2648383}" destId="{7928D057-3D6F-4B42-A896-C10C8B68A542}" srcOrd="6" destOrd="0" presId="urn:microsoft.com/office/officeart/2018/5/layout/CenteredIconLabelDescriptionList"/>
+    <dgm:cxn modelId="{2EDD2138-950E-4A6D-A22D-3E86AA168FE6}" type="presParOf" srcId="{7928D057-3D6F-4B42-A896-C10C8B68A542}" destId="{2C59B738-4A4E-4BD0-8C42-411A00F1D528}" srcOrd="0" destOrd="0" presId="urn:microsoft.com/office/officeart/2018/5/layout/CenteredIconLabelDescriptionList"/>
+    <dgm:cxn modelId="{F9CF9090-4508-441B-B534-D7A04C59DBCF}" type="presParOf" srcId="{7928D057-3D6F-4B42-A896-C10C8B68A542}" destId="{355A14B6-2C81-4148-8B5E-83BF2B21B583}" srcOrd="1" destOrd="0" presId="urn:microsoft.com/office/officeart/2018/5/layout/CenteredIconLabelDescriptionList"/>
+    <dgm:cxn modelId="{5838BA48-615D-41EF-BC95-C1F5875A1598}" type="presParOf" srcId="{7928D057-3D6F-4B42-A896-C10C8B68A542}" destId="{55D45B45-5B34-4A14-837D-08A7F219CFD3}" srcOrd="2" destOrd="0" presId="urn:microsoft.com/office/officeart/2018/5/layout/CenteredIconLabelDescriptionList"/>
+    <dgm:cxn modelId="{2A6927EA-5C9B-4642-AA1D-17B0110F1560}" type="presParOf" srcId="{7928D057-3D6F-4B42-A896-C10C8B68A542}" destId="{78C6FECC-FB56-4122-816B-DF163D17AA17}" srcOrd="3" destOrd="0" presId="urn:microsoft.com/office/officeart/2018/5/layout/CenteredIconLabelDescriptionList"/>
+    <dgm:cxn modelId="{6C81ED2A-4F33-4639-85A1-A173DDD98745}" type="presParOf" srcId="{7928D057-3D6F-4B42-A896-C10C8B68A542}" destId="{F5BAC500-22C7-4A7F-BE71-A35AAD1DC9DA}" srcOrd="4" destOrd="0" presId="urn:microsoft.com/office/officeart/2018/5/layout/CenteredIconLabelDescriptionList"/>
+    <dgm:cxn modelId="{D36512C7-26A8-43AE-B746-6296958E0170}" type="presParOf" srcId="{29A0F1BB-77A9-49EC-AD42-49F3A2648383}" destId="{D13B8BD7-29C4-4E3E-B76B-A81A8E256C17}" srcOrd="7" destOrd="0" presId="urn:microsoft.com/office/officeart/2018/5/layout/CenteredIconLabelDescriptionList"/>
+    <dgm:cxn modelId="{800EDC25-E5E3-43CF-9C4D-EA8EBABCDBBC}" type="presParOf" srcId="{29A0F1BB-77A9-49EC-AD42-49F3A2648383}" destId="{4BA3CEF4-2DF4-47CD-9815-104D67B2C040}" srcOrd="8" destOrd="0" presId="urn:microsoft.com/office/officeart/2018/5/layout/CenteredIconLabelDescriptionList"/>
+    <dgm:cxn modelId="{A1C8F37D-753C-4C23-A5DB-48CFD8A21D0C}" type="presParOf" srcId="{4BA3CEF4-2DF4-47CD-9815-104D67B2C040}" destId="{ED8CE2E9-012A-401B-9F24-63D3547BEC2C}" srcOrd="0" destOrd="0" presId="urn:microsoft.com/office/officeart/2018/5/layout/CenteredIconLabelDescriptionList"/>
+    <dgm:cxn modelId="{F699A167-918D-4F14-A4F0-41F3F80A7B49}" type="presParOf" srcId="{4BA3CEF4-2DF4-47CD-9815-104D67B2C040}" destId="{E1CE62B0-C241-4647-9268-54C8C6C31245}" srcOrd="1" destOrd="0" presId="urn:microsoft.com/office/officeart/2018/5/layout/CenteredIconLabelDescriptionList"/>
+    <dgm:cxn modelId="{5E37AE6E-22A7-44BE-9674-EE79569021E7}" type="presParOf" srcId="{4BA3CEF4-2DF4-47CD-9815-104D67B2C040}" destId="{16BD8406-4BE5-4245-9A45-A60A4AA38A06}" srcOrd="2" destOrd="0" presId="urn:microsoft.com/office/officeart/2018/5/layout/CenteredIconLabelDescriptionList"/>
+    <dgm:cxn modelId="{089CBF9F-991E-4D55-AE2A-93F82896B237}" type="presParOf" srcId="{4BA3CEF4-2DF4-47CD-9815-104D67B2C040}" destId="{C37AF0CC-3B74-448E-82E1-5683EBFEB282}" srcOrd="3" destOrd="0" presId="urn:microsoft.com/office/officeart/2018/5/layout/CenteredIconLabelDescriptionList"/>
+    <dgm:cxn modelId="{C3931D46-1BF1-4C32-9525-4045DA0658FD}" type="presParOf" srcId="{4BA3CEF4-2DF4-47CD-9815-104D67B2C040}" destId="{4D9E27D1-C23C-43C5-8130-B058C1015BEE}" srcOrd="4" destOrd="0" presId="urn:microsoft.com/office/officeart/2018/5/layout/CenteredIconLabelDescriptionList"/>
+  </dgm:cxnLst>
+  <dgm:bg/>
+  <dgm:whole/>
+  <dgm:extLst>
+    <a:ext uri="http://schemas.microsoft.com/office/drawing/2008/diagram">
+      <dsp:dataModelExt xmlns:dsp="http://schemas.microsoft.com/office/drawing/2008/diagram" relId="rId6" minVer="http://schemas.openxmlformats.org/drawingml/2006/diagram"/>
+    </a:ext>
+  </dgm:extLst>
+</dgm:dataModel>
+</file>
+
+<file path=ppt/diagrams/drawing1.xml><?xml version="1.0" encoding="utf-8"?>
+<dsp:drawing xmlns:dgm="http://schemas.openxmlformats.org/drawingml/2006/diagram" xmlns:dsp="http://schemas.microsoft.com/office/drawing/2008/diagram" xmlns:a="http://schemas.openxmlformats.org/drawingml/2006/main">
+  <dsp:spTree>
+    <dsp:nvGrpSpPr>
+      <dsp:cNvPr id="0" name=""/>
+      <dsp:cNvGrpSpPr/>
+    </dsp:nvGrpSpPr>
+    <dsp:grpSpPr/>
+    <dsp:sp modelId="{B0AAE24D-F6FB-485E-8630-29AB32D13D57}">
+      <dsp:nvSpPr>
+        <dsp:cNvPr id="0" name=""/>
+        <dsp:cNvSpPr/>
+      </dsp:nvSpPr>
+      <dsp:spPr>
+        <a:xfrm>
+          <a:off x="0" y="4597"/>
+          <a:ext cx="6513603" cy="979371"/>
+        </a:xfrm>
+        <a:prstGeom prst="roundRect">
+          <a:avLst>
+            <a:gd name="adj" fmla="val 10000"/>
+          </a:avLst>
+        </a:prstGeom>
+        <a:solidFill>
+          <a:schemeClr val="accent2">
+            <a:hueOff val="0"/>
+            <a:satOff val="0"/>
+            <a:lumOff val="0"/>
+            <a:alphaOff val="0"/>
+          </a:schemeClr>
+        </a:solidFill>
+        <a:ln>
+          <a:noFill/>
+        </a:ln>
+        <a:effectLst/>
+      </dsp:spPr>
+      <dsp:style>
+        <a:lnRef idx="0">
+          <a:scrgbClr r="0" g="0" b="0"/>
+        </a:lnRef>
+        <a:fillRef idx="1">
+          <a:scrgbClr r="0" g="0" b="0"/>
+        </a:fillRef>
+        <a:effectRef idx="0">
+          <a:scrgbClr r="0" g="0" b="0"/>
+        </a:effectRef>
+        <a:fontRef idx="minor"/>
+      </dsp:style>
+    </dsp:sp>
+    <dsp:sp modelId="{4E67DD3F-967A-46F3-8F37-6733F4D6E60A}">
+      <dsp:nvSpPr>
+        <dsp:cNvPr id="0" name=""/>
+        <dsp:cNvSpPr/>
+      </dsp:nvSpPr>
+      <dsp:spPr>
+        <a:xfrm>
+          <a:off x="296259" y="224956"/>
+          <a:ext cx="538654" cy="538654"/>
+        </a:xfrm>
+        <a:prstGeom prst="rect">
+          <a:avLst/>
+        </a:prstGeom>
+        <a:blipFill>
+          <a:blip xmlns:r="http://schemas.openxmlformats.org/officeDocument/2006/relationships" r:embed="rId1">
+            <a:extLst>
+              <a:ext uri="{28A0092B-C50C-407E-A947-70E740481C1C}">
+                <a14:useLocalDpi xmlns:a14="http://schemas.microsoft.com/office/drawing/2010/main" val="0"/>
+              </a:ext>
+              <a:ext uri="{96DAC541-7B7A-43D3-8B79-37D633B846F1}">
+                <asvg:svgBlip xmlns:asvg="http://schemas.microsoft.com/office/drawing/2016/SVG/main" r:embed="rId2"/>
+              </a:ext>
+            </a:extLst>
+          </a:blip>
+          <a:stretch>
+            <a:fillRect/>
+          </a:stretch>
+        </a:blipFill>
+        <a:ln w="12700" cap="flat" cmpd="sng" algn="ctr">
+          <a:noFill/>
+          <a:prstDash val="solid"/>
+          <a:miter lim="800000"/>
+        </a:ln>
+        <a:effectLst/>
+      </dsp:spPr>
+      <dsp:style>
+        <a:lnRef idx="2">
+          <a:scrgbClr r="0" g="0" b="0"/>
+        </a:lnRef>
+        <a:fillRef idx="1">
+          <a:scrgbClr r="0" g="0" b="0"/>
+        </a:fillRef>
+        <a:effectRef idx="0">
+          <a:scrgbClr r="0" g="0" b="0"/>
+        </a:effectRef>
+        <a:fontRef idx="minor">
+          <a:schemeClr val="lt1"/>
+        </a:fontRef>
+      </dsp:style>
+    </dsp:sp>
+    <dsp:sp modelId="{CF2C88BC-3C56-40E5-8120-02CFA6DD0915}">
+      <dsp:nvSpPr>
+        <dsp:cNvPr id="0" name=""/>
+        <dsp:cNvSpPr/>
+      </dsp:nvSpPr>
+      <dsp:spPr>
+        <a:xfrm>
+          <a:off x="1131174" y="4597"/>
+          <a:ext cx="5382429" cy="979371"/>
+        </a:xfrm>
+        <a:prstGeom prst="rect">
+          <a:avLst/>
+        </a:prstGeom>
+        <a:noFill/>
+        <a:ln>
+          <a:noFill/>
+        </a:ln>
+        <a:effectLst/>
+      </dsp:spPr>
+      <dsp:style>
+        <a:lnRef idx="0">
+          <a:scrgbClr r="0" g="0" b="0"/>
+        </a:lnRef>
+        <a:fillRef idx="0">
+          <a:scrgbClr r="0" g="0" b="0"/>
+        </a:fillRef>
+        <a:effectRef idx="0">
+          <a:scrgbClr r="0" g="0" b="0"/>
+        </a:effectRef>
+        <a:fontRef idx="minor"/>
+      </dsp:style>
+      <dsp:txBody>
+        <a:bodyPr spcFirstLastPara="0" vert="horz" wrap="square" lIns="103650" tIns="103650" rIns="103650" bIns="103650" numCol="1" spcCol="1270" anchor="ctr" anchorCtr="0">
+          <a:noAutofit/>
+        </a:bodyPr>
+        <a:lstStyle/>
+        <a:p>
+          <a:pPr marL="0" lvl="0" indent="0" algn="l" defTabSz="844550">
+            <a:lnSpc>
+              <a:spcPct val="90000"/>
+            </a:lnSpc>
+            <a:spcBef>
+              <a:spcPct val="0"/>
+            </a:spcBef>
+            <a:spcAft>
+              <a:spcPct val="35000"/>
+            </a:spcAft>
+            <a:buNone/>
+          </a:pPr>
+          <a:r>
+            <a:rPr lang="en-CA" sz="1900" b="1" kern="1200"/>
+            <a:t>Who is using Airbnb in NYC?</a:t>
+          </a:r>
+          <a:endParaRPr lang="en-US" sz="1900" kern="1200"/>
+        </a:p>
+      </dsp:txBody>
+      <dsp:txXfrm>
+        <a:off x="1131174" y="4597"/>
+        <a:ext cx="5382429" cy="979371"/>
+      </dsp:txXfrm>
+    </dsp:sp>
+    <dsp:sp modelId="{70D53867-F97B-47F4-95E4-9A8BD591C1F6}">
+      <dsp:nvSpPr>
+        <dsp:cNvPr id="0" name=""/>
+        <dsp:cNvSpPr/>
+      </dsp:nvSpPr>
+      <dsp:spPr>
+        <a:xfrm>
+          <a:off x="0" y="1228812"/>
+          <a:ext cx="6513603" cy="979371"/>
+        </a:xfrm>
+        <a:prstGeom prst="roundRect">
+          <a:avLst>
+            <a:gd name="adj" fmla="val 10000"/>
+          </a:avLst>
+        </a:prstGeom>
+        <a:solidFill>
+          <a:schemeClr val="accent3">
+            <a:hueOff val="0"/>
+            <a:satOff val="0"/>
+            <a:lumOff val="0"/>
+            <a:alphaOff val="0"/>
+          </a:schemeClr>
+        </a:solidFill>
+        <a:ln>
+          <a:noFill/>
+        </a:ln>
+        <a:effectLst/>
+      </dsp:spPr>
+      <dsp:style>
+        <a:lnRef idx="0">
+          <a:scrgbClr r="0" g="0" b="0"/>
+        </a:lnRef>
+        <a:fillRef idx="1">
+          <a:scrgbClr r="0" g="0" b="0"/>
+        </a:fillRef>
+        <a:effectRef idx="0">
+          <a:scrgbClr r="0" g="0" b="0"/>
+        </a:effectRef>
+        <a:fontRef idx="minor"/>
+      </dsp:style>
+    </dsp:sp>
+    <dsp:sp modelId="{AE4AE921-2A23-47B9-AB63-20D9D1F050CF}">
+      <dsp:nvSpPr>
+        <dsp:cNvPr id="0" name=""/>
+        <dsp:cNvSpPr/>
+      </dsp:nvSpPr>
+      <dsp:spPr>
+        <a:xfrm>
+          <a:off x="296259" y="1449171"/>
+          <a:ext cx="538654" cy="538654"/>
+        </a:xfrm>
+        <a:prstGeom prst="rect">
+          <a:avLst/>
+        </a:prstGeom>
+        <a:blipFill>
+          <a:blip xmlns:r="http://schemas.openxmlformats.org/officeDocument/2006/relationships" r:embed="rId3">
+            <a:extLst>
+              <a:ext uri="{28A0092B-C50C-407E-A947-70E740481C1C}">
+                <a14:useLocalDpi xmlns:a14="http://schemas.microsoft.com/office/drawing/2010/main" val="0"/>
+              </a:ext>
+              <a:ext uri="{96DAC541-7B7A-43D3-8B79-37D633B846F1}">
+                <asvg:svgBlip xmlns:asvg="http://schemas.microsoft.com/office/drawing/2016/SVG/main" r:embed="rId4"/>
+              </a:ext>
+            </a:extLst>
+          </a:blip>
+          <a:stretch>
+            <a:fillRect/>
+          </a:stretch>
+        </a:blipFill>
+        <a:ln w="12700" cap="flat" cmpd="sng" algn="ctr">
+          <a:noFill/>
+          <a:prstDash val="solid"/>
+          <a:miter lim="800000"/>
+        </a:ln>
+        <a:effectLst/>
+      </dsp:spPr>
+      <dsp:style>
+        <a:lnRef idx="2">
+          <a:scrgbClr r="0" g="0" b="0"/>
+        </a:lnRef>
+        <a:fillRef idx="1">
+          <a:scrgbClr r="0" g="0" b="0"/>
+        </a:fillRef>
+        <a:effectRef idx="0">
+          <a:scrgbClr r="0" g="0" b="0"/>
+        </a:effectRef>
+        <a:fontRef idx="minor">
+          <a:schemeClr val="lt1"/>
+        </a:fontRef>
+      </dsp:style>
+    </dsp:sp>
+    <dsp:sp modelId="{B2DABB9A-9B3E-40EA-BED1-A62889B09E46}">
+      <dsp:nvSpPr>
+        <dsp:cNvPr id="0" name=""/>
+        <dsp:cNvSpPr/>
+      </dsp:nvSpPr>
+      <dsp:spPr>
+        <a:xfrm>
+          <a:off x="1131174" y="1228812"/>
+          <a:ext cx="5382429" cy="979371"/>
+        </a:xfrm>
+        <a:prstGeom prst="rect">
+          <a:avLst/>
+        </a:prstGeom>
+        <a:noFill/>
+        <a:ln>
+          <a:noFill/>
+        </a:ln>
+        <a:effectLst/>
+      </dsp:spPr>
+      <dsp:style>
+        <a:lnRef idx="0">
+          <a:scrgbClr r="0" g="0" b="0"/>
+        </a:lnRef>
+        <a:fillRef idx="0">
+          <a:scrgbClr r="0" g="0" b="0"/>
+        </a:fillRef>
+        <a:effectRef idx="0">
+          <a:scrgbClr r="0" g="0" b="0"/>
+        </a:effectRef>
+        <a:fontRef idx="minor"/>
+      </dsp:style>
+      <dsp:txBody>
+        <a:bodyPr spcFirstLastPara="0" vert="horz" wrap="square" lIns="103650" tIns="103650" rIns="103650" bIns="103650" numCol="1" spcCol="1270" anchor="ctr" anchorCtr="0">
+          <a:noAutofit/>
+        </a:bodyPr>
+        <a:lstStyle/>
+        <a:p>
+          <a:pPr marL="0" lvl="0" indent="0" algn="l" defTabSz="844550">
+            <a:lnSpc>
+              <a:spcPct val="90000"/>
+            </a:lnSpc>
+            <a:spcBef>
+              <a:spcPct val="0"/>
+            </a:spcBef>
+            <a:spcAft>
+              <a:spcPct val="35000"/>
+            </a:spcAft>
+            <a:buNone/>
+          </a:pPr>
+          <a:r>
+            <a:rPr lang="en-CA" sz="1900" b="1" kern="1200"/>
+            <a:t>How is Airbnb used in the different boroughs?</a:t>
+          </a:r>
+          <a:endParaRPr lang="en-US" sz="1900" kern="1200"/>
+        </a:p>
+      </dsp:txBody>
+      <dsp:txXfrm>
+        <a:off x="1131174" y="1228812"/>
+        <a:ext cx="5382429" cy="979371"/>
+      </dsp:txXfrm>
+    </dsp:sp>
+    <dsp:sp modelId="{2537767D-3E9C-4E73-B34B-B87E59686644}">
+      <dsp:nvSpPr>
+        <dsp:cNvPr id="0" name=""/>
+        <dsp:cNvSpPr/>
+      </dsp:nvSpPr>
+      <dsp:spPr>
+        <a:xfrm>
+          <a:off x="0" y="2453027"/>
+          <a:ext cx="6513603" cy="979371"/>
+        </a:xfrm>
+        <a:prstGeom prst="roundRect">
+          <a:avLst>
+            <a:gd name="adj" fmla="val 10000"/>
+          </a:avLst>
+        </a:prstGeom>
+        <a:solidFill>
+          <a:schemeClr val="accent4">
+            <a:hueOff val="0"/>
+            <a:satOff val="0"/>
+            <a:lumOff val="0"/>
+            <a:alphaOff val="0"/>
+          </a:schemeClr>
+        </a:solidFill>
+        <a:ln>
+          <a:noFill/>
+        </a:ln>
+        <a:effectLst/>
+      </dsp:spPr>
+      <dsp:style>
+        <a:lnRef idx="0">
+          <a:scrgbClr r="0" g="0" b="0"/>
+        </a:lnRef>
+        <a:fillRef idx="1">
+          <a:scrgbClr r="0" g="0" b="0"/>
+        </a:fillRef>
+        <a:effectRef idx="0">
+          <a:scrgbClr r="0" g="0" b="0"/>
+        </a:effectRef>
+        <a:fontRef idx="minor"/>
+      </dsp:style>
+    </dsp:sp>
+    <dsp:sp modelId="{8D0A8EE6-9EFE-4D39-B1D4-641620EE8E60}">
+      <dsp:nvSpPr>
+        <dsp:cNvPr id="0" name=""/>
+        <dsp:cNvSpPr/>
+      </dsp:nvSpPr>
+      <dsp:spPr>
+        <a:xfrm>
+          <a:off x="296259" y="2673385"/>
+          <a:ext cx="538654" cy="538654"/>
+        </a:xfrm>
+        <a:prstGeom prst="rect">
+          <a:avLst/>
+        </a:prstGeom>
+        <a:blipFill>
+          <a:blip xmlns:r="http://schemas.openxmlformats.org/officeDocument/2006/relationships" r:embed="rId5">
+            <a:extLst>
+              <a:ext uri="{28A0092B-C50C-407E-A947-70E740481C1C}">
+                <a14:useLocalDpi xmlns:a14="http://schemas.microsoft.com/office/drawing/2010/main" val="0"/>
+              </a:ext>
+              <a:ext uri="{96DAC541-7B7A-43D3-8B79-37D633B846F1}">
+                <asvg:svgBlip xmlns:asvg="http://schemas.microsoft.com/office/drawing/2016/SVG/main" r:embed="rId6"/>
+              </a:ext>
+            </a:extLst>
+          </a:blip>
+          <a:stretch>
+            <a:fillRect/>
+          </a:stretch>
+        </a:blipFill>
+        <a:ln w="12700" cap="flat" cmpd="sng" algn="ctr">
+          <a:noFill/>
+          <a:prstDash val="solid"/>
+          <a:miter lim="800000"/>
+        </a:ln>
+        <a:effectLst/>
+      </dsp:spPr>
+      <dsp:style>
+        <a:lnRef idx="2">
+          <a:scrgbClr r="0" g="0" b="0"/>
+        </a:lnRef>
+        <a:fillRef idx="1">
+          <a:scrgbClr r="0" g="0" b="0"/>
+        </a:fillRef>
+        <a:effectRef idx="0">
+          <a:scrgbClr r="0" g="0" b="0"/>
+        </a:effectRef>
+        <a:fontRef idx="minor">
+          <a:schemeClr val="lt1"/>
+        </a:fontRef>
+      </dsp:style>
+    </dsp:sp>
+    <dsp:sp modelId="{47054420-70B0-416A-A239-DA6D64569778}">
+      <dsp:nvSpPr>
+        <dsp:cNvPr id="0" name=""/>
+        <dsp:cNvSpPr/>
+      </dsp:nvSpPr>
+      <dsp:spPr>
+        <a:xfrm>
+          <a:off x="1131174" y="2453027"/>
+          <a:ext cx="5382429" cy="979371"/>
+        </a:xfrm>
+        <a:prstGeom prst="rect">
+          <a:avLst/>
+        </a:prstGeom>
+        <a:noFill/>
+        <a:ln>
+          <a:noFill/>
+        </a:ln>
+        <a:effectLst/>
+      </dsp:spPr>
+      <dsp:style>
+        <a:lnRef idx="0">
+          <a:scrgbClr r="0" g="0" b="0"/>
+        </a:lnRef>
+        <a:fillRef idx="0">
+          <a:scrgbClr r="0" g="0" b="0"/>
+        </a:fillRef>
+        <a:effectRef idx="0">
+          <a:scrgbClr r="0" g="0" b="0"/>
+        </a:effectRef>
+        <a:fontRef idx="minor"/>
+      </dsp:style>
+      <dsp:txBody>
+        <a:bodyPr spcFirstLastPara="0" vert="horz" wrap="square" lIns="103650" tIns="103650" rIns="103650" bIns="103650" numCol="1" spcCol="1270" anchor="ctr" anchorCtr="0">
+          <a:noAutofit/>
+        </a:bodyPr>
+        <a:lstStyle/>
+        <a:p>
+          <a:pPr marL="0" lvl="0" indent="0" algn="l" defTabSz="844550">
+            <a:lnSpc>
+              <a:spcPct val="90000"/>
+            </a:lnSpc>
+            <a:spcBef>
+              <a:spcPct val="0"/>
+            </a:spcBef>
+            <a:spcAft>
+              <a:spcPct val="35000"/>
+            </a:spcAft>
+            <a:buNone/>
+          </a:pPr>
+          <a:r>
+            <a:rPr lang="en-CA" sz="1900" b="1" kern="1200"/>
+            <a:t>How do house building projects affect their Airbnb use?</a:t>
+          </a:r>
+          <a:endParaRPr lang="en-US" sz="1900" kern="1200"/>
+        </a:p>
+      </dsp:txBody>
+      <dsp:txXfrm>
+        <a:off x="1131174" y="2453027"/>
+        <a:ext cx="5382429" cy="979371"/>
+      </dsp:txXfrm>
+    </dsp:sp>
+    <dsp:sp modelId="{9A816BA9-795A-4685-87B5-C807B7BD0AE4}">
+      <dsp:nvSpPr>
+        <dsp:cNvPr id="0" name=""/>
+        <dsp:cNvSpPr/>
+      </dsp:nvSpPr>
+      <dsp:spPr>
+        <a:xfrm>
+          <a:off x="0" y="3677241"/>
+          <a:ext cx="6513603" cy="979371"/>
+        </a:xfrm>
+        <a:prstGeom prst="roundRect">
+          <a:avLst>
+            <a:gd name="adj" fmla="val 10000"/>
+          </a:avLst>
+        </a:prstGeom>
+        <a:solidFill>
+          <a:schemeClr val="accent5">
+            <a:hueOff val="0"/>
+            <a:satOff val="0"/>
+            <a:lumOff val="0"/>
+            <a:alphaOff val="0"/>
+          </a:schemeClr>
+        </a:solidFill>
+        <a:ln>
+          <a:noFill/>
+        </a:ln>
+        <a:effectLst/>
+      </dsp:spPr>
+      <dsp:style>
+        <a:lnRef idx="0">
+          <a:scrgbClr r="0" g="0" b="0"/>
+        </a:lnRef>
+        <a:fillRef idx="1">
+          <a:scrgbClr r="0" g="0" b="0"/>
+        </a:fillRef>
+        <a:effectRef idx="0">
+          <a:scrgbClr r="0" g="0" b="0"/>
+        </a:effectRef>
+        <a:fontRef idx="minor"/>
+      </dsp:style>
+    </dsp:sp>
+    <dsp:sp modelId="{6CBF382D-A8E0-4BCA-9D47-04B6BDD8BC50}">
+      <dsp:nvSpPr>
+        <dsp:cNvPr id="0" name=""/>
+        <dsp:cNvSpPr/>
+      </dsp:nvSpPr>
+      <dsp:spPr>
+        <a:xfrm>
+          <a:off x="296259" y="3897600"/>
+          <a:ext cx="538654" cy="538654"/>
+        </a:xfrm>
+        <a:prstGeom prst="rect">
+          <a:avLst/>
+        </a:prstGeom>
+        <a:blipFill>
+          <a:blip xmlns:r="http://schemas.openxmlformats.org/officeDocument/2006/relationships" r:embed="rId7">
+            <a:extLst>
+              <a:ext uri="{28A0092B-C50C-407E-A947-70E740481C1C}">
+                <a14:useLocalDpi xmlns:a14="http://schemas.microsoft.com/office/drawing/2010/main" val="0"/>
+              </a:ext>
+              <a:ext uri="{96DAC541-7B7A-43D3-8B79-37D633B846F1}">
+                <asvg:svgBlip xmlns:asvg="http://schemas.microsoft.com/office/drawing/2016/SVG/main" r:embed="rId8"/>
+              </a:ext>
+            </a:extLst>
+          </a:blip>
+          <a:stretch>
+            <a:fillRect/>
+          </a:stretch>
+        </a:blipFill>
+        <a:ln w="12700" cap="flat" cmpd="sng" algn="ctr">
+          <a:noFill/>
+          <a:prstDash val="solid"/>
+          <a:miter lim="800000"/>
+        </a:ln>
+        <a:effectLst/>
+      </dsp:spPr>
+      <dsp:style>
+        <a:lnRef idx="2">
+          <a:scrgbClr r="0" g="0" b="0"/>
+        </a:lnRef>
+        <a:fillRef idx="1">
+          <a:scrgbClr r="0" g="0" b="0"/>
+        </a:fillRef>
+        <a:effectRef idx="0">
+          <a:scrgbClr r="0" g="0" b="0"/>
+        </a:effectRef>
+        <a:fontRef idx="minor">
+          <a:schemeClr val="lt1"/>
+        </a:fontRef>
+      </dsp:style>
+    </dsp:sp>
+    <dsp:sp modelId="{32650844-5F4F-4CE7-810C-07A28AFB2320}">
+      <dsp:nvSpPr>
+        <dsp:cNvPr id="0" name=""/>
+        <dsp:cNvSpPr/>
+      </dsp:nvSpPr>
+      <dsp:spPr>
+        <a:xfrm>
+          <a:off x="1131174" y="3677241"/>
+          <a:ext cx="5382429" cy="979371"/>
+        </a:xfrm>
+        <a:prstGeom prst="rect">
+          <a:avLst/>
+        </a:prstGeom>
+        <a:noFill/>
+        <a:ln>
+          <a:noFill/>
+        </a:ln>
+        <a:effectLst/>
+      </dsp:spPr>
+      <dsp:style>
+        <a:lnRef idx="0">
+          <a:scrgbClr r="0" g="0" b="0"/>
+        </a:lnRef>
+        <a:fillRef idx="0">
+          <a:scrgbClr r="0" g="0" b="0"/>
+        </a:fillRef>
+        <a:effectRef idx="0">
+          <a:scrgbClr r="0" g="0" b="0"/>
+        </a:effectRef>
+        <a:fontRef idx="minor"/>
+      </dsp:style>
+      <dsp:txBody>
+        <a:bodyPr spcFirstLastPara="0" vert="horz" wrap="square" lIns="103650" tIns="103650" rIns="103650" bIns="103650" numCol="1" spcCol="1270" anchor="ctr" anchorCtr="0">
+          <a:noAutofit/>
+        </a:bodyPr>
+        <a:lstStyle/>
+        <a:p>
+          <a:pPr marL="0" lvl="0" indent="0" algn="l" defTabSz="844550">
+            <a:lnSpc>
+              <a:spcPct val="90000"/>
+            </a:lnSpc>
+            <a:spcBef>
+              <a:spcPct val="0"/>
+            </a:spcBef>
+            <a:spcAft>
+              <a:spcPct val="35000"/>
+            </a:spcAft>
+            <a:buNone/>
+          </a:pPr>
+          <a:r>
+            <a:rPr lang="en-CA" sz="1900" b="1" kern="1200"/>
+            <a:t>Does crime have an impact on the Airbnb's use in different boroughs?</a:t>
+          </a:r>
+          <a:endParaRPr lang="en-US" sz="1900" kern="1200"/>
+        </a:p>
+      </dsp:txBody>
+      <dsp:txXfrm>
+        <a:off x="1131174" y="3677241"/>
+        <a:ext cx="5382429" cy="979371"/>
+      </dsp:txXfrm>
+    </dsp:sp>
+    <dsp:sp modelId="{65C4E153-527B-43E4-B148-A32D78F38B9C}">
+      <dsp:nvSpPr>
+        <dsp:cNvPr id="0" name=""/>
+        <dsp:cNvSpPr/>
+      </dsp:nvSpPr>
+      <dsp:spPr>
+        <a:xfrm>
+          <a:off x="0" y="4901456"/>
+          <a:ext cx="6513603" cy="979371"/>
+        </a:xfrm>
+        <a:prstGeom prst="roundRect">
+          <a:avLst>
+            <a:gd name="adj" fmla="val 10000"/>
+          </a:avLst>
+        </a:prstGeom>
+        <a:solidFill>
+          <a:schemeClr val="accent6">
+            <a:hueOff val="0"/>
+            <a:satOff val="0"/>
+            <a:lumOff val="0"/>
+            <a:alphaOff val="0"/>
+          </a:schemeClr>
+        </a:solidFill>
+        <a:ln>
+          <a:noFill/>
+        </a:ln>
+        <a:effectLst/>
+      </dsp:spPr>
+      <dsp:style>
+        <a:lnRef idx="0">
+          <a:scrgbClr r="0" g="0" b="0"/>
+        </a:lnRef>
+        <a:fillRef idx="1">
+          <a:scrgbClr r="0" g="0" b="0"/>
+        </a:fillRef>
+        <a:effectRef idx="0">
+          <a:scrgbClr r="0" g="0" b="0"/>
+        </a:effectRef>
+        <a:fontRef idx="minor"/>
+      </dsp:style>
+    </dsp:sp>
+    <dsp:sp modelId="{4E17832A-EF32-4AE4-B87C-6AFAC056ACAD}">
+      <dsp:nvSpPr>
+        <dsp:cNvPr id="0" name=""/>
+        <dsp:cNvSpPr/>
+      </dsp:nvSpPr>
+      <dsp:spPr>
+        <a:xfrm>
+          <a:off x="296259" y="5121814"/>
+          <a:ext cx="538654" cy="538654"/>
+        </a:xfrm>
+        <a:prstGeom prst="rect">
+          <a:avLst/>
+        </a:prstGeom>
+        <a:blipFill>
+          <a:blip xmlns:r="http://schemas.openxmlformats.org/officeDocument/2006/relationships" r:embed="rId9">
+            <a:extLst>
+              <a:ext uri="{28A0092B-C50C-407E-A947-70E740481C1C}">
+                <a14:useLocalDpi xmlns:a14="http://schemas.microsoft.com/office/drawing/2010/main" val="0"/>
+              </a:ext>
+              <a:ext uri="{96DAC541-7B7A-43D3-8B79-37D633B846F1}">
+                <asvg:svgBlip xmlns:asvg="http://schemas.microsoft.com/office/drawing/2016/SVG/main" r:embed="rId10"/>
+              </a:ext>
+            </a:extLst>
+          </a:blip>
+          <a:stretch>
+            <a:fillRect/>
+          </a:stretch>
+        </a:blipFill>
+        <a:ln w="12700" cap="flat" cmpd="sng" algn="ctr">
+          <a:noFill/>
+          <a:prstDash val="solid"/>
+          <a:miter lim="800000"/>
+        </a:ln>
+        <a:effectLst/>
+      </dsp:spPr>
+      <dsp:style>
+        <a:lnRef idx="2">
+          <a:scrgbClr r="0" g="0" b="0"/>
+        </a:lnRef>
+        <a:fillRef idx="1">
+          <a:scrgbClr r="0" g="0" b="0"/>
+        </a:fillRef>
+        <a:effectRef idx="0">
+          <a:scrgbClr r="0" g="0" b="0"/>
+        </a:effectRef>
+        <a:fontRef idx="minor">
+          <a:schemeClr val="lt1"/>
+        </a:fontRef>
+      </dsp:style>
+    </dsp:sp>
+    <dsp:sp modelId="{F5FCA87A-A0BC-46B9-8B39-6F7AE7F6D86C}">
+      <dsp:nvSpPr>
+        <dsp:cNvPr id="0" name=""/>
+        <dsp:cNvSpPr/>
+      </dsp:nvSpPr>
+      <dsp:spPr>
+        <a:xfrm>
+          <a:off x="1131174" y="4901456"/>
+          <a:ext cx="5382429" cy="979371"/>
+        </a:xfrm>
+        <a:prstGeom prst="rect">
+          <a:avLst/>
+        </a:prstGeom>
+        <a:noFill/>
+        <a:ln>
+          <a:noFill/>
+        </a:ln>
+        <a:effectLst/>
+      </dsp:spPr>
+      <dsp:style>
+        <a:lnRef idx="0">
+          <a:scrgbClr r="0" g="0" b="0"/>
+        </a:lnRef>
+        <a:fillRef idx="0">
+          <a:scrgbClr r="0" g="0" b="0"/>
+        </a:fillRef>
+        <a:effectRef idx="0">
+          <a:scrgbClr r="0" g="0" b="0"/>
+        </a:effectRef>
+        <a:fontRef idx="minor"/>
+      </dsp:style>
+      <dsp:txBody>
+        <a:bodyPr spcFirstLastPara="0" vert="horz" wrap="square" lIns="103650" tIns="103650" rIns="103650" bIns="103650" numCol="1" spcCol="1270" anchor="ctr" anchorCtr="0">
+          <a:noAutofit/>
+        </a:bodyPr>
+        <a:lstStyle/>
+        <a:p>
+          <a:pPr marL="0" lvl="0" indent="0" algn="l" defTabSz="844550">
+            <a:lnSpc>
+              <a:spcPct val="90000"/>
+            </a:lnSpc>
+            <a:spcBef>
+              <a:spcPct val="0"/>
+            </a:spcBef>
+            <a:spcAft>
+              <a:spcPct val="35000"/>
+            </a:spcAft>
+            <a:buNone/>
+          </a:pPr>
+          <a:r>
+            <a:rPr lang="en-CA" sz="1900" b="1" kern="1200"/>
+            <a:t>Is there a relation between hashtagged twitter data and the popularity of Airbnb in those areas?</a:t>
+          </a:r>
+          <a:endParaRPr lang="en-US" sz="1900" kern="1200"/>
+        </a:p>
+      </dsp:txBody>
+      <dsp:txXfrm>
+        <a:off x="1131174" y="4901456"/>
+        <a:ext cx="5382429" cy="979371"/>
+      </dsp:txXfrm>
+    </dsp:sp>
+  </dsp:spTree>
+</dsp:drawing>
+</file>
+
+<file path=ppt/diagrams/drawing2.xml><?xml version="1.0" encoding="utf-8"?>
+<dsp:drawing xmlns:dgm="http://schemas.openxmlformats.org/drawingml/2006/diagram" xmlns:dsp="http://schemas.microsoft.com/office/drawing/2008/diagram" xmlns:a="http://schemas.openxmlformats.org/drawingml/2006/main">
+  <dsp:spTree>
+    <dsp:nvGrpSpPr>
+      <dsp:cNvPr id="0" name=""/>
+      <dsp:cNvGrpSpPr/>
+    </dsp:nvGrpSpPr>
+    <dsp:grpSpPr/>
+    <dsp:sp modelId="{520D6757-B2A0-4547-B127-AB46C56C7142}">
+      <dsp:nvSpPr>
+        <dsp:cNvPr id="0" name=""/>
+        <dsp:cNvSpPr/>
+      </dsp:nvSpPr>
+      <dsp:spPr>
+        <a:xfrm>
+          <a:off x="375343" y="1618492"/>
+          <a:ext cx="399410" cy="399410"/>
+        </a:xfrm>
+        <a:prstGeom prst="rect">
+          <a:avLst/>
+        </a:prstGeom>
+        <a:blipFill>
+          <a:blip xmlns:r="http://schemas.openxmlformats.org/officeDocument/2006/relationships" r:embed="rId1">
+            <a:extLst>
+              <a:ext uri="{28A0092B-C50C-407E-A947-70E740481C1C}">
+                <a14:useLocalDpi xmlns:a14="http://schemas.microsoft.com/office/drawing/2010/main" val="0"/>
+              </a:ext>
+              <a:ext uri="{96DAC541-7B7A-43D3-8B79-37D633B846F1}">
+                <asvg:svgBlip xmlns:asvg="http://schemas.microsoft.com/office/drawing/2016/SVG/main" r:embed="rId2"/>
+              </a:ext>
+            </a:extLst>
+          </a:blip>
+          <a:stretch>
+            <a:fillRect/>
+          </a:stretch>
+        </a:blipFill>
+        <a:ln w="12700" cap="flat" cmpd="sng" algn="ctr">
+          <a:noFill/>
+          <a:prstDash val="solid"/>
+          <a:miter lim="800000"/>
+        </a:ln>
+        <a:effectLst/>
+      </dsp:spPr>
+      <dsp:style>
+        <a:lnRef idx="2">
+          <a:scrgbClr r="0" g="0" b="0"/>
+        </a:lnRef>
+        <a:fillRef idx="1">
+          <a:scrgbClr r="0" g="0" b="0"/>
+        </a:fillRef>
+        <a:effectRef idx="0">
+          <a:scrgbClr r="0" g="0" b="0"/>
+        </a:effectRef>
+        <a:fontRef idx="minor">
+          <a:schemeClr val="lt1"/>
+        </a:fontRef>
+      </dsp:style>
+    </dsp:sp>
+    <dsp:sp modelId="{0BB2D30C-D72C-4524-B9C8-42782F0B943D}">
+      <dsp:nvSpPr>
+        <dsp:cNvPr id="0" name=""/>
+        <dsp:cNvSpPr/>
+      </dsp:nvSpPr>
+      <dsp:spPr>
+        <a:xfrm>
+          <a:off x="4462" y="2131785"/>
+          <a:ext cx="1141171" cy="641909"/>
+        </a:xfrm>
+        <a:prstGeom prst="rect">
+          <a:avLst/>
+        </a:prstGeom>
+        <a:noFill/>
+        <a:ln>
+          <a:noFill/>
+        </a:ln>
+        <a:effectLst/>
+      </dsp:spPr>
+      <dsp:style>
+        <a:lnRef idx="0">
+          <a:scrgbClr r="0" g="0" b="0"/>
+        </a:lnRef>
+        <a:fillRef idx="0">
+          <a:scrgbClr r="0" g="0" b="0"/>
+        </a:fillRef>
+        <a:effectRef idx="0">
+          <a:scrgbClr r="0" g="0" b="0"/>
+        </a:effectRef>
+        <a:fontRef idx="minor"/>
+      </dsp:style>
+      <dsp:txBody>
+        <a:bodyPr spcFirstLastPara="0" vert="horz" wrap="square" lIns="0" tIns="0" rIns="0" bIns="0" numCol="1" spcCol="1270" anchor="t" anchorCtr="0">
+          <a:noAutofit/>
+        </a:bodyPr>
+        <a:lstStyle/>
+        <a:p>
+          <a:pPr marL="0" lvl="0" indent="0" algn="ctr" defTabSz="622300">
+            <a:lnSpc>
+              <a:spcPct val="90000"/>
+            </a:lnSpc>
+            <a:spcBef>
+              <a:spcPct val="0"/>
+            </a:spcBef>
+            <a:spcAft>
+              <a:spcPct val="35000"/>
+            </a:spcAft>
+            <a:buNone/>
+            <a:defRPr b="1"/>
+          </a:pPr>
+          <a:r>
+            <a:rPr lang="en-US" sz="1400" kern="1200"/>
+            <a:t>Checked for duplicates</a:t>
+          </a:r>
+        </a:p>
+      </dsp:txBody>
+      <dsp:txXfrm>
+        <a:off x="4462" y="2131785"/>
+        <a:ext cx="1141171" cy="641909"/>
+      </dsp:txXfrm>
+    </dsp:sp>
+    <dsp:sp modelId="{55C3EF36-A51E-4EAE-B2AA-EAFF8D21ADA2}">
+      <dsp:nvSpPr>
+        <dsp:cNvPr id="0" name=""/>
+        <dsp:cNvSpPr/>
+      </dsp:nvSpPr>
+      <dsp:spPr>
+        <a:xfrm>
+          <a:off x="4462" y="2826663"/>
+          <a:ext cx="1141171" cy="1440270"/>
+        </a:xfrm>
+        <a:prstGeom prst="rect">
+          <a:avLst/>
+        </a:prstGeom>
+        <a:noFill/>
+        <a:ln>
+          <a:noFill/>
+        </a:ln>
+        <a:effectLst/>
+      </dsp:spPr>
+      <dsp:style>
+        <a:lnRef idx="0">
+          <a:scrgbClr r="0" g="0" b="0"/>
+        </a:lnRef>
+        <a:fillRef idx="0">
+          <a:scrgbClr r="0" g="0" b="0"/>
+        </a:fillRef>
+        <a:effectRef idx="0">
+          <a:scrgbClr r="0" g="0" b="0"/>
+        </a:effectRef>
+        <a:fontRef idx="minor"/>
+      </dsp:style>
+    </dsp:sp>
+    <dsp:sp modelId="{06D16BD4-A2CD-441F-93CD-00EF38FBF42B}">
+      <dsp:nvSpPr>
+        <dsp:cNvPr id="0" name=""/>
+        <dsp:cNvSpPr/>
+      </dsp:nvSpPr>
+      <dsp:spPr>
+        <a:xfrm>
+          <a:off x="1716219" y="1618492"/>
+          <a:ext cx="399410" cy="399410"/>
+        </a:xfrm>
+        <a:prstGeom prst="rect">
+          <a:avLst/>
+        </a:prstGeom>
+        <a:blipFill>
+          <a:blip xmlns:r="http://schemas.openxmlformats.org/officeDocument/2006/relationships" r:embed="rId3">
+            <a:extLst>
+              <a:ext uri="{28A0092B-C50C-407E-A947-70E740481C1C}">
+                <a14:useLocalDpi xmlns:a14="http://schemas.microsoft.com/office/drawing/2010/main" val="0"/>
+              </a:ext>
+              <a:ext uri="{96DAC541-7B7A-43D3-8B79-37D633B846F1}">
+                <asvg:svgBlip xmlns:asvg="http://schemas.microsoft.com/office/drawing/2016/SVG/main" r:embed="rId4"/>
+              </a:ext>
+            </a:extLst>
+          </a:blip>
+          <a:stretch>
+            <a:fillRect/>
+          </a:stretch>
+        </a:blipFill>
+        <a:ln w="12700" cap="flat" cmpd="sng" algn="ctr">
+          <a:noFill/>
+          <a:prstDash val="solid"/>
+          <a:miter lim="800000"/>
+        </a:ln>
+        <a:effectLst/>
+      </dsp:spPr>
+      <dsp:style>
+        <a:lnRef idx="2">
+          <a:scrgbClr r="0" g="0" b="0"/>
+        </a:lnRef>
+        <a:fillRef idx="1">
+          <a:scrgbClr r="0" g="0" b="0"/>
+        </a:fillRef>
+        <a:effectRef idx="0">
+          <a:scrgbClr r="0" g="0" b="0"/>
+        </a:effectRef>
+        <a:fontRef idx="minor">
+          <a:schemeClr val="lt1"/>
+        </a:fontRef>
+      </dsp:style>
+    </dsp:sp>
+    <dsp:sp modelId="{D427C63E-F8E3-4FFA-B85D-1F21D295CFF2}">
+      <dsp:nvSpPr>
+        <dsp:cNvPr id="0" name=""/>
+        <dsp:cNvSpPr/>
+      </dsp:nvSpPr>
+      <dsp:spPr>
+        <a:xfrm>
+          <a:off x="1345339" y="2131785"/>
+          <a:ext cx="1141171" cy="641909"/>
+        </a:xfrm>
+        <a:prstGeom prst="rect">
+          <a:avLst/>
+        </a:prstGeom>
+        <a:noFill/>
+        <a:ln>
+          <a:noFill/>
+        </a:ln>
+        <a:effectLst/>
+      </dsp:spPr>
+      <dsp:style>
+        <a:lnRef idx="0">
+          <a:scrgbClr r="0" g="0" b="0"/>
+        </a:lnRef>
+        <a:fillRef idx="0">
+          <a:scrgbClr r="0" g="0" b="0"/>
+        </a:fillRef>
+        <a:effectRef idx="0">
+          <a:scrgbClr r="0" g="0" b="0"/>
+        </a:effectRef>
+        <a:fontRef idx="minor"/>
+      </dsp:style>
+      <dsp:txBody>
+        <a:bodyPr spcFirstLastPara="0" vert="horz" wrap="square" lIns="0" tIns="0" rIns="0" bIns="0" numCol="1" spcCol="1270" anchor="t" anchorCtr="0">
+          <a:noAutofit/>
+        </a:bodyPr>
+        <a:lstStyle/>
+        <a:p>
+          <a:pPr marL="0" lvl="0" indent="0" algn="ctr" defTabSz="622300">
+            <a:lnSpc>
+              <a:spcPct val="90000"/>
+            </a:lnSpc>
+            <a:spcBef>
+              <a:spcPct val="0"/>
+            </a:spcBef>
+            <a:spcAft>
+              <a:spcPct val="35000"/>
+            </a:spcAft>
+            <a:buNone/>
+            <a:defRPr b="1"/>
+          </a:pPr>
+          <a:r>
+            <a:rPr lang="en-US" sz="1400" kern="1200"/>
+            <a:t>Removed Airbnb’s with 0 availability </a:t>
+          </a:r>
+        </a:p>
+      </dsp:txBody>
+      <dsp:txXfrm>
+        <a:off x="1345339" y="2131785"/>
+        <a:ext cx="1141171" cy="641909"/>
+      </dsp:txXfrm>
+    </dsp:sp>
+    <dsp:sp modelId="{251FC53B-B486-4A61-AE9D-79F1A7E24E17}">
+      <dsp:nvSpPr>
+        <dsp:cNvPr id="0" name=""/>
+        <dsp:cNvSpPr/>
+      </dsp:nvSpPr>
+      <dsp:spPr>
+        <a:xfrm>
+          <a:off x="1345339" y="2826663"/>
+          <a:ext cx="1141171" cy="1440270"/>
+        </a:xfrm>
+        <a:prstGeom prst="rect">
+          <a:avLst/>
+        </a:prstGeom>
+        <a:noFill/>
+        <a:ln>
+          <a:noFill/>
+        </a:ln>
+        <a:effectLst/>
+      </dsp:spPr>
+      <dsp:style>
+        <a:lnRef idx="0">
+          <a:scrgbClr r="0" g="0" b="0"/>
+        </a:lnRef>
+        <a:fillRef idx="0">
+          <a:scrgbClr r="0" g="0" b="0"/>
+        </a:fillRef>
+        <a:effectRef idx="0">
+          <a:scrgbClr r="0" g="0" b="0"/>
+        </a:effectRef>
+        <a:fontRef idx="minor"/>
+      </dsp:style>
+    </dsp:sp>
+    <dsp:sp modelId="{7424AFEC-FD1D-445B-97F3-7A685A1A0D61}">
+      <dsp:nvSpPr>
+        <dsp:cNvPr id="0" name=""/>
+        <dsp:cNvSpPr/>
+      </dsp:nvSpPr>
+      <dsp:spPr>
+        <a:xfrm>
+          <a:off x="3057096" y="1618492"/>
+          <a:ext cx="399410" cy="399410"/>
+        </a:xfrm>
+        <a:prstGeom prst="rect">
+          <a:avLst/>
+        </a:prstGeom>
+        <a:blipFill>
+          <a:blip xmlns:r="http://schemas.openxmlformats.org/officeDocument/2006/relationships" r:embed="rId5">
+            <a:extLst>
+              <a:ext uri="{28A0092B-C50C-407E-A947-70E740481C1C}">
+                <a14:useLocalDpi xmlns:a14="http://schemas.microsoft.com/office/drawing/2010/main" val="0"/>
+              </a:ext>
+              <a:ext uri="{96DAC541-7B7A-43D3-8B79-37D633B846F1}">
+                <asvg:svgBlip xmlns:asvg="http://schemas.microsoft.com/office/drawing/2016/SVG/main" r:embed="rId6"/>
+              </a:ext>
+            </a:extLst>
+          </a:blip>
+          <a:stretch>
+            <a:fillRect/>
+          </a:stretch>
+        </a:blipFill>
+        <a:ln w="12700" cap="flat" cmpd="sng" algn="ctr">
+          <a:noFill/>
+          <a:prstDash val="solid"/>
+          <a:miter lim="800000"/>
+        </a:ln>
+        <a:effectLst/>
+      </dsp:spPr>
+      <dsp:style>
+        <a:lnRef idx="2">
+          <a:scrgbClr r="0" g="0" b="0"/>
+        </a:lnRef>
+        <a:fillRef idx="1">
+          <a:scrgbClr r="0" g="0" b="0"/>
+        </a:fillRef>
+        <a:effectRef idx="0">
+          <a:scrgbClr r="0" g="0" b="0"/>
+        </a:effectRef>
+        <a:fontRef idx="minor">
+          <a:schemeClr val="lt1"/>
+        </a:fontRef>
+      </dsp:style>
+    </dsp:sp>
+    <dsp:sp modelId="{DE9D9423-3973-4D9F-9F63-0E3F3481E3FC}">
+      <dsp:nvSpPr>
+        <dsp:cNvPr id="0" name=""/>
+        <dsp:cNvSpPr/>
+      </dsp:nvSpPr>
+      <dsp:spPr>
+        <a:xfrm>
+          <a:off x="2686216" y="2131785"/>
+          <a:ext cx="1141171" cy="641909"/>
+        </a:xfrm>
+        <a:prstGeom prst="rect">
+          <a:avLst/>
+        </a:prstGeom>
+        <a:noFill/>
+        <a:ln>
+          <a:noFill/>
+        </a:ln>
+        <a:effectLst/>
+      </dsp:spPr>
+      <dsp:style>
+        <a:lnRef idx="0">
+          <a:scrgbClr r="0" g="0" b="0"/>
+        </a:lnRef>
+        <a:fillRef idx="0">
+          <a:scrgbClr r="0" g="0" b="0"/>
+        </a:fillRef>
+        <a:effectRef idx="0">
+          <a:scrgbClr r="0" g="0" b="0"/>
+        </a:effectRef>
+        <a:fontRef idx="minor"/>
+      </dsp:style>
+      <dsp:txBody>
+        <a:bodyPr spcFirstLastPara="0" vert="horz" wrap="square" lIns="0" tIns="0" rIns="0" bIns="0" numCol="1" spcCol="1270" anchor="t" anchorCtr="0">
+          <a:noAutofit/>
+        </a:bodyPr>
+        <a:lstStyle/>
+        <a:p>
+          <a:pPr marL="0" lvl="0" indent="0" algn="ctr" defTabSz="622300">
+            <a:lnSpc>
+              <a:spcPct val="90000"/>
+            </a:lnSpc>
+            <a:spcBef>
+              <a:spcPct val="0"/>
+            </a:spcBef>
+            <a:spcAft>
+              <a:spcPct val="35000"/>
+            </a:spcAft>
+            <a:buNone/>
+            <a:defRPr b="1"/>
+          </a:pPr>
+          <a:r>
+            <a:rPr lang="en-US" sz="1400" kern="1200"/>
+            <a:t>Checked for null values</a:t>
+          </a:r>
+        </a:p>
+      </dsp:txBody>
+      <dsp:txXfrm>
+        <a:off x="2686216" y="2131785"/>
+        <a:ext cx="1141171" cy="641909"/>
+      </dsp:txXfrm>
+    </dsp:sp>
+    <dsp:sp modelId="{F5DFC217-612A-42D5-B0FB-FD6B39FC646B}">
+      <dsp:nvSpPr>
+        <dsp:cNvPr id="0" name=""/>
+        <dsp:cNvSpPr/>
+      </dsp:nvSpPr>
+      <dsp:spPr>
+        <a:xfrm>
+          <a:off x="2686216" y="2826663"/>
+          <a:ext cx="1141171" cy="1440270"/>
+        </a:xfrm>
+        <a:prstGeom prst="rect">
+          <a:avLst/>
+        </a:prstGeom>
+        <a:noFill/>
+        <a:ln>
+          <a:noFill/>
+        </a:ln>
+        <a:effectLst/>
+      </dsp:spPr>
+      <dsp:style>
+        <a:lnRef idx="0">
+          <a:scrgbClr r="0" g="0" b="0"/>
+        </a:lnRef>
+        <a:fillRef idx="0">
+          <a:scrgbClr r="0" g="0" b="0"/>
+        </a:fillRef>
+        <a:effectRef idx="0">
+          <a:scrgbClr r="0" g="0" b="0"/>
+        </a:effectRef>
+        <a:fontRef idx="minor"/>
+      </dsp:style>
+      <dsp:txBody>
+        <a:bodyPr spcFirstLastPara="0" vert="horz" wrap="square" lIns="0" tIns="0" rIns="0" bIns="0" numCol="1" spcCol="1270" anchor="t" anchorCtr="0">
+          <a:noAutofit/>
+        </a:bodyPr>
+        <a:lstStyle/>
+        <a:p>
+          <a:pPr marL="0" lvl="0" indent="0" algn="ctr" defTabSz="488950">
+            <a:lnSpc>
+              <a:spcPct val="90000"/>
+            </a:lnSpc>
+            <a:spcBef>
+              <a:spcPct val="0"/>
+            </a:spcBef>
+            <a:spcAft>
+              <a:spcPct val="35000"/>
+            </a:spcAft>
+            <a:buNone/>
+          </a:pPr>
+          <a:r>
+            <a:rPr lang="en-US" sz="1100" kern="1200"/>
+            <a:t>No null values in columns we deemed as significant</a:t>
+          </a:r>
+        </a:p>
+      </dsp:txBody>
+      <dsp:txXfrm>
+        <a:off x="2686216" y="2826663"/>
+        <a:ext cx="1141171" cy="1440270"/>
+      </dsp:txXfrm>
+    </dsp:sp>
+    <dsp:sp modelId="{2C59B738-4A4E-4BD0-8C42-411A00F1D528}">
+      <dsp:nvSpPr>
+        <dsp:cNvPr id="0" name=""/>
+        <dsp:cNvSpPr/>
+      </dsp:nvSpPr>
+      <dsp:spPr>
+        <a:xfrm>
+          <a:off x="4397973" y="1618492"/>
+          <a:ext cx="399410" cy="399410"/>
+        </a:xfrm>
+        <a:prstGeom prst="rect">
+          <a:avLst/>
+        </a:prstGeom>
+        <a:blipFill>
+          <a:blip xmlns:r="http://schemas.openxmlformats.org/officeDocument/2006/relationships" r:embed="rId7">
+            <a:extLst>
+              <a:ext uri="{28A0092B-C50C-407E-A947-70E740481C1C}">
+                <a14:useLocalDpi xmlns:a14="http://schemas.microsoft.com/office/drawing/2010/main" val="0"/>
+              </a:ext>
+              <a:ext uri="{96DAC541-7B7A-43D3-8B79-37D633B846F1}">
+                <asvg:svgBlip xmlns:asvg="http://schemas.microsoft.com/office/drawing/2016/SVG/main" r:embed="rId8"/>
+              </a:ext>
+            </a:extLst>
+          </a:blip>
+          <a:stretch>
+            <a:fillRect/>
+          </a:stretch>
+        </a:blipFill>
+        <a:ln w="12700" cap="flat" cmpd="sng" algn="ctr">
+          <a:noFill/>
+          <a:prstDash val="solid"/>
+          <a:miter lim="800000"/>
+        </a:ln>
+        <a:effectLst/>
+      </dsp:spPr>
+      <dsp:style>
+        <a:lnRef idx="2">
+          <a:scrgbClr r="0" g="0" b="0"/>
+        </a:lnRef>
+        <a:fillRef idx="1">
+          <a:scrgbClr r="0" g="0" b="0"/>
+        </a:fillRef>
+        <a:effectRef idx="0">
+          <a:scrgbClr r="0" g="0" b="0"/>
+        </a:effectRef>
+        <a:fontRef idx="minor">
+          <a:schemeClr val="lt1"/>
+        </a:fontRef>
+      </dsp:style>
+    </dsp:sp>
+    <dsp:sp modelId="{55D45B45-5B34-4A14-837D-08A7F219CFD3}">
+      <dsp:nvSpPr>
+        <dsp:cNvPr id="0" name=""/>
+        <dsp:cNvSpPr/>
+      </dsp:nvSpPr>
+      <dsp:spPr>
+        <a:xfrm>
+          <a:off x="4027093" y="2131785"/>
+          <a:ext cx="1141171" cy="641909"/>
+        </a:xfrm>
+        <a:prstGeom prst="rect">
+          <a:avLst/>
+        </a:prstGeom>
+        <a:noFill/>
+        <a:ln>
+          <a:noFill/>
+        </a:ln>
+        <a:effectLst/>
+      </dsp:spPr>
+      <dsp:style>
+        <a:lnRef idx="0">
+          <a:scrgbClr r="0" g="0" b="0"/>
+        </a:lnRef>
+        <a:fillRef idx="0">
+          <a:scrgbClr r="0" g="0" b="0"/>
+        </a:fillRef>
+        <a:effectRef idx="0">
+          <a:scrgbClr r="0" g="0" b="0"/>
+        </a:effectRef>
+        <a:fontRef idx="minor"/>
+      </dsp:style>
+      <dsp:txBody>
+        <a:bodyPr spcFirstLastPara="0" vert="horz" wrap="square" lIns="0" tIns="0" rIns="0" bIns="0" numCol="1" spcCol="1270" anchor="t" anchorCtr="0">
+          <a:noAutofit/>
+        </a:bodyPr>
+        <a:lstStyle/>
+        <a:p>
+          <a:pPr marL="0" lvl="0" indent="0" algn="ctr" defTabSz="622300">
+            <a:lnSpc>
+              <a:spcPct val="90000"/>
+            </a:lnSpc>
+            <a:spcBef>
+              <a:spcPct val="0"/>
+            </a:spcBef>
+            <a:spcAft>
+              <a:spcPct val="35000"/>
+            </a:spcAft>
+            <a:buNone/>
+            <a:defRPr b="1"/>
+          </a:pPr>
+          <a:r>
+            <a:rPr lang="en-US" sz="1400" kern="1200"/>
+            <a:t>Checked data types for each column</a:t>
+          </a:r>
+        </a:p>
+      </dsp:txBody>
+      <dsp:txXfrm>
+        <a:off x="4027093" y="2131785"/>
+        <a:ext cx="1141171" cy="641909"/>
+      </dsp:txXfrm>
+    </dsp:sp>
+    <dsp:sp modelId="{F5BAC500-22C7-4A7F-BE71-A35AAD1DC9DA}">
+      <dsp:nvSpPr>
+        <dsp:cNvPr id="0" name=""/>
+        <dsp:cNvSpPr/>
+      </dsp:nvSpPr>
+      <dsp:spPr>
+        <a:xfrm>
+          <a:off x="4027093" y="2826663"/>
+          <a:ext cx="1141171" cy="1440270"/>
+        </a:xfrm>
+        <a:prstGeom prst="rect">
+          <a:avLst/>
+        </a:prstGeom>
+        <a:noFill/>
+        <a:ln>
+          <a:noFill/>
+        </a:ln>
+        <a:effectLst/>
+      </dsp:spPr>
+      <dsp:style>
+        <a:lnRef idx="0">
+          <a:scrgbClr r="0" g="0" b="0"/>
+        </a:lnRef>
+        <a:fillRef idx="0">
+          <a:scrgbClr r="0" g="0" b="0"/>
+        </a:fillRef>
+        <a:effectRef idx="0">
+          <a:scrgbClr r="0" g="0" b="0"/>
+        </a:effectRef>
+        <a:fontRef idx="minor"/>
+      </dsp:style>
+    </dsp:sp>
+    <dsp:sp modelId="{ED8CE2E9-012A-401B-9F24-63D3547BEC2C}">
+      <dsp:nvSpPr>
+        <dsp:cNvPr id="0" name=""/>
+        <dsp:cNvSpPr/>
+      </dsp:nvSpPr>
+      <dsp:spPr>
+        <a:xfrm>
+          <a:off x="5738850" y="1618492"/>
+          <a:ext cx="399410" cy="399410"/>
+        </a:xfrm>
+        <a:prstGeom prst="rect">
+          <a:avLst/>
+        </a:prstGeom>
+        <a:blipFill>
+          <a:blip xmlns:r="http://schemas.openxmlformats.org/officeDocument/2006/relationships" r:embed="rId9">
+            <a:extLst>
+              <a:ext uri="{28A0092B-C50C-407E-A947-70E740481C1C}">
+                <a14:useLocalDpi xmlns:a14="http://schemas.microsoft.com/office/drawing/2010/main" val="0"/>
+              </a:ext>
+              <a:ext uri="{96DAC541-7B7A-43D3-8B79-37D633B846F1}">
+                <asvg:svgBlip xmlns:asvg="http://schemas.microsoft.com/office/drawing/2016/SVG/main" r:embed="rId10"/>
+              </a:ext>
+            </a:extLst>
+          </a:blip>
+          <a:stretch>
+            <a:fillRect/>
+          </a:stretch>
+        </a:blipFill>
+        <a:ln w="12700" cap="flat" cmpd="sng" algn="ctr">
+          <a:noFill/>
+          <a:prstDash val="solid"/>
+          <a:miter lim="800000"/>
+        </a:ln>
+        <a:effectLst/>
+      </dsp:spPr>
+      <dsp:style>
+        <a:lnRef idx="2">
+          <a:scrgbClr r="0" g="0" b="0"/>
+        </a:lnRef>
+        <a:fillRef idx="1">
+          <a:scrgbClr r="0" g="0" b="0"/>
+        </a:fillRef>
+        <a:effectRef idx="0">
+          <a:scrgbClr r="0" g="0" b="0"/>
+        </a:effectRef>
+        <a:fontRef idx="minor">
+          <a:schemeClr val="lt1"/>
+        </a:fontRef>
+      </dsp:style>
+    </dsp:sp>
+    <dsp:sp modelId="{16BD8406-4BE5-4245-9A45-A60A4AA38A06}">
+      <dsp:nvSpPr>
+        <dsp:cNvPr id="0" name=""/>
+        <dsp:cNvSpPr/>
+      </dsp:nvSpPr>
+      <dsp:spPr>
+        <a:xfrm>
+          <a:off x="5367969" y="2131785"/>
+          <a:ext cx="1141171" cy="641909"/>
+        </a:xfrm>
+        <a:prstGeom prst="rect">
+          <a:avLst/>
+        </a:prstGeom>
+        <a:noFill/>
+        <a:ln>
+          <a:noFill/>
+        </a:ln>
+        <a:effectLst/>
+      </dsp:spPr>
+      <dsp:style>
+        <a:lnRef idx="0">
+          <a:scrgbClr r="0" g="0" b="0"/>
+        </a:lnRef>
+        <a:fillRef idx="0">
+          <a:scrgbClr r="0" g="0" b="0"/>
+        </a:fillRef>
+        <a:effectRef idx="0">
+          <a:scrgbClr r="0" g="0" b="0"/>
+        </a:effectRef>
+        <a:fontRef idx="minor"/>
+      </dsp:style>
+      <dsp:txBody>
+        <a:bodyPr spcFirstLastPara="0" vert="horz" wrap="square" lIns="0" tIns="0" rIns="0" bIns="0" numCol="1" spcCol="1270" anchor="t" anchorCtr="0">
+          <a:noAutofit/>
+        </a:bodyPr>
+        <a:lstStyle/>
+        <a:p>
+          <a:pPr marL="0" lvl="0" indent="0" algn="ctr" defTabSz="622300">
+            <a:lnSpc>
+              <a:spcPct val="90000"/>
+            </a:lnSpc>
+            <a:spcBef>
+              <a:spcPct val="0"/>
+            </a:spcBef>
+            <a:spcAft>
+              <a:spcPct val="35000"/>
+            </a:spcAft>
+            <a:buNone/>
+            <a:defRPr b="1"/>
+          </a:pPr>
+          <a:r>
+            <a:rPr lang="en-US" sz="1400" kern="1200"/>
+            <a:t>Renamed all the columns</a:t>
+          </a:r>
+        </a:p>
+      </dsp:txBody>
+      <dsp:txXfrm>
+        <a:off x="5367969" y="2131785"/>
+        <a:ext cx="1141171" cy="641909"/>
+      </dsp:txXfrm>
+    </dsp:sp>
+    <dsp:sp modelId="{4D9E27D1-C23C-43C5-8130-B058C1015BEE}">
+      <dsp:nvSpPr>
+        <dsp:cNvPr id="0" name=""/>
+        <dsp:cNvSpPr/>
+      </dsp:nvSpPr>
+      <dsp:spPr>
+        <a:xfrm>
+          <a:off x="5367969" y="2826663"/>
+          <a:ext cx="1141171" cy="1440270"/>
+        </a:xfrm>
+        <a:prstGeom prst="rect">
+          <a:avLst/>
+        </a:prstGeom>
+        <a:noFill/>
+        <a:ln>
+          <a:noFill/>
+        </a:ln>
+        <a:effectLst/>
+      </dsp:spPr>
+      <dsp:style>
+        <a:lnRef idx="0">
+          <a:scrgbClr r="0" g="0" b="0"/>
+        </a:lnRef>
+        <a:fillRef idx="0">
+          <a:scrgbClr r="0" g="0" b="0"/>
+        </a:fillRef>
+        <a:effectRef idx="0">
+          <a:scrgbClr r="0" g="0" b="0"/>
+        </a:effectRef>
+        <a:fontRef idx="minor"/>
+      </dsp:style>
+    </dsp:sp>
+  </dsp:spTree>
+</dsp:drawing>
+</file>
+
+<file path=ppt/diagrams/layout1.xml><?xml version="1.0" encoding="utf-8"?>
+<dgm:layoutDef xmlns:dgm="http://schemas.openxmlformats.org/drawingml/2006/diagram" xmlns:a="http://schemas.openxmlformats.org/drawingml/2006/main" uniqueId="urn:microsoft.com/office/officeart/2018/2/layout/IconVerticalSolidList">
+  <dgm:title val="Icon Vertical Solid List"/>
+  <dgm:desc val="Use to show a series of visuals from top to bottom with Level 1 or Level 1 and Level 2 text grouped in a shape. Works best with icons or small pictures with lengthier descriptions."/>
+  <dgm:catLst>
+    <dgm:cat type="icon" pri="500"/>
+  </dgm:catLst>
+  <dgm:sampData useDef="1">
+    <dgm:dataModel>
+      <dgm:ptLst/>
+      <dgm:bg/>
+      <dgm:whole/>
+    </dgm:dataModel>
+  </dgm:sampData>
+  <dgm:styleData useDef="1">
+    <dgm:dataModel>
+      <dgm:ptLst/>
+      <dgm:bg/>
+      <dgm:whole/>
+    </dgm:dataModel>
+  </dgm:styleData>
+  <dgm:clrData useDef="1">
+    <dgm:dataModel>
+      <dgm:ptLst/>
+      <dgm:bg/>
+      <dgm:whole/>
+    </dgm:dataModel>
+  </dgm:clrData>
+  <dgm:layoutNode name="root">
+    <dgm:varLst>
+      <dgm:dir/>
+      <dgm:resizeHandles val="exact"/>
+    </dgm:varLst>
+    <dgm:choose name="Name0">
+      <dgm:if name="Name1" axis="self" func="var" arg="dir" op="equ" val="norm">
+        <dgm:alg type="lin">
+          <dgm:param type="linDir" val="fromT"/>
+          <dgm:param type="nodeHorzAlign" val="l"/>
+        </dgm:alg>
+      </dgm:if>
+      <dgm:else name="Name2">
+        <dgm:alg type="lin">
+          <dgm:param type="linDir" val="fromT"/>
+          <dgm:param type="nodeHorzAlign" val="r"/>
+        </dgm:alg>
+      </dgm:else>
+    </dgm:choose>
+    <dgm:shape xmlns:r="http://schemas.openxmlformats.org/officeDocument/2006/relationships" r:blip="">
+      <dgm:adjLst/>
+    </dgm:shape>
+    <dgm:presOf/>
+    <dgm:choose name="Name3">
+      <dgm:if name="Name4" axis="ch" ptType="node" func="cnt" op="lte" val="3">
+        <dgm:constrLst>
+          <dgm:constr type="h" for="ch" forName="compNode" refType="h" fact="0.3"/>
+          <dgm:constr type="w" for="ch" forName="compNode" refType="w"/>
+          <dgm:constr type="h" for="ch" forName="sibTrans" refType="h" refFor="ch" refForName="compNode" fact="0.25"/>
+          <dgm:constr type="primFontSz" for="des" forName="parTx" val="25"/>
+          <dgm:constr type="primFontSz" for="des" forName="desTx" refType="primFontSz" refFor="des" refForName="parTx" op="lte" fact="0.75"/>
+          <dgm:constr type="h" for="des" forName="compNode" op="equ"/>
+          <dgm:constr type="h" for="des" forName="bgRect" op="equ"/>
+          <dgm:constr type="h" for="des" forName="iconRect" op="equ"/>
+          <dgm:constr type="w" for="des" forName="iconRect" op="equ"/>
+          <dgm:constr type="h" for="des" forName="spaceRect" op="equ"/>
+          <dgm:constr type="h" for="des" forName="parTx" op="equ"/>
+          <dgm:constr type="h" for="des" forName="desTx" op="equ"/>
+        </dgm:constrLst>
+      </dgm:if>
+      <dgm:if name="Name5" axis="ch" ptType="node" func="cnt" op="lte" val="4">
+        <dgm:constrLst>
+          <dgm:constr type="h" for="ch" forName="compNode" refType="h" fact="0.3"/>
+          <dgm:constr type="w" for="ch" forName="compNode" refType="w"/>
+          <dgm:constr type="h" for="ch" forName="sibTrans" refType="h" refFor="ch" refForName="compNode" fact="0.25"/>
+          <dgm:constr type="primFontSz" for="des" forName="parTx" val="22"/>
+          <dgm:constr type="primFontSz" for="des" forName="desTx" refType="primFontSz" refFor="des" refForName="parTx" op="lte" fact="0.75"/>
+          <dgm:constr type="h" for="des" forName="compNode" op="equ"/>
+          <dgm:constr type="h" for="des" forName="bgRect" op="equ"/>
+          <dgm:constr type="h" for="des" forName="iconRect" op="equ"/>
+          <dgm:constr type="w" for="des" forName="iconRect" op="equ"/>
+          <dgm:constr type="h" for="des" forName="spaceRect" op="equ"/>
+          <dgm:constr type="h" for="des" forName="parTx" op="equ"/>
+          <dgm:constr type="h" for="des" forName="desTx" op="equ"/>
+        </dgm:constrLst>
+      </dgm:if>
+      <dgm:if name="Name6" axis="ch" ptType="node" func="cnt" op="lte" val="6">
+        <dgm:constrLst>
+          <dgm:constr type="h" for="ch" forName="compNode" refType="h" fact="0.3"/>
+          <dgm:constr type="w" for="ch" forName="compNode" refType="w"/>
+          <dgm:constr type="h" for="ch" forName="sibTrans" refType="h" refFor="ch" refForName="compNode" fact="0.25"/>
+          <dgm:constr type="primFontSz" for="des" forName="parTx" val="19"/>
+          <dgm:constr type="primFontSz" for="des" forName="desTx" refType="primFontSz" refFor="des" refForName="parTx" op="lte" fact="0.75"/>
+          <dgm:constr type="h" for="des" forName="compNode" op="equ"/>
+          <dgm:constr type="h" for="des" forName="bgRect" op="equ"/>
+          <dgm:constr type="h" for="des" forName="iconRect" op="equ"/>
+          <dgm:constr type="w" for="des" forName="iconRect" op="equ"/>
+          <dgm:constr type="h" for="des" forName="spaceRect" op="equ"/>
+          <dgm:constr type="h" for="des" forName="parTx" op="equ"/>
+          <dgm:constr type="h" for="des" forName="desTx" op="equ"/>
+        </dgm:constrLst>
+      </dgm:if>
+      <dgm:else name="Name7">
+        <dgm:constrLst>
+          <dgm:constr type="h" for="ch" forName="compNode" refType="h" fact="0.3"/>
+          <dgm:constr type="w" for="ch" forName="compNode" refType="w"/>
+          <dgm:constr type="h" for="ch" forName="sibTrans" refType="h" refFor="ch" refForName="compNode" fact="0.25"/>
+          <dgm:constr type="primFontSz" for="des" forName="parTx" val="16"/>
+          <dgm:constr type="primFontSz" for="des" forName="desTx" refType="primFontSz" refFor="des" refForName="parTx" op="lte" fact="0.75"/>
+          <dgm:constr type="h" for="des" forName="compNode" op="equ"/>
+          <dgm:constr type="h" for="des" forName="bgRect" op="equ"/>
+          <dgm:constr type="h" for="des" forName="iconRect" op="equ"/>
+          <dgm:constr type="w" for="des" forName="iconRect" op="equ"/>
+          <dgm:constr type="h" for="des" forName="spaceRect" op="equ"/>
+          <dgm:constr type="h" for="des" forName="parTx" op="equ"/>
+          <dgm:constr type="h" for="des" forName="desTx" op="equ"/>
+        </dgm:constrLst>
+      </dgm:else>
+    </dgm:choose>
+    <dgm:ruleLst>
+      <dgm:rule type="h" for="ch" forName="compNode" val="0" fact="NaN" max="NaN"/>
+    </dgm:ruleLst>
+    <dgm:forEach name="Name8" axis="ch" ptType="node">
+      <dgm:layoutNode name="compNode">
+        <dgm:alg type="composite"/>
+        <dgm:shape xmlns:r="http://schemas.openxmlformats.org/officeDocument/2006/relationships" r:blip="">
+          <dgm:adjLst/>
+        </dgm:shape>
+        <dgm:presOf axis="self"/>
+        <dgm:choose name="Name9">
+          <dgm:if name="Name10" axis="ch" ptType="node" func="cnt" op="gte" val="1">
+            <dgm:constrLst>
+              <dgm:constr type="w" for="ch" forName="bgRect" refType="w"/>
+              <dgm:constr type="h" for="ch" forName="bgRect" refType="h"/>
+              <dgm:constr type="l" for="ch" forName="bgRect"/>
+              <dgm:constr type="t" for="ch" forName="bgRect"/>
+              <dgm:constr type="h" for="ch" forName="iconRect" refType="h" fact="0.55"/>
+              <dgm:constr type="w" for="ch" forName="iconRect" refType="h" refFor="ch" refForName="iconRect"/>
+              <dgm:constr type="l" for="ch" forName="iconRect" refType="h" refFor="ch" refForName="iconRect" fact="0.55"/>
+              <dgm:constr type="ctrY" for="ch" forName="iconRect" refType="ctrY" refFor="ch" refForName="bgRect"/>
+              <dgm:constr type="w" for="ch" forName="spaceRect" refType="l" refFor="ch" refForName="iconRect"/>
+              <dgm:constr type="h" for="ch" forName="spaceRect" refType="h"/>
+              <dgm:constr type="l" for="ch" forName="spaceRect" refType="r" refFor="ch" refForName="iconRect"/>
+              <dgm:constr type="t" for="ch" forName="spaceRect"/>
+              <dgm:constr type="w" for="ch" forName="parTx" refType="w" fact="0.45"/>
+              <dgm:constr type="h" for="ch" forName="parTx" refType="h"/>
+              <dgm:constr type="l" for="ch" forName="parTx" refType="r" refFor="ch" refForName="spaceRect"/>
+              <dgm:constr type="t" for="ch" forName="parTx"/>
+              <dgm:constr type="h" for="ch" forName="desTx" refType="h"/>
+              <dgm:constr type="l" for="ch" forName="desTx" refType="r" refFor="ch" refForName="parTx"/>
+              <dgm:constr type="t" for="ch" forName="desTx"/>
+            </dgm:constrLst>
+          </dgm:if>
+          <dgm:else name="Name11">
+            <dgm:constrLst>
+              <dgm:constr type="w" for="ch" forName="bgRect" refType="w"/>
+              <dgm:constr type="h" for="ch" forName="bgRect" refType="h"/>
+              <dgm:constr type="l" for="ch" forName="bgRect"/>
+              <dgm:constr type="t" for="ch" forName="bgRect"/>
+              <dgm:constr type="h" for="ch" forName="iconRect" refType="h" fact="0.55"/>
+              <dgm:constr type="w" for="ch" forName="iconRect" refType="h" refFor="ch" refForName="iconRect"/>
+              <dgm:constr type="l" for="ch" forName="iconRect" refType="h" refFor="ch" refForName="iconRect" fact="0.55"/>
+              <dgm:constr type="ctrY" for="ch" forName="iconRect" refType="ctrY" refFor="ch" refForName="bgRect"/>
+              <dgm:constr type="w" for="ch" forName="spaceRect" refType="l" refFor="ch" refForName="iconRect"/>
+              <dgm:constr type="h" for="ch" forName="spaceRect" refType="h"/>
+              <dgm:constr type="l" for="ch" forName="spaceRect" refType="r" refFor="ch" refForName="iconRect"/>
+              <dgm:constr type="t" for="ch" forName="spaceRect"/>
+              <dgm:constr type="h" for="ch" forName="parTx" refType="h"/>
+              <dgm:constr type="l" for="ch" forName="parTx" refType="r" refFor="ch" refForName="spaceRect"/>
+              <dgm:constr type="t" for="ch" forName="parTx"/>
+            </dgm:constrLst>
+          </dgm:else>
+        </dgm:choose>
+        <dgm:ruleLst>
+          <dgm:rule type="h" val="INF" fact="NaN" max="NaN"/>
+        </dgm:ruleLst>
+        <dgm:layoutNode name="bgRect" styleLbl="bgShp">
+          <dgm:alg type="sp"/>
+          <dgm:shape xmlns:r="http://schemas.openxmlformats.org/officeDocument/2006/relationships" type="roundRect" r:blip="">
+            <dgm:adjLst>
+              <dgm:adj idx="1" val="0.1"/>
+            </dgm:adjLst>
+          </dgm:shape>
+          <dgm:presOf/>
+          <dgm:constrLst/>
+          <dgm:ruleLst/>
+        </dgm:layoutNode>
+        <dgm:layoutNode name="iconRect" styleLbl="node1">
+          <dgm:alg type="sp"/>
+          <dgm:shape xmlns:r="http://schemas.openxmlformats.org/officeDocument/2006/relationships" type="rect" r:blip="" blipPhldr="1">
+            <dgm:adjLst/>
+          </dgm:shape>
+          <dgm:presOf/>
+          <dgm:constrLst/>
+          <dgm:ruleLst/>
+        </dgm:layoutNode>
+        <dgm:layoutNode name="spaceRect">
+          <dgm:alg type="sp"/>
+          <dgm:shape xmlns:r="http://schemas.openxmlformats.org/officeDocument/2006/relationships" r:blip="">
+            <dgm:adjLst/>
+          </dgm:shape>
+          <dgm:presOf/>
+          <dgm:constrLst/>
+          <dgm:ruleLst/>
+        </dgm:layoutNode>
+        <dgm:layoutNode name="parTx" styleLbl="revTx">
+          <dgm:varLst>
+            <dgm:chMax val="0"/>
+            <dgm:chPref val="0"/>
+          </dgm:varLst>
+          <dgm:alg type="tx">
+            <dgm:param type="txAnchorVert" val="mid"/>
+            <dgm:param type="parTxLTRAlign" val="l"/>
+            <dgm:param type="shpTxLTRAlignCh" val="l"/>
+            <dgm:param type="parTxRTLAlign" val="r"/>
+            <dgm:param type="shpTxRTLAlignCh" val="r"/>
+          </dgm:alg>
+          <dgm:shape xmlns:r="http://schemas.openxmlformats.org/officeDocument/2006/relationships" type="rect" r:blip="">
+            <dgm:adjLst/>
+          </dgm:shape>
+          <dgm:presOf axis="self" ptType="node"/>
+          <dgm:constrLst>
+            <dgm:constr type="lMarg" refType="h" fact="0.3"/>
+            <dgm:constr type="rMarg" refType="h" fact="0.3"/>
+            <dgm:constr type="tMarg" refType="h" fact="0.3"/>
+            <dgm:constr type="bMarg" refType="h" fact="0.3"/>
+          </dgm:constrLst>
+          <dgm:ruleLst>
+            <dgm:rule type="primFontSz" val="14" fact="NaN" max="NaN"/>
+            <dgm:rule type="h" val="INF" fact="NaN" max="NaN"/>
+          </dgm:ruleLst>
+        </dgm:layoutNode>
+        <dgm:choose name="Name12">
+          <dgm:if name="Name13" axis="ch" ptType="node" func="cnt" op="gte" val="1">
+            <dgm:layoutNode name="desTx" styleLbl="revTx">
+              <dgm:varLst/>
+              <dgm:alg type="tx">
+                <dgm:param type="txAnchorVertCh" val="mid"/>
+                <dgm:param type="parTxLTRAlign" val="l"/>
+                <dgm:param type="shpTxLTRAlignCh" val="l"/>
+                <dgm:param type="parTxRTLAlign" val="r"/>
+                <dgm:param type="shpTxRTLAlignCh" val="r"/>
+                <dgm:param type="stBulletLvl" val="0"/>
+              </dgm:alg>
+              <dgm:shape xmlns:r="http://schemas.openxmlformats.org/officeDocument/2006/relationships" type="rect" r:blip="">
+                <dgm:adjLst/>
+              </dgm:shape>
+              <dgm:presOf axis="des" ptType="node"/>
+              <dgm:constrLst>
+                <dgm:constr type="primFontSz" val="18"/>
+                <dgm:constr type="secFontSz" refType="primFontSz"/>
+                <dgm:constr type="lMarg" refType="h" fact="0.3"/>
+                <dgm:constr type="rMarg" refType="h" fact="0.3"/>
+                <dgm:constr type="tMarg" refType="h" fact="0.3"/>
+                <dgm:constr type="bMarg" refType="h" fact="0.3"/>
+              </dgm:constrLst>
+              <dgm:ruleLst>
+                <dgm:rule type="primFontSz" val="11" fact="NaN" max="NaN"/>
+              </dgm:ruleLst>
+            </dgm:layoutNode>
+          </dgm:if>
+          <dgm:else name="Name14"/>
+        </dgm:choose>
+      </dgm:layoutNode>
+      <dgm:forEach name="Name15" axis="followSib" ptType="sibTrans" cnt="1">
+        <dgm:layoutNode name="sibTrans">
+          <dgm:alg type="sp"/>
+          <dgm:shape xmlns:r="http://schemas.openxmlformats.org/officeDocument/2006/relationships" r:blip="">
+            <dgm:adjLst/>
+          </dgm:shape>
+          <dgm:presOf axis="self"/>
+          <dgm:constrLst/>
+          <dgm:ruleLst/>
+        </dgm:layoutNode>
+      </dgm:forEach>
+    </dgm:forEach>
+  </dgm:layoutNode>
+  <dgm:extLst>
+    <a:ext uri="{68A01E43-0DF5-4B5B-8FA6-DAF915123BFB}">
+      <dgm1612:lstStyle xmlns:dgm1612="http://schemas.microsoft.com/office/drawing/2016/12/diagram">
+        <a:lvl1pPr>
+          <a:lnSpc>
+            <a:spcPct val="100000"/>
+          </a:lnSpc>
+        </a:lvl1pPr>
+        <a:lvl2pPr>
+          <a:lnSpc>
+            <a:spcPct val="100000"/>
+          </a:lnSpc>
+        </a:lvl2pPr>
+      </dgm1612:lstStyle>
+    </a:ext>
+  </dgm:extLst>
+</dgm:layoutDef>
+</file>
+
+<file path=ppt/diagrams/layout2.xml><?xml version="1.0" encoding="utf-8"?>
+<dgm:layoutDef xmlns:dgm="http://schemas.openxmlformats.org/drawingml/2006/diagram" xmlns:a="http://schemas.openxmlformats.org/drawingml/2006/main" uniqueId="urn:microsoft.com/office/officeart/2018/5/layout/CenteredIconLabelDescriptionList">
+  <dgm:title val="Centered Icon Label Description List"/>
+  <dgm:desc val="Use to show non-sequential or grouped chunks of information. The placeholder holds an icon or small picture, and corresponding text boxes show Level 1 and Level 2 text respectively. Works well for minimal Level 1 text accompanied by lengthier Level two text."/>
+  <dgm:catLst>
+    <dgm:cat type="icon" pri="500"/>
+  </dgm:catLst>
+  <dgm:sampData useDef="1">
+    <dgm:dataModel>
+      <dgm:ptLst/>
+      <dgm:bg/>
+      <dgm:whole/>
+    </dgm:dataModel>
+  </dgm:sampData>
+  <dgm:styleData useDef="1">
+    <dgm:dataModel>
+      <dgm:ptLst/>
+      <dgm:bg/>
+      <dgm:whole/>
+    </dgm:dataModel>
+  </dgm:styleData>
+  <dgm:clrData useDef="1">
+    <dgm:dataModel>
+      <dgm:ptLst/>
+      <dgm:bg/>
+      <dgm:whole/>
+    </dgm:dataModel>
+  </dgm:clrData>
+  <dgm:layoutNode name="root">
+    <dgm:varLst>
+      <dgm:dir/>
+      <dgm:resizeHandles val="exact"/>
+    </dgm:varLst>
+    <dgm:choose name="Name0">
+      <dgm:if name="Name1" axis="self" func="var" arg="dir" op="equ" val="norm">
+        <dgm:alg type="lin"/>
+      </dgm:if>
+      <dgm:else name="Name2">
+        <dgm:alg type="lin">
+          <dgm:param type="linDir" val="fromR"/>
+        </dgm:alg>
+      </dgm:else>
+    </dgm:choose>
+    <dgm:shape xmlns:r="http://schemas.openxmlformats.org/officeDocument/2006/relationships" r:blip="">
+      <dgm:adjLst/>
+    </dgm:shape>
+    <dgm:presOf/>
+    <dgm:constrLst>
+      <dgm:constr type="h" for="ch" forName="compNode" refType="h" fact="0.45"/>
+      <dgm:constr type="w" for="ch" forName="compNode" val="120"/>
+      <dgm:constr type="w" for="ch" forName="sibTrans" refType="w" refFor="ch" refForName="compNode" fact="0.175"/>
+      <dgm:constr type="primFontSz" for="des" forName="parTx" val="36"/>
+      <dgm:constr type="primFontSz" for="des" forName="desTx" refType="primFontSz" refFor="des" refForName="parTx" op="lte" fact="0.75"/>
+      <dgm:constr type="h" for="des" forName="compNode" op="equ"/>
+      <dgm:constr type="h" for="des" forName="iconRect" op="equ"/>
+      <dgm:constr type="w" for="des" forName="iconRect" op="equ"/>
+      <dgm:constr type="h" for="des" forName="iconSpace" op="equ"/>
+      <dgm:constr type="h" for="des" forName="parTx" op="equ"/>
+      <dgm:constr type="h" for="des" forName="txSpace" op="equ"/>
+      <dgm:constr type="h" for="des" forName="desTx" op="equ"/>
+    </dgm:constrLst>
+    <dgm:ruleLst>
+      <dgm:rule type="w" for="ch" forName="compNode" val="0" fact="NaN" max="NaN"/>
+    </dgm:ruleLst>
+    <dgm:forEach name="Name3" axis="ch" ptType="node">
+      <dgm:layoutNode name="compNode">
+        <dgm:alg type="composite"/>
+        <dgm:shape xmlns:r="http://schemas.openxmlformats.org/officeDocument/2006/relationships" r:blip="">
+          <dgm:adjLst/>
+        </dgm:shape>
+        <dgm:presOf axis="self"/>
+        <dgm:constrLst>
+          <dgm:constr type="w" for="ch" forName="iconRect" refType="w" fact="0.35"/>
+          <dgm:constr type="h" for="ch" forName="iconRect" refType="w" refFor="ch" refForName="iconRect"/>
+          <dgm:constr type="ctrX" for="ch" forName="iconRect" refType="w" fact="0.5"/>
+          <dgm:constr type="t" for="ch" forName="iconRect"/>
+          <dgm:constr type="w" for="ch" forName="iconSpace" refType="w"/>
+          <dgm:constr type="h" for="ch" forName="iconSpace" refType="h" fact="0.043"/>
+          <dgm:constr type="l" for="ch" forName="iconSpace"/>
+          <dgm:constr type="t" for="ch" forName="iconSpace" refType="b" refFor="ch" refForName="iconRect"/>
+          <dgm:constr type="w" for="ch" forName="parTx" refType="w"/>
+          <dgm:constr type="h" for="ch" forName="parTx" refType="w" fact="0.15"/>
+          <dgm:constr type="l" for="ch" forName="parTx"/>
+          <dgm:constr type="t" for="ch" forName="parTx" refType="b" refFor="ch" refForName="iconSpace"/>
+          <dgm:constr type="h" for="ch" forName="txSpace" refType="h" fact="0.02"/>
+          <dgm:constr type="w" for="ch" forName="txSpace" refType="w"/>
+          <dgm:constr type="l" for="ch" forName="txSpace"/>
+          <dgm:constr type="t" for="ch" forName="txSpace" refType="b" refFor="ch" refForName="parTx"/>
+          <dgm:constr type="w" for="ch" forName="desTx" refType="w"/>
+          <dgm:constr type="l" for="ch" forName="desTx"/>
+          <dgm:constr type="t" for="ch" forName="desTx" refType="b" refFor="ch" refForName="txSpace"/>
+        </dgm:constrLst>
+        <dgm:ruleLst>
+          <dgm:rule type="h" val="INF" fact="NaN" max="NaN"/>
+        </dgm:ruleLst>
+        <dgm:layoutNode name="iconRect" styleLbl="node1">
+          <dgm:alg type="sp"/>
+          <dgm:shape xmlns:r="http://schemas.openxmlformats.org/officeDocument/2006/relationships" type="rect" r:blip="" blipPhldr="1">
+            <dgm:adjLst/>
+          </dgm:shape>
+          <dgm:presOf/>
+          <dgm:constrLst/>
+          <dgm:ruleLst/>
+        </dgm:layoutNode>
+        <dgm:layoutNode name="iconSpace">
+          <dgm:alg type="sp"/>
+          <dgm:shape xmlns:r="http://schemas.openxmlformats.org/officeDocument/2006/relationships" r:blip="">
+            <dgm:adjLst/>
+          </dgm:shape>
+          <dgm:presOf/>
+          <dgm:constrLst/>
+          <dgm:ruleLst/>
+        </dgm:layoutNode>
+        <dgm:layoutNode name="parTx" styleLbl="revTx">
+          <dgm:varLst>
+            <dgm:chMax val="0"/>
+            <dgm:chPref val="0"/>
+          </dgm:varLst>
+          <dgm:alg type="tx">
+            <dgm:param type="txAnchorVert" val="t"/>
+          </dgm:alg>
+          <dgm:shape xmlns:r="http://schemas.openxmlformats.org/officeDocument/2006/relationships" type="rect" r:blip="">
+            <dgm:adjLst/>
+          </dgm:shape>
+          <dgm:presOf axis="self" ptType="node"/>
+          <dgm:constrLst>
+            <dgm:constr type="lMarg"/>
+            <dgm:constr type="rMarg"/>
+            <dgm:constr type="tMarg"/>
+            <dgm:constr type="bMarg"/>
+          </dgm:constrLst>
+          <dgm:ruleLst>
+            <dgm:rule type="primFontSz" val="14" fact="NaN" max="NaN"/>
+            <dgm:rule type="h" val="INF" fact="NaN" max="NaN"/>
+          </dgm:ruleLst>
+        </dgm:layoutNode>
+        <dgm:layoutNode name="txSpace">
+          <dgm:alg type="sp"/>
+          <dgm:shape xmlns:r="http://schemas.openxmlformats.org/officeDocument/2006/relationships" r:blip="">
+            <dgm:adjLst/>
+          </dgm:shape>
+          <dgm:presOf/>
+          <dgm:constrLst/>
+          <dgm:ruleLst/>
+        </dgm:layoutNode>
+        <dgm:layoutNode name="desTx" styleLbl="revTx">
+          <dgm:varLst/>
+          <dgm:alg type="tx">
+            <dgm:param type="stBulletLvl" val="0"/>
+            <dgm:param type="txAnchorVert" val="t"/>
+          </dgm:alg>
+          <dgm:shape xmlns:r="http://schemas.openxmlformats.org/officeDocument/2006/relationships" type="rect" r:blip="">
+            <dgm:adjLst/>
+          </dgm:shape>
+          <dgm:presOf axis="des" ptType="node"/>
+          <dgm:constrLst>
+            <dgm:constr type="secFontSz" refType="primFontSz"/>
+            <dgm:constr type="lMarg"/>
+            <dgm:constr type="rMarg"/>
+            <dgm:constr type="tMarg"/>
+            <dgm:constr type="bMarg"/>
+          </dgm:constrLst>
+          <dgm:ruleLst>
+            <dgm:rule type="primFontSz" val="NaN" fact="NaN" max="17"/>
+            <dgm:rule type="h" val="INF" fact="NaN" max="NaN"/>
+          </dgm:ruleLst>
+        </dgm:layoutNode>
+      </dgm:layoutNode>
+      <dgm:forEach name="Name4" axis="followSib" ptType="sibTrans" cnt="1">
+        <dgm:layoutNode name="sibTrans">
+          <dgm:alg type="sp"/>
+          <dgm:shape xmlns:r="http://schemas.openxmlformats.org/officeDocument/2006/relationships" r:blip="">
+            <dgm:adjLst/>
+          </dgm:shape>
+          <dgm:presOf axis="self"/>
+          <dgm:constrLst/>
+          <dgm:ruleLst/>
+        </dgm:layoutNode>
+      </dgm:forEach>
+    </dgm:forEach>
+  </dgm:layoutNode>
+  <dgm:extLst>
+    <a:ext uri="{68A01E43-0DF5-4B5B-8FA6-DAF915123BFB}">
+      <dgm1612:lstStyle xmlns:dgm1612="http://schemas.microsoft.com/office/drawing/2016/12/diagram">
+        <a:lvl1pPr>
+          <a:lnSpc>
+            <a:spcPct val="100000"/>
+          </a:lnSpc>
+          <a:defRPr b="1"/>
+        </a:lvl1pPr>
+        <a:lvl2pPr>
+          <a:lnSpc>
+            <a:spcPct val="100000"/>
+          </a:lnSpc>
+        </a:lvl2pPr>
+      </dgm1612:lstStyle>
+    </a:ext>
+  </dgm:extLst>
+</dgm:layoutDef>
+</file>
+
+<file path=ppt/diagrams/quickStyle1.xml><?xml version="1.0" encoding="utf-8"?>
+<dgm:styleDef xmlns:dgm="http://schemas.openxmlformats.org/drawingml/2006/diagram" xmlns:a="http://schemas.openxmlformats.org/drawingml/2006/main" uniqueId="urn:microsoft.com/office/officeart/2005/8/quickstyle/simple1">
+  <dgm:title val=""/>
+  <dgm:desc val=""/>
+  <dgm:catLst>
+    <dgm:cat type="simple" pri="10100"/>
+  </dgm:catLst>
+  <dgm:scene3d>
+    <a:camera prst="orthographicFront"/>
+    <a:lightRig rig="threePt" dir="t"/>
+  </dgm:scene3d>
+  <dgm:styleLbl name="node0">
+    <dgm:scene3d>
+      <a:camera prst="orthographicFront"/>
+      <a:lightRig rig="threePt" dir="t"/>
+    </dgm:scene3d>
+    <dgm:sp3d/>
+    <dgm:txPr/>
+    <dgm:style>
+      <a:lnRef idx="2">
+        <a:scrgbClr r="0" g="0" b="0"/>
+      </a:lnRef>
+      <a:fillRef idx="1">
+        <a:scrgbClr r="0" g="0" b="0"/>
+      </a:fillRef>
+      <a:effectRef idx="0">
+        <a:scrgbClr r="0" g="0" b="0"/>
+      </a:effectRef>
+      <a:fontRef idx="minor">
+        <a:schemeClr val="lt1"/>
+      </a:fontRef>
+    </dgm:style>
+  </dgm:styleLbl>
+  <dgm:styleLbl name="lnNode1">
+    <dgm:scene3d>
+      <a:camera prst="orthographicFront"/>
+      <a:lightRig rig="threePt" dir="t"/>
+    </dgm:scene3d>
+    <dgm:sp3d/>
+    <dgm:txPr/>
+    <dgm:style>
+      <a:lnRef idx="2">
+        <a:scrgbClr r="0" g="0" b="0"/>
+      </a:lnRef>
+      <a:fillRef idx="1">
+        <a:scrgbClr r="0" g="0" b="0"/>
+      </a:fillRef>
+      <a:effectRef idx="0">
+        <a:scrgbClr r="0" g="0" b="0"/>
+      </a:effectRef>
+      <a:fontRef idx="minor">
+        <a:schemeClr val="lt1"/>
+      </a:fontRef>
+    </dgm:style>
+  </dgm:styleLbl>
+  <dgm:styleLbl name="vennNode1">
+    <dgm:scene3d>
+      <a:camera prst="orthographicFront"/>
+      <a:lightRig rig="threePt" dir="t"/>
+    </dgm:scene3d>
+    <dgm:sp3d/>
+    <dgm:txPr/>
+    <dgm:style>
+      <a:lnRef idx="2">
+        <a:scrgbClr r="0" g="0" b="0"/>
+      </a:lnRef>
+      <a:fillRef idx="1">
+        <a:scrgbClr r="0" g="0" b="0"/>
+      </a:fillRef>
+      <a:effectRef idx="0">
+        <a:scrgbClr r="0" g="0" b="0"/>
+      </a:effectRef>
+      <a:fontRef idx="minor">
+        <a:schemeClr val="tx1"/>
+      </a:fontRef>
+    </dgm:style>
+  </dgm:styleLbl>
+  <dgm:styleLbl name="alignNode1">
+    <dgm:scene3d>
+      <a:camera prst="orthographicFront"/>
+      <a:lightRig rig="threePt" dir="t"/>
+    </dgm:scene3d>
+    <dgm:sp3d/>
+    <dgm:txPr/>
+    <dgm:style>
+      <a:lnRef idx="2">
+        <a:scrgbClr r="0" g="0" b="0"/>
+      </a:lnRef>
+      <a:fillRef idx="1">
+        <a:scrgbClr r="0" g="0" b="0"/>
+      </a:fillRef>
+      <a:effectRef idx="0">
+        <a:scrgbClr r="0" g="0" b="0"/>
+      </a:effectRef>
+      <a:fontRef idx="minor">
+        <a:schemeClr val="lt1"/>
+      </a:fontRef>
+    </dgm:style>
+  </dgm:styleLbl>
+  <dgm:styleLbl name="node1">
+    <dgm:scene3d>
+      <a:camera prst="orthographicFront"/>
+      <a:lightRig rig="threePt" dir="t"/>
+    </dgm:scene3d>
+    <dgm:sp3d/>
+    <dgm:txPr/>
+    <dgm:style>
+      <a:lnRef idx="2">
+        <a:scrgbClr r="0" g="0" b="0"/>
+      </a:lnRef>
+      <a:fillRef idx="1">
+        <a:scrgbClr r="0" g="0" b="0"/>
+      </a:fillRef>
+      <a:effectRef idx="0">
+        <a:scrgbClr r="0" g="0" b="0"/>
+      </a:effectRef>
+      <a:fontRef idx="minor">
+        <a:schemeClr val="lt1"/>
+      </a:fontRef>
+    </dgm:style>
+  </dgm:styleLbl>
+  <dgm:styleLbl name="node2">
+    <dgm:scene3d>
+      <a:camera prst="orthographicFront"/>
+      <a:lightRig rig="threePt" dir="t"/>
+    </dgm:scene3d>
+    <dgm:sp3d/>
+    <dgm:txPr/>
+    <dgm:style>
+      <a:lnRef idx="2">
+        <a:scrgbClr r="0" g="0" b="0"/>
+      </a:lnRef>
+      <a:fillRef idx="1">
+        <a:scrgbClr r="0" g="0" b="0"/>
+      </a:fillRef>
+      <a:effectRef idx="0">
+        <a:scrgbClr r="0" g="0" b="0"/>
+      </a:effectRef>
+      <a:fontRef idx="minor">
+        <a:schemeClr val="lt1"/>
+      </a:fontRef>
+    </dgm:style>
+  </dgm:styleLbl>
+  <dgm:styleLbl name="node3">
+    <dgm:scene3d>
+      <a:camera prst="orthographicFront"/>
+      <a:lightRig rig="threePt" dir="t"/>
+    </dgm:scene3d>
+    <dgm:sp3d/>
+    <dgm:txPr/>
+    <dgm:style>
+      <a:lnRef idx="2">
+        <a:scrgbClr r="0" g="0" b="0"/>
+      </a:lnRef>
+      <a:fillRef idx="1">
+        <a:scrgbClr r="0" g="0" b="0"/>
+      </a:fillRef>
+      <a:effectRef idx="0">
+        <a:scrgbClr r="0" g="0" b="0"/>
+      </a:effectRef>
+      <a:fontRef idx="minor">
+        <a:schemeClr val="lt1"/>
+      </a:fontRef>
+    </dgm:style>
+  </dgm:styleLbl>
+  <dgm:styleLbl name="node4">
+    <dgm:scene3d>
+      <a:camera prst="orthographicFront"/>
+      <a:lightRig rig="threePt" dir="t"/>
+    </dgm:scene3d>
+    <dgm:sp3d/>
+    <dgm:txPr/>
+    <dgm:style>
+      <a:lnRef idx="2">
+        <a:scrgbClr r="0" g="0" b="0"/>
+      </a:lnRef>
+      <a:fillRef idx="1">
+        <a:scrgbClr r="0" g="0" b="0"/>
+      </a:fillRef>
+      <a:effectRef idx="0">
+        <a:scrgbClr r="0" g="0" b="0"/>
+      </a:effectRef>
+      <a:fontRef idx="minor">
+        <a:schemeClr val="lt1"/>
+      </a:fontRef>
+    </dgm:style>
+  </dgm:styleLbl>
+  <dgm:styleLbl name="fgImgPlace1">
+    <dgm:scene3d>
+      <a:camera prst="orthographicFront"/>
+      <a:lightRig rig="threePt" dir="t"/>
+    </dgm:scene3d>
+    <dgm:sp3d/>
+    <dgm:txPr/>
+    <dgm:style>
+      <a:lnRef idx="2">
+        <a:scrgbClr r="0" g="0" b="0"/>
+      </a:lnRef>
+      <a:fillRef idx="1">
+        <a:scrgbClr r="0" g="0" b="0"/>
+      </a:fillRef>
+      <a:effectRef idx="0">
+        <a:scrgbClr r="0" g="0" b="0"/>
+      </a:effectRef>
+      <a:fontRef idx="minor"/>
+    </dgm:style>
+  </dgm:styleLbl>
+  <dgm:styleLbl name="alignImgPlace1">
+    <dgm:scene3d>
+      <a:camera prst="orthographicFront"/>
+      <a:lightRig rig="threePt" dir="t"/>
+    </dgm:scene3d>
+    <dgm:sp3d/>
+    <dgm:txPr/>
+    <dgm:style>
+      <a:lnRef idx="2">
+        <a:scrgbClr r="0" g="0" b="0"/>
+      </a:lnRef>
+      <a:fillRef idx="1">
+        <a:scrgbClr r="0" g="0" b="0"/>
+      </a:fillRef>
+      <a:effectRef idx="0">
+        <a:scrgbClr r="0" g="0" b="0"/>
+      </a:effectRef>
+      <a:fontRef idx="minor"/>
+    </dgm:style>
+  </dgm:styleLbl>
+  <dgm:styleLbl name="bgImgPlace1">
+    <dgm:scene3d>
+      <a:camera prst="orthographicFront"/>
+      <a:lightRig rig="threePt" dir="t"/>
+    </dgm:scene3d>
+    <dgm:sp3d/>
+    <dgm:txPr/>
+    <dgm:style>
+      <a:lnRef idx="2">
+        <a:scrgbClr r="0" g="0" b="0"/>
+      </a:lnRef>
+      <a:fillRef idx="1">
+        <a:scrgbClr r="0" g="0" b="0"/>
+      </a:fillRef>
+      <a:effectRef idx="0">
+        <a:scrgbClr r="0" g="0" b="0"/>
+      </a:effectRef>
+      <a:fontRef idx="minor"/>
+    </dgm:style>
+  </dgm:styleLbl>
+  <dgm:styleLbl name="sibTrans2D1">
+    <dgm:scene3d>
+      <a:camera prst="orthographicFront"/>
+      <a:lightRig rig="threePt" dir="t"/>
+    </dgm:scene3d>
+    <dgm:sp3d/>
+    <dgm:txPr/>
+    <dgm:style>
+      <a:lnRef idx="0">
+        <a:scrgbClr r="0" g="0" b="0"/>
+      </a:lnRef>
+      <a:fillRef idx="1">
+        <a:scrgbClr r="0" g="0" b="0"/>
+      </a:fillRef>
+      <a:effectRef idx="0">
+        <a:scrgbClr r="0" g="0" b="0"/>
+      </a:effectRef>
+      <a:fontRef idx="minor">
+        <a:schemeClr val="lt1"/>
+      </a:fontRef>
+    </dgm:style>
+  </dgm:styleLbl>
+  <dgm:styleLbl name="fgSibTrans2D1">
+    <dgm:scene3d>
+      <a:camera prst="orthographicFront"/>
+      <a:lightRig rig="threePt" dir="t"/>
+    </dgm:scene3d>
+    <dgm:sp3d/>
+    <dgm:txPr/>
+    <dgm:style>
+      <a:lnRef idx="0">
+        <a:scrgbClr r="0" g="0" b="0"/>
+      </a:lnRef>
+      <a:fillRef idx="1">
+        <a:scrgbClr r="0" g="0" b="0"/>
+      </a:fillRef>
+      <a:effectRef idx="0">
+        <a:scrgbClr r="0" g="0" b="0"/>
+      </a:effectRef>
+      <a:fontRef idx="minor">
+        <a:schemeClr val="lt1"/>
+      </a:fontRef>
+    </dgm:style>
+  </dgm:styleLbl>
+  <dgm:styleLbl name="bgSibTrans2D1">
+    <dgm:scene3d>
+      <a:camera prst="orthographicFront"/>
+      <a:lightRig rig="threePt" dir="t"/>
+    </dgm:scene3d>
+    <dgm:sp3d/>
+    <dgm:txPr/>
+    <dgm:style>
+      <a:lnRef idx="0">
+        <a:scrgbClr r="0" g="0" b="0"/>
+      </a:lnRef>
+      <a:fillRef idx="1">
+        <a:scrgbClr r="0" g="0" b="0"/>
+      </a:fillRef>
+      <a:effectRef idx="0">
+        <a:scrgbClr r="0" g="0" b="0"/>
+      </a:effectRef>
+      <a:fontRef idx="minor">
+        <a:schemeClr val="lt1"/>
+      </a:fontRef>
+    </dgm:style>
+  </dgm:styleLbl>
+  <dgm:styleLbl name="sibTrans1D1">
+    <dgm:scene3d>
+      <a:camera prst="orthographicFront"/>
+      <a:lightRig rig="threePt" dir="t"/>
+    </dgm:scene3d>
+    <dgm:sp3d/>
+    <dgm:txPr/>
+    <dgm:style>
+      <a:lnRef idx="1">
+        <a:scrgbClr r="0" g="0" b="0"/>
+      </a:lnRef>
+      <a:fillRef idx="0">
+        <a:scrgbClr r="0" g="0" b="0"/>
+      </a:fillRef>
+      <a:effectRef idx="0">
+        <a:scrgbClr r="0" g="0" b="0"/>
+      </a:effectRef>
+      <a:fontRef idx="minor"/>
+    </dgm:style>
+  </dgm:styleLbl>
+  <dgm:styleLbl name="callout">
+    <dgm:scene3d>
+      <a:camera prst="orthographicFront"/>
+      <a:lightRig rig="threePt" dir="t"/>
+    </dgm:scene3d>
+    <dgm:sp3d/>
+    <dgm:txPr/>
+    <dgm:style>
+      <a:lnRef idx="2">
+        <a:scrgbClr r="0" g="0" b="0"/>
+      </a:lnRef>
+      <a:fillRef idx="1">
+        <a:scrgbClr r="0" g="0" b="0"/>
+      </a:fillRef>
+      <a:effectRef idx="0">
+        <a:scrgbClr r="0" g="0" b="0"/>
+      </a:effectRef>
+      <a:fontRef idx="minor"/>
+    </dgm:style>
+  </dgm:styleLbl>
+  <dgm:styleLbl name="asst0">
+    <dgm:scene3d>
+      <a:camera prst="orthographicFront"/>
+      <a:lightRig rig="threePt" dir="t"/>
+    </dgm:scene3d>
+    <dgm:sp3d/>
+    <dgm:txPr/>
+    <dgm:style>
+      <a:lnRef idx="2">
+        <a:scrgbClr r="0" g="0" b="0"/>
+      </a:lnRef>
+      <a:fillRef idx="1">
+        <a:scrgbClr r="0" g="0" b="0"/>
+      </a:fillRef>
+      <a:effectRef idx="0">
+        <a:scrgbClr r="0" g="0" b="0"/>
+      </a:effectRef>
+      <a:fontRef idx="minor">
+        <a:schemeClr val="lt1"/>
+      </a:fontRef>
+    </dgm:style>
+  </dgm:styleLbl>
+  <dgm:styleLbl name="asst1">
+    <dgm:scene3d>
+      <a:camera prst="orthographicFront"/>
+      <a:lightRig rig="threePt" dir="t"/>
+    </dgm:scene3d>
+    <dgm:sp3d/>
+    <dgm:txPr/>
+    <dgm:style>
+      <a:lnRef idx="2">
+        <a:scrgbClr r="0" g="0" b="0"/>
+      </a:lnRef>
+      <a:fillRef idx="1">
+        <a:scrgbClr r="0" g="0" b="0"/>
+      </a:fillRef>
+      <a:effectRef idx="0">
+        <a:scrgbClr r="0" g="0" b="0"/>
+      </a:effectRef>
+      <a:fontRef idx="minor">
+        <a:schemeClr val="lt1"/>
+      </a:fontRef>
+    </dgm:style>
+  </dgm:styleLbl>
+  <dgm:styleLbl name="asst2">
+    <dgm:scene3d>
+      <a:camera prst="orthographicFront"/>
+      <a:lightRig rig="threePt" dir="t"/>
+    </dgm:scene3d>
+    <dgm:sp3d/>
+    <dgm:txPr/>
+    <dgm:style>
+      <a:lnRef idx="2">
+        <a:scrgbClr r="0" g="0" b="0"/>
+      </a:lnRef>
+      <a:fillRef idx="1">
+        <a:scrgbClr r="0" g="0" b="0"/>
+      </a:fillRef>
+      <a:effectRef idx="0">
+        <a:scrgbClr r="0" g="0" b="0"/>
+      </a:effectRef>
+      <a:fontRef idx="minor">
+        <a:schemeClr val="lt1"/>
+      </a:fontRef>
+    </dgm:style>
+  </dgm:styleLbl>
+  <dgm:styleLbl name="asst3">
+    <dgm:scene3d>
+      <a:camera prst="orthographicFront"/>
+      <a:lightRig rig="threePt" dir="t"/>
+    </dgm:scene3d>
+    <dgm:sp3d/>
+    <dgm:txPr/>
+    <dgm:style>
+      <a:lnRef idx="2">
+        <a:scrgbClr r="0" g="0" b="0"/>
+      </a:lnRef>
+      <a:fillRef idx="1">
+        <a:scrgbClr r="0" g="0" b="0"/>
+      </a:fillRef>
+      <a:effectRef idx="0">
+        <a:scrgbClr r="0" g="0" b="0"/>
+      </a:effectRef>
+      <a:fontRef idx="minor">
+        <a:schemeClr val="lt1"/>
+      </a:fontRef>
+    </dgm:style>
+  </dgm:styleLbl>
+  <dgm:styleLbl name="asst4">
+    <dgm:scene3d>
+      <a:camera prst="orthographicFront"/>
+      <a:lightRig rig="threePt" dir="t"/>
+    </dgm:scene3d>
+    <dgm:sp3d/>
+    <dgm:txPr/>
+    <dgm:style>
+      <a:lnRef idx="2">
+        <a:scrgbClr r="0" g="0" b="0"/>
+      </a:lnRef>
+      <a:fillRef idx="1">
+        <a:scrgbClr r="0" g="0" b="0"/>
+      </a:fillRef>
+      <a:effectRef idx="0">
+        <a:scrgbClr r="0" g="0" b="0"/>
+      </a:effectRef>
+      <a:fontRef idx="minor">
+        <a:schemeClr val="lt1"/>
+      </a:fontRef>
+    </dgm:style>
+  </dgm:styleLbl>
+  <dgm:styleLbl name="parChTrans2D1">
+    <dgm:scene3d>
+      <a:camera prst="orthographicFront"/>
+      <a:lightRig rig="threePt" dir="t"/>
+    </dgm:scene3d>
+    <dgm:sp3d/>
+    <dgm:txPr/>
+    <dgm:style>
+      <a:lnRef idx="2">
+        <a:scrgbClr r="0" g="0" b="0"/>
+      </a:lnRef>
+      <a:fillRef idx="1">
+        <a:scrgbClr r="0" g="0" b="0"/>
+      </a:fillRef>
+      <a:effectRef idx="0">
+        <a:scrgbClr r="0" g="0" b="0"/>
+      </a:effectRef>
+      <a:fontRef idx="minor">
+        <a:schemeClr val="lt1"/>
+      </a:fontRef>
+    </dgm:style>
+  </dgm:styleLbl>
+  <dgm:styleLbl name="parChTrans2D2">
+    <dgm:scene3d>
+      <a:camera prst="orthographicFront"/>
+      <a:lightRig rig="threePt" dir="t"/>
+    </dgm:scene3d>
+    <dgm:sp3d/>
+    <dgm:txPr/>
+    <dgm:style>
+      <a:lnRef idx="2">
+        <a:scrgbClr r="0" g="0" b="0"/>
+      </a:lnRef>
+      <a:fillRef idx="1">
+        <a:scrgbClr r="0" g="0" b="0"/>
+      </a:fillRef>
+      <a:effectRef idx="0">
+        <a:scrgbClr r="0" g="0" b="0"/>
+      </a:effectRef>
+      <a:fontRef idx="minor">
+        <a:schemeClr val="lt1"/>
+      </a:fontRef>
+    </dgm:style>
+  </dgm:styleLbl>
+  <dgm:styleLbl name="parChTrans2D3">
+    <dgm:scene3d>
+      <a:camera prst="orthographicFront"/>
+      <a:lightRig rig="threePt" dir="t"/>
+    </dgm:scene3d>
+    <dgm:sp3d/>
+    <dgm:txPr/>
+    <dgm:style>
+      <a:lnRef idx="2">
+        <a:scrgbClr r="0" g="0" b="0"/>
+      </a:lnRef>
+      <a:fillRef idx="1">
+        <a:scrgbClr r="0" g="0" b="0"/>
+      </a:fillRef>
+      <a:effectRef idx="0">
+        <a:scrgbClr r="0" g="0" b="0"/>
+      </a:effectRef>
+      <a:fontRef idx="minor">
+        <a:schemeClr val="lt1"/>
+      </a:fontRef>
+    </dgm:style>
+  </dgm:styleLbl>
+  <dgm:styleLbl name="parChTrans2D4">
+    <dgm:scene3d>
+      <a:camera prst="orthographicFront"/>
+      <a:lightRig rig="threePt" dir="t"/>
+    </dgm:scene3d>
+    <dgm:sp3d/>
+    <dgm:txPr/>
+    <dgm:style>
+      <a:lnRef idx="2">
+        <a:scrgbClr r="0" g="0" b="0"/>
+      </a:lnRef>
+      <a:fillRef idx="1">
+        <a:scrgbClr r="0" g="0" b="0"/>
+      </a:fillRef>
+      <a:effectRef idx="0">
+        <a:scrgbClr r="0" g="0" b="0"/>
+      </a:effectRef>
+      <a:fontRef idx="minor">
+        <a:schemeClr val="lt1"/>
+      </a:fontRef>
+    </dgm:style>
+  </dgm:styleLbl>
+  <dgm:styleLbl name="parChTrans1D1">
+    <dgm:scene3d>
+      <a:camera prst="orthographicFront"/>
+      <a:lightRig rig="threePt" dir="t"/>
+    </dgm:scene3d>
+    <dgm:sp3d/>
+    <dgm:txPr/>
+    <dgm:style>
+      <a:lnRef idx="2">
+        <a:scrgbClr r="0" g="0" b="0"/>
+      </a:lnRef>
+      <a:fillRef idx="0">
+        <a:scrgbClr r="0" g="0" b="0"/>
+      </a:fillRef>
+      <a:effectRef idx="0">
+        <a:scrgbClr r="0" g="0" b="0"/>
+      </a:effectRef>
+      <a:fontRef idx="minor"/>
+    </dgm:style>
+  </dgm:styleLbl>
+  <dgm:styleLbl name="parChTrans1D2">
+    <dgm:scene3d>
+      <a:camera prst="orthographicFront"/>
+      <a:lightRig rig="threePt" dir="t"/>
+    </dgm:scene3d>
+    <dgm:sp3d/>
+    <dgm:txPr/>
+    <dgm:style>
+      <a:lnRef idx="2">
+        <a:scrgbClr r="0" g="0" b="0"/>
+      </a:lnRef>
+      <a:fillRef idx="0">
+        <a:scrgbClr r="0" g="0" b="0"/>
+      </a:fillRef>
+      <a:effectRef idx="0">
+        <a:scrgbClr r="0" g="0" b="0"/>
+      </a:effectRef>
+      <a:fontRef idx="minor"/>
+    </dgm:style>
+  </dgm:styleLbl>
+  <dgm:styleLbl name="parChTrans1D3">
+    <dgm:scene3d>
+      <a:camera prst="orthographicFront"/>
+      <a:lightRig rig="threePt" dir="t"/>
+    </dgm:scene3d>
+    <dgm:sp3d/>
+    <dgm:txPr/>
+    <dgm:style>
+      <a:lnRef idx="2">
+        <a:scrgbClr r="0" g="0" b="0"/>
+      </a:lnRef>
+      <a:fillRef idx="0">
+        <a:scrgbClr r="0" g="0" b="0"/>
+      </a:fillRef>
+      <a:effectRef idx="0">
+        <a:scrgbClr r="0" g="0" b="0"/>
+      </a:effectRef>
+      <a:fontRef idx="minor"/>
+    </dgm:style>
+  </dgm:styleLbl>
+  <dgm:styleLbl name="parChTrans1D4">
+    <dgm:scene3d>
+      <a:camera prst="orthographicFront"/>
+      <a:lightRig rig="threePt" dir="t"/>
+    </dgm:scene3d>
+    <dgm:sp3d/>
+    <dgm:txPr/>
+    <dgm:style>
+      <a:lnRef idx="2">
+        <a:scrgbClr r="0" g="0" b="0"/>
+      </a:lnRef>
+      <a:fillRef idx="0">
+        <a:scrgbClr r="0" g="0" b="0"/>
+      </a:fillRef>
+      <a:effectRef idx="0">
+        <a:scrgbClr r="0" g="0" b="0"/>
+      </a:effectRef>
+      <a:fontRef idx="minor"/>
+    </dgm:style>
+  </dgm:styleLbl>
+  <dgm:styleLbl name="fgAcc1">
+    <dgm:scene3d>
+      <a:camera prst="orthographicFront"/>
+      <a:lightRig rig="threePt" dir="t"/>
+    </dgm:scene3d>
+    <dgm:sp3d/>
+    <dgm:txPr/>
+    <dgm:style>
+      <a:lnRef idx="2">
+        <a:scrgbClr r="0" g="0" b="0"/>
+      </a:lnRef>
+      <a:fillRef idx="1">
+        <a:scrgbClr r="0" g="0" b="0"/>
+      </a:fillRef>
+      <a:effectRef idx="0">
+        <a:scrgbClr r="0" g="0" b="0"/>
+      </a:effectRef>
+      <a:fontRef idx="minor"/>
+    </dgm:style>
+  </dgm:styleLbl>
+  <dgm:styleLbl name="conFgAcc1">
+    <dgm:scene3d>
+      <a:camera prst="orthographicFront"/>
+      <a:lightRig rig="threePt" dir="t"/>
+    </dgm:scene3d>
+    <dgm:sp3d/>
+    <dgm:txPr/>
+    <dgm:style>
+      <a:lnRef idx="2">
+        <a:scrgbClr r="0" g="0" b="0"/>
+      </a:lnRef>
+      <a:fillRef idx="1">
+        <a:scrgbClr r="0" g="0" b="0"/>
+      </a:fillRef>
+      <a:effectRef idx="0">
+        <a:scrgbClr r="0" g="0" b="0"/>
+      </a:effectRef>
+      <a:fontRef idx="minor"/>
+    </dgm:style>
+  </dgm:styleLbl>
+  <dgm:styleLbl name="alignAcc1">
+    <dgm:scene3d>
+      <a:camera prst="orthographicFront"/>
+      <a:lightRig rig="threePt" dir="t"/>
+    </dgm:scene3d>
+    <dgm:sp3d/>
+    <dgm:txPr/>
+    <dgm:style>
+      <a:lnRef idx="2">
+        <a:scrgbClr r="0" g="0" b="0"/>
+      </a:lnRef>
+      <a:fillRef idx="1">
+        <a:scrgbClr r="0" g="0" b="0"/>
+      </a:fillRef>
+      <a:effectRef idx="0">
+        <a:scrgbClr r="0" g="0" b="0"/>
+      </a:effectRef>
+      <a:fontRef idx="minor"/>
+    </dgm:style>
+  </dgm:styleLbl>
+  <dgm:styleLbl name="trAlignAcc1">
+    <dgm:scene3d>
+      <a:camera prst="orthographicFront"/>
+      <a:lightRig rig="threePt" dir="t"/>
+    </dgm:scene3d>
+    <dgm:sp3d/>
+    <dgm:txPr/>
+    <dgm:style>
+      <a:lnRef idx="1">
+        <a:scrgbClr r="0" g="0" b="0"/>
+      </a:lnRef>
+      <a:fillRef idx="1">
+        <a:scrgbClr r="0" g="0" b="0"/>
+      </a:fillRef>
+      <a:effectRef idx="0">
+        <a:scrgbClr r="0" g="0" b="0"/>
+      </a:effectRef>
+      <a:fontRef idx="minor"/>
+    </dgm:style>
+  </dgm:styleLbl>
+  <dgm:styleLbl name="bgAcc1">
+    <dgm:scene3d>
+      <a:camera prst="orthographicFront"/>
+      <a:lightRig rig="threePt" dir="t"/>
+    </dgm:scene3d>
+    <dgm:sp3d/>
+    <dgm:txPr/>
+    <dgm:style>
+      <a:lnRef idx="2">
+        <a:scrgbClr r="0" g="0" b="0"/>
+      </a:lnRef>
+      <a:fillRef idx="1">
+        <a:scrgbClr r="0" g="0" b="0"/>
+      </a:fillRef>
+      <a:effectRef idx="0">
+        <a:scrgbClr r="0" g="0" b="0"/>
+      </a:effectRef>
+      <a:fontRef idx="minor"/>
+    </dgm:style>
+  </dgm:styleLbl>
+  <dgm:styleLbl name="solidFgAcc1">
+    <dgm:scene3d>
+      <a:camera prst="orthographicFront"/>
+      <a:lightRig rig="threePt" dir="t"/>
+    </dgm:scene3d>
+    <dgm:sp3d/>
+    <dgm:txPr/>
+    <dgm:style>
+      <a:lnRef idx="2">
+        <a:scrgbClr r="0" g="0" b="0"/>
+      </a:lnRef>
+      <a:fillRef idx="1">
+        <a:scrgbClr r="0" g="0" b="0"/>
+      </a:fillRef>
+      <a:effectRef idx="0">
+        <a:scrgbClr r="0" g="0" b="0"/>
+      </a:effectRef>
+      <a:fontRef idx="minor"/>
+    </dgm:style>
+  </dgm:styleLbl>
+  <dgm:styleLbl name="solidAlignAcc1">
+    <dgm:scene3d>
+      <a:camera prst="orthographicFront"/>
+      <a:lightRig rig="threePt" dir="t"/>
+    </dgm:scene3d>
+    <dgm:sp3d/>
+    <dgm:txPr/>
+    <dgm:style>
+      <a:lnRef idx="2">
+        <a:scrgbClr r="0" g="0" b="0"/>
+      </a:lnRef>
+      <a:fillRef idx="1">
+        <a:scrgbClr r="0" g="0" b="0"/>
+      </a:fillRef>
+      <a:effectRef idx="0">
+        <a:scrgbClr r="0" g="0" b="0"/>
+      </a:effectRef>
+      <a:fontRef idx="minor"/>
+    </dgm:style>
+  </dgm:styleLbl>
+  <dgm:styleLbl name="solidBgAcc1">
+    <dgm:scene3d>
+      <a:camera prst="orthographicFront"/>
+      <a:lightRig rig="threePt" dir="t"/>
+    </dgm:scene3d>
+    <dgm:sp3d/>
+    <dgm:txPr/>
+    <dgm:style>
+      <a:lnRef idx="2">
+        <a:scrgbClr r="0" g="0" b="0"/>
+      </a:lnRef>
+      <a:fillRef idx="1">
+        <a:scrgbClr r="0" g="0" b="0"/>
+      </a:fillRef>
+      <a:effectRef idx="0">
+        <a:scrgbClr r="0" g="0" b="0"/>
+      </a:effectRef>
+      <a:fontRef idx="minor"/>
+    </dgm:style>
+  </dgm:styleLbl>
+  <dgm:styleLbl name="fgAccFollowNode1">
+    <dgm:scene3d>
+      <a:camera prst="orthographicFront"/>
+      <a:lightRig rig="threePt" dir="t"/>
+    </dgm:scene3d>
+    <dgm:sp3d/>
+    <dgm:txPr/>
+    <dgm:style>
+      <a:lnRef idx="2">
+        <a:scrgbClr r="0" g="0" b="0"/>
+      </a:lnRef>
+      <a:fillRef idx="1">
+        <a:scrgbClr r="0" g="0" b="0"/>
+      </a:fillRef>
+      <a:effectRef idx="0">
+        <a:scrgbClr r="0" g="0" b="0"/>
+      </a:effectRef>
+      <a:fontRef idx="minor"/>
+    </dgm:style>
+  </dgm:styleLbl>
+  <dgm:styleLbl name="alignAccFollowNode1">
+    <dgm:scene3d>
+      <a:camera prst="orthographicFront"/>
+      <a:lightRig rig="threePt" dir="t"/>
+    </dgm:scene3d>
+    <dgm:sp3d/>
+    <dgm:txPr/>
+    <dgm:style>
+      <a:lnRef idx="2">
+        <a:scrgbClr r="0" g="0" b="0"/>
+      </a:lnRef>
+      <a:fillRef idx="1">
+        <a:scrgbClr r="0" g="0" b="0"/>
+      </a:fillRef>
+      <a:effectRef idx="0">
+        <a:scrgbClr r="0" g="0" b="0"/>
+      </a:effectRef>
+      <a:fontRef idx="minor"/>
+    </dgm:style>
+  </dgm:styleLbl>
+  <dgm:styleLbl name="bgAccFollowNode1">
+    <dgm:scene3d>
+      <a:camera prst="orthographicFront"/>
+      <a:lightRig rig="threePt" dir="t"/>
+    </dgm:scene3d>
+    <dgm:sp3d/>
+    <dgm:txPr/>
+    <dgm:style>
+      <a:lnRef idx="2">
+        <a:scrgbClr r="0" g="0" b="0"/>
+      </a:lnRef>
+      <a:fillRef idx="1">
+        <a:scrgbClr r="0" g="0" b="0"/>
+      </a:fillRef>
+      <a:effectRef idx="0">
+        <a:scrgbClr r="0" g="0" b="0"/>
+      </a:effectRef>
+      <a:fontRef idx="minor"/>
+    </dgm:style>
+  </dgm:styleLbl>
+  <dgm:styleLbl name="fgAcc0">
+    <dgm:scene3d>
+      <a:camera prst="orthographicFront"/>
+      <a:lightRig rig="threePt" dir="t"/>
+    </dgm:scene3d>
+    <dgm:sp3d/>
+    <dgm:txPr/>
+    <dgm:style>
+      <a:lnRef idx="2">
+        <a:scrgbClr r="0" g="0" b="0"/>
+      </a:lnRef>
+      <a:fillRef idx="1">
+        <a:scrgbClr r="0" g="0" b="0"/>
+      </a:fillRef>
+      <a:effectRef idx="0">
+        <a:scrgbClr r="0" g="0" b="0"/>
+      </a:effectRef>
+      <a:fontRef idx="minor"/>
+    </dgm:style>
+  </dgm:styleLbl>
+  <dgm:styleLbl name="fgAcc2">
+    <dgm:scene3d>
+      <a:camera prst="orthographicFront"/>
+      <a:lightRig rig="threePt" dir="t"/>
+    </dgm:scene3d>
+    <dgm:sp3d/>
+    <dgm:txPr/>
+    <dgm:style>
+      <a:lnRef idx="2">
+        <a:scrgbClr r="0" g="0" b="0"/>
+      </a:lnRef>
+      <a:fillRef idx="1">
+        <a:scrgbClr r="0" g="0" b="0"/>
+      </a:fillRef>
+      <a:effectRef idx="0">
+        <a:scrgbClr r="0" g="0" b="0"/>
+      </a:effectRef>
+      <a:fontRef idx="minor"/>
+    </dgm:style>
+  </dgm:styleLbl>
+  <dgm:styleLbl name="fgAcc3">
+    <dgm:scene3d>
+      <a:camera prst="orthographicFront"/>
+      <a:lightRig rig="threePt" dir="t"/>
+    </dgm:scene3d>
+    <dgm:sp3d/>
+    <dgm:txPr/>
+    <dgm:style>
+      <a:lnRef idx="2">
+        <a:scrgbClr r="0" g="0" b="0"/>
+      </a:lnRef>
+      <a:fillRef idx="1">
+        <a:scrgbClr r="0" g="0" b="0"/>
+      </a:fillRef>
+      <a:effectRef idx="0">
+        <a:scrgbClr r="0" g="0" b="0"/>
+      </a:effectRef>
+      <a:fontRef idx="minor"/>
+    </dgm:style>
+  </dgm:styleLbl>
+  <dgm:styleLbl name="fgAcc4">
+    <dgm:scene3d>
+      <a:camera prst="orthographicFront"/>
+      <a:lightRig rig="threePt" dir="t"/>
+    </dgm:scene3d>
+    <dgm:sp3d/>
+    <dgm:txPr/>
+    <dgm:style>
+      <a:lnRef idx="2">
+        <a:scrgbClr r="0" g="0" b="0"/>
+      </a:lnRef>
+      <a:fillRef idx="1">
+        <a:scrgbClr r="0" g="0" b="0"/>
+      </a:fillRef>
+      <a:effectRef idx="0">
+        <a:scrgbClr r="0" g="0" b="0"/>
+      </a:effectRef>
+      <a:fontRef idx="minor"/>
+    </dgm:style>
+  </dgm:styleLbl>
+  <dgm:styleLbl name="bgShp">
+    <dgm:scene3d>
+      <a:camera prst="orthographicFront"/>
+      <a:lightRig rig="threePt" dir="t"/>
+    </dgm:scene3d>
+    <dgm:sp3d/>
+    <dgm:txPr/>
+    <dgm:style>
+      <a:lnRef idx="0">
+        <a:scrgbClr r="0" g="0" b="0"/>
+      </a:lnRef>
+      <a:fillRef idx="1">
+        <a:scrgbClr r="0" g="0" b="0"/>
+      </a:fillRef>
+      <a:effectRef idx="0">
+        <a:scrgbClr r="0" g="0" b="0"/>
+      </a:effectRef>
+      <a:fontRef idx="minor"/>
+    </dgm:style>
+  </dgm:styleLbl>
+  <dgm:styleLbl name="dkBgShp">
+    <dgm:scene3d>
+      <a:camera prst="orthographicFront"/>
+      <a:lightRig rig="threePt" dir="t"/>
+    </dgm:scene3d>
+    <dgm:sp3d/>
+    <dgm:txPr/>
+    <dgm:style>
+      <a:lnRef idx="0">
+        <a:scrgbClr r="0" g="0" b="0"/>
+      </a:lnRef>
+      <a:fillRef idx="1">
+        <a:scrgbClr r="0" g="0" b="0"/>
+      </a:fillRef>
+      <a:effectRef idx="0">
+        <a:scrgbClr r="0" g="0" b="0"/>
+      </a:effectRef>
+      <a:fontRef idx="minor"/>
+    </dgm:style>
+  </dgm:styleLbl>
+  <dgm:styleLbl name="trBgShp">
+    <dgm:scene3d>
+      <a:camera prst="orthographicFront"/>
+      <a:lightRig rig="threePt" dir="t"/>
+    </dgm:scene3d>
+    <dgm:sp3d/>
+    <dgm:txPr/>
+    <dgm:style>
+      <a:lnRef idx="0">
+        <a:scrgbClr r="0" g="0" b="0"/>
+      </a:lnRef>
+      <a:fillRef idx="1">
+        <a:scrgbClr r="0" g="0" b="0"/>
+      </a:fillRef>
+      <a:effectRef idx="0">
+        <a:scrgbClr r="0" g="0" b="0"/>
+      </a:effectRef>
+      <a:fontRef idx="minor"/>
+    </dgm:style>
+  </dgm:styleLbl>
+  <dgm:styleLbl name="fgShp">
+    <dgm:scene3d>
+      <a:camera prst="orthographicFront"/>
+      <a:lightRig rig="threePt" dir="t"/>
+    </dgm:scene3d>
+    <dgm:sp3d/>
+    <dgm:txPr/>
+    <dgm:style>
+      <a:lnRef idx="2">
+        <a:scrgbClr r="0" g="0" b="0"/>
+      </a:lnRef>
+      <a:fillRef idx="1">
+        <a:scrgbClr r="0" g="0" b="0"/>
+      </a:fillRef>
+      <a:effectRef idx="0">
+        <a:scrgbClr r="0" g="0" b="0"/>
+      </a:effectRef>
+      <a:fontRef idx="minor"/>
+    </dgm:style>
+  </dgm:styleLbl>
+  <dgm:styleLbl name="revTx">
+    <dgm:scene3d>
+      <a:camera prst="orthographicFront"/>
+      <a:lightRig rig="threePt" dir="t"/>
+    </dgm:scene3d>
+    <dgm:sp3d/>
+    <dgm:txPr/>
+    <dgm:style>
+      <a:lnRef idx="0">
+        <a:scrgbClr r="0" g="0" b="0"/>
+      </a:lnRef>
+      <a:fillRef idx="0">
+        <a:scrgbClr r="0" g="0" b="0"/>
+      </a:fillRef>
+      <a:effectRef idx="0">
+        <a:scrgbClr r="0" g="0" b="0"/>
+      </a:effectRef>
+      <a:fontRef idx="minor"/>
+    </dgm:style>
+  </dgm:styleLbl>
+</dgm:styleDef>
+</file>
+
+<file path=ppt/diagrams/quickStyle2.xml><?xml version="1.0" encoding="utf-8"?>
+<dgm:styleDef xmlns:dgm="http://schemas.openxmlformats.org/drawingml/2006/diagram" xmlns:a="http://schemas.openxmlformats.org/drawingml/2006/main" uniqueId="urn:microsoft.com/office/officeart/2005/8/quickstyle/simple1">
+  <dgm:title val=""/>
+  <dgm:desc val=""/>
+  <dgm:catLst>
+    <dgm:cat type="simple" pri="10100"/>
+  </dgm:catLst>
+  <dgm:scene3d>
+    <a:camera prst="orthographicFront"/>
+    <a:lightRig rig="threePt" dir="t"/>
+  </dgm:scene3d>
+  <dgm:styleLbl name="node0">
+    <dgm:scene3d>
+      <a:camera prst="orthographicFront"/>
+      <a:lightRig rig="threePt" dir="t"/>
+    </dgm:scene3d>
+    <dgm:sp3d/>
+    <dgm:txPr/>
+    <dgm:style>
+      <a:lnRef idx="2">
+        <a:scrgbClr r="0" g="0" b="0"/>
+      </a:lnRef>
+      <a:fillRef idx="1">
+        <a:scrgbClr r="0" g="0" b="0"/>
+      </a:fillRef>
+      <a:effectRef idx="0">
+        <a:scrgbClr r="0" g="0" b="0"/>
+      </a:effectRef>
+      <a:fontRef idx="minor">
+        <a:schemeClr val="lt1"/>
+      </a:fontRef>
+    </dgm:style>
+  </dgm:styleLbl>
+  <dgm:styleLbl name="lnNode1">
+    <dgm:scene3d>
+      <a:camera prst="orthographicFront"/>
+      <a:lightRig rig="threePt" dir="t"/>
+    </dgm:scene3d>
+    <dgm:sp3d/>
+    <dgm:txPr/>
+    <dgm:style>
+      <a:lnRef idx="2">
+        <a:scrgbClr r="0" g="0" b="0"/>
+      </a:lnRef>
+      <a:fillRef idx="1">
+        <a:scrgbClr r="0" g="0" b="0"/>
+      </a:fillRef>
+      <a:effectRef idx="0">
+        <a:scrgbClr r="0" g="0" b="0"/>
+      </a:effectRef>
+      <a:fontRef idx="minor">
+        <a:schemeClr val="lt1"/>
+      </a:fontRef>
+    </dgm:style>
+  </dgm:styleLbl>
+  <dgm:styleLbl name="vennNode1">
+    <dgm:scene3d>
+      <a:camera prst="orthographicFront"/>
+      <a:lightRig rig="threePt" dir="t"/>
+    </dgm:scene3d>
+    <dgm:sp3d/>
+    <dgm:txPr/>
+    <dgm:style>
+      <a:lnRef idx="2">
+        <a:scrgbClr r="0" g="0" b="0"/>
+      </a:lnRef>
+      <a:fillRef idx="1">
+        <a:scrgbClr r="0" g="0" b="0"/>
+      </a:fillRef>
+      <a:effectRef idx="0">
+        <a:scrgbClr r="0" g="0" b="0"/>
+      </a:effectRef>
+      <a:fontRef idx="minor">
+        <a:schemeClr val="tx1"/>
+      </a:fontRef>
+    </dgm:style>
+  </dgm:styleLbl>
+  <dgm:styleLbl name="alignNode1">
+    <dgm:scene3d>
+      <a:camera prst="orthographicFront"/>
+      <a:lightRig rig="threePt" dir="t"/>
+    </dgm:scene3d>
+    <dgm:sp3d/>
+    <dgm:txPr/>
+    <dgm:style>
+      <a:lnRef idx="2">
+        <a:scrgbClr r="0" g="0" b="0"/>
+      </a:lnRef>
+      <a:fillRef idx="1">
+        <a:scrgbClr r="0" g="0" b="0"/>
+      </a:fillRef>
+      <a:effectRef idx="0">
+        <a:scrgbClr r="0" g="0" b="0"/>
+      </a:effectRef>
+      <a:fontRef idx="minor">
+        <a:schemeClr val="lt1"/>
+      </a:fontRef>
+    </dgm:style>
+  </dgm:styleLbl>
+  <dgm:styleLbl name="node1">
+    <dgm:scene3d>
+      <a:camera prst="orthographicFront"/>
+      <a:lightRig rig="threePt" dir="t"/>
+    </dgm:scene3d>
+    <dgm:sp3d/>
+    <dgm:txPr/>
+    <dgm:style>
+      <a:lnRef idx="2">
+        <a:scrgbClr r="0" g="0" b="0"/>
+      </a:lnRef>
+      <a:fillRef idx="1">
+        <a:scrgbClr r="0" g="0" b="0"/>
+      </a:fillRef>
+      <a:effectRef idx="0">
+        <a:scrgbClr r="0" g="0" b="0"/>
+      </a:effectRef>
+      <a:fontRef idx="minor">
+        <a:schemeClr val="lt1"/>
+      </a:fontRef>
+    </dgm:style>
+  </dgm:styleLbl>
+  <dgm:styleLbl name="node2">
+    <dgm:scene3d>
+      <a:camera prst="orthographicFront"/>
+      <a:lightRig rig="threePt" dir="t"/>
+    </dgm:scene3d>
+    <dgm:sp3d/>
+    <dgm:txPr/>
+    <dgm:style>
+      <a:lnRef idx="2">
+        <a:scrgbClr r="0" g="0" b="0"/>
+      </a:lnRef>
+      <a:fillRef idx="1">
+        <a:scrgbClr r="0" g="0" b="0"/>
+      </a:fillRef>
+      <a:effectRef idx="0">
+        <a:scrgbClr r="0" g="0" b="0"/>
+      </a:effectRef>
+      <a:fontRef idx="minor">
+        <a:schemeClr val="lt1"/>
+      </a:fontRef>
+    </dgm:style>
+  </dgm:styleLbl>
+  <dgm:styleLbl name="node3">
+    <dgm:scene3d>
+      <a:camera prst="orthographicFront"/>
+      <a:lightRig rig="threePt" dir="t"/>
+    </dgm:scene3d>
+    <dgm:sp3d/>
+    <dgm:txPr/>
+    <dgm:style>
+      <a:lnRef idx="2">
+        <a:scrgbClr r="0" g="0" b="0"/>
+      </a:lnRef>
+      <a:fillRef idx="1">
+        <a:scrgbClr r="0" g="0" b="0"/>
+      </a:fillRef>
+      <a:effectRef idx="0">
+        <a:scrgbClr r="0" g="0" b="0"/>
+      </a:effectRef>
+      <a:fontRef idx="minor">
+        <a:schemeClr val="lt1"/>
+      </a:fontRef>
+    </dgm:style>
+  </dgm:styleLbl>
+  <dgm:styleLbl name="node4">
+    <dgm:scene3d>
+      <a:camera prst="orthographicFront"/>
+      <a:lightRig rig="threePt" dir="t"/>
+    </dgm:scene3d>
+    <dgm:sp3d/>
+    <dgm:txPr/>
+    <dgm:style>
+      <a:lnRef idx="2">
+        <a:scrgbClr r="0" g="0" b="0"/>
+      </a:lnRef>
+      <a:fillRef idx="1">
+        <a:scrgbClr r="0" g="0" b="0"/>
+      </a:fillRef>
+      <a:effectRef idx="0">
+        <a:scrgbClr r="0" g="0" b="0"/>
+      </a:effectRef>
+      <a:fontRef idx="minor">
+        <a:schemeClr val="lt1"/>
+      </a:fontRef>
+    </dgm:style>
+  </dgm:styleLbl>
+  <dgm:styleLbl name="fgImgPlace1">
+    <dgm:scene3d>
+      <a:camera prst="orthographicFront"/>
+      <a:lightRig rig="threePt" dir="t"/>
+    </dgm:scene3d>
+    <dgm:sp3d/>
+    <dgm:txPr/>
+    <dgm:style>
+      <a:lnRef idx="2">
+        <a:scrgbClr r="0" g="0" b="0"/>
+      </a:lnRef>
+      <a:fillRef idx="1">
+        <a:scrgbClr r="0" g="0" b="0"/>
+      </a:fillRef>
+      <a:effectRef idx="0">
+        <a:scrgbClr r="0" g="0" b="0"/>
+      </a:effectRef>
+      <a:fontRef idx="minor"/>
+    </dgm:style>
+  </dgm:styleLbl>
+  <dgm:styleLbl name="alignImgPlace1">
+    <dgm:scene3d>
+      <a:camera prst="orthographicFront"/>
+      <a:lightRig rig="threePt" dir="t"/>
+    </dgm:scene3d>
+    <dgm:sp3d/>
+    <dgm:txPr/>
+    <dgm:style>
+      <a:lnRef idx="2">
+        <a:scrgbClr r="0" g="0" b="0"/>
+      </a:lnRef>
+      <a:fillRef idx="1">
+        <a:scrgbClr r="0" g="0" b="0"/>
+      </a:fillRef>
+      <a:effectRef idx="0">
+        <a:scrgbClr r="0" g="0" b="0"/>
+      </a:effectRef>
+      <a:fontRef idx="minor"/>
+    </dgm:style>
+  </dgm:styleLbl>
+  <dgm:styleLbl name="bgImgPlace1">
+    <dgm:scene3d>
+      <a:camera prst="orthographicFront"/>
+      <a:lightRig rig="threePt" dir="t"/>
+    </dgm:scene3d>
+    <dgm:sp3d/>
+    <dgm:txPr/>
+    <dgm:style>
+      <a:lnRef idx="2">
+        <a:scrgbClr r="0" g="0" b="0"/>
+      </a:lnRef>
+      <a:fillRef idx="1">
+        <a:scrgbClr r="0" g="0" b="0"/>
+      </a:fillRef>
+      <a:effectRef idx="0">
+        <a:scrgbClr r="0" g="0" b="0"/>
+      </a:effectRef>
+      <a:fontRef idx="minor"/>
+    </dgm:style>
+  </dgm:styleLbl>
+  <dgm:styleLbl name="sibTrans2D1">
+    <dgm:scene3d>
+      <a:camera prst="orthographicFront"/>
+      <a:lightRig rig="threePt" dir="t"/>
+    </dgm:scene3d>
+    <dgm:sp3d/>
+    <dgm:txPr/>
+    <dgm:style>
+      <a:lnRef idx="0">
+        <a:scrgbClr r="0" g="0" b="0"/>
+      </a:lnRef>
+      <a:fillRef idx="1">
+        <a:scrgbClr r="0" g="0" b="0"/>
+      </a:fillRef>
+      <a:effectRef idx="0">
+        <a:scrgbClr r="0" g="0" b="0"/>
+      </a:effectRef>
+      <a:fontRef idx="minor">
+        <a:schemeClr val="lt1"/>
+      </a:fontRef>
+    </dgm:style>
+  </dgm:styleLbl>
+  <dgm:styleLbl name="fgSibTrans2D1">
+    <dgm:scene3d>
+      <a:camera prst="orthographicFront"/>
+      <a:lightRig rig="threePt" dir="t"/>
+    </dgm:scene3d>
+    <dgm:sp3d/>
+    <dgm:txPr/>
+    <dgm:style>
+      <a:lnRef idx="0">
+        <a:scrgbClr r="0" g="0" b="0"/>
+      </a:lnRef>
+      <a:fillRef idx="1">
+        <a:scrgbClr r="0" g="0" b="0"/>
+      </a:fillRef>
+      <a:effectRef idx="0">
+        <a:scrgbClr r="0" g="0" b="0"/>
+      </a:effectRef>
+      <a:fontRef idx="minor">
+        <a:schemeClr val="lt1"/>
+      </a:fontRef>
+    </dgm:style>
+  </dgm:styleLbl>
+  <dgm:styleLbl name="bgSibTrans2D1">
+    <dgm:scene3d>
+      <a:camera prst="orthographicFront"/>
+      <a:lightRig rig="threePt" dir="t"/>
+    </dgm:scene3d>
+    <dgm:sp3d/>
+    <dgm:txPr/>
+    <dgm:style>
+      <a:lnRef idx="0">
+        <a:scrgbClr r="0" g="0" b="0"/>
+      </a:lnRef>
+      <a:fillRef idx="1">
+        <a:scrgbClr r="0" g="0" b="0"/>
+      </a:fillRef>
+      <a:effectRef idx="0">
+        <a:scrgbClr r="0" g="0" b="0"/>
+      </a:effectRef>
+      <a:fontRef idx="minor">
+        <a:schemeClr val="lt1"/>
+      </a:fontRef>
+    </dgm:style>
+  </dgm:styleLbl>
+  <dgm:styleLbl name="sibTrans1D1">
+    <dgm:scene3d>
+      <a:camera prst="orthographicFront"/>
+      <a:lightRig rig="threePt" dir="t"/>
+    </dgm:scene3d>
+    <dgm:sp3d/>
+    <dgm:txPr/>
+    <dgm:style>
+      <a:lnRef idx="1">
+        <a:scrgbClr r="0" g="0" b="0"/>
+      </a:lnRef>
+      <a:fillRef idx="0">
+        <a:scrgbClr r="0" g="0" b="0"/>
+      </a:fillRef>
+      <a:effectRef idx="0">
+        <a:scrgbClr r="0" g="0" b="0"/>
+      </a:effectRef>
+      <a:fontRef idx="minor"/>
+    </dgm:style>
+  </dgm:styleLbl>
+  <dgm:styleLbl name="callout">
+    <dgm:scene3d>
+      <a:camera prst="orthographicFront"/>
+      <a:lightRig rig="threePt" dir="t"/>
+    </dgm:scene3d>
+    <dgm:sp3d/>
+    <dgm:txPr/>
+    <dgm:style>
+      <a:lnRef idx="2">
+        <a:scrgbClr r="0" g="0" b="0"/>
+      </a:lnRef>
+      <a:fillRef idx="1">
+        <a:scrgbClr r="0" g="0" b="0"/>
+      </a:fillRef>
+      <a:effectRef idx="0">
+        <a:scrgbClr r="0" g="0" b="0"/>
+      </a:effectRef>
+      <a:fontRef idx="minor"/>
+    </dgm:style>
+  </dgm:styleLbl>
+  <dgm:styleLbl name="asst0">
+    <dgm:scene3d>
+      <a:camera prst="orthographicFront"/>
+      <a:lightRig rig="threePt" dir="t"/>
+    </dgm:scene3d>
+    <dgm:sp3d/>
+    <dgm:txPr/>
+    <dgm:style>
+      <a:lnRef idx="2">
+        <a:scrgbClr r="0" g="0" b="0"/>
+      </a:lnRef>
+      <a:fillRef idx="1">
+        <a:scrgbClr r="0" g="0" b="0"/>
+      </a:fillRef>
+      <a:effectRef idx="0">
+        <a:scrgbClr r="0" g="0" b="0"/>
+      </a:effectRef>
+      <a:fontRef idx="minor">
+        <a:schemeClr val="lt1"/>
+      </a:fontRef>
+    </dgm:style>
+  </dgm:styleLbl>
+  <dgm:styleLbl name="asst1">
+    <dgm:scene3d>
+      <a:camera prst="orthographicFront"/>
+      <a:lightRig rig="threePt" dir="t"/>
+    </dgm:scene3d>
+    <dgm:sp3d/>
+    <dgm:txPr/>
+    <dgm:style>
+      <a:lnRef idx="2">
+        <a:scrgbClr r="0" g="0" b="0"/>
+      </a:lnRef>
+      <a:fillRef idx="1">
+        <a:scrgbClr r="0" g="0" b="0"/>
+      </a:fillRef>
+      <a:effectRef idx="0">
+        <a:scrgbClr r="0" g="0" b="0"/>
+      </a:effectRef>
+      <a:fontRef idx="minor">
+        <a:schemeClr val="lt1"/>
+      </a:fontRef>
+    </dgm:style>
+  </dgm:styleLbl>
+  <dgm:styleLbl name="asst2">
+    <dgm:scene3d>
+      <a:camera prst="orthographicFront"/>
+      <a:lightRig rig="threePt" dir="t"/>
+    </dgm:scene3d>
+    <dgm:sp3d/>
+    <dgm:txPr/>
+    <dgm:style>
+      <a:lnRef idx="2">
+        <a:scrgbClr r="0" g="0" b="0"/>
+      </a:lnRef>
+      <a:fillRef idx="1">
+        <a:scrgbClr r="0" g="0" b="0"/>
+      </a:fillRef>
+      <a:effectRef idx="0">
+        <a:scrgbClr r="0" g="0" b="0"/>
+      </a:effectRef>
+      <a:fontRef idx="minor">
+        <a:schemeClr val="lt1"/>
+      </a:fontRef>
+    </dgm:style>
+  </dgm:styleLbl>
+  <dgm:styleLbl name="asst3">
+    <dgm:scene3d>
+      <a:camera prst="orthographicFront"/>
+      <a:lightRig rig="threePt" dir="t"/>
+    </dgm:scene3d>
+    <dgm:sp3d/>
+    <dgm:txPr/>
+    <dgm:style>
+      <a:lnRef idx="2">
+        <a:scrgbClr r="0" g="0" b="0"/>
+      </a:lnRef>
+      <a:fillRef idx="1">
+        <a:scrgbClr r="0" g="0" b="0"/>
+      </a:fillRef>
+      <a:effectRef idx="0">
+        <a:scrgbClr r="0" g="0" b="0"/>
+      </a:effectRef>
+      <a:fontRef idx="minor">
+        <a:schemeClr val="lt1"/>
+      </a:fontRef>
+    </dgm:style>
+  </dgm:styleLbl>
+  <dgm:styleLbl name="asst4">
+    <dgm:scene3d>
+      <a:camera prst="orthographicFront"/>
+      <a:lightRig rig="threePt" dir="t"/>
+    </dgm:scene3d>
+    <dgm:sp3d/>
+    <dgm:txPr/>
+    <dgm:style>
+      <a:lnRef idx="2">
+        <a:scrgbClr r="0" g="0" b="0"/>
+      </a:lnRef>
+      <a:fillRef idx="1">
+        <a:scrgbClr r="0" g="0" b="0"/>
+      </a:fillRef>
+      <a:effectRef idx="0">
+        <a:scrgbClr r="0" g="0" b="0"/>
+      </a:effectRef>
+      <a:fontRef idx="minor">
+        <a:schemeClr val="lt1"/>
+      </a:fontRef>
+    </dgm:style>
+  </dgm:styleLbl>
+  <dgm:styleLbl name="parChTrans2D1">
+    <dgm:scene3d>
+      <a:camera prst="orthographicFront"/>
+      <a:lightRig rig="threePt" dir="t"/>
+    </dgm:scene3d>
+    <dgm:sp3d/>
+    <dgm:txPr/>
+    <dgm:style>
+      <a:lnRef idx="2">
+        <a:scrgbClr r="0" g="0" b="0"/>
+      </a:lnRef>
+      <a:fillRef idx="1">
+        <a:scrgbClr r="0" g="0" b="0"/>
+      </a:fillRef>
+      <a:effectRef idx="0">
+        <a:scrgbClr r="0" g="0" b="0"/>
+      </a:effectRef>
+      <a:fontRef idx="minor">
+        <a:schemeClr val="lt1"/>
+      </a:fontRef>
+    </dgm:style>
+  </dgm:styleLbl>
+  <dgm:styleLbl name="parChTrans2D2">
+    <dgm:scene3d>
+      <a:camera prst="orthographicFront"/>
+      <a:lightRig rig="threePt" dir="t"/>
+    </dgm:scene3d>
+    <dgm:sp3d/>
+    <dgm:txPr/>
+    <dgm:style>
+      <a:lnRef idx="2">
+        <a:scrgbClr r="0" g="0" b="0"/>
+      </a:lnRef>
+      <a:fillRef idx="1">
+        <a:scrgbClr r="0" g="0" b="0"/>
+      </a:fillRef>
+      <a:effectRef idx="0">
+        <a:scrgbClr r="0" g="0" b="0"/>
+      </a:effectRef>
+      <a:fontRef idx="minor">
+        <a:schemeClr val="lt1"/>
+      </a:fontRef>
+    </dgm:style>
+  </dgm:styleLbl>
+  <dgm:styleLbl name="parChTrans2D3">
+    <dgm:scene3d>
+      <a:camera prst="orthographicFront"/>
+      <a:lightRig rig="threePt" dir="t"/>
+    </dgm:scene3d>
+    <dgm:sp3d/>
+    <dgm:txPr/>
+    <dgm:style>
+      <a:lnRef idx="2">
+        <a:scrgbClr r="0" g="0" b="0"/>
+      </a:lnRef>
+      <a:fillRef idx="1">
+        <a:scrgbClr r="0" g="0" b="0"/>
+      </a:fillRef>
+      <a:effectRef idx="0">
+        <a:scrgbClr r="0" g="0" b="0"/>
+      </a:effectRef>
+      <a:fontRef idx="minor">
+        <a:schemeClr val="lt1"/>
+      </a:fontRef>
+    </dgm:style>
+  </dgm:styleLbl>
+  <dgm:styleLbl name="parChTrans2D4">
+    <dgm:scene3d>
+      <a:camera prst="orthographicFront"/>
+      <a:lightRig rig="threePt" dir="t"/>
+    </dgm:scene3d>
+    <dgm:sp3d/>
+    <dgm:txPr/>
+    <dgm:style>
+      <a:lnRef idx="2">
+        <a:scrgbClr r="0" g="0" b="0"/>
+      </a:lnRef>
+      <a:fillRef idx="1">
+        <a:scrgbClr r="0" g="0" b="0"/>
+      </a:fillRef>
+      <a:effectRef idx="0">
+        <a:scrgbClr r="0" g="0" b="0"/>
+      </a:effectRef>
+      <a:fontRef idx="minor">
+        <a:schemeClr val="lt1"/>
+      </a:fontRef>
+    </dgm:style>
+  </dgm:styleLbl>
+  <dgm:styleLbl name="parChTrans1D1">
+    <dgm:scene3d>
+      <a:camera prst="orthographicFront"/>
+      <a:lightRig rig="threePt" dir="t"/>
+    </dgm:scene3d>
+    <dgm:sp3d/>
+    <dgm:txPr/>
+    <dgm:style>
+      <a:lnRef idx="2">
+        <a:scrgbClr r="0" g="0" b="0"/>
+      </a:lnRef>
+      <a:fillRef idx="0">
+        <a:scrgbClr r="0" g="0" b="0"/>
+      </a:fillRef>
+      <a:effectRef idx="0">
+        <a:scrgbClr r="0" g="0" b="0"/>
+      </a:effectRef>
+      <a:fontRef idx="minor"/>
+    </dgm:style>
+  </dgm:styleLbl>
+  <dgm:styleLbl name="parChTrans1D2">
+    <dgm:scene3d>
+      <a:camera prst="orthographicFront"/>
+      <a:lightRig rig="threePt" dir="t"/>
+    </dgm:scene3d>
+    <dgm:sp3d/>
+    <dgm:txPr/>
+    <dgm:style>
+      <a:lnRef idx="2">
+        <a:scrgbClr r="0" g="0" b="0"/>
+      </a:lnRef>
+      <a:fillRef idx="0">
+        <a:scrgbClr r="0" g="0" b="0"/>
+      </a:fillRef>
+      <a:effectRef idx="0">
+        <a:scrgbClr r="0" g="0" b="0"/>
+      </a:effectRef>
+      <a:fontRef idx="minor"/>
+    </dgm:style>
+  </dgm:styleLbl>
+  <dgm:styleLbl name="parChTrans1D3">
+    <dgm:scene3d>
+      <a:camera prst="orthographicFront"/>
+      <a:lightRig rig="threePt" dir="t"/>
+    </dgm:scene3d>
+    <dgm:sp3d/>
+    <dgm:txPr/>
+    <dgm:style>
+      <a:lnRef idx="2">
+        <a:scrgbClr r="0" g="0" b="0"/>
+      </a:lnRef>
+      <a:fillRef idx="0">
+        <a:scrgbClr r="0" g="0" b="0"/>
+      </a:fillRef>
+      <a:effectRef idx="0">
+        <a:scrgbClr r="0" g="0" b="0"/>
+      </a:effectRef>
+      <a:fontRef idx="minor"/>
+    </dgm:style>
+  </dgm:styleLbl>
+  <dgm:styleLbl name="parChTrans1D4">
+    <dgm:scene3d>
+      <a:camera prst="orthographicFront"/>
+      <a:lightRig rig="threePt" dir="t"/>
+    </dgm:scene3d>
+    <dgm:sp3d/>
+    <dgm:txPr/>
+    <dgm:style>
+      <a:lnRef idx="2">
+        <a:scrgbClr r="0" g="0" b="0"/>
+      </a:lnRef>
+      <a:fillRef idx="0">
+        <a:scrgbClr r="0" g="0" b="0"/>
+      </a:fillRef>
+      <a:effectRef idx="0">
+        <a:scrgbClr r="0" g="0" b="0"/>
+      </a:effectRef>
+      <a:fontRef idx="minor"/>
+    </dgm:style>
+  </dgm:styleLbl>
+  <dgm:styleLbl name="fgAcc1">
+    <dgm:scene3d>
+      <a:camera prst="orthographicFront"/>
+      <a:lightRig rig="threePt" dir="t"/>
+    </dgm:scene3d>
+    <dgm:sp3d/>
+    <dgm:txPr/>
+    <dgm:style>
+      <a:lnRef idx="2">
+        <a:scrgbClr r="0" g="0" b="0"/>
+      </a:lnRef>
+      <a:fillRef idx="1">
+        <a:scrgbClr r="0" g="0" b="0"/>
+      </a:fillRef>
+      <a:effectRef idx="0">
+        <a:scrgbClr r="0" g="0" b="0"/>
+      </a:effectRef>
+      <a:fontRef idx="minor"/>
+    </dgm:style>
+  </dgm:styleLbl>
+  <dgm:styleLbl name="conFgAcc1">
+    <dgm:scene3d>
+      <a:camera prst="orthographicFront"/>
+      <a:lightRig rig="threePt" dir="t"/>
+    </dgm:scene3d>
+    <dgm:sp3d/>
+    <dgm:txPr/>
+    <dgm:style>
+      <a:lnRef idx="2">
+        <a:scrgbClr r="0" g="0" b="0"/>
+      </a:lnRef>
+      <a:fillRef idx="1">
+        <a:scrgbClr r="0" g="0" b="0"/>
+      </a:fillRef>
+      <a:effectRef idx="0">
+        <a:scrgbClr r="0" g="0" b="0"/>
+      </a:effectRef>
+      <a:fontRef idx="minor"/>
+    </dgm:style>
+  </dgm:styleLbl>
+  <dgm:styleLbl name="alignAcc1">
+    <dgm:scene3d>
+      <a:camera prst="orthographicFront"/>
+      <a:lightRig rig="threePt" dir="t"/>
+    </dgm:scene3d>
+    <dgm:sp3d/>
+    <dgm:txPr/>
+    <dgm:style>
+      <a:lnRef idx="2">
+        <a:scrgbClr r="0" g="0" b="0"/>
+      </a:lnRef>
+      <a:fillRef idx="1">
+        <a:scrgbClr r="0" g="0" b="0"/>
+      </a:fillRef>
+      <a:effectRef idx="0">
+        <a:scrgbClr r="0" g="0" b="0"/>
+      </a:effectRef>
+      <a:fontRef idx="minor"/>
+    </dgm:style>
+  </dgm:styleLbl>
+  <dgm:styleLbl name="trAlignAcc1">
+    <dgm:scene3d>
+      <a:camera prst="orthographicFront"/>
+      <a:lightRig rig="threePt" dir="t"/>
+    </dgm:scene3d>
+    <dgm:sp3d/>
+    <dgm:txPr/>
+    <dgm:style>
+      <a:lnRef idx="1">
+        <a:scrgbClr r="0" g="0" b="0"/>
+      </a:lnRef>
+      <a:fillRef idx="1">
+        <a:scrgbClr r="0" g="0" b="0"/>
+      </a:fillRef>
+      <a:effectRef idx="0">
+        <a:scrgbClr r="0" g="0" b="0"/>
+      </a:effectRef>
+      <a:fontRef idx="minor"/>
+    </dgm:style>
+  </dgm:styleLbl>
+  <dgm:styleLbl name="bgAcc1">
+    <dgm:scene3d>
+      <a:camera prst="orthographicFront"/>
+      <a:lightRig rig="threePt" dir="t"/>
+    </dgm:scene3d>
+    <dgm:sp3d/>
+    <dgm:txPr/>
+    <dgm:style>
+      <a:lnRef idx="2">
+        <a:scrgbClr r="0" g="0" b="0"/>
+      </a:lnRef>
+      <a:fillRef idx="1">
+        <a:scrgbClr r="0" g="0" b="0"/>
+      </a:fillRef>
+      <a:effectRef idx="0">
+        <a:scrgbClr r="0" g="0" b="0"/>
+      </a:effectRef>
+      <a:fontRef idx="minor"/>
+    </dgm:style>
+  </dgm:styleLbl>
+  <dgm:styleLbl name="solidFgAcc1">
+    <dgm:scene3d>
+      <a:camera prst="orthographicFront"/>
+      <a:lightRig rig="threePt" dir="t"/>
+    </dgm:scene3d>
+    <dgm:sp3d/>
+    <dgm:txPr/>
+    <dgm:style>
+      <a:lnRef idx="2">
+        <a:scrgbClr r="0" g="0" b="0"/>
+      </a:lnRef>
+      <a:fillRef idx="1">
+        <a:scrgbClr r="0" g="0" b="0"/>
+      </a:fillRef>
+      <a:effectRef idx="0">
+        <a:scrgbClr r="0" g="0" b="0"/>
+      </a:effectRef>
+      <a:fontRef idx="minor"/>
+    </dgm:style>
+  </dgm:styleLbl>
+  <dgm:styleLbl name="solidAlignAcc1">
+    <dgm:scene3d>
+      <a:camera prst="orthographicFront"/>
+      <a:lightRig rig="threePt" dir="t"/>
+    </dgm:scene3d>
+    <dgm:sp3d/>
+    <dgm:txPr/>
+    <dgm:style>
+      <a:lnRef idx="2">
+        <a:scrgbClr r="0" g="0" b="0"/>
+      </a:lnRef>
+      <a:fillRef idx="1">
+        <a:scrgbClr r="0" g="0" b="0"/>
+      </a:fillRef>
+      <a:effectRef idx="0">
+        <a:scrgbClr r="0" g="0" b="0"/>
+      </a:effectRef>
+      <a:fontRef idx="minor"/>
+    </dgm:style>
+  </dgm:styleLbl>
+  <dgm:styleLbl name="solidBgAcc1">
+    <dgm:scene3d>
+      <a:camera prst="orthographicFront"/>
+      <a:lightRig rig="threePt" dir="t"/>
+    </dgm:scene3d>
+    <dgm:sp3d/>
+    <dgm:txPr/>
+    <dgm:style>
+      <a:lnRef idx="2">
+        <a:scrgbClr r="0" g="0" b="0"/>
+      </a:lnRef>
+      <a:fillRef idx="1">
+        <a:scrgbClr r="0" g="0" b="0"/>
+      </a:fillRef>
+      <a:effectRef idx="0">
+        <a:scrgbClr r="0" g="0" b="0"/>
+      </a:effectRef>
+      <a:fontRef idx="minor"/>
+    </dgm:style>
+  </dgm:styleLbl>
+  <dgm:styleLbl name="fgAccFollowNode1">
+    <dgm:scene3d>
+      <a:camera prst="orthographicFront"/>
+      <a:lightRig rig="threePt" dir="t"/>
+    </dgm:scene3d>
+    <dgm:sp3d/>
+    <dgm:txPr/>
+    <dgm:style>
+      <a:lnRef idx="2">
+        <a:scrgbClr r="0" g="0" b="0"/>
+      </a:lnRef>
+      <a:fillRef idx="1">
+        <a:scrgbClr r="0" g="0" b="0"/>
+      </a:fillRef>
+      <a:effectRef idx="0">
+        <a:scrgbClr r="0" g="0" b="0"/>
+      </a:effectRef>
+      <a:fontRef idx="minor"/>
+    </dgm:style>
+  </dgm:styleLbl>
+  <dgm:styleLbl name="alignAccFollowNode1">
+    <dgm:scene3d>
+      <a:camera prst="orthographicFront"/>
+      <a:lightRig rig="threePt" dir="t"/>
+    </dgm:scene3d>
+    <dgm:sp3d/>
+    <dgm:txPr/>
+    <dgm:style>
+      <a:lnRef idx="2">
+        <a:scrgbClr r="0" g="0" b="0"/>
+      </a:lnRef>
+      <a:fillRef idx="1">
+        <a:scrgbClr r="0" g="0" b="0"/>
+      </a:fillRef>
+      <a:effectRef idx="0">
+        <a:scrgbClr r="0" g="0" b="0"/>
+      </a:effectRef>
+      <a:fontRef idx="minor"/>
+    </dgm:style>
+  </dgm:styleLbl>
+  <dgm:styleLbl name="bgAccFollowNode1">
+    <dgm:scene3d>
+      <a:camera prst="orthographicFront"/>
+      <a:lightRig rig="threePt" dir="t"/>
+    </dgm:scene3d>
+    <dgm:sp3d/>
+    <dgm:txPr/>
+    <dgm:style>
+      <a:lnRef idx="2">
+        <a:scrgbClr r="0" g="0" b="0"/>
+      </a:lnRef>
+      <a:fillRef idx="1">
+        <a:scrgbClr r="0" g="0" b="0"/>
+      </a:fillRef>
+      <a:effectRef idx="0">
+        <a:scrgbClr r="0" g="0" b="0"/>
+      </a:effectRef>
+      <a:fontRef idx="minor"/>
+    </dgm:style>
+  </dgm:styleLbl>
+  <dgm:styleLbl name="fgAcc0">
+    <dgm:scene3d>
+      <a:camera prst="orthographicFront"/>
+      <a:lightRig rig="threePt" dir="t"/>
+    </dgm:scene3d>
+    <dgm:sp3d/>
+    <dgm:txPr/>
+    <dgm:style>
+      <a:lnRef idx="2">
+        <a:scrgbClr r="0" g="0" b="0"/>
+      </a:lnRef>
+      <a:fillRef idx="1">
+        <a:scrgbClr r="0" g="0" b="0"/>
+      </a:fillRef>
+      <a:effectRef idx="0">
+        <a:scrgbClr r="0" g="0" b="0"/>
+      </a:effectRef>
+      <a:fontRef idx="minor"/>
+    </dgm:style>
+  </dgm:styleLbl>
+  <dgm:styleLbl name="fgAcc2">
+    <dgm:scene3d>
+      <a:camera prst="orthographicFront"/>
+      <a:lightRig rig="threePt" dir="t"/>
+    </dgm:scene3d>
+    <dgm:sp3d/>
+    <dgm:txPr/>
+    <dgm:style>
+      <a:lnRef idx="2">
+        <a:scrgbClr r="0" g="0" b="0"/>
+      </a:lnRef>
+      <a:fillRef idx="1">
+        <a:scrgbClr r="0" g="0" b="0"/>
+      </a:fillRef>
+      <a:effectRef idx="0">
+        <a:scrgbClr r="0" g="0" b="0"/>
+      </a:effectRef>
+      <a:fontRef idx="minor"/>
+    </dgm:style>
+  </dgm:styleLbl>
+  <dgm:styleLbl name="fgAcc3">
+    <dgm:scene3d>
+      <a:camera prst="orthographicFront"/>
+      <a:lightRig rig="threePt" dir="t"/>
+    </dgm:scene3d>
+    <dgm:sp3d/>
+    <dgm:txPr/>
+    <dgm:style>
+      <a:lnRef idx="2">
+        <a:scrgbClr r="0" g="0" b="0"/>
+      </a:lnRef>
+      <a:fillRef idx="1">
+        <a:scrgbClr r="0" g="0" b="0"/>
+      </a:fillRef>
+      <a:effectRef idx="0">
+        <a:scrgbClr r="0" g="0" b="0"/>
+      </a:effectRef>
+      <a:fontRef idx="minor"/>
+    </dgm:style>
+  </dgm:styleLbl>
+  <dgm:styleLbl name="fgAcc4">
+    <dgm:scene3d>
+      <a:camera prst="orthographicFront"/>
+      <a:lightRig rig="threePt" dir="t"/>
+    </dgm:scene3d>
+    <dgm:sp3d/>
+    <dgm:txPr/>
+    <dgm:style>
+      <a:lnRef idx="2">
+        <a:scrgbClr r="0" g="0" b="0"/>
+      </a:lnRef>
+      <a:fillRef idx="1">
+        <a:scrgbClr r="0" g="0" b="0"/>
+      </a:fillRef>
+      <a:effectRef idx="0">
+        <a:scrgbClr r="0" g="0" b="0"/>
+      </a:effectRef>
+      <a:fontRef idx="minor"/>
+    </dgm:style>
+  </dgm:styleLbl>
+  <dgm:styleLbl name="bgShp">
+    <dgm:scene3d>
+      <a:camera prst="orthographicFront"/>
+      <a:lightRig rig="threePt" dir="t"/>
+    </dgm:scene3d>
+    <dgm:sp3d/>
+    <dgm:txPr/>
+    <dgm:style>
+      <a:lnRef idx="0">
+        <a:scrgbClr r="0" g="0" b="0"/>
+      </a:lnRef>
+      <a:fillRef idx="1">
+        <a:scrgbClr r="0" g="0" b="0"/>
+      </a:fillRef>
+      <a:effectRef idx="0">
+        <a:scrgbClr r="0" g="0" b="0"/>
+      </a:effectRef>
+      <a:fontRef idx="minor"/>
+    </dgm:style>
+  </dgm:styleLbl>
+  <dgm:styleLbl name="dkBgShp">
+    <dgm:scene3d>
+      <a:camera prst="orthographicFront"/>
+      <a:lightRig rig="threePt" dir="t"/>
+    </dgm:scene3d>
+    <dgm:sp3d/>
+    <dgm:txPr/>
+    <dgm:style>
+      <a:lnRef idx="0">
+        <a:scrgbClr r="0" g="0" b="0"/>
+      </a:lnRef>
+      <a:fillRef idx="1">
+        <a:scrgbClr r="0" g="0" b="0"/>
+      </a:fillRef>
+      <a:effectRef idx="0">
+        <a:scrgbClr r="0" g="0" b="0"/>
+      </a:effectRef>
+      <a:fontRef idx="minor"/>
+    </dgm:style>
+  </dgm:styleLbl>
+  <dgm:styleLbl name="trBgShp">
+    <dgm:scene3d>
+      <a:camera prst="orthographicFront"/>
+      <a:lightRig rig="threePt" dir="t"/>
+    </dgm:scene3d>
+    <dgm:sp3d/>
+    <dgm:txPr/>
+    <dgm:style>
+      <a:lnRef idx="0">
+        <a:scrgbClr r="0" g="0" b="0"/>
+      </a:lnRef>
+      <a:fillRef idx="1">
+        <a:scrgbClr r="0" g="0" b="0"/>
+      </a:fillRef>
+      <a:effectRef idx="0">
+        <a:scrgbClr r="0" g="0" b="0"/>
+      </a:effectRef>
+      <a:fontRef idx="minor"/>
+    </dgm:style>
+  </dgm:styleLbl>
+  <dgm:styleLbl name="fgShp">
+    <dgm:scene3d>
+      <a:camera prst="orthographicFront"/>
+      <a:lightRig rig="threePt" dir="t"/>
+    </dgm:scene3d>
+    <dgm:sp3d/>
+    <dgm:txPr/>
+    <dgm:style>
+      <a:lnRef idx="2">
+        <a:scrgbClr r="0" g="0" b="0"/>
+      </a:lnRef>
+      <a:fillRef idx="1">
+        <a:scrgbClr r="0" g="0" b="0"/>
+      </a:fillRef>
+      <a:effectRef idx="0">
+        <a:scrgbClr r="0" g="0" b="0"/>
+      </a:effectRef>
+      <a:fontRef idx="minor"/>
+    </dgm:style>
+  </dgm:styleLbl>
+  <dgm:styleLbl name="revTx">
+    <dgm:scene3d>
+      <a:camera prst="orthographicFront"/>
+      <a:lightRig rig="threePt" dir="t"/>
+    </dgm:scene3d>
+    <dgm:sp3d/>
+    <dgm:txPr/>
+    <dgm:style>
+      <a:lnRef idx="0">
+        <a:scrgbClr r="0" g="0" b="0"/>
+      </a:lnRef>
+      <a:fillRef idx="0">
+        <a:scrgbClr r="0" g="0" b="0"/>
+      </a:fillRef>
+      <a:effectRef idx="0">
+        <a:scrgbClr r="0" g="0" b="0"/>
+      </a:effectRef>
+      <a:fontRef idx="minor"/>
+    </dgm:style>
+  </dgm:styleLbl>
+</dgm:styleDef>
+</file>
+
 <file path=ppt/notesMasters/notesMaster1.xml><?xml version="1.0" encoding="utf-8"?>
 <p:notesMaster xmlns:a="http://schemas.openxmlformats.org/drawingml/2006/main" xmlns:r="http://schemas.openxmlformats.org/officeDocument/2006/relationships" xmlns:p="http://schemas.openxmlformats.org/presentationml/2006/main">
   <p:cSld>
@@ -215,7 +7274,7 @@
           <a:p>
             <a:fld id="{A5C20BB3-3CCB-4FE5-991B-82F6BCB48AF3}" type="datetimeFigureOut">
               <a:rPr lang="en-US" smtClean="0"/>
-              <a:t>11/12/19</a:t>
+              <a:t>11/14/2019</a:t>
             </a:fld>
             <a:endParaRPr lang="en-US"/>
           </a:p>
@@ -803,7 +7862,7 @@
           <a:p>
             <a:fld id="{5D6495F3-B757-4FAF-98AA-EDA7D1485485}" type="datetimeFigureOut">
               <a:rPr lang="en-US" smtClean="0"/>
-              <a:t>11/12/19</a:t>
+              <a:t>11/14/2019</a:t>
             </a:fld>
             <a:endParaRPr lang="en-US"/>
           </a:p>
@@ -1001,7 +8060,7 @@
           <a:p>
             <a:fld id="{5D6495F3-B757-4FAF-98AA-EDA7D1485485}" type="datetimeFigureOut">
               <a:rPr lang="en-US" smtClean="0"/>
-              <a:t>11/12/19</a:t>
+              <a:t>11/14/2019</a:t>
             </a:fld>
             <a:endParaRPr lang="en-US"/>
           </a:p>
@@ -1209,7 +8268,7 @@
           <a:p>
             <a:fld id="{5D6495F3-B757-4FAF-98AA-EDA7D1485485}" type="datetimeFigureOut">
               <a:rPr lang="en-US" smtClean="0"/>
-              <a:t>11/12/19</a:t>
+              <a:t>11/14/2019</a:t>
             </a:fld>
             <a:endParaRPr lang="en-US"/>
           </a:p>
@@ -1457,7 +8516,7 @@
           <a:p>
             <a:fld id="{3652CD92-9D15-43B4-8516-073FCDAC90D4}" type="datetimeFigureOut">
               <a:rPr lang="en-US" smtClean="0"/>
-              <a:t>11/12/19</a:t>
+              <a:t>11/14/2019</a:t>
             </a:fld>
             <a:endParaRPr lang="en-US"/>
           </a:p>
@@ -1680,7 +8739,7 @@
           <a:p>
             <a:fld id="{5D6495F3-B757-4FAF-98AA-EDA7D1485485}" type="datetimeFigureOut">
               <a:rPr lang="en-US" smtClean="0"/>
-              <a:t>11/12/19</a:t>
+              <a:t>11/14/2019</a:t>
             </a:fld>
             <a:endParaRPr lang="en-US"/>
           </a:p>
@@ -1955,7 +9014,7 @@
           <a:p>
             <a:fld id="{5D6495F3-B757-4FAF-98AA-EDA7D1485485}" type="datetimeFigureOut">
               <a:rPr lang="en-US" smtClean="0"/>
-              <a:t>11/12/19</a:t>
+              <a:t>11/14/2019</a:t>
             </a:fld>
             <a:endParaRPr lang="en-US"/>
           </a:p>
@@ -2220,7 +9279,7 @@
           <a:p>
             <a:fld id="{5D6495F3-B757-4FAF-98AA-EDA7D1485485}" type="datetimeFigureOut">
               <a:rPr lang="en-US" smtClean="0"/>
-              <a:t>11/12/19</a:t>
+              <a:t>11/14/2019</a:t>
             </a:fld>
             <a:endParaRPr lang="en-US"/>
           </a:p>
@@ -2632,7 +9691,7 @@
           <a:p>
             <a:fld id="{5D6495F3-B757-4FAF-98AA-EDA7D1485485}" type="datetimeFigureOut">
               <a:rPr lang="en-US" smtClean="0"/>
-              <a:t>11/12/19</a:t>
+              <a:t>11/14/2019</a:t>
             </a:fld>
             <a:endParaRPr lang="en-US"/>
           </a:p>
@@ -2773,7 +9832,7 @@
           <a:p>
             <a:fld id="{5D6495F3-B757-4FAF-98AA-EDA7D1485485}" type="datetimeFigureOut">
               <a:rPr lang="en-US" smtClean="0"/>
-              <a:t>11/12/19</a:t>
+              <a:t>11/14/2019</a:t>
             </a:fld>
             <a:endParaRPr lang="en-US"/>
           </a:p>
@@ -2886,7 +9945,7 @@
           <a:p>
             <a:fld id="{5D6495F3-B757-4FAF-98AA-EDA7D1485485}" type="datetimeFigureOut">
               <a:rPr lang="en-US" smtClean="0"/>
-              <a:t>11/12/19</a:t>
+              <a:t>11/14/2019</a:t>
             </a:fld>
             <a:endParaRPr lang="en-US"/>
           </a:p>
@@ -3197,7 +10256,7 @@
           <a:p>
             <a:fld id="{5D6495F3-B757-4FAF-98AA-EDA7D1485485}" type="datetimeFigureOut">
               <a:rPr lang="en-US" smtClean="0"/>
-              <a:t>11/12/19</a:t>
+              <a:t>11/14/2019</a:t>
             </a:fld>
             <a:endParaRPr lang="en-US"/>
           </a:p>
@@ -3488,7 +10547,7 @@
           <a:p>
             <a:fld id="{5D6495F3-B757-4FAF-98AA-EDA7D1485485}" type="datetimeFigureOut">
               <a:rPr lang="en-US" smtClean="0"/>
-              <a:t>11/12/19</a:t>
+              <a:t>11/14/2019</a:t>
             </a:fld>
             <a:endParaRPr lang="en-US"/>
           </a:p>
@@ -3729,7 +10788,7 @@
           <a:p>
             <a:fld id="{5D6495F3-B757-4FAF-98AA-EDA7D1485485}" type="datetimeFigureOut">
               <a:rPr lang="en-US" smtClean="0"/>
-              <a:t>11/12/19</a:t>
+              <a:t>11/14/2019</a:t>
             </a:fld>
             <a:endParaRPr lang="en-US"/>
           </a:p>
@@ -4279,7 +11338,7 @@
           <a:p>
             <a:fld id="{3652CD92-9D15-43B4-8516-073FCDAC90D4}" type="datetimeFigureOut">
               <a:rPr lang="en-US" smtClean="0"/>
-              <a:t>11/12/19</a:t>
+              <a:t>11/14/2019</a:t>
             </a:fld>
             <a:endParaRPr lang="en-US"/>
           </a:p>
@@ -4690,16 +11749,21 @@
             <p:ph type="ctrTitle"/>
           </p:nvPr>
         </p:nvSpPr>
-        <p:spPr/>
+        <p:spPr>
+          <a:xfrm>
+            <a:off x="1524000" y="1122363"/>
+            <a:ext cx="9144000" cy="2387600"/>
+          </a:xfrm>
+        </p:spPr>
         <p:txBody>
           <a:bodyPr/>
           <a:lstStyle/>
           <a:p>
             <a:r>
-              <a:rPr lang="en-CA" dirty="0"/>
+              <a:rPr lang="en-CA" b="1"/>
               <a:t>Effects on the Popularity of Airbnb by NYC Borough</a:t>
             </a:r>
-            <a:endParaRPr lang="en-US" dirty="0"/>
+            <a:endParaRPr lang="en-US" b="1" dirty="0"/>
           </a:p>
         </p:txBody>
       </p:sp>
@@ -4719,27 +11783,60 @@
             <p:ph type="subTitle" idx="1"/>
           </p:nvPr>
         </p:nvSpPr>
-        <p:spPr/>
+        <p:spPr>
+          <a:xfrm>
+            <a:off x="1524000" y="3602038"/>
+            <a:ext cx="9144000" cy="609015"/>
+          </a:xfrm>
+        </p:spPr>
         <p:txBody>
           <a:bodyPr/>
           <a:lstStyle/>
           <a:p>
             <a:r>
-              <a:rPr lang="en-CA" dirty="0"/>
-              <a:t>Arnold, </a:t>
-            </a:r>
-            <a:r>
-              <a:rPr lang="en-CA" dirty="0" err="1"/>
-              <a:t>Shifaa</a:t>
-            </a:r>
-            <a:r>
-              <a:rPr lang="en-CA" dirty="0"/>
-              <a:t>, Hayden, Shao</a:t>
+              <a:rPr lang="en-CA"/>
+              <a:t>Arnold, Shifaa, Hayden, Shao</a:t>
             </a:r>
             <a:endParaRPr lang="en-US" dirty="0"/>
           </a:p>
         </p:txBody>
       </p:sp>
+      <p:pic>
+        <p:nvPicPr>
+          <p:cNvPr id="4" name="Picture 3" descr="A view of a city at night&#10;&#10;Description automatically generated">
+            <a:extLst>
+              <a:ext uri="{FF2B5EF4-FFF2-40B4-BE49-F238E27FC236}">
+                <a16:creationId xmlns:a16="http://schemas.microsoft.com/office/drawing/2014/main" id="{4B92DC9D-4EFC-410D-A3E6-C917CA9E9D6B}"/>
+              </a:ext>
+            </a:extLst>
+          </p:cNvPr>
+          <p:cNvPicPr>
+            <a:picLocks noChangeAspect="1"/>
+          </p:cNvPicPr>
+          <p:nvPr/>
+        </p:nvPicPr>
+        <p:blipFill>
+          <a:blip r:embed="rId2">
+            <a:extLst>
+              <a:ext uri="{28A0092B-C50C-407E-A947-70E740481C1C}">
+                <a14:useLocalDpi xmlns:a14="http://schemas.microsoft.com/office/drawing/2010/main" val="0"/>
+              </a:ext>
+            </a:extLst>
+          </a:blip>
+          <a:stretch>
+            <a:fillRect/>
+          </a:stretch>
+        </p:blipFill>
+        <p:spPr>
+          <a:xfrm>
+            <a:off x="0" y="4470400"/>
+            <a:ext cx="12192000" cy="2387600"/>
+          </a:xfrm>
+          <a:prstGeom prst="rect">
+            <a:avLst/>
+          </a:prstGeom>
+        </p:spPr>
+      </p:pic>
     </p:spTree>
     <p:extLst>
       <p:ext uri="{BB962C8B-B14F-4D97-AF65-F5344CB8AC3E}">
@@ -5982,7 +13079,7 @@
               </a:lnSpc>
             </a:pPr>
             <a:r>
-              <a:rPr lang="en-US" sz="1400" dirty="0">
+              <a:rPr lang="en-US" sz="1600" dirty="0">
                 <a:solidFill>
                   <a:srgbClr val="D24726"/>
                 </a:solidFill>
@@ -6032,6 +13129,20 @@
               <a:buNone/>
             </a:pPr>
             <a:r>
+              <a:rPr lang="en-US" sz="1600" dirty="0">
+                <a:solidFill>
+                  <a:schemeClr val="tx1">
+                    <a:lumMod val="65000"/>
+                    <a:lumOff val="35000"/>
+                  </a:schemeClr>
+                </a:solidFill>
+                <a:latin typeface="Segoe UI Semilight" panose="020B0402040204020203" pitchFamily="34" charset="0"/>
+                <a:ea typeface="Segoe UI" panose="020B0502040204020203" pitchFamily="34" charset="0"/>
+                <a:cs typeface="Segoe UI Semilight" panose="020B0402040204020203" pitchFamily="34" charset="0"/>
+              </a:rPr>
+              <a:t>A‌i‌r‌b‌n‌b‌,‌ ‌I‌n‌c‌.‌ is an online marketplace for arranging or offering lodging, primarily homestays, or tourism experiences. The company does not own any of the real estate listings, nor does it host events; it acts as a broker, receiving commissions from each booking. The company is based in San Francisco, California, United States</a:t>
+            </a:r>
+            <a:r>
               <a:rPr lang="en-US" sz="1400" dirty="0">
                 <a:solidFill>
                   <a:schemeClr val="tx1">
@@ -6043,7 +13154,7 @@
                 <a:ea typeface="Segoe UI" panose="020B0502040204020203" pitchFamily="34" charset="0"/>
                 <a:cs typeface="Segoe UI Semilight" panose="020B0402040204020203" pitchFamily="34" charset="0"/>
               </a:rPr>
-              <a:t>A‌i‌r‌b‌n‌b‌,‌ ‌I‌n‌c‌.‌ is an online marketplace for arranging or offering lodging, primarily homestays, or tourism experiences. The company does not own any of the real estate listings, nor does it host events; it acts as a broker, receiving commissions from each booking. The company is based in San Francisco, California, United States.</a:t>
+              <a:t>.</a:t>
             </a:r>
           </a:p>
         </p:txBody>
@@ -6057,7 +13168,7 @@
         <p:spPr>
           <a:xfrm>
             <a:off x="7315199" y="1799869"/>
-            <a:ext cx="4374481" cy="1991186"/>
+            <a:ext cx="4374481" cy="2262479"/>
           </a:xfrm>
           <a:prstGeom prst="rect">
             <a:avLst/>
@@ -6075,7 +13186,7 @@
               </a:lnSpc>
             </a:pPr>
             <a:r>
-              <a:rPr lang="en-US" sz="1400" b="1" dirty="0">
+              <a:rPr lang="en-US" sz="1600" b="1" dirty="0">
                 <a:solidFill>
                   <a:srgbClr val="D24726"/>
                 </a:solidFill>
@@ -6085,7 +13196,7 @@
               <a:t>Founded: </a:t>
             </a:r>
             <a:r>
-              <a:rPr lang="en-US" sz="1400" dirty="0">
+              <a:rPr lang="en-US" sz="1600" dirty="0">
                 <a:solidFill>
                   <a:schemeClr val="tx1">
                     <a:lumMod val="65000"/>
@@ -6105,7 +13216,7 @@
               </a:lnSpc>
             </a:pPr>
             <a:r>
-              <a:rPr lang="en-US" sz="1400" b="1" dirty="0">
+              <a:rPr lang="en-US" sz="1600" b="1" dirty="0">
                 <a:solidFill>
                   <a:srgbClr val="D24726"/>
                 </a:solidFill>
@@ -6115,7 +13226,7 @@
               <a:t>Revenue: </a:t>
             </a:r>
             <a:r>
-              <a:rPr lang="en-US" sz="1400" dirty="0">
+              <a:rPr lang="en-US" sz="1600" dirty="0">
                 <a:solidFill>
                   <a:schemeClr val="tx1">
                     <a:lumMod val="65000"/>
@@ -6135,7 +13246,7 @@
               </a:lnSpc>
             </a:pPr>
             <a:r>
-              <a:rPr lang="en-US" sz="1400" b="1" dirty="0">
+              <a:rPr lang="en-US" sz="1600" b="1" dirty="0">
                 <a:solidFill>
                   <a:srgbClr val="D24726"/>
                 </a:solidFill>
@@ -6145,7 +13256,7 @@
               <a:t>Headquarters: </a:t>
             </a:r>
             <a:r>
-              <a:rPr lang="en-US" sz="1400" dirty="0">
+              <a:rPr lang="en-US" sz="1600" dirty="0">
                 <a:solidFill>
                   <a:schemeClr val="tx1">
                     <a:lumMod val="65000"/>
@@ -6165,7 +13276,7 @@
               </a:lnSpc>
             </a:pPr>
             <a:r>
-              <a:rPr lang="en-US" sz="1400" b="1" dirty="0">
+              <a:rPr lang="en-US" sz="1600" b="1" dirty="0">
                 <a:solidFill>
                   <a:srgbClr val="D24726"/>
                 </a:solidFill>
@@ -6175,7 +13286,7 @@
               <a:t>CEO: </a:t>
             </a:r>
             <a:r>
-              <a:rPr lang="en-US" sz="1400" dirty="0">
+              <a:rPr lang="en-US" sz="1600" dirty="0">
                 <a:solidFill>
                   <a:schemeClr val="tx1">
                     <a:lumMod val="65000"/>
@@ -6195,7 +13306,7 @@
               </a:lnSpc>
             </a:pPr>
             <a:r>
-              <a:rPr lang="en-US" sz="1400" b="1" dirty="0">
+              <a:rPr lang="en-US" sz="1600" b="1" dirty="0">
                 <a:solidFill>
                   <a:srgbClr val="D24726"/>
                 </a:solidFill>
@@ -6205,7 +13316,7 @@
               <a:t>Founders: </a:t>
             </a:r>
             <a:r>
-              <a:rPr lang="en-US" sz="1400" dirty="0">
+              <a:rPr lang="en-US" sz="1600" dirty="0">
                 <a:solidFill>
                   <a:schemeClr val="tx1">
                     <a:lumMod val="65000"/>
@@ -6282,10 +13393,10 @@
       </p:sp>
       <p:pic>
         <p:nvPicPr>
-          <p:cNvPr id="16" name="Picture 15" descr="A view of a city at night&#10;&#10;Description automatically generated">
+          <p:cNvPr id="3" name="Picture 2" descr="A picture containing drawing&#10;&#10;Description automatically generated">
             <a:extLst>
               <a:ext uri="{FF2B5EF4-FFF2-40B4-BE49-F238E27FC236}">
-                <a16:creationId xmlns:a16="http://schemas.microsoft.com/office/drawing/2014/main" id="{D851C8F8-BBF0-416A-AF42-45FA45EFF5C4}"/>
+                <a16:creationId xmlns:a16="http://schemas.microsoft.com/office/drawing/2014/main" id="{1453FFFD-A729-40CB-ADF3-6BBE05B89A93}"/>
               </a:ext>
             </a:extLst>
           </p:cNvPr>
@@ -6308,8 +13419,8 @@
         </p:blipFill>
         <p:spPr>
           <a:xfrm>
-            <a:off x="0" y="4470400"/>
-            <a:ext cx="12192000" cy="2387600"/>
+            <a:off x="5098708" y="30636"/>
+            <a:ext cx="2237872" cy="2145613"/>
           </a:xfrm>
           <a:prstGeom prst="rect">
             <a:avLst/>
@@ -6356,6 +13467,487 @@
       </p:grpSpPr>
       <p:sp>
         <p:nvSpPr>
+          <p:cNvPr id="10" name="Freeform: Shape 9">
+            <a:extLst>
+              <a:ext uri="{FF2B5EF4-FFF2-40B4-BE49-F238E27FC236}">
+                <a16:creationId xmlns:a16="http://schemas.microsoft.com/office/drawing/2014/main" id="{46C2E80F-49A6-4372-B103-219D417A55ED}"/>
+              </a:ext>
+              <a:ext uri="{C183D7F6-B498-43B3-948B-1728B52AA6E4}">
+                <adec:decorative xmlns:adec="http://schemas.microsoft.com/office/drawing/2017/decorative" val="1"/>
+              </a:ext>
+            </a:extLst>
+          </p:cNvPr>
+          <p:cNvSpPr>
+            <a:spLocks noGrp="1" noRot="1" noChangeAspect="1" noMove="1" noResize="1" noEditPoints="1" noAdjustHandles="1" noChangeArrowheads="1" noChangeShapeType="1" noTextEdit="1"/>
+          </p:cNvSpPr>
+          <p:nvPr>
+            <p:extLst>
+              <p:ext uri="{386F3935-93C4-4BCD-93E2-E3B085C9AB24}">
+                <p16:designElem xmlns:p16="http://schemas.microsoft.com/office/powerpoint/2015/main" val="1"/>
+              </p:ext>
+            </p:extLst>
+          </p:nvPr>
+        </p:nvSpPr>
+        <p:spPr>
+          <a:xfrm>
+            <a:off x="484096" y="470925"/>
+            <a:ext cx="4381009" cy="5892104"/>
+          </a:xfrm>
+          <a:custGeom>
+            <a:avLst/>
+            <a:gdLst>
+              <a:gd name="connsiteX0" fmla="*/ 0 w 4381009"/>
+              <a:gd name="connsiteY0" fmla="*/ 0 h 5892104"/>
+              <a:gd name="connsiteX1" fmla="*/ 4157628 w 4381009"/>
+              <a:gd name="connsiteY1" fmla="*/ 0 h 5892104"/>
+              <a:gd name="connsiteX2" fmla="*/ 4169302 w 4381009"/>
+              <a:gd name="connsiteY2" fmla="*/ 68659 h 5892104"/>
+              <a:gd name="connsiteX3" fmla="*/ 4191571 w 4381009"/>
+              <a:gd name="connsiteY3" fmla="*/ 205472 h 5892104"/>
+              <a:gd name="connsiteX4" fmla="*/ 4213368 w 4381009"/>
+              <a:gd name="connsiteY4" fmla="*/ 342890 h 5892104"/>
+              <a:gd name="connsiteX5" fmla="*/ 4232030 w 4381009"/>
+              <a:gd name="connsiteY5" fmla="*/ 480913 h 5892104"/>
+              <a:gd name="connsiteX6" fmla="*/ 4250848 w 4381009"/>
+              <a:gd name="connsiteY6" fmla="*/ 618332 h 5892104"/>
+              <a:gd name="connsiteX7" fmla="*/ 4268412 w 4381009"/>
+              <a:gd name="connsiteY7" fmla="*/ 756355 h 5892104"/>
+              <a:gd name="connsiteX8" fmla="*/ 4283467 w 4381009"/>
+              <a:gd name="connsiteY8" fmla="*/ 892563 h 5892104"/>
+              <a:gd name="connsiteX9" fmla="*/ 4297737 w 4381009"/>
+              <a:gd name="connsiteY9" fmla="*/ 1030587 h 5892104"/>
+              <a:gd name="connsiteX10" fmla="*/ 4310754 w 4381009"/>
+              <a:gd name="connsiteY10" fmla="*/ 1168005 h 5892104"/>
+              <a:gd name="connsiteX11" fmla="*/ 4322045 w 4381009"/>
+              <a:gd name="connsiteY11" fmla="*/ 1303002 h 5892104"/>
+              <a:gd name="connsiteX12" fmla="*/ 4333336 w 4381009"/>
+              <a:gd name="connsiteY12" fmla="*/ 1439815 h 5892104"/>
+              <a:gd name="connsiteX13" fmla="*/ 4342745 w 4381009"/>
+              <a:gd name="connsiteY13" fmla="*/ 1574812 h 5892104"/>
+              <a:gd name="connsiteX14" fmla="*/ 4350115 w 4381009"/>
+              <a:gd name="connsiteY14" fmla="*/ 1709808 h 5892104"/>
+              <a:gd name="connsiteX15" fmla="*/ 4357799 w 4381009"/>
+              <a:gd name="connsiteY15" fmla="*/ 1844200 h 5892104"/>
+              <a:gd name="connsiteX16" fmla="*/ 4364229 w 4381009"/>
+              <a:gd name="connsiteY16" fmla="*/ 1977381 h 5892104"/>
+              <a:gd name="connsiteX17" fmla="*/ 4368777 w 4381009"/>
+              <a:gd name="connsiteY17" fmla="*/ 2109351 h 5892104"/>
+              <a:gd name="connsiteX18" fmla="*/ 4372697 w 4381009"/>
+              <a:gd name="connsiteY18" fmla="*/ 2241321 h 5892104"/>
+              <a:gd name="connsiteX19" fmla="*/ 4376461 w 4381009"/>
+              <a:gd name="connsiteY19" fmla="*/ 2372080 h 5892104"/>
+              <a:gd name="connsiteX20" fmla="*/ 4378186 w 4381009"/>
+              <a:gd name="connsiteY20" fmla="*/ 2501023 h 5892104"/>
+              <a:gd name="connsiteX21" fmla="*/ 4380068 w 4381009"/>
+              <a:gd name="connsiteY21" fmla="*/ 2629966 h 5892104"/>
+              <a:gd name="connsiteX22" fmla="*/ 4381009 w 4381009"/>
+              <a:gd name="connsiteY22" fmla="*/ 2757093 h 5892104"/>
+              <a:gd name="connsiteX23" fmla="*/ 4380068 w 4381009"/>
+              <a:gd name="connsiteY23" fmla="*/ 2883010 h 5892104"/>
+              <a:gd name="connsiteX24" fmla="*/ 4380068 w 4381009"/>
+              <a:gd name="connsiteY24" fmla="*/ 3007715 h 5892104"/>
+              <a:gd name="connsiteX25" fmla="*/ 4378186 w 4381009"/>
+              <a:gd name="connsiteY25" fmla="*/ 3131210 h 5892104"/>
+              <a:gd name="connsiteX26" fmla="*/ 4375363 w 4381009"/>
+              <a:gd name="connsiteY26" fmla="*/ 3252283 h 5892104"/>
+              <a:gd name="connsiteX27" fmla="*/ 4372697 w 4381009"/>
+              <a:gd name="connsiteY27" fmla="*/ 3372146 h 5892104"/>
+              <a:gd name="connsiteX28" fmla="*/ 4369718 w 4381009"/>
+              <a:gd name="connsiteY28" fmla="*/ 3489587 h 5892104"/>
+              <a:gd name="connsiteX29" fmla="*/ 4365170 w 4381009"/>
+              <a:gd name="connsiteY29" fmla="*/ 3606423 h 5892104"/>
+              <a:gd name="connsiteX30" fmla="*/ 4360309 w 4381009"/>
+              <a:gd name="connsiteY30" fmla="*/ 3721443 h 5892104"/>
+              <a:gd name="connsiteX31" fmla="*/ 4355918 w 4381009"/>
+              <a:gd name="connsiteY31" fmla="*/ 3834041 h 5892104"/>
+              <a:gd name="connsiteX32" fmla="*/ 4343529 w 4381009"/>
+              <a:gd name="connsiteY32" fmla="*/ 4053789 h 5892104"/>
+              <a:gd name="connsiteX33" fmla="*/ 4330356 w 4381009"/>
+              <a:gd name="connsiteY33" fmla="*/ 4264457 h 5892104"/>
+              <a:gd name="connsiteX34" fmla="*/ 4316556 w 4381009"/>
+              <a:gd name="connsiteY34" fmla="*/ 4466650 h 5892104"/>
+              <a:gd name="connsiteX35" fmla="*/ 4301344 w 4381009"/>
+              <a:gd name="connsiteY35" fmla="*/ 4657946 h 5892104"/>
+              <a:gd name="connsiteX36" fmla="*/ 4285506 w 4381009"/>
+              <a:gd name="connsiteY36" fmla="*/ 4840767 h 5892104"/>
+              <a:gd name="connsiteX37" fmla="*/ 4268412 w 4381009"/>
+              <a:gd name="connsiteY37" fmla="*/ 5010269 h 5892104"/>
+              <a:gd name="connsiteX38" fmla="*/ 4251633 w 4381009"/>
+              <a:gd name="connsiteY38" fmla="*/ 5169481 h 5892104"/>
+              <a:gd name="connsiteX39" fmla="*/ 4234853 w 4381009"/>
+              <a:gd name="connsiteY39" fmla="*/ 5315980 h 5892104"/>
+              <a:gd name="connsiteX40" fmla="*/ 4219014 w 4381009"/>
+              <a:gd name="connsiteY40" fmla="*/ 5450371 h 5892104"/>
+              <a:gd name="connsiteX41" fmla="*/ 4203959 w 4381009"/>
+              <a:gd name="connsiteY41" fmla="*/ 5569628 h 5892104"/>
+              <a:gd name="connsiteX42" fmla="*/ 4189689 w 4381009"/>
+              <a:gd name="connsiteY42" fmla="*/ 5677384 h 5892104"/>
+              <a:gd name="connsiteX43" fmla="*/ 4177770 w 4381009"/>
+              <a:gd name="connsiteY43" fmla="*/ 5768189 h 5892104"/>
+              <a:gd name="connsiteX44" fmla="*/ 4166479 w 4381009"/>
+              <a:gd name="connsiteY44" fmla="*/ 5844465 h 5892104"/>
+              <a:gd name="connsiteX45" fmla="*/ 4159132 w 4381009"/>
+              <a:gd name="connsiteY45" fmla="*/ 5892104 h 5892104"/>
+              <a:gd name="connsiteX46" fmla="*/ 0 w 4381009"/>
+              <a:gd name="connsiteY46" fmla="*/ 5892104 h 5892104"/>
+            </a:gdLst>
+            <a:ahLst/>
+            <a:cxnLst>
+              <a:cxn ang="0">
+                <a:pos x="connsiteX0" y="connsiteY0"/>
+              </a:cxn>
+              <a:cxn ang="0">
+                <a:pos x="connsiteX1" y="connsiteY1"/>
+              </a:cxn>
+              <a:cxn ang="0">
+                <a:pos x="connsiteX2" y="connsiteY2"/>
+              </a:cxn>
+              <a:cxn ang="0">
+                <a:pos x="connsiteX3" y="connsiteY3"/>
+              </a:cxn>
+              <a:cxn ang="0">
+                <a:pos x="connsiteX4" y="connsiteY4"/>
+              </a:cxn>
+              <a:cxn ang="0">
+                <a:pos x="connsiteX5" y="connsiteY5"/>
+              </a:cxn>
+              <a:cxn ang="0">
+                <a:pos x="connsiteX6" y="connsiteY6"/>
+              </a:cxn>
+              <a:cxn ang="0">
+                <a:pos x="connsiteX7" y="connsiteY7"/>
+              </a:cxn>
+              <a:cxn ang="0">
+                <a:pos x="connsiteX8" y="connsiteY8"/>
+              </a:cxn>
+              <a:cxn ang="0">
+                <a:pos x="connsiteX9" y="connsiteY9"/>
+              </a:cxn>
+              <a:cxn ang="0">
+                <a:pos x="connsiteX10" y="connsiteY10"/>
+              </a:cxn>
+              <a:cxn ang="0">
+                <a:pos x="connsiteX11" y="connsiteY11"/>
+              </a:cxn>
+              <a:cxn ang="0">
+                <a:pos x="connsiteX12" y="connsiteY12"/>
+              </a:cxn>
+              <a:cxn ang="0">
+                <a:pos x="connsiteX13" y="connsiteY13"/>
+              </a:cxn>
+              <a:cxn ang="0">
+                <a:pos x="connsiteX14" y="connsiteY14"/>
+              </a:cxn>
+              <a:cxn ang="0">
+                <a:pos x="connsiteX15" y="connsiteY15"/>
+              </a:cxn>
+              <a:cxn ang="0">
+                <a:pos x="connsiteX16" y="connsiteY16"/>
+              </a:cxn>
+              <a:cxn ang="0">
+                <a:pos x="connsiteX17" y="connsiteY17"/>
+              </a:cxn>
+              <a:cxn ang="0">
+                <a:pos x="connsiteX18" y="connsiteY18"/>
+              </a:cxn>
+              <a:cxn ang="0">
+                <a:pos x="connsiteX19" y="connsiteY19"/>
+              </a:cxn>
+              <a:cxn ang="0">
+                <a:pos x="connsiteX20" y="connsiteY20"/>
+              </a:cxn>
+              <a:cxn ang="0">
+                <a:pos x="connsiteX21" y="connsiteY21"/>
+              </a:cxn>
+              <a:cxn ang="0">
+                <a:pos x="connsiteX22" y="connsiteY22"/>
+              </a:cxn>
+              <a:cxn ang="0">
+                <a:pos x="connsiteX23" y="connsiteY23"/>
+              </a:cxn>
+              <a:cxn ang="0">
+                <a:pos x="connsiteX24" y="connsiteY24"/>
+              </a:cxn>
+              <a:cxn ang="0">
+                <a:pos x="connsiteX25" y="connsiteY25"/>
+              </a:cxn>
+              <a:cxn ang="0">
+                <a:pos x="connsiteX26" y="connsiteY26"/>
+              </a:cxn>
+              <a:cxn ang="0">
+                <a:pos x="connsiteX27" y="connsiteY27"/>
+              </a:cxn>
+              <a:cxn ang="0">
+                <a:pos x="connsiteX28" y="connsiteY28"/>
+              </a:cxn>
+              <a:cxn ang="0">
+                <a:pos x="connsiteX29" y="connsiteY29"/>
+              </a:cxn>
+              <a:cxn ang="0">
+                <a:pos x="connsiteX30" y="connsiteY30"/>
+              </a:cxn>
+              <a:cxn ang="0">
+                <a:pos x="connsiteX31" y="connsiteY31"/>
+              </a:cxn>
+              <a:cxn ang="0">
+                <a:pos x="connsiteX32" y="connsiteY32"/>
+              </a:cxn>
+              <a:cxn ang="0">
+                <a:pos x="connsiteX33" y="connsiteY33"/>
+              </a:cxn>
+              <a:cxn ang="0">
+                <a:pos x="connsiteX34" y="connsiteY34"/>
+              </a:cxn>
+              <a:cxn ang="0">
+                <a:pos x="connsiteX35" y="connsiteY35"/>
+              </a:cxn>
+              <a:cxn ang="0">
+                <a:pos x="connsiteX36" y="connsiteY36"/>
+              </a:cxn>
+              <a:cxn ang="0">
+                <a:pos x="connsiteX37" y="connsiteY37"/>
+              </a:cxn>
+              <a:cxn ang="0">
+                <a:pos x="connsiteX38" y="connsiteY38"/>
+              </a:cxn>
+              <a:cxn ang="0">
+                <a:pos x="connsiteX39" y="connsiteY39"/>
+              </a:cxn>
+              <a:cxn ang="0">
+                <a:pos x="connsiteX40" y="connsiteY40"/>
+              </a:cxn>
+              <a:cxn ang="0">
+                <a:pos x="connsiteX41" y="connsiteY41"/>
+              </a:cxn>
+              <a:cxn ang="0">
+                <a:pos x="connsiteX42" y="connsiteY42"/>
+              </a:cxn>
+              <a:cxn ang="0">
+                <a:pos x="connsiteX43" y="connsiteY43"/>
+              </a:cxn>
+              <a:cxn ang="0">
+                <a:pos x="connsiteX44" y="connsiteY44"/>
+              </a:cxn>
+              <a:cxn ang="0">
+                <a:pos x="connsiteX45" y="connsiteY45"/>
+              </a:cxn>
+              <a:cxn ang="0">
+                <a:pos x="connsiteX46" y="connsiteY46"/>
+              </a:cxn>
+            </a:cxnLst>
+            <a:rect l="l" t="t" r="r" b="b"/>
+            <a:pathLst>
+              <a:path w="4381009" h="5892104">
+                <a:moveTo>
+                  <a:pt x="0" y="0"/>
+                </a:moveTo>
+                <a:lnTo>
+                  <a:pt x="4157628" y="0"/>
+                </a:lnTo>
+                <a:lnTo>
+                  <a:pt x="4169302" y="68659"/>
+                </a:lnTo>
+                <a:lnTo>
+                  <a:pt x="4191571" y="205472"/>
+                </a:lnTo>
+                <a:lnTo>
+                  <a:pt x="4213368" y="342890"/>
+                </a:lnTo>
+                <a:lnTo>
+                  <a:pt x="4232030" y="480913"/>
+                </a:lnTo>
+                <a:lnTo>
+                  <a:pt x="4250848" y="618332"/>
+                </a:lnTo>
+                <a:lnTo>
+                  <a:pt x="4268412" y="756355"/>
+                </a:lnTo>
+                <a:lnTo>
+                  <a:pt x="4283467" y="892563"/>
+                </a:lnTo>
+                <a:lnTo>
+                  <a:pt x="4297737" y="1030587"/>
+                </a:lnTo>
+                <a:lnTo>
+                  <a:pt x="4310754" y="1168005"/>
+                </a:lnTo>
+                <a:lnTo>
+                  <a:pt x="4322045" y="1303002"/>
+                </a:lnTo>
+                <a:lnTo>
+                  <a:pt x="4333336" y="1439815"/>
+                </a:lnTo>
+                <a:lnTo>
+                  <a:pt x="4342745" y="1574812"/>
+                </a:lnTo>
+                <a:lnTo>
+                  <a:pt x="4350115" y="1709808"/>
+                </a:lnTo>
+                <a:lnTo>
+                  <a:pt x="4357799" y="1844200"/>
+                </a:lnTo>
+                <a:lnTo>
+                  <a:pt x="4364229" y="1977381"/>
+                </a:lnTo>
+                <a:lnTo>
+                  <a:pt x="4368777" y="2109351"/>
+                </a:lnTo>
+                <a:lnTo>
+                  <a:pt x="4372697" y="2241321"/>
+                </a:lnTo>
+                <a:lnTo>
+                  <a:pt x="4376461" y="2372080"/>
+                </a:lnTo>
+                <a:lnTo>
+                  <a:pt x="4378186" y="2501023"/>
+                </a:lnTo>
+                <a:lnTo>
+                  <a:pt x="4380068" y="2629966"/>
+                </a:lnTo>
+                <a:lnTo>
+                  <a:pt x="4381009" y="2757093"/>
+                </a:lnTo>
+                <a:lnTo>
+                  <a:pt x="4380068" y="2883010"/>
+                </a:lnTo>
+                <a:lnTo>
+                  <a:pt x="4380068" y="3007715"/>
+                </a:lnTo>
+                <a:lnTo>
+                  <a:pt x="4378186" y="3131210"/>
+                </a:lnTo>
+                <a:lnTo>
+                  <a:pt x="4375363" y="3252283"/>
+                </a:lnTo>
+                <a:lnTo>
+                  <a:pt x="4372697" y="3372146"/>
+                </a:lnTo>
+                <a:lnTo>
+                  <a:pt x="4369718" y="3489587"/>
+                </a:lnTo>
+                <a:lnTo>
+                  <a:pt x="4365170" y="3606423"/>
+                </a:lnTo>
+                <a:lnTo>
+                  <a:pt x="4360309" y="3721443"/>
+                </a:lnTo>
+                <a:lnTo>
+                  <a:pt x="4355918" y="3834041"/>
+                </a:lnTo>
+                <a:lnTo>
+                  <a:pt x="4343529" y="4053789"/>
+                </a:lnTo>
+                <a:lnTo>
+                  <a:pt x="4330356" y="4264457"/>
+                </a:lnTo>
+                <a:lnTo>
+                  <a:pt x="4316556" y="4466650"/>
+                </a:lnTo>
+                <a:lnTo>
+                  <a:pt x="4301344" y="4657946"/>
+                </a:lnTo>
+                <a:lnTo>
+                  <a:pt x="4285506" y="4840767"/>
+                </a:lnTo>
+                <a:lnTo>
+                  <a:pt x="4268412" y="5010269"/>
+                </a:lnTo>
+                <a:lnTo>
+                  <a:pt x="4251633" y="5169481"/>
+                </a:lnTo>
+                <a:lnTo>
+                  <a:pt x="4234853" y="5315980"/>
+                </a:lnTo>
+                <a:lnTo>
+                  <a:pt x="4219014" y="5450371"/>
+                </a:lnTo>
+                <a:lnTo>
+                  <a:pt x="4203959" y="5569628"/>
+                </a:lnTo>
+                <a:lnTo>
+                  <a:pt x="4189689" y="5677384"/>
+                </a:lnTo>
+                <a:lnTo>
+                  <a:pt x="4177770" y="5768189"/>
+                </a:lnTo>
+                <a:lnTo>
+                  <a:pt x="4166479" y="5844465"/>
+                </a:lnTo>
+                <a:lnTo>
+                  <a:pt x="4159132" y="5892104"/>
+                </a:lnTo>
+                <a:lnTo>
+                  <a:pt x="0" y="5892104"/>
+                </a:lnTo>
+                <a:close/>
+              </a:path>
+            </a:pathLst>
+          </a:custGeom>
+          <a:solidFill>
+            <a:srgbClr val="404040"/>
+          </a:solidFill>
+          <a:ln>
+            <a:noFill/>
+          </a:ln>
+        </p:spPr>
+        <p:style>
+          <a:lnRef idx="2">
+            <a:schemeClr val="accent1">
+              <a:shade val="50000"/>
+            </a:schemeClr>
+          </a:lnRef>
+          <a:fillRef idx="1">
+            <a:schemeClr val="accent1"/>
+          </a:fillRef>
+          <a:effectRef idx="0">
+            <a:schemeClr val="accent1"/>
+          </a:effectRef>
+          <a:fontRef idx="minor">
+            <a:schemeClr val="lt1"/>
+          </a:fontRef>
+        </p:style>
+        <p:txBody>
+          <a:bodyPr wrap="square" rtlCol="0" anchor="ctr">
+            <a:noAutofit/>
+          </a:bodyPr>
+          <a:lstStyle/>
+          <a:p>
+            <a:pPr marL="0" marR="0" lvl="0" indent="0" algn="ctr" defTabSz="457200" rtl="0" eaLnBrk="1" fontAlgn="auto" latinLnBrk="0" hangingPunct="1">
+              <a:lnSpc>
+                <a:spcPct val="100000"/>
+              </a:lnSpc>
+              <a:spcBef>
+                <a:spcPts val="0"/>
+              </a:spcBef>
+              <a:spcAft>
+                <a:spcPts val="0"/>
+              </a:spcAft>
+              <a:buClrTx/>
+              <a:buSzTx/>
+              <a:buFontTx/>
+              <a:buNone/>
+              <a:tabLst/>
+              <a:defRPr/>
+            </a:pPr>
+            <a:endParaRPr kumimoji="0" lang="en-US" sz="1800" b="0" i="0" u="none" strike="noStrike" kern="1200" cap="none" spc="0" normalizeH="0" baseline="0" noProof="0">
+              <a:ln>
+                <a:noFill/>
+              </a:ln>
+              <a:solidFill>
+                <a:prstClr val="white"/>
+              </a:solidFill>
+              <a:effectLst/>
+              <a:uLnTx/>
+              <a:uFillTx/>
+              <a:latin typeface="Calibri" panose="020F0502020204030204"/>
+              <a:ea typeface="+mn-ea"/>
+              <a:cs typeface="+mn-cs"/>
+            </a:endParaRPr>
+          </a:p>
+        </p:txBody>
+      </p:sp>
+      <p:sp>
+        <p:nvSpPr>
           <p:cNvPr id="2" name="Title 1"/>
           <p:cNvSpPr>
             <a:spLocks noGrp="1"/>
@@ -6366,8 +13958,8 @@
         </p:nvSpPr>
         <p:spPr>
           <a:xfrm>
-            <a:off x="838200" y="365125"/>
-            <a:ext cx="10515600" cy="1325563"/>
+            <a:off x="863029" y="1012004"/>
+            <a:ext cx="3416158" cy="4795408"/>
           </a:xfrm>
         </p:spPr>
         <p:txBody>
@@ -6377,126 +13969,44 @@
           <a:lstStyle/>
           <a:p>
             <a:r>
-              <a:rPr lang="en-US" dirty="0"/>
+              <a:rPr lang="en-US">
+                <a:solidFill>
+                  <a:srgbClr val="FFFFFF"/>
+                </a:solidFill>
+              </a:rPr>
               <a:t>Contents</a:t>
             </a:r>
           </a:p>
         </p:txBody>
       </p:sp>
-      <p:pic>
-        <p:nvPicPr>
-          <p:cNvPr id="6" name="Picture 5" descr="A picture containing drawing&#10;&#10;Description automatically generated">
+      <p:graphicFrame>
+        <p:nvGraphicFramePr>
+          <p:cNvPr id="5" name="Content Placeholder 2">
             <a:extLst>
               <a:ext uri="{FF2B5EF4-FFF2-40B4-BE49-F238E27FC236}">
-                <a16:creationId xmlns:a16="http://schemas.microsoft.com/office/drawing/2014/main" id="{8EA91B87-D15E-4804-8F0F-A7D7194D9B5A}"/>
+                <a16:creationId xmlns:a16="http://schemas.microsoft.com/office/drawing/2014/main" id="{090E7BCD-F311-4402-886C-F5EE0D9B7D81}"/>
               </a:ext>
             </a:extLst>
           </p:cNvPr>
-          <p:cNvPicPr>
-            <a:picLocks noChangeAspect="1"/>
-          </p:cNvPicPr>
-          <p:nvPr/>
-        </p:nvPicPr>
-        <p:blipFill rotWithShape="1">
-          <a:blip r:embed="rId2">
-            <a:extLst>
-              <a:ext uri="{28A0092B-C50C-407E-A947-70E740481C1C}">
-                <a14:useLocalDpi xmlns:a14="http://schemas.microsoft.com/office/drawing/2010/main" val="0"/>
-              </a:ext>
-            </a:extLst>
-          </a:blip>
-          <a:srcRect l="10203" r="10813" b="2"/>
-          <a:stretch/>
-        </p:blipFill>
-        <p:spPr>
-          <a:xfrm>
-            <a:off x="799187" y="1904281"/>
-            <a:ext cx="3450083" cy="4272681"/>
-          </a:xfrm>
-          <a:prstGeom prst="rect">
-            <a:avLst/>
-          </a:prstGeom>
-        </p:spPr>
-      </p:pic>
-      <p:sp>
-        <p:nvSpPr>
-          <p:cNvPr id="3" name="Content Placeholder 2"/>
-          <p:cNvSpPr>
-            <a:spLocks noGrp="1"/>
-          </p:cNvSpPr>
+          <p:cNvGraphicFramePr/>
           <p:nvPr>
-            <p:ph type="body" idx="1"/>
+            <p:extLst>
+              <p:ext uri="{D42A27DB-BD31-4B8C-83A1-F6EECF244321}">
+                <p14:modId xmlns:p14="http://schemas.microsoft.com/office/powerpoint/2010/main" val="187438651"/>
+              </p:ext>
+            </p:extLst>
           </p:nvPr>
-        </p:nvSpPr>
-        <p:spPr>
-          <a:xfrm>
-            <a:off x="4636008" y="1825625"/>
-            <a:ext cx="6717792" cy="4351338"/>
-          </a:xfrm>
-        </p:spPr>
-        <p:txBody>
-          <a:bodyPr>
-            <a:normAutofit/>
-          </a:bodyPr>
-          <a:lstStyle/>
-          <a:p>
-            <a:pPr marL="0" indent="0">
-              <a:buNone/>
-            </a:pPr>
-            <a:endParaRPr lang="en-US" sz="2400" dirty="0"/>
-          </a:p>
-          <a:p>
-            <a:r>
-              <a:rPr lang="en-CA" sz="2400" b="1" dirty="0"/>
-              <a:t>Who is using Airbnb in NYC?</a:t>
-            </a:r>
-          </a:p>
-          <a:p>
-            <a:r>
-              <a:rPr lang="en-CA" sz="2400" b="1" dirty="0"/>
-              <a:t>How is Airbnb used in the different boroughs?</a:t>
-            </a:r>
-          </a:p>
-          <a:p>
-            <a:r>
-              <a:rPr lang="en-CA" sz="2400" b="1" dirty="0"/>
-              <a:t>How do house building projects affect their Airbnb use?</a:t>
-            </a:r>
-          </a:p>
-          <a:p>
-            <a:r>
-              <a:rPr lang="en-CA" sz="2400" b="1" dirty="0"/>
-              <a:t>Does crime have an impact on the Airbnb's use in different boroughs?</a:t>
-            </a:r>
-          </a:p>
-          <a:p>
-            <a:r>
-              <a:rPr lang="en-CA" sz="2400" b="1" dirty="0"/>
-              <a:t>Is there a relation between </a:t>
-            </a:r>
-            <a:r>
-              <a:rPr lang="en-CA" sz="2400" b="1" dirty="0" err="1"/>
-              <a:t>hashtagged</a:t>
-            </a:r>
-            <a:r>
-              <a:rPr lang="en-CA" sz="2400" b="1" dirty="0"/>
-              <a:t> twitter data and the popularity of Airbnb in those areas?</a:t>
-            </a:r>
-          </a:p>
-          <a:p>
-            <a:endParaRPr lang="en-CA" sz="2400" b="1" dirty="0"/>
-          </a:p>
-          <a:p>
-            <a:endParaRPr lang="en-US" sz="2400" dirty="0"/>
-          </a:p>
-          <a:p>
-            <a:endParaRPr lang="en-US" sz="2400" dirty="0"/>
-          </a:p>
-          <a:p>
-            <a:endParaRPr lang="en-US" sz="2400" dirty="0"/>
-          </a:p>
-        </p:txBody>
-      </p:sp>
+        </p:nvGraphicFramePr>
+        <p:xfrm>
+          <a:off x="5194300" y="470924"/>
+          <a:ext cx="6513604" cy="5885426"/>
+        </p:xfrm>
+        <a:graphic>
+          <a:graphicData uri="http://schemas.openxmlformats.org/drawingml/2006/diagram">
+            <dgm:relIds xmlns:dgm="http://schemas.openxmlformats.org/drawingml/2006/diagram" xmlns:r="http://schemas.openxmlformats.org/officeDocument/2006/relationships" r:dm="rId2" r:lo="rId3" r:qs="rId4" r:cs="rId5"/>
+          </a:graphicData>
+        </a:graphic>
+      </p:graphicFrame>
     </p:spTree>
     <p:extLst>
       <p:ext uri="{BB962C8B-B14F-4D97-AF65-F5344CB8AC3E}">
@@ -7180,6 +14690,14 @@
 <file path=ppt/slides/slide5.xml><?xml version="1.0" encoding="utf-8"?>
 <p:sld xmlns:a="http://schemas.openxmlformats.org/drawingml/2006/main" xmlns:r="http://schemas.openxmlformats.org/officeDocument/2006/relationships" xmlns:p="http://schemas.openxmlformats.org/presentationml/2006/main">
   <p:cSld>
+    <p:bg>
+      <p:bgPr>
+        <a:solidFill>
+          <a:schemeClr val="bg1"/>
+        </a:solidFill>
+        <a:effectLst/>
+      </p:bgPr>
+    </p:bg>
     <p:spTree>
       <p:nvGrpSpPr>
         <p:cNvPr id="1" name=""/>
@@ -7196,6 +14714,487 @@
       </p:grpSpPr>
       <p:sp>
         <p:nvSpPr>
+          <p:cNvPr id="10" name="Freeform: Shape 9">
+            <a:extLst>
+              <a:ext uri="{FF2B5EF4-FFF2-40B4-BE49-F238E27FC236}">
+                <a16:creationId xmlns:a16="http://schemas.microsoft.com/office/drawing/2014/main" id="{46C2E80F-49A6-4372-B103-219D417A55ED}"/>
+              </a:ext>
+              <a:ext uri="{C183D7F6-B498-43B3-948B-1728B52AA6E4}">
+                <adec:decorative xmlns:adec="http://schemas.microsoft.com/office/drawing/2017/decorative" val="1"/>
+              </a:ext>
+            </a:extLst>
+          </p:cNvPr>
+          <p:cNvSpPr>
+            <a:spLocks noGrp="1" noRot="1" noChangeAspect="1" noMove="1" noResize="1" noEditPoints="1" noAdjustHandles="1" noChangeArrowheads="1" noChangeShapeType="1" noTextEdit="1"/>
+          </p:cNvSpPr>
+          <p:nvPr>
+            <p:extLst>
+              <p:ext uri="{386F3935-93C4-4BCD-93E2-E3B085C9AB24}">
+                <p16:designElem xmlns:p16="http://schemas.microsoft.com/office/powerpoint/2015/main" val="1"/>
+              </p:ext>
+            </p:extLst>
+          </p:nvPr>
+        </p:nvSpPr>
+        <p:spPr>
+          <a:xfrm>
+            <a:off x="484096" y="470925"/>
+            <a:ext cx="4381009" cy="5892104"/>
+          </a:xfrm>
+          <a:custGeom>
+            <a:avLst/>
+            <a:gdLst>
+              <a:gd name="connsiteX0" fmla="*/ 0 w 4381009"/>
+              <a:gd name="connsiteY0" fmla="*/ 0 h 5892104"/>
+              <a:gd name="connsiteX1" fmla="*/ 4157628 w 4381009"/>
+              <a:gd name="connsiteY1" fmla="*/ 0 h 5892104"/>
+              <a:gd name="connsiteX2" fmla="*/ 4169302 w 4381009"/>
+              <a:gd name="connsiteY2" fmla="*/ 68659 h 5892104"/>
+              <a:gd name="connsiteX3" fmla="*/ 4191571 w 4381009"/>
+              <a:gd name="connsiteY3" fmla="*/ 205472 h 5892104"/>
+              <a:gd name="connsiteX4" fmla="*/ 4213368 w 4381009"/>
+              <a:gd name="connsiteY4" fmla="*/ 342890 h 5892104"/>
+              <a:gd name="connsiteX5" fmla="*/ 4232030 w 4381009"/>
+              <a:gd name="connsiteY5" fmla="*/ 480913 h 5892104"/>
+              <a:gd name="connsiteX6" fmla="*/ 4250848 w 4381009"/>
+              <a:gd name="connsiteY6" fmla="*/ 618332 h 5892104"/>
+              <a:gd name="connsiteX7" fmla="*/ 4268412 w 4381009"/>
+              <a:gd name="connsiteY7" fmla="*/ 756355 h 5892104"/>
+              <a:gd name="connsiteX8" fmla="*/ 4283467 w 4381009"/>
+              <a:gd name="connsiteY8" fmla="*/ 892563 h 5892104"/>
+              <a:gd name="connsiteX9" fmla="*/ 4297737 w 4381009"/>
+              <a:gd name="connsiteY9" fmla="*/ 1030587 h 5892104"/>
+              <a:gd name="connsiteX10" fmla="*/ 4310754 w 4381009"/>
+              <a:gd name="connsiteY10" fmla="*/ 1168005 h 5892104"/>
+              <a:gd name="connsiteX11" fmla="*/ 4322045 w 4381009"/>
+              <a:gd name="connsiteY11" fmla="*/ 1303002 h 5892104"/>
+              <a:gd name="connsiteX12" fmla="*/ 4333336 w 4381009"/>
+              <a:gd name="connsiteY12" fmla="*/ 1439815 h 5892104"/>
+              <a:gd name="connsiteX13" fmla="*/ 4342745 w 4381009"/>
+              <a:gd name="connsiteY13" fmla="*/ 1574812 h 5892104"/>
+              <a:gd name="connsiteX14" fmla="*/ 4350115 w 4381009"/>
+              <a:gd name="connsiteY14" fmla="*/ 1709808 h 5892104"/>
+              <a:gd name="connsiteX15" fmla="*/ 4357799 w 4381009"/>
+              <a:gd name="connsiteY15" fmla="*/ 1844200 h 5892104"/>
+              <a:gd name="connsiteX16" fmla="*/ 4364229 w 4381009"/>
+              <a:gd name="connsiteY16" fmla="*/ 1977381 h 5892104"/>
+              <a:gd name="connsiteX17" fmla="*/ 4368777 w 4381009"/>
+              <a:gd name="connsiteY17" fmla="*/ 2109351 h 5892104"/>
+              <a:gd name="connsiteX18" fmla="*/ 4372697 w 4381009"/>
+              <a:gd name="connsiteY18" fmla="*/ 2241321 h 5892104"/>
+              <a:gd name="connsiteX19" fmla="*/ 4376461 w 4381009"/>
+              <a:gd name="connsiteY19" fmla="*/ 2372080 h 5892104"/>
+              <a:gd name="connsiteX20" fmla="*/ 4378186 w 4381009"/>
+              <a:gd name="connsiteY20" fmla="*/ 2501023 h 5892104"/>
+              <a:gd name="connsiteX21" fmla="*/ 4380068 w 4381009"/>
+              <a:gd name="connsiteY21" fmla="*/ 2629966 h 5892104"/>
+              <a:gd name="connsiteX22" fmla="*/ 4381009 w 4381009"/>
+              <a:gd name="connsiteY22" fmla="*/ 2757093 h 5892104"/>
+              <a:gd name="connsiteX23" fmla="*/ 4380068 w 4381009"/>
+              <a:gd name="connsiteY23" fmla="*/ 2883010 h 5892104"/>
+              <a:gd name="connsiteX24" fmla="*/ 4380068 w 4381009"/>
+              <a:gd name="connsiteY24" fmla="*/ 3007715 h 5892104"/>
+              <a:gd name="connsiteX25" fmla="*/ 4378186 w 4381009"/>
+              <a:gd name="connsiteY25" fmla="*/ 3131210 h 5892104"/>
+              <a:gd name="connsiteX26" fmla="*/ 4375363 w 4381009"/>
+              <a:gd name="connsiteY26" fmla="*/ 3252283 h 5892104"/>
+              <a:gd name="connsiteX27" fmla="*/ 4372697 w 4381009"/>
+              <a:gd name="connsiteY27" fmla="*/ 3372146 h 5892104"/>
+              <a:gd name="connsiteX28" fmla="*/ 4369718 w 4381009"/>
+              <a:gd name="connsiteY28" fmla="*/ 3489587 h 5892104"/>
+              <a:gd name="connsiteX29" fmla="*/ 4365170 w 4381009"/>
+              <a:gd name="connsiteY29" fmla="*/ 3606423 h 5892104"/>
+              <a:gd name="connsiteX30" fmla="*/ 4360309 w 4381009"/>
+              <a:gd name="connsiteY30" fmla="*/ 3721443 h 5892104"/>
+              <a:gd name="connsiteX31" fmla="*/ 4355918 w 4381009"/>
+              <a:gd name="connsiteY31" fmla="*/ 3834041 h 5892104"/>
+              <a:gd name="connsiteX32" fmla="*/ 4343529 w 4381009"/>
+              <a:gd name="connsiteY32" fmla="*/ 4053789 h 5892104"/>
+              <a:gd name="connsiteX33" fmla="*/ 4330356 w 4381009"/>
+              <a:gd name="connsiteY33" fmla="*/ 4264457 h 5892104"/>
+              <a:gd name="connsiteX34" fmla="*/ 4316556 w 4381009"/>
+              <a:gd name="connsiteY34" fmla="*/ 4466650 h 5892104"/>
+              <a:gd name="connsiteX35" fmla="*/ 4301344 w 4381009"/>
+              <a:gd name="connsiteY35" fmla="*/ 4657946 h 5892104"/>
+              <a:gd name="connsiteX36" fmla="*/ 4285506 w 4381009"/>
+              <a:gd name="connsiteY36" fmla="*/ 4840767 h 5892104"/>
+              <a:gd name="connsiteX37" fmla="*/ 4268412 w 4381009"/>
+              <a:gd name="connsiteY37" fmla="*/ 5010269 h 5892104"/>
+              <a:gd name="connsiteX38" fmla="*/ 4251633 w 4381009"/>
+              <a:gd name="connsiteY38" fmla="*/ 5169481 h 5892104"/>
+              <a:gd name="connsiteX39" fmla="*/ 4234853 w 4381009"/>
+              <a:gd name="connsiteY39" fmla="*/ 5315980 h 5892104"/>
+              <a:gd name="connsiteX40" fmla="*/ 4219014 w 4381009"/>
+              <a:gd name="connsiteY40" fmla="*/ 5450371 h 5892104"/>
+              <a:gd name="connsiteX41" fmla="*/ 4203959 w 4381009"/>
+              <a:gd name="connsiteY41" fmla="*/ 5569628 h 5892104"/>
+              <a:gd name="connsiteX42" fmla="*/ 4189689 w 4381009"/>
+              <a:gd name="connsiteY42" fmla="*/ 5677384 h 5892104"/>
+              <a:gd name="connsiteX43" fmla="*/ 4177770 w 4381009"/>
+              <a:gd name="connsiteY43" fmla="*/ 5768189 h 5892104"/>
+              <a:gd name="connsiteX44" fmla="*/ 4166479 w 4381009"/>
+              <a:gd name="connsiteY44" fmla="*/ 5844465 h 5892104"/>
+              <a:gd name="connsiteX45" fmla="*/ 4159132 w 4381009"/>
+              <a:gd name="connsiteY45" fmla="*/ 5892104 h 5892104"/>
+              <a:gd name="connsiteX46" fmla="*/ 0 w 4381009"/>
+              <a:gd name="connsiteY46" fmla="*/ 5892104 h 5892104"/>
+            </a:gdLst>
+            <a:ahLst/>
+            <a:cxnLst>
+              <a:cxn ang="0">
+                <a:pos x="connsiteX0" y="connsiteY0"/>
+              </a:cxn>
+              <a:cxn ang="0">
+                <a:pos x="connsiteX1" y="connsiteY1"/>
+              </a:cxn>
+              <a:cxn ang="0">
+                <a:pos x="connsiteX2" y="connsiteY2"/>
+              </a:cxn>
+              <a:cxn ang="0">
+                <a:pos x="connsiteX3" y="connsiteY3"/>
+              </a:cxn>
+              <a:cxn ang="0">
+                <a:pos x="connsiteX4" y="connsiteY4"/>
+              </a:cxn>
+              <a:cxn ang="0">
+                <a:pos x="connsiteX5" y="connsiteY5"/>
+              </a:cxn>
+              <a:cxn ang="0">
+                <a:pos x="connsiteX6" y="connsiteY6"/>
+              </a:cxn>
+              <a:cxn ang="0">
+                <a:pos x="connsiteX7" y="connsiteY7"/>
+              </a:cxn>
+              <a:cxn ang="0">
+                <a:pos x="connsiteX8" y="connsiteY8"/>
+              </a:cxn>
+              <a:cxn ang="0">
+                <a:pos x="connsiteX9" y="connsiteY9"/>
+              </a:cxn>
+              <a:cxn ang="0">
+                <a:pos x="connsiteX10" y="connsiteY10"/>
+              </a:cxn>
+              <a:cxn ang="0">
+                <a:pos x="connsiteX11" y="connsiteY11"/>
+              </a:cxn>
+              <a:cxn ang="0">
+                <a:pos x="connsiteX12" y="connsiteY12"/>
+              </a:cxn>
+              <a:cxn ang="0">
+                <a:pos x="connsiteX13" y="connsiteY13"/>
+              </a:cxn>
+              <a:cxn ang="0">
+                <a:pos x="connsiteX14" y="connsiteY14"/>
+              </a:cxn>
+              <a:cxn ang="0">
+                <a:pos x="connsiteX15" y="connsiteY15"/>
+              </a:cxn>
+              <a:cxn ang="0">
+                <a:pos x="connsiteX16" y="connsiteY16"/>
+              </a:cxn>
+              <a:cxn ang="0">
+                <a:pos x="connsiteX17" y="connsiteY17"/>
+              </a:cxn>
+              <a:cxn ang="0">
+                <a:pos x="connsiteX18" y="connsiteY18"/>
+              </a:cxn>
+              <a:cxn ang="0">
+                <a:pos x="connsiteX19" y="connsiteY19"/>
+              </a:cxn>
+              <a:cxn ang="0">
+                <a:pos x="connsiteX20" y="connsiteY20"/>
+              </a:cxn>
+              <a:cxn ang="0">
+                <a:pos x="connsiteX21" y="connsiteY21"/>
+              </a:cxn>
+              <a:cxn ang="0">
+                <a:pos x="connsiteX22" y="connsiteY22"/>
+              </a:cxn>
+              <a:cxn ang="0">
+                <a:pos x="connsiteX23" y="connsiteY23"/>
+              </a:cxn>
+              <a:cxn ang="0">
+                <a:pos x="connsiteX24" y="connsiteY24"/>
+              </a:cxn>
+              <a:cxn ang="0">
+                <a:pos x="connsiteX25" y="connsiteY25"/>
+              </a:cxn>
+              <a:cxn ang="0">
+                <a:pos x="connsiteX26" y="connsiteY26"/>
+              </a:cxn>
+              <a:cxn ang="0">
+                <a:pos x="connsiteX27" y="connsiteY27"/>
+              </a:cxn>
+              <a:cxn ang="0">
+                <a:pos x="connsiteX28" y="connsiteY28"/>
+              </a:cxn>
+              <a:cxn ang="0">
+                <a:pos x="connsiteX29" y="connsiteY29"/>
+              </a:cxn>
+              <a:cxn ang="0">
+                <a:pos x="connsiteX30" y="connsiteY30"/>
+              </a:cxn>
+              <a:cxn ang="0">
+                <a:pos x="connsiteX31" y="connsiteY31"/>
+              </a:cxn>
+              <a:cxn ang="0">
+                <a:pos x="connsiteX32" y="connsiteY32"/>
+              </a:cxn>
+              <a:cxn ang="0">
+                <a:pos x="connsiteX33" y="connsiteY33"/>
+              </a:cxn>
+              <a:cxn ang="0">
+                <a:pos x="connsiteX34" y="connsiteY34"/>
+              </a:cxn>
+              <a:cxn ang="0">
+                <a:pos x="connsiteX35" y="connsiteY35"/>
+              </a:cxn>
+              <a:cxn ang="0">
+                <a:pos x="connsiteX36" y="connsiteY36"/>
+              </a:cxn>
+              <a:cxn ang="0">
+                <a:pos x="connsiteX37" y="connsiteY37"/>
+              </a:cxn>
+              <a:cxn ang="0">
+                <a:pos x="connsiteX38" y="connsiteY38"/>
+              </a:cxn>
+              <a:cxn ang="0">
+                <a:pos x="connsiteX39" y="connsiteY39"/>
+              </a:cxn>
+              <a:cxn ang="0">
+                <a:pos x="connsiteX40" y="connsiteY40"/>
+              </a:cxn>
+              <a:cxn ang="0">
+                <a:pos x="connsiteX41" y="connsiteY41"/>
+              </a:cxn>
+              <a:cxn ang="0">
+                <a:pos x="connsiteX42" y="connsiteY42"/>
+              </a:cxn>
+              <a:cxn ang="0">
+                <a:pos x="connsiteX43" y="connsiteY43"/>
+              </a:cxn>
+              <a:cxn ang="0">
+                <a:pos x="connsiteX44" y="connsiteY44"/>
+              </a:cxn>
+              <a:cxn ang="0">
+                <a:pos x="connsiteX45" y="connsiteY45"/>
+              </a:cxn>
+              <a:cxn ang="0">
+                <a:pos x="connsiteX46" y="connsiteY46"/>
+              </a:cxn>
+            </a:cxnLst>
+            <a:rect l="l" t="t" r="r" b="b"/>
+            <a:pathLst>
+              <a:path w="4381009" h="5892104">
+                <a:moveTo>
+                  <a:pt x="0" y="0"/>
+                </a:moveTo>
+                <a:lnTo>
+                  <a:pt x="4157628" y="0"/>
+                </a:lnTo>
+                <a:lnTo>
+                  <a:pt x="4169302" y="68659"/>
+                </a:lnTo>
+                <a:lnTo>
+                  <a:pt x="4191571" y="205472"/>
+                </a:lnTo>
+                <a:lnTo>
+                  <a:pt x="4213368" y="342890"/>
+                </a:lnTo>
+                <a:lnTo>
+                  <a:pt x="4232030" y="480913"/>
+                </a:lnTo>
+                <a:lnTo>
+                  <a:pt x="4250848" y="618332"/>
+                </a:lnTo>
+                <a:lnTo>
+                  <a:pt x="4268412" y="756355"/>
+                </a:lnTo>
+                <a:lnTo>
+                  <a:pt x="4283467" y="892563"/>
+                </a:lnTo>
+                <a:lnTo>
+                  <a:pt x="4297737" y="1030587"/>
+                </a:lnTo>
+                <a:lnTo>
+                  <a:pt x="4310754" y="1168005"/>
+                </a:lnTo>
+                <a:lnTo>
+                  <a:pt x="4322045" y="1303002"/>
+                </a:lnTo>
+                <a:lnTo>
+                  <a:pt x="4333336" y="1439815"/>
+                </a:lnTo>
+                <a:lnTo>
+                  <a:pt x="4342745" y="1574812"/>
+                </a:lnTo>
+                <a:lnTo>
+                  <a:pt x="4350115" y="1709808"/>
+                </a:lnTo>
+                <a:lnTo>
+                  <a:pt x="4357799" y="1844200"/>
+                </a:lnTo>
+                <a:lnTo>
+                  <a:pt x="4364229" y="1977381"/>
+                </a:lnTo>
+                <a:lnTo>
+                  <a:pt x="4368777" y="2109351"/>
+                </a:lnTo>
+                <a:lnTo>
+                  <a:pt x="4372697" y="2241321"/>
+                </a:lnTo>
+                <a:lnTo>
+                  <a:pt x="4376461" y="2372080"/>
+                </a:lnTo>
+                <a:lnTo>
+                  <a:pt x="4378186" y="2501023"/>
+                </a:lnTo>
+                <a:lnTo>
+                  <a:pt x="4380068" y="2629966"/>
+                </a:lnTo>
+                <a:lnTo>
+                  <a:pt x="4381009" y="2757093"/>
+                </a:lnTo>
+                <a:lnTo>
+                  <a:pt x="4380068" y="2883010"/>
+                </a:lnTo>
+                <a:lnTo>
+                  <a:pt x="4380068" y="3007715"/>
+                </a:lnTo>
+                <a:lnTo>
+                  <a:pt x="4378186" y="3131210"/>
+                </a:lnTo>
+                <a:lnTo>
+                  <a:pt x="4375363" y="3252283"/>
+                </a:lnTo>
+                <a:lnTo>
+                  <a:pt x="4372697" y="3372146"/>
+                </a:lnTo>
+                <a:lnTo>
+                  <a:pt x="4369718" y="3489587"/>
+                </a:lnTo>
+                <a:lnTo>
+                  <a:pt x="4365170" y="3606423"/>
+                </a:lnTo>
+                <a:lnTo>
+                  <a:pt x="4360309" y="3721443"/>
+                </a:lnTo>
+                <a:lnTo>
+                  <a:pt x="4355918" y="3834041"/>
+                </a:lnTo>
+                <a:lnTo>
+                  <a:pt x="4343529" y="4053789"/>
+                </a:lnTo>
+                <a:lnTo>
+                  <a:pt x="4330356" y="4264457"/>
+                </a:lnTo>
+                <a:lnTo>
+                  <a:pt x="4316556" y="4466650"/>
+                </a:lnTo>
+                <a:lnTo>
+                  <a:pt x="4301344" y="4657946"/>
+                </a:lnTo>
+                <a:lnTo>
+                  <a:pt x="4285506" y="4840767"/>
+                </a:lnTo>
+                <a:lnTo>
+                  <a:pt x="4268412" y="5010269"/>
+                </a:lnTo>
+                <a:lnTo>
+                  <a:pt x="4251633" y="5169481"/>
+                </a:lnTo>
+                <a:lnTo>
+                  <a:pt x="4234853" y="5315980"/>
+                </a:lnTo>
+                <a:lnTo>
+                  <a:pt x="4219014" y="5450371"/>
+                </a:lnTo>
+                <a:lnTo>
+                  <a:pt x="4203959" y="5569628"/>
+                </a:lnTo>
+                <a:lnTo>
+                  <a:pt x="4189689" y="5677384"/>
+                </a:lnTo>
+                <a:lnTo>
+                  <a:pt x="4177770" y="5768189"/>
+                </a:lnTo>
+                <a:lnTo>
+                  <a:pt x="4166479" y="5844465"/>
+                </a:lnTo>
+                <a:lnTo>
+                  <a:pt x="4159132" y="5892104"/>
+                </a:lnTo>
+                <a:lnTo>
+                  <a:pt x="0" y="5892104"/>
+                </a:lnTo>
+                <a:close/>
+              </a:path>
+            </a:pathLst>
+          </a:custGeom>
+          <a:solidFill>
+            <a:srgbClr val="404040"/>
+          </a:solidFill>
+          <a:ln>
+            <a:noFill/>
+          </a:ln>
+        </p:spPr>
+        <p:style>
+          <a:lnRef idx="2">
+            <a:schemeClr val="accent1">
+              <a:shade val="50000"/>
+            </a:schemeClr>
+          </a:lnRef>
+          <a:fillRef idx="1">
+            <a:schemeClr val="accent1"/>
+          </a:fillRef>
+          <a:effectRef idx="0">
+            <a:schemeClr val="accent1"/>
+          </a:effectRef>
+          <a:fontRef idx="minor">
+            <a:schemeClr val="lt1"/>
+          </a:fontRef>
+        </p:style>
+        <p:txBody>
+          <a:bodyPr wrap="square" rtlCol="0" anchor="ctr">
+            <a:noAutofit/>
+          </a:bodyPr>
+          <a:lstStyle/>
+          <a:p>
+            <a:pPr marL="0" marR="0" lvl="0" indent="0" algn="ctr" defTabSz="457200" rtl="0" eaLnBrk="1" fontAlgn="auto" latinLnBrk="0" hangingPunct="1">
+              <a:lnSpc>
+                <a:spcPct val="100000"/>
+              </a:lnSpc>
+              <a:spcBef>
+                <a:spcPts val="0"/>
+              </a:spcBef>
+              <a:spcAft>
+                <a:spcPts val="0"/>
+              </a:spcAft>
+              <a:buClrTx/>
+              <a:buSzTx/>
+              <a:buFontTx/>
+              <a:buNone/>
+              <a:tabLst/>
+              <a:defRPr/>
+            </a:pPr>
+            <a:endParaRPr kumimoji="0" lang="en-US" sz="1800" b="0" i="0" u="none" strike="noStrike" kern="1200" cap="none" spc="0" normalizeH="0" baseline="0" noProof="0">
+              <a:ln>
+                <a:noFill/>
+              </a:ln>
+              <a:solidFill>
+                <a:prstClr val="white"/>
+              </a:solidFill>
+              <a:effectLst/>
+              <a:uLnTx/>
+              <a:uFillTx/>
+              <a:latin typeface="Calibri" panose="020F0502020204030204"/>
+              <a:ea typeface="+mn-ea"/>
+              <a:cs typeface="+mn-cs"/>
+            </a:endParaRPr>
+          </a:p>
+        </p:txBody>
+      </p:sp>
+      <p:sp>
+        <p:nvSpPr>
           <p:cNvPr id="2" name="Title 1">
             <a:extLst>
               <a:ext uri="{FF2B5EF4-FFF2-40B4-BE49-F238E27FC236}">
@@ -7210,82 +15209,62 @@
             <p:ph type="title"/>
           </p:nvPr>
         </p:nvSpPr>
-        <p:spPr/>
+        <p:spPr>
+          <a:xfrm>
+            <a:off x="863029" y="1012004"/>
+            <a:ext cx="3416158" cy="4795408"/>
+          </a:xfrm>
+        </p:spPr>
         <p:txBody>
-          <a:bodyPr/>
+          <a:bodyPr vert="horz" lIns="91440" tIns="45720" rIns="91440" bIns="45720" rtlCol="0" anchor="ctr">
+            <a:normAutofit/>
+          </a:bodyPr>
           <a:lstStyle/>
           <a:p>
             <a:r>
-              <a:rPr lang="en-US" dirty="0"/>
+              <a:rPr lang="en-US" sz="4400">
+                <a:solidFill>
+                  <a:srgbClr val="FFFFFF"/>
+                </a:solidFill>
+                <a:latin typeface="+mj-lt"/>
+                <a:cs typeface="+mj-cs"/>
+              </a:rPr>
               <a:t>Data Cleanup </a:t>
             </a:r>
           </a:p>
         </p:txBody>
       </p:sp>
-      <p:sp>
-        <p:nvSpPr>
-          <p:cNvPr id="3" name="Content Placeholder 2">
+      <p:graphicFrame>
+        <p:nvGraphicFramePr>
+          <p:cNvPr id="5" name="Content Placeholder 2">
             <a:extLst>
               <a:ext uri="{FF2B5EF4-FFF2-40B4-BE49-F238E27FC236}">
-                <a16:creationId xmlns:a16="http://schemas.microsoft.com/office/drawing/2014/main" id="{EEFF8631-9FA3-684E-A6FE-2D13D4432039}"/>
+                <a16:creationId xmlns:a16="http://schemas.microsoft.com/office/drawing/2014/main" id="{BD9EAC25-A7D1-4001-8E54-502ECC782EA1}"/>
               </a:ext>
             </a:extLst>
           </p:cNvPr>
-          <p:cNvSpPr>
-            <a:spLocks noGrp="1"/>
-          </p:cNvSpPr>
+          <p:cNvGraphicFramePr>
+            <a:graphicFrameLocks noGrp="1"/>
+          </p:cNvGraphicFramePr>
           <p:nvPr>
             <p:ph idx="1"/>
+            <p:extLst>
+              <p:ext uri="{D42A27DB-BD31-4B8C-83A1-F6EECF244321}">
+                <p14:modId xmlns:p14="http://schemas.microsoft.com/office/powerpoint/2010/main" val="1245862895"/>
+              </p:ext>
+            </p:extLst>
           </p:nvPr>
-        </p:nvSpPr>
-        <p:spPr/>
-        <p:txBody>
-          <a:bodyPr>
-            <a:normAutofit/>
-          </a:bodyPr>
-          <a:lstStyle/>
-          <a:p>
-            <a:r>
-              <a:rPr lang="en-US" sz="1800" dirty="0"/>
-              <a:t>Checked for duplicates</a:t>
-            </a:r>
-          </a:p>
-          <a:p>
-            <a:r>
-              <a:rPr lang="en-US" sz="1800" dirty="0"/>
-              <a:t>Removed Airbnb’s with 0 availability </a:t>
-            </a:r>
-          </a:p>
-          <a:p>
-            <a:r>
-              <a:rPr lang="en-US" sz="1800" dirty="0"/>
-              <a:t>Checked for null values</a:t>
-            </a:r>
-          </a:p>
-          <a:p>
-            <a:pPr lvl="1"/>
-            <a:r>
-              <a:rPr lang="en-US" sz="1600" dirty="0"/>
-              <a:t>No null values in columns we deemed as significant</a:t>
-            </a:r>
-          </a:p>
-          <a:p>
-            <a:r>
-              <a:rPr lang="en-US" sz="1800" dirty="0"/>
-              <a:t>Checked data types for each column</a:t>
-            </a:r>
-          </a:p>
-          <a:p>
-            <a:r>
-              <a:rPr lang="en-US" sz="1800" dirty="0"/>
-              <a:t>Renamed all the columns</a:t>
-            </a:r>
-          </a:p>
-          <a:p>
-            <a:endParaRPr lang="en-US" sz="1800" dirty="0"/>
-          </a:p>
-        </p:txBody>
-      </p:sp>
+        </p:nvGraphicFramePr>
+        <p:xfrm>
+          <a:off x="5194300" y="470924"/>
+          <a:ext cx="6513604" cy="5885426"/>
+        </p:xfrm>
+        <a:graphic>
+          <a:graphicData uri="http://schemas.openxmlformats.org/drawingml/2006/diagram">
+            <dgm:relIds xmlns:dgm="http://schemas.openxmlformats.org/drawingml/2006/diagram" xmlns:r="http://schemas.openxmlformats.org/officeDocument/2006/relationships" r:dm="rId2" r:lo="rId3" r:qs="rId4" r:cs="rId5"/>
+          </a:graphicData>
+        </a:graphic>
+      </p:graphicFrame>
     </p:spTree>
     <p:extLst>
       <p:ext uri="{BB962C8B-B14F-4D97-AF65-F5344CB8AC3E}">
@@ -7764,21 +15743,19 @@
       </p:grpSpPr>
       <p:pic>
         <p:nvPicPr>
-          <p:cNvPr id="5" name="Content Placeholder 4" descr="A screenshot of a cell phone&#10;&#10;Description automatically generated">
+          <p:cNvPr id="3" name="Picture 2" descr="A close up of a device&#10;&#10;Description automatically generated">
             <a:extLst>
               <a:ext uri="{FF2B5EF4-FFF2-40B4-BE49-F238E27FC236}">
-                <a16:creationId xmlns:a16="http://schemas.microsoft.com/office/drawing/2014/main" id="{C41AADC1-EDFA-4904-85DE-3527D8CE81A9}"/>
+                <a16:creationId xmlns:a16="http://schemas.microsoft.com/office/drawing/2014/main" id="{D7128AB6-1FF2-4FD7-BD4A-238027A9BF3E}"/>
               </a:ext>
             </a:extLst>
           </p:cNvPr>
           <p:cNvPicPr>
-            <a:picLocks noGrp="1" noChangeAspect="1"/>
+            <a:picLocks noChangeAspect="1"/>
           </p:cNvPicPr>
-          <p:nvPr>
-            <p:ph idx="1"/>
-          </p:nvPr>
+          <p:nvPr/>
         </p:nvPicPr>
-        <p:blipFill rotWithShape="1">
+        <p:blipFill>
           <a:blip r:embed="rId2">
             <a:extLst>
               <a:ext uri="{28A0092B-C50C-407E-A947-70E740481C1C}">
@@ -7786,13 +15763,14 @@
               </a:ext>
             </a:extLst>
           </a:blip>
-          <a:srcRect/>
-          <a:stretch/>
+          <a:stretch>
+            <a:fillRect/>
+          </a:stretch>
         </p:blipFill>
         <p:spPr>
           <a:xfrm>
-            <a:off x="20" y="253398"/>
-            <a:ext cx="12191980" cy="6857990"/>
+            <a:off x="643467" y="1125305"/>
+            <a:ext cx="10905066" cy="4607389"/>
           </a:xfrm>
           <a:prstGeom prst="rect">
             <a:avLst/>
@@ -7802,7 +15780,7 @@
     </p:spTree>
     <p:extLst>
       <p:ext uri="{BB962C8B-B14F-4D97-AF65-F5344CB8AC3E}">
-        <p14:creationId xmlns:p14="http://schemas.microsoft.com/office/powerpoint/2010/main" val="434477879"/>
+        <p14:creationId xmlns:p14="http://schemas.microsoft.com/office/powerpoint/2010/main" val="752311305"/>
       </p:ext>
     </p:extLst>
   </p:cSld>

--- a/Airbnb PPT.pptx
+++ b/Airbnb PPT.pptx
@@ -3047,8 +3047,8 @@
     <dgm:cxn modelId="{9A19F408-82DE-442D-B12D-4778946C7E80}" type="presOf" srcId="{FB956CAB-6E15-4FF7-B408-CAD31CFC9C6C}" destId="{F5DFC217-612A-42D5-B0FB-FD6B39FC646B}" srcOrd="0" destOrd="0" presId="urn:microsoft.com/office/officeart/2018/5/layout/CenteredIconLabelDescriptionList"/>
     <dgm:cxn modelId="{D70C6D23-448A-465B-B107-37EABA31DDCB}" srcId="{D5C95A6F-445C-4398-823E-690003771AC3}" destId="{09D0DA8D-8431-4DC9-955C-304877404A9F}" srcOrd="1" destOrd="0" parTransId="{30781EFC-A30C-49C9-AF47-E1D87DBB788F}" sibTransId="{7D2AB2DF-22CC-4D5B-B4D7-68B9722BFC38}"/>
     <dgm:cxn modelId="{70DFFC27-1307-41E5-9BDB-51B57AB88B24}" type="presOf" srcId="{D5C95A6F-445C-4398-823E-690003771AC3}" destId="{29A0F1BB-77A9-49EC-AD42-49F3A2648383}" srcOrd="0" destOrd="0" presId="urn:microsoft.com/office/officeart/2018/5/layout/CenteredIconLabelDescriptionList"/>
+    <dgm:cxn modelId="{07137746-9783-49E7-AA62-61EC78331935}" type="presOf" srcId="{09D0DA8D-8431-4DC9-955C-304877404A9F}" destId="{D427C63E-F8E3-4FFA-B85D-1F21D295CFF2}" srcOrd="0" destOrd="0" presId="urn:microsoft.com/office/officeart/2018/5/layout/CenteredIconLabelDescriptionList"/>
     <dgm:cxn modelId="{B94EF065-43F1-45E7-8540-CDA4C128F13C}" srcId="{D5C95A6F-445C-4398-823E-690003771AC3}" destId="{58BD70DE-3F1A-4AFF-9C57-CB5030C3F7C3}" srcOrd="2" destOrd="0" parTransId="{117835D4-F981-492C-AEA4-1E25DD0F0876}" sibTransId="{FF2A8048-0F5C-461D-B08D-4A8A8925EA65}"/>
-    <dgm:cxn modelId="{07137746-9783-49E7-AA62-61EC78331935}" type="presOf" srcId="{09D0DA8D-8431-4DC9-955C-304877404A9F}" destId="{D427C63E-F8E3-4FFA-B85D-1F21D295CFF2}" srcOrd="0" destOrd="0" presId="urn:microsoft.com/office/officeart/2018/5/layout/CenteredIconLabelDescriptionList"/>
     <dgm:cxn modelId="{A7AB5097-1A39-47BE-AED9-B1F72ABAFFD8}" type="presOf" srcId="{54835CFE-53F4-474C-A01C-87B75B5DBAC2}" destId="{16BD8406-4BE5-4245-9A45-A60A4AA38A06}" srcOrd="0" destOrd="0" presId="urn:microsoft.com/office/officeart/2018/5/layout/CenteredIconLabelDescriptionList"/>
     <dgm:cxn modelId="{4FAA3E9F-7391-409F-841F-0AF204818B62}" type="presOf" srcId="{58BD70DE-3F1A-4AFF-9C57-CB5030C3F7C3}" destId="{DE9D9423-3973-4D9F-9F63-0E3F3481E3FC}" srcOrd="0" destOrd="0" presId="urn:microsoft.com/office/officeart/2018/5/layout/CenteredIconLabelDescriptionList"/>
     <dgm:cxn modelId="{4EE53DA2-AF4D-438F-8C76-D37FD1E3F673}" srcId="{58BD70DE-3F1A-4AFF-9C57-CB5030C3F7C3}" destId="{FB956CAB-6E15-4FF7-B408-CAD31CFC9C6C}" srcOrd="0" destOrd="0" parTransId="{BC8292B2-0FDA-4BC5-BCCD-C93A5D81A2FE}" sibTransId="{761A6718-758D-43E0-9FA9-D4196AC9F76D}"/>
@@ -3940,7 +3940,7 @@
       <dsp:spPr>
         <a:xfrm>
           <a:off x="4462" y="2131785"/>
-          <a:ext cx="1141171" cy="641909"/>
+          <a:ext cx="1141171" cy="587580"/>
         </a:xfrm>
         <a:prstGeom prst="rect">
           <a:avLst/>
@@ -3990,7 +3990,7 @@
       </dsp:txBody>
       <dsp:txXfrm>
         <a:off x="4462" y="2131785"/>
-        <a:ext cx="1141171" cy="641909"/>
+        <a:ext cx="1141171" cy="587580"/>
       </dsp:txXfrm>
     </dsp:sp>
     <dsp:sp modelId="{55C3EF36-A51E-4EAE-B2AA-EAFF8D21ADA2}">
@@ -4000,8 +4000,8 @@
       </dsp:nvSpPr>
       <dsp:spPr>
         <a:xfrm>
-          <a:off x="4462" y="2826663"/>
-          <a:ext cx="1141171" cy="1440270"/>
+          <a:off x="4462" y="2772335"/>
+          <a:ext cx="1141171" cy="1494598"/>
         </a:xfrm>
         <a:prstGeom prst="rect">
           <a:avLst/>
@@ -4083,7 +4083,7 @@
       <dsp:spPr>
         <a:xfrm>
           <a:off x="1345339" y="2131785"/>
-          <a:ext cx="1141171" cy="641909"/>
+          <a:ext cx="1141171" cy="587580"/>
         </a:xfrm>
         <a:prstGeom prst="rect">
           <a:avLst/>
@@ -4133,7 +4133,7 @@
       </dsp:txBody>
       <dsp:txXfrm>
         <a:off x="1345339" y="2131785"/>
-        <a:ext cx="1141171" cy="641909"/>
+        <a:ext cx="1141171" cy="587580"/>
       </dsp:txXfrm>
     </dsp:sp>
     <dsp:sp modelId="{251FC53B-B486-4A61-AE9D-79F1A7E24E17}">
@@ -4143,8 +4143,8 @@
       </dsp:nvSpPr>
       <dsp:spPr>
         <a:xfrm>
-          <a:off x="1345339" y="2826663"/>
-          <a:ext cx="1141171" cy="1440270"/>
+          <a:off x="1345339" y="2772335"/>
+          <a:ext cx="1141171" cy="1494598"/>
         </a:xfrm>
         <a:prstGeom prst="rect">
           <a:avLst/>
@@ -4226,7 +4226,7 @@
       <dsp:spPr>
         <a:xfrm>
           <a:off x="2686216" y="2131785"/>
-          <a:ext cx="1141171" cy="641909"/>
+          <a:ext cx="1141171" cy="587580"/>
         </a:xfrm>
         <a:prstGeom prst="rect">
           <a:avLst/>
@@ -4276,7 +4276,7 @@
       </dsp:txBody>
       <dsp:txXfrm>
         <a:off x="2686216" y="2131785"/>
-        <a:ext cx="1141171" cy="641909"/>
+        <a:ext cx="1141171" cy="587580"/>
       </dsp:txXfrm>
     </dsp:sp>
     <dsp:sp modelId="{F5DFC217-612A-42D5-B0FB-FD6B39FC646B}">
@@ -4286,8 +4286,8 @@
       </dsp:nvSpPr>
       <dsp:spPr>
         <a:xfrm>
-          <a:off x="2686216" y="2826663"/>
-          <a:ext cx="1141171" cy="1440270"/>
+          <a:off x="2686216" y="2772335"/>
+          <a:ext cx="1141171" cy="1494598"/>
         </a:xfrm>
         <a:prstGeom prst="rect">
           <a:avLst/>
@@ -4335,8 +4335,8 @@
         </a:p>
       </dsp:txBody>
       <dsp:txXfrm>
-        <a:off x="2686216" y="2826663"/>
-        <a:ext cx="1141171" cy="1440270"/>
+        <a:off x="2686216" y="2772335"/>
+        <a:ext cx="1141171" cy="1494598"/>
       </dsp:txXfrm>
     </dsp:sp>
     <dsp:sp modelId="{2C59B738-4A4E-4BD0-8C42-411A00F1D528}">
@@ -4397,7 +4397,7 @@
       <dsp:spPr>
         <a:xfrm>
           <a:off x="4027093" y="2131785"/>
-          <a:ext cx="1141171" cy="641909"/>
+          <a:ext cx="1141171" cy="587580"/>
         </a:xfrm>
         <a:prstGeom prst="rect">
           <a:avLst/>
@@ -4447,7 +4447,7 @@
       </dsp:txBody>
       <dsp:txXfrm>
         <a:off x="4027093" y="2131785"/>
-        <a:ext cx="1141171" cy="641909"/>
+        <a:ext cx="1141171" cy="587580"/>
       </dsp:txXfrm>
     </dsp:sp>
     <dsp:sp modelId="{F5BAC500-22C7-4A7F-BE71-A35AAD1DC9DA}">
@@ -4457,8 +4457,8 @@
       </dsp:nvSpPr>
       <dsp:spPr>
         <a:xfrm>
-          <a:off x="4027093" y="2826663"/>
-          <a:ext cx="1141171" cy="1440270"/>
+          <a:off x="4027093" y="2772335"/>
+          <a:ext cx="1141171" cy="1494598"/>
         </a:xfrm>
         <a:prstGeom prst="rect">
           <a:avLst/>
@@ -4540,7 +4540,7 @@
       <dsp:spPr>
         <a:xfrm>
           <a:off x="5367969" y="2131785"/>
-          <a:ext cx="1141171" cy="641909"/>
+          <a:ext cx="1141171" cy="587580"/>
         </a:xfrm>
         <a:prstGeom prst="rect">
           <a:avLst/>
@@ -4590,7 +4590,7 @@
       </dsp:txBody>
       <dsp:txXfrm>
         <a:off x="5367969" y="2131785"/>
-        <a:ext cx="1141171" cy="641909"/>
+        <a:ext cx="1141171" cy="587580"/>
       </dsp:txXfrm>
     </dsp:sp>
     <dsp:sp modelId="{4D9E27D1-C23C-43C5-8130-B058C1015BEE}">
@@ -4600,8 +4600,8 @@
       </dsp:nvSpPr>
       <dsp:spPr>
         <a:xfrm>
-          <a:off x="5367969" y="2826663"/>
-          <a:ext cx="1141171" cy="1440270"/>
+          <a:off x="5367969" y="2772335"/>
+          <a:ext cx="1141171" cy="1494598"/>
         </a:xfrm>
         <a:prstGeom prst="rect">
           <a:avLst/>
@@ -7274,7 +7274,7 @@
           <a:p>
             <a:fld id="{A5C20BB3-3CCB-4FE5-991B-82F6BCB48AF3}" type="datetimeFigureOut">
               <a:rPr lang="en-US" smtClean="0"/>
-              <a:t>11/14/2019</a:t>
+              <a:t>11/14/19</a:t>
             </a:fld>
             <a:endParaRPr lang="en-US"/>
           </a:p>
@@ -7862,7 +7862,7 @@
           <a:p>
             <a:fld id="{5D6495F3-B757-4FAF-98AA-EDA7D1485485}" type="datetimeFigureOut">
               <a:rPr lang="en-US" smtClean="0"/>
-              <a:t>11/14/2019</a:t>
+              <a:t>11/14/19</a:t>
             </a:fld>
             <a:endParaRPr lang="en-US"/>
           </a:p>
@@ -8060,7 +8060,7 @@
           <a:p>
             <a:fld id="{5D6495F3-B757-4FAF-98AA-EDA7D1485485}" type="datetimeFigureOut">
               <a:rPr lang="en-US" smtClean="0"/>
-              <a:t>11/14/2019</a:t>
+              <a:t>11/14/19</a:t>
             </a:fld>
             <a:endParaRPr lang="en-US"/>
           </a:p>
@@ -8268,7 +8268,7 @@
           <a:p>
             <a:fld id="{5D6495F3-B757-4FAF-98AA-EDA7D1485485}" type="datetimeFigureOut">
               <a:rPr lang="en-US" smtClean="0"/>
-              <a:t>11/14/2019</a:t>
+              <a:t>11/14/19</a:t>
             </a:fld>
             <a:endParaRPr lang="en-US"/>
           </a:p>
@@ -8516,7 +8516,7 @@
           <a:p>
             <a:fld id="{3652CD92-9D15-43B4-8516-073FCDAC90D4}" type="datetimeFigureOut">
               <a:rPr lang="en-US" smtClean="0"/>
-              <a:t>11/14/2019</a:t>
+              <a:t>11/14/19</a:t>
             </a:fld>
             <a:endParaRPr lang="en-US"/>
           </a:p>
@@ -8739,7 +8739,7 @@
           <a:p>
             <a:fld id="{5D6495F3-B757-4FAF-98AA-EDA7D1485485}" type="datetimeFigureOut">
               <a:rPr lang="en-US" smtClean="0"/>
-              <a:t>11/14/2019</a:t>
+              <a:t>11/14/19</a:t>
             </a:fld>
             <a:endParaRPr lang="en-US"/>
           </a:p>
@@ -9014,7 +9014,7 @@
           <a:p>
             <a:fld id="{5D6495F3-B757-4FAF-98AA-EDA7D1485485}" type="datetimeFigureOut">
               <a:rPr lang="en-US" smtClean="0"/>
-              <a:t>11/14/2019</a:t>
+              <a:t>11/14/19</a:t>
             </a:fld>
             <a:endParaRPr lang="en-US"/>
           </a:p>
@@ -9279,7 +9279,7 @@
           <a:p>
             <a:fld id="{5D6495F3-B757-4FAF-98AA-EDA7D1485485}" type="datetimeFigureOut">
               <a:rPr lang="en-US" smtClean="0"/>
-              <a:t>11/14/2019</a:t>
+              <a:t>11/14/19</a:t>
             </a:fld>
             <a:endParaRPr lang="en-US"/>
           </a:p>
@@ -9691,7 +9691,7 @@
           <a:p>
             <a:fld id="{5D6495F3-B757-4FAF-98AA-EDA7D1485485}" type="datetimeFigureOut">
               <a:rPr lang="en-US" smtClean="0"/>
-              <a:t>11/14/2019</a:t>
+              <a:t>11/14/19</a:t>
             </a:fld>
             <a:endParaRPr lang="en-US"/>
           </a:p>
@@ -9832,7 +9832,7 @@
           <a:p>
             <a:fld id="{5D6495F3-B757-4FAF-98AA-EDA7D1485485}" type="datetimeFigureOut">
               <a:rPr lang="en-US" smtClean="0"/>
-              <a:t>11/14/2019</a:t>
+              <a:t>11/14/19</a:t>
             </a:fld>
             <a:endParaRPr lang="en-US"/>
           </a:p>
@@ -9945,7 +9945,7 @@
           <a:p>
             <a:fld id="{5D6495F3-B757-4FAF-98AA-EDA7D1485485}" type="datetimeFigureOut">
               <a:rPr lang="en-US" smtClean="0"/>
-              <a:t>11/14/2019</a:t>
+              <a:t>11/14/19</a:t>
             </a:fld>
             <a:endParaRPr lang="en-US"/>
           </a:p>
@@ -10256,7 +10256,7 @@
           <a:p>
             <a:fld id="{5D6495F3-B757-4FAF-98AA-EDA7D1485485}" type="datetimeFigureOut">
               <a:rPr lang="en-US" smtClean="0"/>
-              <a:t>11/14/2019</a:t>
+              <a:t>11/14/19</a:t>
             </a:fld>
             <a:endParaRPr lang="en-US"/>
           </a:p>
@@ -10547,7 +10547,7 @@
           <a:p>
             <a:fld id="{5D6495F3-B757-4FAF-98AA-EDA7D1485485}" type="datetimeFigureOut">
               <a:rPr lang="en-US" smtClean="0"/>
-              <a:t>11/14/2019</a:t>
+              <a:t>11/14/19</a:t>
             </a:fld>
             <a:endParaRPr lang="en-US"/>
           </a:p>
@@ -10788,7 +10788,7 @@
           <a:p>
             <a:fld id="{5D6495F3-B757-4FAF-98AA-EDA7D1485485}" type="datetimeFigureOut">
               <a:rPr lang="en-US" smtClean="0"/>
-              <a:t>11/14/2019</a:t>
+              <a:t>11/14/19</a:t>
             </a:fld>
             <a:endParaRPr lang="en-US"/>
           </a:p>
@@ -11338,7 +11338,7 @@
           <a:p>
             <a:fld id="{3652CD92-9D15-43B4-8516-073FCDAC90D4}" type="datetimeFigureOut">
               <a:rPr lang="en-US" smtClean="0"/>
-              <a:t>11/14/2019</a:t>
+              <a:t>11/14/19</a:t>
             </a:fld>
             <a:endParaRPr lang="en-US"/>
           </a:p>
@@ -12491,33 +12491,44 @@
             <p:ph idx="1"/>
           </p:nvPr>
         </p:nvSpPr>
-        <p:spPr/>
+        <p:spPr>
+          <a:xfrm>
+            <a:off x="838200" y="1692876"/>
+            <a:ext cx="10515600" cy="4284398"/>
+          </a:xfrm>
+        </p:spPr>
         <p:txBody>
           <a:bodyPr/>
           <a:lstStyle/>
           <a:p>
             <a:r>
-              <a:rPr lang="en-CA" dirty="0"/>
+              <a:rPr lang="en-CA" sz="1600" dirty="0"/>
+              <a:t>We found that Manhattan has the highest number of Airbnb listings followed by Brooklyn</a:t>
+            </a:r>
+          </a:p>
+          <a:p>
+            <a:r>
+              <a:rPr lang="en-CA" sz="1600" dirty="0"/>
               <a:t>There is a correlation of the high number of new home units with the high number of </a:t>
             </a:r>
             <a:r>
-              <a:rPr lang="en-CA" dirty="0" err="1"/>
+              <a:rPr lang="en-CA" sz="1600" dirty="0" err="1"/>
               <a:t>AirBnb</a:t>
             </a:r>
             <a:r>
-              <a:rPr lang="en-CA" dirty="0"/>
+              <a:rPr lang="en-CA" sz="1600" dirty="0"/>
               <a:t> listings in Manhattan, Brooklyn and Queens.</a:t>
             </a:r>
           </a:p>
           <a:p>
             <a:r>
-              <a:rPr lang="en-CA" dirty="0"/>
+              <a:rPr lang="en-CA" sz="1600" dirty="0"/>
               <a:t>As the arrest rate decreases, the frequency of Airbnb listings also seems to decrease.  This held true for four of five boroughs</a:t>
             </a:r>
           </a:p>
           <a:p>
             <a:r>
-              <a:rPr lang="en-CA" dirty="0"/>
+              <a:rPr lang="en-CA" sz="1600" dirty="0"/>
               <a:t>Manhattan and Brooklyn had far more Airbnb listings, but their borough names did not get used as a hashtags any significant amount more.  </a:t>
             </a:r>
           </a:p>
@@ -12621,12 +12632,27 @@
           <a:p>
             <a:r>
               <a:rPr lang="en-US" sz="1800" dirty="0"/>
+              <a:t>We would have liked to examine Airbnb trends in more detail by neighborhood to get a better representation </a:t>
+            </a:r>
+          </a:p>
+          <a:p>
+            <a:r>
+              <a:rPr lang="en-US" sz="1800" dirty="0"/>
+              <a:t>We would have also liked to do a price comparison with hotels and other facilities in the area. </a:t>
+            </a:r>
+          </a:p>
+          <a:p>
+            <a:r>
+              <a:rPr lang="en-US" sz="1800" dirty="0"/>
               <a:t>We struggled with the repository and merging our work through </a:t>
             </a:r>
             <a:r>
               <a:rPr lang="en-US" sz="1800" dirty="0" err="1"/>
               <a:t>github</a:t>
             </a:r>
+            <a:endParaRPr lang="en-US" sz="1800" dirty="0"/>
+          </a:p>
+          <a:p>
             <a:endParaRPr lang="en-US" sz="1800" dirty="0"/>
           </a:p>
         </p:txBody>

--- a/Airbnb PPT.pptx
+++ b/Airbnb PPT.pptx
@@ -6,27 +6,26 @@
     <p:sldMasterId id="2147483660" r:id="rId2"/>
   </p:sldMasterIdLst>
   <p:notesMasterIdLst>
-    <p:notesMasterId r:id="rId21"/>
+    <p:notesMasterId r:id="rId20"/>
   </p:notesMasterIdLst>
   <p:sldIdLst>
     <p:sldId id="280" r:id="rId3"/>
     <p:sldId id="256" r:id="rId4"/>
     <p:sldId id="259" r:id="rId5"/>
-    <p:sldId id="269" r:id="rId6"/>
-    <p:sldId id="277" r:id="rId7"/>
-    <p:sldId id="266" r:id="rId8"/>
-    <p:sldId id="268" r:id="rId9"/>
-    <p:sldId id="281" r:id="rId10"/>
-    <p:sldId id="270" r:id="rId11"/>
-    <p:sldId id="271" r:id="rId12"/>
-    <p:sldId id="272" r:id="rId13"/>
-    <p:sldId id="273" r:id="rId14"/>
-    <p:sldId id="274" r:id="rId15"/>
-    <p:sldId id="275" r:id="rId16"/>
-    <p:sldId id="276" r:id="rId17"/>
-    <p:sldId id="278" r:id="rId18"/>
-    <p:sldId id="279" r:id="rId19"/>
-    <p:sldId id="265" r:id="rId20"/>
+    <p:sldId id="277" r:id="rId6"/>
+    <p:sldId id="266" r:id="rId7"/>
+    <p:sldId id="268" r:id="rId8"/>
+    <p:sldId id="281" r:id="rId9"/>
+    <p:sldId id="270" r:id="rId10"/>
+    <p:sldId id="271" r:id="rId11"/>
+    <p:sldId id="272" r:id="rId12"/>
+    <p:sldId id="273" r:id="rId13"/>
+    <p:sldId id="274" r:id="rId14"/>
+    <p:sldId id="275" r:id="rId15"/>
+    <p:sldId id="276" r:id="rId16"/>
+    <p:sldId id="278" r:id="rId17"/>
+    <p:sldId id="279" r:id="rId18"/>
+    <p:sldId id="265" r:id="rId19"/>
   </p:sldIdLst>
   <p:sldSz cx="12192000" cy="6858000"/>
   <p:notesSz cx="6858000" cy="9144000"/>
@@ -3047,8 +3046,8 @@
     <dgm:cxn modelId="{9A19F408-82DE-442D-B12D-4778946C7E80}" type="presOf" srcId="{FB956CAB-6E15-4FF7-B408-CAD31CFC9C6C}" destId="{F5DFC217-612A-42D5-B0FB-FD6B39FC646B}" srcOrd="0" destOrd="0" presId="urn:microsoft.com/office/officeart/2018/5/layout/CenteredIconLabelDescriptionList"/>
     <dgm:cxn modelId="{D70C6D23-448A-465B-B107-37EABA31DDCB}" srcId="{D5C95A6F-445C-4398-823E-690003771AC3}" destId="{09D0DA8D-8431-4DC9-955C-304877404A9F}" srcOrd="1" destOrd="0" parTransId="{30781EFC-A30C-49C9-AF47-E1D87DBB788F}" sibTransId="{7D2AB2DF-22CC-4D5B-B4D7-68B9722BFC38}"/>
     <dgm:cxn modelId="{70DFFC27-1307-41E5-9BDB-51B57AB88B24}" type="presOf" srcId="{D5C95A6F-445C-4398-823E-690003771AC3}" destId="{29A0F1BB-77A9-49EC-AD42-49F3A2648383}" srcOrd="0" destOrd="0" presId="urn:microsoft.com/office/officeart/2018/5/layout/CenteredIconLabelDescriptionList"/>
+    <dgm:cxn modelId="{B94EF065-43F1-45E7-8540-CDA4C128F13C}" srcId="{D5C95A6F-445C-4398-823E-690003771AC3}" destId="{58BD70DE-3F1A-4AFF-9C57-CB5030C3F7C3}" srcOrd="2" destOrd="0" parTransId="{117835D4-F981-492C-AEA4-1E25DD0F0876}" sibTransId="{FF2A8048-0F5C-461D-B08D-4A8A8925EA65}"/>
     <dgm:cxn modelId="{07137746-9783-49E7-AA62-61EC78331935}" type="presOf" srcId="{09D0DA8D-8431-4DC9-955C-304877404A9F}" destId="{D427C63E-F8E3-4FFA-B85D-1F21D295CFF2}" srcOrd="0" destOrd="0" presId="urn:microsoft.com/office/officeart/2018/5/layout/CenteredIconLabelDescriptionList"/>
-    <dgm:cxn modelId="{B94EF065-43F1-45E7-8540-CDA4C128F13C}" srcId="{D5C95A6F-445C-4398-823E-690003771AC3}" destId="{58BD70DE-3F1A-4AFF-9C57-CB5030C3F7C3}" srcOrd="2" destOrd="0" parTransId="{117835D4-F981-492C-AEA4-1E25DD0F0876}" sibTransId="{FF2A8048-0F5C-461D-B08D-4A8A8925EA65}"/>
     <dgm:cxn modelId="{A7AB5097-1A39-47BE-AED9-B1F72ABAFFD8}" type="presOf" srcId="{54835CFE-53F4-474C-A01C-87B75B5DBAC2}" destId="{16BD8406-4BE5-4245-9A45-A60A4AA38A06}" srcOrd="0" destOrd="0" presId="urn:microsoft.com/office/officeart/2018/5/layout/CenteredIconLabelDescriptionList"/>
     <dgm:cxn modelId="{4FAA3E9F-7391-409F-841F-0AF204818B62}" type="presOf" srcId="{58BD70DE-3F1A-4AFF-9C57-CB5030C3F7C3}" destId="{DE9D9423-3973-4D9F-9F63-0E3F3481E3FC}" srcOrd="0" destOrd="0" presId="urn:microsoft.com/office/officeart/2018/5/layout/CenteredIconLabelDescriptionList"/>
     <dgm:cxn modelId="{4EE53DA2-AF4D-438F-8C76-D37FD1E3F673}" srcId="{58BD70DE-3F1A-4AFF-9C57-CB5030C3F7C3}" destId="{FB956CAB-6E15-4FF7-B408-CAD31CFC9C6C}" srcOrd="0" destOrd="0" parTransId="{BC8292B2-0FDA-4BC5-BCCD-C93A5D81A2FE}" sibTransId="{761A6718-758D-43E0-9FA9-D4196AC9F76D}"/>
@@ -3940,7 +3939,7 @@
       <dsp:spPr>
         <a:xfrm>
           <a:off x="4462" y="2131785"/>
-          <a:ext cx="1141171" cy="587580"/>
+          <a:ext cx="1141171" cy="641909"/>
         </a:xfrm>
         <a:prstGeom prst="rect">
           <a:avLst/>
@@ -3990,7 +3989,7 @@
       </dsp:txBody>
       <dsp:txXfrm>
         <a:off x="4462" y="2131785"/>
-        <a:ext cx="1141171" cy="587580"/>
+        <a:ext cx="1141171" cy="641909"/>
       </dsp:txXfrm>
     </dsp:sp>
     <dsp:sp modelId="{55C3EF36-A51E-4EAE-B2AA-EAFF8D21ADA2}">
@@ -4000,8 +3999,8 @@
       </dsp:nvSpPr>
       <dsp:spPr>
         <a:xfrm>
-          <a:off x="4462" y="2772335"/>
-          <a:ext cx="1141171" cy="1494598"/>
+          <a:off x="4462" y="2826663"/>
+          <a:ext cx="1141171" cy="1440270"/>
         </a:xfrm>
         <a:prstGeom prst="rect">
           <a:avLst/>
@@ -4083,7 +4082,7 @@
       <dsp:spPr>
         <a:xfrm>
           <a:off x="1345339" y="2131785"/>
-          <a:ext cx="1141171" cy="587580"/>
+          <a:ext cx="1141171" cy="641909"/>
         </a:xfrm>
         <a:prstGeom prst="rect">
           <a:avLst/>
@@ -4133,7 +4132,7 @@
       </dsp:txBody>
       <dsp:txXfrm>
         <a:off x="1345339" y="2131785"/>
-        <a:ext cx="1141171" cy="587580"/>
+        <a:ext cx="1141171" cy="641909"/>
       </dsp:txXfrm>
     </dsp:sp>
     <dsp:sp modelId="{251FC53B-B486-4A61-AE9D-79F1A7E24E17}">
@@ -4143,8 +4142,8 @@
       </dsp:nvSpPr>
       <dsp:spPr>
         <a:xfrm>
-          <a:off x="1345339" y="2772335"/>
-          <a:ext cx="1141171" cy="1494598"/>
+          <a:off x="1345339" y="2826663"/>
+          <a:ext cx="1141171" cy="1440270"/>
         </a:xfrm>
         <a:prstGeom prst="rect">
           <a:avLst/>
@@ -4226,7 +4225,7 @@
       <dsp:spPr>
         <a:xfrm>
           <a:off x="2686216" y="2131785"/>
-          <a:ext cx="1141171" cy="587580"/>
+          <a:ext cx="1141171" cy="641909"/>
         </a:xfrm>
         <a:prstGeom prst="rect">
           <a:avLst/>
@@ -4276,7 +4275,7 @@
       </dsp:txBody>
       <dsp:txXfrm>
         <a:off x="2686216" y="2131785"/>
-        <a:ext cx="1141171" cy="587580"/>
+        <a:ext cx="1141171" cy="641909"/>
       </dsp:txXfrm>
     </dsp:sp>
     <dsp:sp modelId="{F5DFC217-612A-42D5-B0FB-FD6B39FC646B}">
@@ -4286,8 +4285,8 @@
       </dsp:nvSpPr>
       <dsp:spPr>
         <a:xfrm>
-          <a:off x="2686216" y="2772335"/>
-          <a:ext cx="1141171" cy="1494598"/>
+          <a:off x="2686216" y="2826663"/>
+          <a:ext cx="1141171" cy="1440270"/>
         </a:xfrm>
         <a:prstGeom prst="rect">
           <a:avLst/>
@@ -4335,8 +4334,8 @@
         </a:p>
       </dsp:txBody>
       <dsp:txXfrm>
-        <a:off x="2686216" y="2772335"/>
-        <a:ext cx="1141171" cy="1494598"/>
+        <a:off x="2686216" y="2826663"/>
+        <a:ext cx="1141171" cy="1440270"/>
       </dsp:txXfrm>
     </dsp:sp>
     <dsp:sp modelId="{2C59B738-4A4E-4BD0-8C42-411A00F1D528}">
@@ -4397,7 +4396,7 @@
       <dsp:spPr>
         <a:xfrm>
           <a:off x="4027093" y="2131785"/>
-          <a:ext cx="1141171" cy="587580"/>
+          <a:ext cx="1141171" cy="641909"/>
         </a:xfrm>
         <a:prstGeom prst="rect">
           <a:avLst/>
@@ -4447,7 +4446,7 @@
       </dsp:txBody>
       <dsp:txXfrm>
         <a:off x="4027093" y="2131785"/>
-        <a:ext cx="1141171" cy="587580"/>
+        <a:ext cx="1141171" cy="641909"/>
       </dsp:txXfrm>
     </dsp:sp>
     <dsp:sp modelId="{F5BAC500-22C7-4A7F-BE71-A35AAD1DC9DA}">
@@ -4457,8 +4456,8 @@
       </dsp:nvSpPr>
       <dsp:spPr>
         <a:xfrm>
-          <a:off x="4027093" y="2772335"/>
-          <a:ext cx="1141171" cy="1494598"/>
+          <a:off x="4027093" y="2826663"/>
+          <a:ext cx="1141171" cy="1440270"/>
         </a:xfrm>
         <a:prstGeom prst="rect">
           <a:avLst/>
@@ -4540,7 +4539,7 @@
       <dsp:spPr>
         <a:xfrm>
           <a:off x="5367969" y="2131785"/>
-          <a:ext cx="1141171" cy="587580"/>
+          <a:ext cx="1141171" cy="641909"/>
         </a:xfrm>
         <a:prstGeom prst="rect">
           <a:avLst/>
@@ -4590,7 +4589,7 @@
       </dsp:txBody>
       <dsp:txXfrm>
         <a:off x="5367969" y="2131785"/>
-        <a:ext cx="1141171" cy="587580"/>
+        <a:ext cx="1141171" cy="641909"/>
       </dsp:txXfrm>
     </dsp:sp>
     <dsp:sp modelId="{4D9E27D1-C23C-43C5-8130-B058C1015BEE}">
@@ -4600,8 +4599,8 @@
       </dsp:nvSpPr>
       <dsp:spPr>
         <a:xfrm>
-          <a:off x="5367969" y="2772335"/>
-          <a:ext cx="1141171" cy="1494598"/>
+          <a:off x="5367969" y="2826663"/>
+          <a:ext cx="1141171" cy="1440270"/>
         </a:xfrm>
         <a:prstGeom prst="rect">
           <a:avLst/>
@@ -7274,7 +7273,7 @@
           <a:p>
             <a:fld id="{A5C20BB3-3CCB-4FE5-991B-82F6BCB48AF3}" type="datetimeFigureOut">
               <a:rPr lang="en-US" smtClean="0"/>
-              <a:t>11/14/19</a:t>
+              <a:t>11/14/2019</a:t>
             </a:fld>
             <a:endParaRPr lang="en-US"/>
           </a:p>
@@ -7696,7 +7695,7 @@
           <a:p>
             <a:fld id="{E0746DE6-3336-457D-A091-FA20AC1C536E}" type="slidenum">
               <a:rPr lang="en-US" smtClean="0"/>
-              <a:t>7</a:t>
+              <a:t>6</a:t>
             </a:fld>
             <a:endParaRPr lang="en-US"/>
           </a:p>
@@ -7862,7 +7861,7 @@
           <a:p>
             <a:fld id="{5D6495F3-B757-4FAF-98AA-EDA7D1485485}" type="datetimeFigureOut">
               <a:rPr lang="en-US" smtClean="0"/>
-              <a:t>11/14/19</a:t>
+              <a:t>11/14/2019</a:t>
             </a:fld>
             <a:endParaRPr lang="en-US"/>
           </a:p>
@@ -8060,7 +8059,7 @@
           <a:p>
             <a:fld id="{5D6495F3-B757-4FAF-98AA-EDA7D1485485}" type="datetimeFigureOut">
               <a:rPr lang="en-US" smtClean="0"/>
-              <a:t>11/14/19</a:t>
+              <a:t>11/14/2019</a:t>
             </a:fld>
             <a:endParaRPr lang="en-US"/>
           </a:p>
@@ -8268,7 +8267,7 @@
           <a:p>
             <a:fld id="{5D6495F3-B757-4FAF-98AA-EDA7D1485485}" type="datetimeFigureOut">
               <a:rPr lang="en-US" smtClean="0"/>
-              <a:t>11/14/19</a:t>
+              <a:t>11/14/2019</a:t>
             </a:fld>
             <a:endParaRPr lang="en-US"/>
           </a:p>
@@ -8516,7 +8515,7 @@
           <a:p>
             <a:fld id="{3652CD92-9D15-43B4-8516-073FCDAC90D4}" type="datetimeFigureOut">
               <a:rPr lang="en-US" smtClean="0"/>
-              <a:t>11/14/19</a:t>
+              <a:t>11/14/2019</a:t>
             </a:fld>
             <a:endParaRPr lang="en-US"/>
           </a:p>
@@ -8739,7 +8738,7 @@
           <a:p>
             <a:fld id="{5D6495F3-B757-4FAF-98AA-EDA7D1485485}" type="datetimeFigureOut">
               <a:rPr lang="en-US" smtClean="0"/>
-              <a:t>11/14/19</a:t>
+              <a:t>11/14/2019</a:t>
             </a:fld>
             <a:endParaRPr lang="en-US"/>
           </a:p>
@@ -9014,7 +9013,7 @@
           <a:p>
             <a:fld id="{5D6495F3-B757-4FAF-98AA-EDA7D1485485}" type="datetimeFigureOut">
               <a:rPr lang="en-US" smtClean="0"/>
-              <a:t>11/14/19</a:t>
+              <a:t>11/14/2019</a:t>
             </a:fld>
             <a:endParaRPr lang="en-US"/>
           </a:p>
@@ -9279,7 +9278,7 @@
           <a:p>
             <a:fld id="{5D6495F3-B757-4FAF-98AA-EDA7D1485485}" type="datetimeFigureOut">
               <a:rPr lang="en-US" smtClean="0"/>
-              <a:t>11/14/19</a:t>
+              <a:t>11/14/2019</a:t>
             </a:fld>
             <a:endParaRPr lang="en-US"/>
           </a:p>
@@ -9691,7 +9690,7 @@
           <a:p>
             <a:fld id="{5D6495F3-B757-4FAF-98AA-EDA7D1485485}" type="datetimeFigureOut">
               <a:rPr lang="en-US" smtClean="0"/>
-              <a:t>11/14/19</a:t>
+              <a:t>11/14/2019</a:t>
             </a:fld>
             <a:endParaRPr lang="en-US"/>
           </a:p>
@@ -9832,7 +9831,7 @@
           <a:p>
             <a:fld id="{5D6495F3-B757-4FAF-98AA-EDA7D1485485}" type="datetimeFigureOut">
               <a:rPr lang="en-US" smtClean="0"/>
-              <a:t>11/14/19</a:t>
+              <a:t>11/14/2019</a:t>
             </a:fld>
             <a:endParaRPr lang="en-US"/>
           </a:p>
@@ -9945,7 +9944,7 @@
           <a:p>
             <a:fld id="{5D6495F3-B757-4FAF-98AA-EDA7D1485485}" type="datetimeFigureOut">
               <a:rPr lang="en-US" smtClean="0"/>
-              <a:t>11/14/19</a:t>
+              <a:t>11/14/2019</a:t>
             </a:fld>
             <a:endParaRPr lang="en-US"/>
           </a:p>
@@ -10256,7 +10255,7 @@
           <a:p>
             <a:fld id="{5D6495F3-B757-4FAF-98AA-EDA7D1485485}" type="datetimeFigureOut">
               <a:rPr lang="en-US" smtClean="0"/>
-              <a:t>11/14/19</a:t>
+              <a:t>11/14/2019</a:t>
             </a:fld>
             <a:endParaRPr lang="en-US"/>
           </a:p>
@@ -10547,7 +10546,7 @@
           <a:p>
             <a:fld id="{5D6495F3-B757-4FAF-98AA-EDA7D1485485}" type="datetimeFigureOut">
               <a:rPr lang="en-US" smtClean="0"/>
-              <a:t>11/14/19</a:t>
+              <a:t>11/14/2019</a:t>
             </a:fld>
             <a:endParaRPr lang="en-US"/>
           </a:p>
@@ -10788,7 +10787,7 @@
           <a:p>
             <a:fld id="{5D6495F3-B757-4FAF-98AA-EDA7D1485485}" type="datetimeFigureOut">
               <a:rPr lang="en-US" smtClean="0"/>
-              <a:t>11/14/19</a:t>
+              <a:t>11/14/2019</a:t>
             </a:fld>
             <a:endParaRPr lang="en-US"/>
           </a:p>
@@ -11338,7 +11337,7 @@
           <a:p>
             <a:fld id="{3652CD92-9D15-43B4-8516-073FCDAC90D4}" type="datetimeFigureOut">
               <a:rPr lang="en-US" smtClean="0"/>
-              <a:t>11/14/19</a:t>
+              <a:t>11/14/2019</a:t>
             </a:fld>
             <a:endParaRPr lang="en-US"/>
           </a:p>
@@ -11872,93 +11871,6 @@
           <p:cNvPr id="2" name="Title 1">
             <a:extLst>
               <a:ext uri="{FF2B5EF4-FFF2-40B4-BE49-F238E27FC236}">
-                <a16:creationId xmlns:a16="http://schemas.microsoft.com/office/drawing/2014/main" id="{474C4E2D-B66B-3148-BFC3-BB355524B2F1}"/>
-              </a:ext>
-            </a:extLst>
-          </p:cNvPr>
-          <p:cNvSpPr>
-            <a:spLocks noGrp="1"/>
-          </p:cNvSpPr>
-          <p:nvPr>
-            <p:ph type="title"/>
-          </p:nvPr>
-        </p:nvSpPr>
-        <p:spPr/>
-        <p:txBody>
-          <a:bodyPr/>
-          <a:lstStyle/>
-          <a:p>
-            <a:endParaRPr lang="en-US"/>
-          </a:p>
-        </p:txBody>
-      </p:sp>
-      <p:pic>
-        <p:nvPicPr>
-          <p:cNvPr id="4" name="Content Placeholder 3">
-            <a:extLst>
-              <a:ext uri="{FF2B5EF4-FFF2-40B4-BE49-F238E27FC236}">
-                <a16:creationId xmlns:a16="http://schemas.microsoft.com/office/drawing/2014/main" id="{9E3B74AA-30C2-1E4B-B424-402708503716}"/>
-              </a:ext>
-            </a:extLst>
-          </p:cNvPr>
-          <p:cNvPicPr>
-            <a:picLocks noGrp="1" noChangeAspect="1"/>
-          </p:cNvPicPr>
-          <p:nvPr>
-            <p:ph idx="1"/>
-          </p:nvPr>
-        </p:nvPicPr>
-        <p:blipFill>
-          <a:blip r:embed="rId2"/>
-          <a:stretch>
-            <a:fillRect/>
-          </a:stretch>
-        </p:blipFill>
-        <p:spPr>
-          <a:xfrm>
-            <a:off x="2457450" y="1284718"/>
-            <a:ext cx="7861282" cy="5307364"/>
-          </a:xfrm>
-          <a:prstGeom prst="rect">
-            <a:avLst/>
-          </a:prstGeom>
-        </p:spPr>
-      </p:pic>
-    </p:spTree>
-    <p:extLst>
-      <p:ext uri="{BB962C8B-B14F-4D97-AF65-F5344CB8AC3E}">
-        <p14:creationId xmlns:p14="http://schemas.microsoft.com/office/powerpoint/2010/main" val="2037378837"/>
-      </p:ext>
-    </p:extLst>
-  </p:cSld>
-  <p:clrMapOvr>
-    <a:masterClrMapping/>
-  </p:clrMapOvr>
-</p:sld>
-</file>
-
-<file path=ppt/slides/slide11.xml><?xml version="1.0" encoding="utf-8"?>
-<p:sld xmlns:a="http://schemas.openxmlformats.org/drawingml/2006/main" xmlns:r="http://schemas.openxmlformats.org/officeDocument/2006/relationships" xmlns:p="http://schemas.openxmlformats.org/presentationml/2006/main">
-  <p:cSld>
-    <p:spTree>
-      <p:nvGrpSpPr>
-        <p:cNvPr id="1" name=""/>
-        <p:cNvGrpSpPr/>
-        <p:nvPr/>
-      </p:nvGrpSpPr>
-      <p:grpSpPr>
-        <a:xfrm>
-          <a:off x="0" y="0"/>
-          <a:ext cx="0" cy="0"/>
-          <a:chOff x="0" y="0"/>
-          <a:chExt cx="0" cy="0"/>
-        </a:xfrm>
-      </p:grpSpPr>
-      <p:sp>
-        <p:nvSpPr>
-          <p:cNvPr id="2" name="Title 1">
-            <a:extLst>
-              <a:ext uri="{FF2B5EF4-FFF2-40B4-BE49-F238E27FC236}">
                 <a16:creationId xmlns:a16="http://schemas.microsoft.com/office/drawing/2014/main" id="{4907DF5E-C2E2-1946-9859-0CA9930A5478}"/>
               </a:ext>
             </a:extLst>
@@ -12033,7 +11945,7 @@
 </p:sld>
 </file>
 
-<file path=ppt/slides/slide12.xml><?xml version="1.0" encoding="utf-8"?>
+<file path=ppt/slides/slide11.xml><?xml version="1.0" encoding="utf-8"?>
 <p:sld xmlns:a="http://schemas.openxmlformats.org/drawingml/2006/main" xmlns:r="http://schemas.openxmlformats.org/officeDocument/2006/relationships" xmlns:p="http://schemas.openxmlformats.org/presentationml/2006/main">
   <p:cSld>
     <p:spTree>
@@ -12120,7 +12032,7 @@
 </p:sld>
 </file>
 
-<file path=ppt/slides/slide13.xml><?xml version="1.0" encoding="utf-8"?>
+<file path=ppt/slides/slide12.xml><?xml version="1.0" encoding="utf-8"?>
 <p:sld xmlns:a="http://schemas.openxmlformats.org/drawingml/2006/main" xmlns:r="http://schemas.openxmlformats.org/officeDocument/2006/relationships" xmlns:p="http://schemas.openxmlformats.org/presentationml/2006/main">
   <p:cSld>
     <p:spTree>
@@ -12207,7 +12119,7 @@
 </p:sld>
 </file>
 
-<file path=ppt/slides/slide14.xml><?xml version="1.0" encoding="utf-8"?>
+<file path=ppt/slides/slide13.xml><?xml version="1.0" encoding="utf-8"?>
 <p:sld xmlns:a="http://schemas.openxmlformats.org/drawingml/2006/main" xmlns:r="http://schemas.openxmlformats.org/officeDocument/2006/relationships" xmlns:p="http://schemas.openxmlformats.org/presentationml/2006/main">
   <p:cSld>
     <p:spTree>
@@ -12303,7 +12215,7 @@
 </p:sld>
 </file>
 
-<file path=ppt/slides/slide15.xml><?xml version="1.0" encoding="utf-8"?>
+<file path=ppt/slides/slide14.xml><?xml version="1.0" encoding="utf-8"?>
 <p:sld xmlns:a="http://schemas.openxmlformats.org/drawingml/2006/main" xmlns:r="http://schemas.openxmlformats.org/officeDocument/2006/relationships" xmlns:p="http://schemas.openxmlformats.org/presentationml/2006/main">
   <p:cSld>
     <p:spTree>
@@ -12430,7 +12342,7 @@
 </p:sld>
 </file>
 
-<file path=ppt/slides/slide16.xml><?xml version="1.0" encoding="utf-8"?>
+<file path=ppt/slides/slide15.xml><?xml version="1.0" encoding="utf-8"?>
 <p:sld xmlns:a="http://schemas.openxmlformats.org/drawingml/2006/main" xmlns:r="http://schemas.openxmlformats.org/officeDocument/2006/relationships" xmlns:p="http://schemas.openxmlformats.org/presentationml/2006/main">
   <p:cSld>
     <p:spTree>
@@ -12550,7 +12462,7 @@
 </p:sld>
 </file>
 
-<file path=ppt/slides/slide17.xml><?xml version="1.0" encoding="utf-8"?>
+<file path=ppt/slides/slide16.xml><?xml version="1.0" encoding="utf-8"?>
 <p:sld xmlns:a="http://schemas.openxmlformats.org/drawingml/2006/main" xmlns:r="http://schemas.openxmlformats.org/officeDocument/2006/relationships" xmlns:p="http://schemas.openxmlformats.org/presentationml/2006/main">
   <p:cSld>
     <p:spTree>
@@ -12670,7 +12582,7 @@
 </p:sld>
 </file>
 
-<file path=ppt/slides/slide18.xml><?xml version="1.0" encoding="utf-8"?>
+<file path=ppt/slides/slide17.xml><?xml version="1.0" encoding="utf-8"?>
 <p:sld xmlns:a="http://schemas.openxmlformats.org/drawingml/2006/main" xmlns:r="http://schemas.openxmlformats.org/officeDocument/2006/relationships" xmlns:p="http://schemas.openxmlformats.org/presentationml/2006/main">
   <p:cSld>
     <p:bg>
@@ -14049,673 +13961,6 @@
 <file path=ppt/slides/slide4.xml><?xml version="1.0" encoding="utf-8"?>
 <p:sld xmlns:a="http://schemas.openxmlformats.org/drawingml/2006/main" xmlns:r="http://schemas.openxmlformats.org/officeDocument/2006/relationships" xmlns:p="http://schemas.openxmlformats.org/presentationml/2006/main">
   <p:cSld>
-    <p:spTree>
-      <p:nvGrpSpPr>
-        <p:cNvPr id="1" name=""/>
-        <p:cNvGrpSpPr/>
-        <p:nvPr/>
-      </p:nvGrpSpPr>
-      <p:grpSpPr>
-        <a:xfrm>
-          <a:off x="0" y="0"/>
-          <a:ext cx="0" cy="0"/>
-          <a:chOff x="0" y="0"/>
-          <a:chExt cx="0" cy="0"/>
-        </a:xfrm>
-      </p:grpSpPr>
-      <p:sp>
-        <p:nvSpPr>
-          <p:cNvPr id="2" name="Title 1">
-            <a:extLst>
-              <a:ext uri="{FF2B5EF4-FFF2-40B4-BE49-F238E27FC236}">
-                <a16:creationId xmlns:a16="http://schemas.microsoft.com/office/drawing/2014/main" id="{EED7304C-32A6-4300-A098-F4D645B1709A}"/>
-              </a:ext>
-            </a:extLst>
-          </p:cNvPr>
-          <p:cNvSpPr>
-            <a:spLocks noGrp="1"/>
-          </p:cNvSpPr>
-          <p:nvPr>
-            <p:ph type="title"/>
-          </p:nvPr>
-        </p:nvSpPr>
-        <p:spPr/>
-        <p:txBody>
-          <a:bodyPr/>
-          <a:lstStyle/>
-          <a:p>
-            <a:r>
-              <a:rPr lang="en-US" dirty="0"/>
-              <a:t>The data exploration and cleanup process</a:t>
-            </a:r>
-          </a:p>
-        </p:txBody>
-      </p:sp>
-      <p:sp>
-        <p:nvSpPr>
-          <p:cNvPr id="8" name="Rectangle 4">
-            <a:extLst>
-              <a:ext uri="{FF2B5EF4-FFF2-40B4-BE49-F238E27FC236}">
-                <a16:creationId xmlns:a16="http://schemas.microsoft.com/office/drawing/2014/main" id="{F6176723-6D2A-480C-884E-03F461503797}"/>
-              </a:ext>
-            </a:extLst>
-          </p:cNvPr>
-          <p:cNvSpPr>
-            <a:spLocks noChangeArrowheads="1"/>
-          </p:cNvSpPr>
-          <p:nvPr/>
-        </p:nvSpPr>
-        <p:spPr bwMode="auto">
-          <a:xfrm>
-            <a:off x="689811" y="3904033"/>
-            <a:ext cx="3252602" cy="123111"/>
-          </a:xfrm>
-          <a:prstGeom prst="rect">
-            <a:avLst/>
-          </a:prstGeom>
-          <a:solidFill>
-            <a:srgbClr val="FFFFFF"/>
-          </a:solidFill>
-          <a:ln>
-            <a:noFill/>
-          </a:ln>
-          <a:effectLst/>
-          <a:extLst>
-            <a:ext uri="{91240B29-F687-4F45-9708-019B960494DF}">
-              <a14:hiddenLine xmlns:a14="http://schemas.microsoft.com/office/drawing/2010/main" w="9525">
-                <a:solidFill>
-                  <a:schemeClr val="tx1"/>
-                </a:solidFill>
-                <a:miter lim="800000"/>
-                <a:headEnd/>
-                <a:tailEnd/>
-              </a14:hiddenLine>
-            </a:ext>
-            <a:ext uri="{AF507438-7753-43E0-B8FC-AC1667EBCBE1}">
-              <a14:hiddenEffects xmlns:a14="http://schemas.microsoft.com/office/drawing/2010/main">
-                <a:effectLst>
-                  <a:outerShdw dist="35921" dir="2700000" algn="ctr" rotWithShape="0">
-                    <a:schemeClr val="bg2"/>
-                  </a:outerShdw>
-                </a:effectLst>
-              </a14:hiddenEffects>
-            </a:ext>
-          </a:extLst>
-        </p:spPr>
-        <p:txBody>
-          <a:bodyPr vert="horz" wrap="square" lIns="0" tIns="0" rIns="0" bIns="0" numCol="1" anchor="ctr" anchorCtr="0" compatLnSpc="1">
-            <a:prstTxWarp prst="textNoShape">
-              <a:avLst/>
-            </a:prstTxWarp>
-            <a:spAutoFit/>
-          </a:bodyPr>
-          <a:lstStyle/>
-          <a:p>
-            <a:pPr marL="0" marR="0" lvl="0" indent="0" algn="l" defTabSz="914400" rtl="0" eaLnBrk="0" fontAlgn="base" latinLnBrk="0" hangingPunct="0">
-              <a:lnSpc>
-                <a:spcPct val="100000"/>
-              </a:lnSpc>
-              <a:spcBef>
-                <a:spcPct val="0"/>
-              </a:spcBef>
-              <a:spcAft>
-                <a:spcPct val="0"/>
-              </a:spcAft>
-              <a:buClrTx/>
-              <a:buSzTx/>
-              <a:buFontTx/>
-              <a:buNone/>
-              <a:tabLst/>
-            </a:pPr>
-            <a:r>
-              <a:rPr kumimoji="0" lang="en-US" altLang="en-US" sz="800" b="0" i="0" u="none" strike="noStrike" cap="none" normalizeH="0" baseline="0" dirty="0">
-                <a:ln>
-                  <a:noFill/>
-                </a:ln>
-                <a:solidFill>
-                  <a:schemeClr val="tx1"/>
-                </a:solidFill>
-                <a:effectLst/>
-              </a:rPr>
-              <a:t> </a:t>
-            </a:r>
-            <a:endParaRPr kumimoji="0" lang="en-US" altLang="en-US" sz="1800" b="0" i="0" u="none" strike="noStrike" cap="none" normalizeH="0" baseline="0" dirty="0">
-              <a:ln>
-                <a:noFill/>
-              </a:ln>
-              <a:solidFill>
-                <a:schemeClr val="tx1"/>
-              </a:solidFill>
-              <a:effectLst/>
-              <a:latin typeface="Arial" panose="020B0604020202020204" pitchFamily="34" charset="0"/>
-            </a:endParaRPr>
-          </a:p>
-        </p:txBody>
-      </p:sp>
-      <p:graphicFrame>
-        <p:nvGraphicFramePr>
-          <p:cNvPr id="9" name="Table 9">
-            <a:extLst>
-              <a:ext uri="{FF2B5EF4-FFF2-40B4-BE49-F238E27FC236}">
-                <a16:creationId xmlns:a16="http://schemas.microsoft.com/office/drawing/2014/main" id="{45A39195-72E9-4BDC-8028-EC34A265B217}"/>
-              </a:ext>
-            </a:extLst>
-          </p:cNvPr>
-          <p:cNvGraphicFramePr>
-            <a:graphicFrameLocks noGrp="1"/>
-          </p:cNvGraphicFramePr>
-          <p:nvPr>
-            <p:extLst>
-              <p:ext uri="{D42A27DB-BD31-4B8C-83A1-F6EECF244321}">
-                <p14:modId xmlns:p14="http://schemas.microsoft.com/office/powerpoint/2010/main" val="398603514"/>
-              </p:ext>
-            </p:extLst>
-          </p:nvPr>
-        </p:nvGraphicFramePr>
-        <p:xfrm>
-          <a:off x="689810" y="5010260"/>
-          <a:ext cx="8127999" cy="1828800"/>
-        </p:xfrm>
-        <a:graphic>
-          <a:graphicData uri="http://schemas.openxmlformats.org/drawingml/2006/table">
-            <a:tbl>
-              <a:tblPr firstRow="1" bandRow="1">
-                <a:tableStyleId>{5C22544A-7EE6-4342-B048-85BDC9FD1C3A}</a:tableStyleId>
-              </a:tblPr>
-              <a:tblGrid>
-                <a:gridCol w="8127999">
-                  <a:extLst>
-                    <a:ext uri="{9D8B030D-6E8A-4147-A177-3AD203B41FA5}">
-                      <a16:colId xmlns:a16="http://schemas.microsoft.com/office/drawing/2014/main" val="3767221043"/>
-                    </a:ext>
-                  </a:extLst>
-                </a:gridCol>
-              </a:tblGrid>
-              <a:tr h="1261689">
-                <a:tc>
-                  <a:txBody>
-                    <a:bodyPr/>
-                    <a:lstStyle/>
-                    <a:p>
-                      <a:r>
-                        <a:rPr lang="en-US" dirty="0"/>
-                        <a:t>#Drop Airbnb's with no availability for 2019</a:t>
-                      </a:r>
-                    </a:p>
-                    <a:p>
-                      <a:r>
-                        <a:rPr lang="en-US" dirty="0" err="1"/>
-                        <a:t>unavail_abb_df</a:t>
-                      </a:r>
-                      <a:r>
-                        <a:rPr lang="en-US" dirty="0"/>
-                        <a:t> = </a:t>
-                      </a:r>
-                      <a:r>
-                        <a:rPr lang="en-US" dirty="0" err="1"/>
-                        <a:t>abb_df</a:t>
-                      </a:r>
-                      <a:r>
-                        <a:rPr lang="en-US" dirty="0"/>
-                        <a:t>[</a:t>
-                      </a:r>
-                      <a:r>
-                        <a:rPr lang="en-US" dirty="0" err="1"/>
-                        <a:t>abb_df</a:t>
-                      </a:r>
-                      <a:r>
-                        <a:rPr lang="en-US" dirty="0"/>
-                        <a:t>['availability_365']==0]</a:t>
-                      </a:r>
-                    </a:p>
-                    <a:p>
-                      <a:r>
-                        <a:rPr lang="en-US" dirty="0" err="1"/>
-                        <a:t>clean_abb_df</a:t>
-                      </a:r>
-                      <a:r>
-                        <a:rPr lang="en-US" dirty="0"/>
-                        <a:t> = </a:t>
-                      </a:r>
-                      <a:r>
-                        <a:rPr lang="en-US" dirty="0" err="1"/>
-                        <a:t>abb_df</a:t>
-                      </a:r>
-                      <a:r>
-                        <a:rPr lang="en-US" dirty="0"/>
-                        <a:t>[</a:t>
-                      </a:r>
-                      <a:r>
-                        <a:rPr lang="en-US" dirty="0" err="1"/>
-                        <a:t>abb_d</a:t>
-                      </a:r>
-                      <a:endParaRPr lang="en-US" dirty="0"/>
-                    </a:p>
-                    <a:p>
-                      <a:r>
-                        <a:rPr lang="en-US" dirty="0"/>
-                        <a:t>f['availability_365']&gt;0]</a:t>
-                      </a:r>
-                    </a:p>
-                    <a:p>
-                      <a:r>
-                        <a:rPr lang="en-US" dirty="0" err="1"/>
-                        <a:t>len</a:t>
-                      </a:r>
-                      <a:r>
-                        <a:rPr lang="en-US" dirty="0"/>
-                        <a:t>(</a:t>
-                      </a:r>
-                      <a:r>
-                        <a:rPr lang="en-US" dirty="0" err="1"/>
-                        <a:t>clean_abb_df</a:t>
-                      </a:r>
-                      <a:r>
-                        <a:rPr lang="en-US" dirty="0"/>
-                        <a:t>)</a:t>
-                      </a:r>
-                    </a:p>
-                  </a:txBody>
-                  <a:tcPr/>
-                </a:tc>
-                <a:extLst>
-                  <a:ext uri="{0D108BD9-81ED-4DB2-BD59-A6C34878D82A}">
-                    <a16:rowId xmlns:a16="http://schemas.microsoft.com/office/drawing/2014/main" val="2716658265"/>
-                  </a:ext>
-                </a:extLst>
-              </a:tr>
-              <a:tr h="315422">
-                <a:tc>
-                  <a:txBody>
-                    <a:bodyPr/>
-                    <a:lstStyle/>
-                    <a:p>
-                      <a:r>
-                        <a:rPr lang="en-US" dirty="0"/>
-                        <a:t>31362</a:t>
-                      </a:r>
-                    </a:p>
-                  </a:txBody>
-                  <a:tcPr/>
-                </a:tc>
-                <a:extLst>
-                  <a:ext uri="{0D108BD9-81ED-4DB2-BD59-A6C34878D82A}">
-                    <a16:rowId xmlns:a16="http://schemas.microsoft.com/office/drawing/2014/main" val="3874591547"/>
-                  </a:ext>
-                </a:extLst>
-              </a:tr>
-            </a:tbl>
-          </a:graphicData>
-        </a:graphic>
-      </p:graphicFrame>
-      <p:graphicFrame>
-        <p:nvGraphicFramePr>
-          <p:cNvPr id="12" name="Table 12">
-            <a:extLst>
-              <a:ext uri="{FF2B5EF4-FFF2-40B4-BE49-F238E27FC236}">
-                <a16:creationId xmlns:a16="http://schemas.microsoft.com/office/drawing/2014/main" id="{CAF4F9C4-0502-4AE7-B1B3-A80F706FBF79}"/>
-              </a:ext>
-            </a:extLst>
-          </p:cNvPr>
-          <p:cNvGraphicFramePr>
-            <a:graphicFrameLocks noGrp="1"/>
-          </p:cNvGraphicFramePr>
-          <p:nvPr>
-            <p:extLst>
-              <p:ext uri="{D42A27DB-BD31-4B8C-83A1-F6EECF244321}">
-                <p14:modId xmlns:p14="http://schemas.microsoft.com/office/powerpoint/2010/main" val="1515525826"/>
-              </p:ext>
-            </p:extLst>
-          </p:nvPr>
-        </p:nvGraphicFramePr>
-        <p:xfrm>
-          <a:off x="689811" y="2738604"/>
-          <a:ext cx="8127999" cy="2138481"/>
-        </p:xfrm>
-        <a:graphic>
-          <a:graphicData uri="http://schemas.openxmlformats.org/drawingml/2006/table">
-            <a:tbl>
-              <a:tblPr firstRow="1" bandRow="1">
-                <a:tableStyleId>{5C22544A-7EE6-4342-B048-85BDC9FD1C3A}</a:tableStyleId>
-              </a:tblPr>
-              <a:tblGrid>
-                <a:gridCol w="8127999">
-                  <a:extLst>
-                    <a:ext uri="{9D8B030D-6E8A-4147-A177-3AD203B41FA5}">
-                      <a16:colId xmlns:a16="http://schemas.microsoft.com/office/drawing/2014/main" val="1400434500"/>
-                    </a:ext>
-                  </a:extLst>
-                </a:gridCol>
-              </a:tblGrid>
-              <a:tr h="574838">
-                <a:tc>
-                  <a:txBody>
-                    <a:bodyPr/>
-                    <a:lstStyle/>
-                    <a:p>
-                      <a:r>
-                        <a:rPr lang="en-CA" dirty="0"/>
-                        <a:t>#Check for Airbnb's availability for 2019</a:t>
-                      </a:r>
-                    </a:p>
-                    <a:p>
-                      <a:r>
-                        <a:rPr lang="en-CA" dirty="0" err="1"/>
-                        <a:t>abb_df</a:t>
-                      </a:r>
-                      <a:r>
-                        <a:rPr lang="en-CA" dirty="0"/>
-                        <a:t>['availability_365'].</a:t>
-                      </a:r>
-                      <a:r>
-                        <a:rPr lang="en-CA" dirty="0" err="1"/>
-                        <a:t>value_counts</a:t>
-                      </a:r>
-                      <a:r>
-                        <a:rPr lang="en-CA" dirty="0"/>
-                        <a:t>().head()</a:t>
-                      </a:r>
-                    </a:p>
-                  </a:txBody>
-                  <a:tcPr/>
-                </a:tc>
-                <a:extLst>
-                  <a:ext uri="{0D108BD9-81ED-4DB2-BD59-A6C34878D82A}">
-                    <a16:rowId xmlns:a16="http://schemas.microsoft.com/office/drawing/2014/main" val="3263522648"/>
-                  </a:ext>
-                </a:extLst>
-              </a:tr>
-              <a:tr h="1498401">
-                <a:tc>
-                  <a:txBody>
-                    <a:bodyPr/>
-                    <a:lstStyle/>
-                    <a:p>
-                      <a:pPr marL="0" marR="0" lvl="0" indent="0" algn="l" defTabSz="914400" rtl="0" eaLnBrk="0" fontAlgn="base" latinLnBrk="0" hangingPunct="0">
-                        <a:lnSpc>
-                          <a:spcPct val="100000"/>
-                        </a:lnSpc>
-                        <a:spcBef>
-                          <a:spcPct val="0"/>
-                        </a:spcBef>
-                        <a:spcAft>
-                          <a:spcPct val="0"/>
-                        </a:spcAft>
-                        <a:buClrTx/>
-                        <a:buSzTx/>
-                        <a:buFontTx/>
-                        <a:buNone/>
-                        <a:tabLst/>
-                      </a:pPr>
-                      <a:r>
-                        <a:rPr kumimoji="0" lang="en-US" altLang="en-US" sz="1800" b="0" i="0" u="none" strike="noStrike" cap="none" normalizeH="0" baseline="0" dirty="0">
-                          <a:ln>
-                            <a:noFill/>
-                          </a:ln>
-                          <a:solidFill>
-                            <a:srgbClr val="000000"/>
-                          </a:solidFill>
-                          <a:effectLst/>
-                          <a:latin typeface="Arial Unicode MS" panose="020B0604020202020204" pitchFamily="34" charset="-128"/>
-                          <a:ea typeface="Courier New" panose="02070309020205020404" pitchFamily="49" charset="0"/>
-                        </a:rPr>
-                        <a:t>0      17533 </a:t>
-                      </a:r>
-                    </a:p>
-                    <a:p>
-                      <a:pPr marL="0" marR="0" lvl="0" indent="0" algn="l" defTabSz="914400" rtl="0" eaLnBrk="0" fontAlgn="base" latinLnBrk="0" hangingPunct="0">
-                        <a:lnSpc>
-                          <a:spcPct val="100000"/>
-                        </a:lnSpc>
-                        <a:spcBef>
-                          <a:spcPct val="0"/>
-                        </a:spcBef>
-                        <a:spcAft>
-                          <a:spcPct val="0"/>
-                        </a:spcAft>
-                        <a:buClrTx/>
-                        <a:buSzTx/>
-                        <a:buFontTx/>
-                        <a:buNone/>
-                        <a:tabLst/>
-                      </a:pPr>
-                      <a:r>
-                        <a:rPr kumimoji="0" lang="en-US" altLang="en-US" sz="1800" b="0" i="0" u="none" strike="noStrike" cap="none" normalizeH="0" baseline="0" dirty="0">
-                          <a:ln>
-                            <a:noFill/>
-                          </a:ln>
-                          <a:solidFill>
-                            <a:srgbClr val="000000"/>
-                          </a:solidFill>
-                          <a:effectLst/>
-                          <a:latin typeface="Arial Unicode MS" panose="020B0604020202020204" pitchFamily="34" charset="-128"/>
-                          <a:ea typeface="Courier New" panose="02070309020205020404" pitchFamily="49" charset="0"/>
-                        </a:rPr>
-                        <a:t>365  1295</a:t>
-                      </a:r>
-                    </a:p>
-                    <a:p>
-                      <a:pPr marL="0" marR="0" lvl="0" indent="0" algn="l" defTabSz="914400" rtl="0" eaLnBrk="0" fontAlgn="base" latinLnBrk="0" hangingPunct="0">
-                        <a:lnSpc>
-                          <a:spcPct val="100000"/>
-                        </a:lnSpc>
-                        <a:spcBef>
-                          <a:spcPct val="0"/>
-                        </a:spcBef>
-                        <a:spcAft>
-                          <a:spcPct val="0"/>
-                        </a:spcAft>
-                        <a:buClrTx/>
-                        <a:buSzTx/>
-                        <a:buFontTx/>
-                        <a:buNone/>
-                        <a:tabLst/>
-                      </a:pPr>
-                      <a:r>
-                        <a:rPr kumimoji="0" lang="en-US" altLang="en-US" sz="1800" b="0" i="0" u="none" strike="noStrike" cap="none" normalizeH="0" baseline="0" dirty="0">
-                          <a:ln>
-                            <a:noFill/>
-                          </a:ln>
-                          <a:solidFill>
-                            <a:srgbClr val="000000"/>
-                          </a:solidFill>
-                          <a:effectLst/>
-                          <a:latin typeface="Arial Unicode MS" panose="020B0604020202020204" pitchFamily="34" charset="-128"/>
-                          <a:ea typeface="Courier New" panose="02070309020205020404" pitchFamily="49" charset="0"/>
-                        </a:rPr>
-                        <a:t>364  491 </a:t>
-                      </a:r>
-                    </a:p>
-                    <a:p>
-                      <a:pPr marL="0" marR="0" lvl="0" indent="0" algn="l" defTabSz="914400" rtl="0" eaLnBrk="0" fontAlgn="base" latinLnBrk="0" hangingPunct="0">
-                        <a:lnSpc>
-                          <a:spcPct val="100000"/>
-                        </a:lnSpc>
-                        <a:spcBef>
-                          <a:spcPct val="0"/>
-                        </a:spcBef>
-                        <a:spcAft>
-                          <a:spcPct val="0"/>
-                        </a:spcAft>
-                        <a:buClrTx/>
-                        <a:buSzTx/>
-                        <a:buFontTx/>
-                        <a:buNone/>
-                        <a:tabLst/>
-                      </a:pPr>
-                      <a:r>
-                        <a:rPr kumimoji="0" lang="en-US" altLang="en-US" sz="1800" b="0" i="0" u="none" strike="noStrike" cap="none" normalizeH="0" baseline="0" dirty="0">
-                          <a:ln>
-                            <a:noFill/>
-                          </a:ln>
-                          <a:solidFill>
-                            <a:srgbClr val="000000"/>
-                          </a:solidFill>
-                          <a:effectLst/>
-                          <a:latin typeface="Arial Unicode MS" panose="020B0604020202020204" pitchFamily="34" charset="-128"/>
-                          <a:ea typeface="Courier New" panose="02070309020205020404" pitchFamily="49" charset="0"/>
-                        </a:rPr>
-                        <a:t>1      408</a:t>
-                      </a:r>
-                    </a:p>
-                    <a:p>
-                      <a:pPr marL="342900" marR="0" lvl="0" indent="-342900" algn="l" defTabSz="914400" rtl="0" eaLnBrk="0" fontAlgn="base" latinLnBrk="0" hangingPunct="0">
-                        <a:lnSpc>
-                          <a:spcPct val="100000"/>
-                        </a:lnSpc>
-                        <a:spcBef>
-                          <a:spcPct val="0"/>
-                        </a:spcBef>
-                        <a:spcAft>
-                          <a:spcPct val="0"/>
-                        </a:spcAft>
-                        <a:buClrTx/>
-                        <a:buSzTx/>
-                        <a:buFontTx/>
-                        <a:buAutoNum type="arabicPlain" startAt="89"/>
-                        <a:tabLst/>
-                      </a:pPr>
-                      <a:r>
-                        <a:rPr kumimoji="0" lang="en-US" altLang="en-US" sz="1800" b="0" i="0" u="none" strike="noStrike" cap="none" normalizeH="0" baseline="0" dirty="0">
-                          <a:ln>
-                            <a:noFill/>
-                          </a:ln>
-                          <a:solidFill>
-                            <a:srgbClr val="000000"/>
-                          </a:solidFill>
-                          <a:effectLst/>
-                          <a:latin typeface="Arial Unicode MS" panose="020B0604020202020204" pitchFamily="34" charset="-128"/>
-                          <a:ea typeface="Courier New" panose="02070309020205020404" pitchFamily="49" charset="0"/>
-                        </a:rPr>
-                        <a:t>  361</a:t>
-                      </a:r>
-                      <a:endParaRPr lang="en-US" dirty="0"/>
-                    </a:p>
-                  </a:txBody>
-                  <a:tcPr/>
-                </a:tc>
-                <a:extLst>
-                  <a:ext uri="{0D108BD9-81ED-4DB2-BD59-A6C34878D82A}">
-                    <a16:rowId xmlns:a16="http://schemas.microsoft.com/office/drawing/2014/main" val="3309506855"/>
-                  </a:ext>
-                </a:extLst>
-              </a:tr>
-            </a:tbl>
-          </a:graphicData>
-        </a:graphic>
-      </p:graphicFrame>
-      <p:graphicFrame>
-        <p:nvGraphicFramePr>
-          <p:cNvPr id="16" name="Table 16">
-            <a:extLst>
-              <a:ext uri="{FF2B5EF4-FFF2-40B4-BE49-F238E27FC236}">
-                <a16:creationId xmlns:a16="http://schemas.microsoft.com/office/drawing/2014/main" id="{090F0ECA-9718-4F9B-9E03-F6C6207463A2}"/>
-              </a:ext>
-            </a:extLst>
-          </p:cNvPr>
-          <p:cNvGraphicFramePr>
-            <a:graphicFrameLocks noGrp="1"/>
-          </p:cNvGraphicFramePr>
-          <p:nvPr>
-            <p:extLst>
-              <p:ext uri="{D42A27DB-BD31-4B8C-83A1-F6EECF244321}">
-                <p14:modId xmlns:p14="http://schemas.microsoft.com/office/powerpoint/2010/main" val="2769772259"/>
-              </p:ext>
-            </p:extLst>
-          </p:nvPr>
-        </p:nvGraphicFramePr>
-        <p:xfrm>
-          <a:off x="689811" y="1284718"/>
-          <a:ext cx="8128000" cy="1285240"/>
-        </p:xfrm>
-        <a:graphic>
-          <a:graphicData uri="http://schemas.openxmlformats.org/drawingml/2006/table">
-            <a:tbl>
-              <a:tblPr firstRow="1" bandRow="1">
-                <a:tableStyleId>{5C22544A-7EE6-4342-B048-85BDC9FD1C3A}</a:tableStyleId>
-              </a:tblPr>
-              <a:tblGrid>
-                <a:gridCol w="8128000">
-                  <a:extLst>
-                    <a:ext uri="{9D8B030D-6E8A-4147-A177-3AD203B41FA5}">
-                      <a16:colId xmlns:a16="http://schemas.microsoft.com/office/drawing/2014/main" val="2105484639"/>
-                    </a:ext>
-                  </a:extLst>
-                </a:gridCol>
-              </a:tblGrid>
-              <a:tr h="370840">
-                <a:tc>
-                  <a:txBody>
-                    <a:bodyPr/>
-                    <a:lstStyle/>
-                    <a:p>
-                      <a:r>
-                        <a:rPr lang="en-CA" dirty="0"/>
-                        <a:t>#Check for duplicates</a:t>
-                      </a:r>
-                    </a:p>
-                    <a:p>
-                      <a:r>
-                        <a:rPr lang="en-CA" dirty="0" err="1"/>
-                        <a:t>abb_df.duplicated</a:t>
-                      </a:r>
-                      <a:r>
-                        <a:rPr lang="en-CA" dirty="0"/>
-                        <a:t>().sum()</a:t>
-                      </a:r>
-                    </a:p>
-                    <a:p>
-                      <a:endParaRPr lang="en-US" dirty="0"/>
-                    </a:p>
-                  </a:txBody>
-                  <a:tcPr/>
-                </a:tc>
-                <a:extLst>
-                  <a:ext uri="{0D108BD9-81ED-4DB2-BD59-A6C34878D82A}">
-                    <a16:rowId xmlns:a16="http://schemas.microsoft.com/office/drawing/2014/main" val="2454061902"/>
-                  </a:ext>
-                </a:extLst>
-              </a:tr>
-              <a:tr h="370840">
-                <a:tc>
-                  <a:txBody>
-                    <a:bodyPr/>
-                    <a:lstStyle/>
-                    <a:p>
-                      <a:r>
-                        <a:rPr lang="en-US" dirty="0"/>
-                        <a:t>0</a:t>
-                      </a:r>
-                    </a:p>
-                  </a:txBody>
-                  <a:tcPr/>
-                </a:tc>
-                <a:extLst>
-                  <a:ext uri="{0D108BD9-81ED-4DB2-BD59-A6C34878D82A}">
-                    <a16:rowId xmlns:a16="http://schemas.microsoft.com/office/drawing/2014/main" val="835231213"/>
-                  </a:ext>
-                </a:extLst>
-              </a:tr>
-            </a:tbl>
-          </a:graphicData>
-        </a:graphic>
-      </p:graphicFrame>
-    </p:spTree>
-    <p:extLst>
-      <p:ext uri="{BB962C8B-B14F-4D97-AF65-F5344CB8AC3E}">
-        <p14:creationId xmlns:p14="http://schemas.microsoft.com/office/powerpoint/2010/main" val="3441555643"/>
-      </p:ext>
-    </p:extLst>
-  </p:cSld>
-  <p:clrMapOvr>
-    <a:masterClrMapping/>
-  </p:clrMapOvr>
-</p:sld>
-</file>
-
-<file path=ppt/slides/slide5.xml><?xml version="1.0" encoding="utf-8"?>
-<p:sld xmlns:a="http://schemas.openxmlformats.org/drawingml/2006/main" xmlns:r="http://schemas.openxmlformats.org/officeDocument/2006/relationships" xmlns:p="http://schemas.openxmlformats.org/presentationml/2006/main">
-  <p:cSld>
     <p:bg>
       <p:bgPr>
         <a:solidFill>
@@ -15304,7 +14549,7 @@
 </p:sld>
 </file>
 
-<file path=ppt/slides/slide6.xml><?xml version="1.0" encoding="utf-8"?>
+<file path=ppt/slides/slide5.xml><?xml version="1.0" encoding="utf-8"?>
 <p:sld xmlns:a="http://schemas.openxmlformats.org/drawingml/2006/main" xmlns:r="http://schemas.openxmlformats.org/officeDocument/2006/relationships" xmlns:p="http://schemas.openxmlformats.org/presentationml/2006/main">
   <p:cSld>
     <p:bg>
@@ -15422,15 +14667,14 @@
           <a:p>
             <a:pPr algn="ctr"/>
             <a:r>
-              <a:rPr lang="en-US" sz="2200" b="1" kern="1200" dirty="0">
+              <a:rPr lang="en-US" sz="2200" b="1" dirty="0">
                 <a:solidFill>
                   <a:schemeClr val="bg1"/>
                 </a:solidFill>
                 <a:latin typeface="+mj-lt"/>
-                <a:ea typeface="+mj-ea"/>
                 <a:cs typeface="+mj-cs"/>
               </a:rPr>
-              <a:t>Who is using Airbnb in NYC  ?</a:t>
+              <a:t>Airbnb List Price</a:t>
             </a:r>
             <a:br>
               <a:rPr lang="en-US" sz="2200" b="1" kern="1200" dirty="0">
@@ -15506,7 +14750,7 @@
           <p:nvPr>
             <p:extLst>
               <p:ext uri="{D42A27DB-BD31-4B8C-83A1-F6EECF244321}">
-                <p14:modId xmlns:p14="http://schemas.microsoft.com/office/powerpoint/2010/main" val="1111770056"/>
+                <p14:modId xmlns:p14="http://schemas.microsoft.com/office/powerpoint/2010/main" val="715827961"/>
               </p:ext>
             </p:extLst>
           </p:nvPr>
@@ -15598,7 +14842,7 @@
                     <a:p>
                       <a:r>
                         <a:rPr lang="en-US" dirty="0"/>
-                        <a:t>$0</a:t>
+                        <a:t>$10</a:t>
                       </a:r>
                     </a:p>
                   </a:txBody>
@@ -15653,7 +14897,7 @@
 </p:sld>
 </file>
 
-<file path=ppt/slides/slide7.xml><?xml version="1.0" encoding="utf-8"?>
+<file path=ppt/slides/slide6.xml><?xml version="1.0" encoding="utf-8"?>
 <p:sld xmlns:a="http://schemas.openxmlformats.org/drawingml/2006/main" xmlns:r="http://schemas.openxmlformats.org/officeDocument/2006/relationships" xmlns:p="http://schemas.openxmlformats.org/presentationml/2006/main">
   <p:cSld>
     <p:spTree>
@@ -15686,12 +14930,20 @@
             <p:ph type="title"/>
           </p:nvPr>
         </p:nvSpPr>
-        <p:spPr/>
+        <p:spPr>
+          <a:xfrm>
+            <a:off x="1654138" y="462455"/>
+            <a:ext cx="9695721" cy="822263"/>
+          </a:xfrm>
+        </p:spPr>
         <p:txBody>
           <a:bodyPr/>
           <a:lstStyle/>
           <a:p>
-            <a:endParaRPr lang="en-US" dirty="0"/>
+            <a:r>
+              <a:rPr lang="en-US" dirty="0"/>
+              <a:t>Price in Different Area</a:t>
+            </a:r>
           </a:p>
         </p:txBody>
       </p:sp>
@@ -15724,8 +14976,8 @@
         </p:blipFill>
         <p:spPr>
           <a:xfrm>
-            <a:off x="388297" y="462455"/>
-            <a:ext cx="10819542" cy="5933090"/>
+            <a:off x="388297" y="1181527"/>
+            <a:ext cx="10819542" cy="5214017"/>
           </a:xfrm>
         </p:spPr>
       </p:pic>
@@ -15742,7 +14994,7 @@
 </p:sld>
 </file>
 
-<file path=ppt/slides/slide8.xml><?xml version="1.0" encoding="utf-8"?>
+<file path=ppt/slides/slide7.xml><?xml version="1.0" encoding="utf-8"?>
 <p:sld xmlns:a="http://schemas.openxmlformats.org/drawingml/2006/main" xmlns:r="http://schemas.openxmlformats.org/officeDocument/2006/relationships" xmlns:p="http://schemas.openxmlformats.org/presentationml/2006/main">
   <p:cSld>
     <p:bg>
@@ -15795,8 +15047,8 @@
         </p:blipFill>
         <p:spPr>
           <a:xfrm>
-            <a:off x="643467" y="1125305"/>
-            <a:ext cx="10905066" cy="4607389"/>
+            <a:off x="1146901" y="904127"/>
+            <a:ext cx="9497126" cy="4931310"/>
           </a:xfrm>
           <a:prstGeom prst="rect">
             <a:avLst/>
@@ -15816,7 +15068,7 @@
 </p:sld>
 </file>
 
-<file path=ppt/slides/slide9.xml><?xml version="1.0" encoding="utf-8"?>
+<file path=ppt/slides/slide8.xml><?xml version="1.0" encoding="utf-8"?>
 <p:sld xmlns:a="http://schemas.openxmlformats.org/drawingml/2006/main" xmlns:r="http://schemas.openxmlformats.org/officeDocument/2006/relationships" xmlns:p="http://schemas.openxmlformats.org/presentationml/2006/main">
   <p:cSld>
     <p:spTree>
@@ -15903,6 +15155,93 @@
     <p:extLst>
       <p:ext uri="{BB962C8B-B14F-4D97-AF65-F5344CB8AC3E}">
         <p14:creationId xmlns:p14="http://schemas.microsoft.com/office/powerpoint/2010/main" val="832180755"/>
+      </p:ext>
+    </p:extLst>
+  </p:cSld>
+  <p:clrMapOvr>
+    <a:masterClrMapping/>
+  </p:clrMapOvr>
+</p:sld>
+</file>
+
+<file path=ppt/slides/slide9.xml><?xml version="1.0" encoding="utf-8"?>
+<p:sld xmlns:a="http://schemas.openxmlformats.org/drawingml/2006/main" xmlns:r="http://schemas.openxmlformats.org/officeDocument/2006/relationships" xmlns:p="http://schemas.openxmlformats.org/presentationml/2006/main">
+  <p:cSld>
+    <p:spTree>
+      <p:nvGrpSpPr>
+        <p:cNvPr id="1" name=""/>
+        <p:cNvGrpSpPr/>
+        <p:nvPr/>
+      </p:nvGrpSpPr>
+      <p:grpSpPr>
+        <a:xfrm>
+          <a:off x="0" y="0"/>
+          <a:ext cx="0" cy="0"/>
+          <a:chOff x="0" y="0"/>
+          <a:chExt cx="0" cy="0"/>
+        </a:xfrm>
+      </p:grpSpPr>
+      <p:sp>
+        <p:nvSpPr>
+          <p:cNvPr id="2" name="Title 1">
+            <a:extLst>
+              <a:ext uri="{FF2B5EF4-FFF2-40B4-BE49-F238E27FC236}">
+                <a16:creationId xmlns:a16="http://schemas.microsoft.com/office/drawing/2014/main" id="{474C4E2D-B66B-3148-BFC3-BB355524B2F1}"/>
+              </a:ext>
+            </a:extLst>
+          </p:cNvPr>
+          <p:cNvSpPr>
+            <a:spLocks noGrp="1"/>
+          </p:cNvSpPr>
+          <p:nvPr>
+            <p:ph type="title"/>
+          </p:nvPr>
+        </p:nvSpPr>
+        <p:spPr/>
+        <p:txBody>
+          <a:bodyPr/>
+          <a:lstStyle/>
+          <a:p>
+            <a:endParaRPr lang="en-US"/>
+          </a:p>
+        </p:txBody>
+      </p:sp>
+      <p:pic>
+        <p:nvPicPr>
+          <p:cNvPr id="4" name="Content Placeholder 3">
+            <a:extLst>
+              <a:ext uri="{FF2B5EF4-FFF2-40B4-BE49-F238E27FC236}">
+                <a16:creationId xmlns:a16="http://schemas.microsoft.com/office/drawing/2014/main" id="{9E3B74AA-30C2-1E4B-B424-402708503716}"/>
+              </a:ext>
+            </a:extLst>
+          </p:cNvPr>
+          <p:cNvPicPr>
+            <a:picLocks noGrp="1" noChangeAspect="1"/>
+          </p:cNvPicPr>
+          <p:nvPr>
+            <p:ph idx="1"/>
+          </p:nvPr>
+        </p:nvPicPr>
+        <p:blipFill>
+          <a:blip r:embed="rId2"/>
+          <a:stretch>
+            <a:fillRect/>
+          </a:stretch>
+        </p:blipFill>
+        <p:spPr>
+          <a:xfrm>
+            <a:off x="2457450" y="1284718"/>
+            <a:ext cx="7861282" cy="5307364"/>
+          </a:xfrm>
+          <a:prstGeom prst="rect">
+            <a:avLst/>
+          </a:prstGeom>
+        </p:spPr>
+      </p:pic>
+    </p:spTree>
+    <p:extLst>
+      <p:ext uri="{BB962C8B-B14F-4D97-AF65-F5344CB8AC3E}">
+        <p14:creationId xmlns:p14="http://schemas.microsoft.com/office/powerpoint/2010/main" val="2037378837"/>
       </p:ext>
     </p:extLst>
   </p:cSld>
